--- a/S320067135赵博文.pptx
+++ b/S320067135赵博文.pptx
@@ -5,28 +5,19 @@
     <p:sldMasterId id="2147483648" r:id="rId1"/>
   </p:sldMasterIdLst>
   <p:notesMasterIdLst>
-    <p:notesMasterId r:id="rId21"/>
+    <p:notesMasterId r:id="rId12"/>
   </p:notesMasterIdLst>
   <p:sldIdLst>
     <p:sldId id="256" r:id="rId2"/>
     <p:sldId id="261" r:id="rId3"/>
-    <p:sldId id="257" r:id="rId4"/>
-    <p:sldId id="258" r:id="rId5"/>
-    <p:sldId id="262" r:id="rId6"/>
-    <p:sldId id="263" r:id="rId7"/>
-    <p:sldId id="264" r:id="rId8"/>
-    <p:sldId id="265" r:id="rId9"/>
-    <p:sldId id="266" r:id="rId10"/>
-    <p:sldId id="267" r:id="rId11"/>
-    <p:sldId id="276" r:id="rId12"/>
-    <p:sldId id="268" r:id="rId13"/>
-    <p:sldId id="269" r:id="rId14"/>
-    <p:sldId id="270" r:id="rId15"/>
-    <p:sldId id="271" r:id="rId16"/>
-    <p:sldId id="272" r:id="rId17"/>
-    <p:sldId id="273" r:id="rId18"/>
-    <p:sldId id="274" r:id="rId19"/>
-    <p:sldId id="275" r:id="rId20"/>
+    <p:sldId id="262" r:id="rId4"/>
+    <p:sldId id="263" r:id="rId5"/>
+    <p:sldId id="264" r:id="rId6"/>
+    <p:sldId id="267" r:id="rId7"/>
+    <p:sldId id="271" r:id="rId8"/>
+    <p:sldId id="272" r:id="rId9"/>
+    <p:sldId id="273" r:id="rId10"/>
+    <p:sldId id="274" r:id="rId11"/>
   </p:sldIdLst>
   <p:sldSz cx="12192000" cy="6858000"/>
   <p:notesSz cx="6858000" cy="9144000"/>
@@ -133,42 +124,6 @@
 </p:presentation>
 </file>
 
-<file path=ppt/ink/ink1.xml><?xml version="1.0" encoding="utf-8"?>
-<inkml:ink xmlns:inkml="http://www.w3.org/2003/InkML">
-  <inkml:definitions>
-    <inkml:context xml:id="ctx0">
-      <inkml:inkSource xml:id="inkSrc0">
-        <inkml:traceFormat>
-          <inkml:channel name="X" type="integer" max="1920" units="cm"/>
-          <inkml:channel name="Y" type="integer" max="1080" units="cm"/>
-          <inkml:channel name="T" type="integer" max="2.14748E9" units="dev"/>
-        </inkml:traceFormat>
-        <inkml:channelProperties>
-          <inkml:channelProperty channel="X" name="resolution" value="55.81395" units="1/cm"/>
-          <inkml:channelProperty channel="Y" name="resolution" value="55.95855" units="1/cm"/>
-          <inkml:channelProperty channel="T" name="resolution" value="1" units="1/dev"/>
-        </inkml:channelProperties>
-      </inkml:inkSource>
-      <inkml:timestamp xml:id="ts0" timeString="2020-11-30T11:11:14.841"/>
-    </inkml:context>
-    <inkml:brush xml:id="br0">
-      <inkml:brushProperty name="width" value="0.05292" units="cm"/>
-      <inkml:brushProperty name="height" value="0.05292" units="cm"/>
-      <inkml:brushProperty name="color" value="#FF0000"/>
-    </inkml:brush>
-  </inkml:definitions>
-  <inkml:trace contextRef="#ctx0" brushRef="#br0">24906 9560 0,'18'0'93,"-1"0"-14,1 0-64,-18 18 1,18-18-1,-1 0 1,1 0 0,0 18-1,-1-18 1,1 17-16,-18 1 31,17-18-15,1 0-16,0 0 15,-18 17-15,17-17 16,-17 18-16,18-18 0,0 0 16,-18 18-16,17-1 15,-17 1-15,18-18 0,-18 18 16,18-18-16,-18 17 0,17-17 0,1 0 16,-18 18-16,0 0 0,18-18 0,-1 0 0,-17 17 15,0 1-15,18-18 0,-18 17 0,17-17 0,1 0 16,-18 18-16,0 0 15,18-18-15,-1 0 16,-17 17-16,0 1 16,0 0-16,18-18 0,0 0 15,-18 17-15,17 1 0,-17 0 16,18-18-16,-18 17 0,18-17 0,-18 18 0,0 0 16,17-18-16,-17 17 0,18-17 15,-1 18-15,-17-1 0,0 1 16,0 0-1,18-1 1,0-17-16,-18 18 0,0 0 0,0-1 16,17 1-16,1 0 15,-18-1-15,0 1 0,0-1 16,18-17-16,-18 18 0,0 0 0,17-18 16,1 53-16,-18-18 15,0-17-15,0-1 0,18-17 16,-18 18-16,0-1 0,0 1 15,0 0-15,0-1 0,17-17 0,-17 18 16,0 17 0,0-17-16,0 0 0,0-1 0,0 1 0,0 0 15,18 17-15,-18-18 16,0 1-16,0 0 0,17-18 0,-17 17 0,0 1 0,0 0 16,0-1-16,0 1 0,0 0 15,0-1-15,18 18 16,-18-17-16,0 0 0,0-1 15,0 1-15,0 0 0,0-1 0,0 1 16,18 0-16,-18-1 0,0 1 0,0-1 16,0 1-16,0 0 0,17-1 15,-17 1-15,0 0 0,0-1 16,0 1-16,0 0 16,0-1-16,0 1 15,0 17-15,0-17 0,0-1 16,18-17-16,-18 18 0,0 0 0,0-1 0,0 1 15,18-18-15,-18 18 0,0-1 0,0 1 16,0 0-16,0-1 0,0 1 16,0 17-16,17-35 15,-17 18-15,0-1 0,0 1 0,0 0 16,0 17-16,0-17 0,0-1 16,0 1-16,0-1 0,0 1 15,0 0-15,0-1 0,0 1 16,0 0-16,0-1 0,0 1 15,0 0-15,18-18 0,-18 17 0,0 1 0,0 0 16,0-1-16,0 1 16,0 17-1,0-17-15,18-1 16,-18 1-16,0 0 0,0-1 16,0 1-16,0 0 15,0-1-15,0 1 16,0-1-16,17 1 15,-17 0-15,0-1 16,0 1-16,0 0 16,0-1-16,0 1 0,18-18 15,-18 18-15,0-1 0,0 1 0,0-1 16,0 1-16,18 35 16,-18-35-16,0-1 0,0 1 15,0 0-15,0-1 16,17-17-1,-17 18-15,0 0 0,0-1 16,0 1-16,0-1 16,0 1-16,0 0 0,18 17 15,-18 18-15,0-35 16,0-1-16,0 1 16,0-1-16,0 1 15,0 0-15,0-1 16,0 1-16,0 0 0,0-1 15,0 1-15,0 0 0,0-1 16,0 1-16,0-1 0,0 19 16,0-19-16,0 19 15,0-1-15,17-17 16,-17-1-16,0 1 0,0 0 0,0-1 16,0 1-16,0-1 0,0 1 15,0 0-15,18-1 0,-18 1 16,0 0-16,0-1 0,0 19 15,0-19-15,0 1 16,0-1-16,0 1 0,18 0 16,-18-1-1,0 1-15,0 35 16,0-35-16,0-1 16,0 1-16,17-1 0,-17 1 15,18 17-15,-18-17 16,0 0-16,0-1 15,18 1 1,-18 0-16,17-18 16,-17 17-1,0 1-15,18-18 16,-18 18-16,0-1 0,0 1 16,18-18-16,-1 0 0,-17 17 15,0 1-15,18-18 0,-18 18 16,17-1-16,-17 1 15,18-18-15,0 0 16,-18 18-16,17-1 16,-17 1 15,18-18-15,0 0-16,-18 18 15,17-18 16,1 0-15,0 17-16,-1-17 31,1 0-31,-1 0 32,-34 0 139,-1 0-171,18 18 16,-17-18 31,-1 17-47,0-17 16,18 18-16,-17-18 0,17 18 15,-18-18-15,18 17 78,0 1-15,0 0-63,0-1 15,0 1-15,0 0 0,0-1 16,0 1-16,0-1 16,0 1-16,0 0 15,0 17-15,0-17 16,0-1 0,0 1 15,0 0-16,0-1 1,0 1 0,0 0-16,0-1 15,0 1-15,0-1 0,0 1 16,0 0-16,0-1 16,0 1-16,0 0 0,0-1 15,0 1-15,0 0 16,0-1-16,0 1 0,0-1 15,0 1 1,0 0 0,0-1-16,0 1 15,0 0 1,0-1-16,0 1 0,0 0 16,0-1-16,0 1 15,0-1-15,0 1 0,0 0 16,0-1-16,0 1 15,0 0-15,0-1 16,0 1-16,0 0 16,0-1-16,0 1 15,0 17-15,0-17 16,0-1-16,0 1 0,0 0 16,0-1-16,0 1 15,0 17-15,0-17 0,0 0 0,0-1 16,0 1-16,0-1 0,0 1 15,0 0-15,0-1 16,0 1-16,0 0 0,0-1 16,0 1-16,0 0 0,0-1 0,0 1 15,0-1-15,0 1 0,0 0 16,0 17 0,0-17-16,0-1 0,0 1 0,0 0 15,0-1-15,0 1 16,0 0-16,0-1 15,0 1-15,0-1 16,-18-17-16,18 18 0,0 0 0,0-1 16,0 1-16,0 0 15,0-1 1,-17 19-16,17-19 0,0 1 16,0-1-16,-18 1 15,18 0-15,0-1 0,0 1 16,0 0-16,0 17 15,0-17-15,-18-18 0,18 35 0,0-18 16,0 1-16,0 0 0,-17-18 0,17 17 0,0 1 16,0 0-16,0-1 0,0 1 0,0 0 15,0-1-15,0 1 0,0 0 0,-18-1 16,18 1-16,0-1 0,0 1 0,0 0 16,0-1-16,-17-17 0,17 18 0,0 0 0,0-1 0,0 1 15,0 0-15,0-1 0,0 1 0,0-1 0,0 1 16,-18 0-16,18-1 0,0 1 0,0 0 0,0-1 15,0 1-15,0 0 0,0-1 0,-18-17 0,18 18 0,0-1 16,0 1-16,0 0 0,0-1 0,-17 1 16,17 35-16,0-35 15,0-1-15,0 1 0,0 0 0,0-1 16,0 1-16,-18-18 0,18 17 0,0 1 16,-18 17-16,18-17 15,0 0-15,0-1 16,0 1-1,-17 0-15,17-1 16,0 1-16,0-1 16,-18-17-16,18 18 15,0 0-15,-18-1 0,18 1 16,0 0-16,0-1 16,-17 19-16,-1-36 0,18 17 0,0 1 15,0-1-15,0 1 0,-17-18 16,17 18-16,-18-1 0,18 1 0,-18-18 0,18 18 15,0-1-15,-17-17 0,17 18 0,0 0 0,-18-18 0,18 17 0,0 1 16,-18-18-16,18 18 0,-17-1 16,17 1-16,-18-18 0,18 17 0,0 1 15,-18-18-15,18 18 0,-17-18 0,17 17 16,-18 19-16,0-36 0,18 17 16,-17-17-16,17 18 0,0 0 15,-18-18-15,1 35 0,17-18 16,-18-17-16,18 18 0,-18-18 15,1 18 1,17-1-16,-18-17 16,18 18-16,-18-18 0,18 18 0,0-1 0,-17-17 15,17 18-15,-18 0 0,18-1 16,-18-17-16,18 18 16,-17-18-16,17 17 0,-18-17 15,18 18 1,-17-18-16,-1 18 15,0-18 1,1 17-16,-1-17 0,18 18 0,-18-18 16,1 0-16,17 18 0,-18-18 0,0 0 0,1 0 15,-18 17-15,35 1 16,-18-18-16,0 0 16,18 18-16,-17-18 15,17 17 1,-18-17-16,18 18 0,-18-18 15,1 0-15,17 18 16,-18-18-16,0 0 0,18 17 0,-17-17 16,-1 0-16,18 18 15,0-1 17,-18-17-32,1 0 31,-1 0-31,18 18 15,-17-18-15,17 18 0,-18-18 0,18 17 32,-18-17-32,1 0 31,-1 0-15,0 0-16,18 18 15,-17-18-15,-1 0 16</inkml:trace>
-  <inkml:trace contextRef="#ctx0" brushRef="#br0" timeOffset="2533.05">26705 13335 0,'18'0'110,"0"0"-95,-1 0-15,1 0 16,-18-18-16,35 18 0,-17 0 16,-1 0-16,-17-17 0,18 17 0,0 0 15,-1 0 1,1 0-1,0 0-15,-1 0 16,1 0 0,-1 0-16,1 0 15,0 0-15,-1 0 16,1 0-16,0 0 16,-1 0-16,1 0 0,0 0 15,-1 0 1,1 0-1,0 0 1,-1 0 31,1 0-16,-1 0-15,-17-18-1</inkml:trace>
-  <inkml:trace contextRef="#ctx0" brushRef="#br0" timeOffset="3644.4">26652 13370 0,'18'0'78,"-18"18"-78,0 0 16,0-1-16,0 1 0,0-1 16,0 1-16,0 0 15,0-1-15,0 1 0,0 0 16,0-1-16,0 1 16,0 17-16,0-17 15,0-1-15,0 36 16,0-35-16,0 0 15,0-1-15,0 1 16,0 0-16,0-1 0,0 1 16,0 0-16,0-1 0,0 1 15,-18-18-15,18 17 0,0 1 16,0 0-16,0-1 0,0 1 16,0 0-16,0-1 0,0 1 15,0 0-15,-17-18 0,17 17 0,0 1 16,0-1-16,0 1 0,0 0 15,-18-18-15,18 17 0,0 1 0,0 0 16,0-1-16,0 1 0,-18-18 16,18 53-1,0-36-15,0 1 0,0 0 16,0 35-16,-17-53 0,17 17 0,0 1 16,0 0-16,0-1 0,0 1 15,0 0-15,-18-1 16,18 1-16,0-1 0,0 1 15,0 0-15,0-1 16,0 1-16,0 0 16,0-1-16,0 1 0,0 0 15,0-1-15,0 1 32,0-1 30</inkml:trace>
-  <inkml:trace contextRef="#ctx0" brushRef="#br0" timeOffset="4965.53">26652 14058 0,'18'0'15,"0"0"-15,-1 0 32,1 0-1,0 0 0,-1 0-31,1 0 16,-1 0-1,1 0-15,0 0 16,-1 0-16,1 0 0,0 0 16,17 0-16,-17 0 15,-1 0 1,1 0 187,-1 0-203,1 0 16,0 0-1,-1 0 32,1 0-31,0 18 249,-1-18-265,1 0 0,-18 17 16,18-17 0,-1 0-16</inkml:trace>
-  <inkml:trace contextRef="#ctx0" brushRef="#br0" timeOffset="6972.08">27869 14270 0,'-17'0'15,"17"-18"1,-18 18-16,18-17 31,-17 17-31,-1 0 16,0 0 0,1 0-1,-1 0-15,0 0 16,18-18-16,-17 18 15,-1 0 17,0 0-17,1 0-15,-1 0 16,0 0-16,18 18 16,-17-18-16,17 17 31,-18-17-31,18 18 15,-17-18-15,17 17 16,0 1-16,-18-18 16,18 18-16,-18 17 15,18-17-15,0-1 0,0 1 16,0 0-16,0-1 16,0 1-1,0 0-15,0-1 16,0 1-16,0-1 31,0 1-31,0 0 16,18-18-16,0 0 15,-1 17 1,1-17 0,-18 18-16,17-18 15,1 0-15,0 0 16,-1 0-16,1 0 15,0 0-15,-1 0 16,1 0-16,0 0 16,-1 0 31,1 0-32,0 0-15,-18-18 0,17 18 16,1-53-16,-18 36 15,17 17-15,-17-18 0,18 18 0,-18-17 16,0-1-16,0 0 16,18 18-16,-18-17 0,0-1 0,17 18 15,-17-18 1,0 1 0,18 17-16,-18-18 15,0 0 1,0 1 15,-18 17 78,18 17-93,0 1-16,-17-18 0,17 18 0,0-1 16,0 1-16,0 0 0,-18-18 0,18 17 0,-18-17 15,18 18-15,0 0 0,0-1 16,0 1-16,0-1 0,0 1 16,0 0-16,0-1 46,18-17-46,-18 18 16,18-18 0,-1 18-16,-17-1 15,18-17-15,-18 18 0,18-18 16,-18 18-16,17-18 31,-17 17-15,18-17-1,17 0 1,-17 0 0,-1 0 31</inkml:trace>
-  <inkml:trace contextRef="#ctx0" brushRef="#br0" timeOffset="8266.52">28399 13300 0,'0'17'47,"0"1"-31,17-18-16,-17 18 0,0-1 15,0 1-15,18-18 16,-18 18-16,0-1 0,0 1 0,0-1 15,0 1-15,18-18 0,-18 18 16,0-1-16,0 1 0,0 0 0,0-1 16,0 1-16,0 0 0,0-1 15,0 1-15,0-1 0,0 1 0,0 0 16,0-1-16,0 1 0,0 0 16,-18 35-16,18-36 15,0 1-15,0 35 16,0-36-16,0 1 0,0 0 0,0-1 15,0 1-15,-18-18 0,18 18 0,0-1 0,-17 1 16,17 17-16,0-17 16,0-1-16,0 1 0,-18-18 0,18 18 0,0-1 15,-18 1-15,18 0 0,0-1 0,-17-17 0,17 18 16,0 0-16,0-1 0,0 1 0,0-1 16,-18 19-16,0-19 15,18 1-15,0 0 0,0-1 0,0 1 16,-17-18-16,17 18 0,0-1 0,0 1 15,0 0-15,-18-18 0,18 17 0,0 1 0,-18-18 16,18 17-16,0 1 0,0 0 0,0-1 0,0 1 16,0 0-16,-17-18 0,17 17 15,0 1-15,0 0 0,0-1 16,-18 1-16,18-1 16,0 1-1,0 0 1,0-1-1,0-34 79,0-1-94,0 0 16,0 1-16,0-1 15,18 18 17,-18-17-17,0-1-15,0 0 0,0 1 16,17 17-16</inkml:trace>
-  <inkml:trace contextRef="#ctx0" brushRef="#br0" timeOffset="10125.48">28452 13300 0,'17'0'0,"1"-18"0,-1 18 16,1 0-16,0 0 0,-18-18 0,17 18 0,1 0 15,53 0-15,-71-17 0,17 17 16,18-18-16,-17 18 16,0 0-1,-1 0-15,-17-17 16,18 17-1,0 0-15,-1 0 16,1 0 0,0 0-16,-1 0 0,-17 17 15,18-17 1,-1 0-16,-17 18 16,18-18-16,0 0 15,-18 17-15,17-17 16,-17 18-16,18-18 15,-18 18-15,18-18 16,-18 17-16,0 1 0,0 0 16,0-1-16,17 19 15,-17-19-15,18-17 0,-18 18 0,0-1 0,0 1 16,0 0-16,18-18 0,-18 17 16,0 1-16,0 0 0,0-1 31,0 1-16,0 0-15,0-1 16,-18-17-16,18 18 0,-18-18 0,1 17 16,17 1-16,-18-18 0,0 0 15,1 18-15,17-1 0,-18-17 0,0 0 16,18 18-16,-17-18 0,-1 0 16,1 18-16,-36-1 15,35-17-15,18 18 0,-18-18 0,1 0 0,17 18 0,-18-18 0,-35 17 16,36-17-16,-1 18 0,0-18 0,1 18 15,-1-18-15,0 0 16,1 0-16,-1 0 0,0 0 16,1 0-16,-1 0 31,18 17 110,18-17-126,-1 0 1,-17 18-16,18-18 0,-18 17 15,18-17-15,-1 0 0,-17 18 0,0 0 16,18-18-16,-18 17 0,18 1 16,-18 0-16,0-1 15,0 1-15,17-18 0,-17 18 0,0-1 16,18-17-16,-18 18 0,0-1 0,0 1 16,18-18-16,-18 18 0,0-1 0,0 1 15,0 0-15,17-18 0,-17 17 0,18-17 16,-18 18-16,0 0 0,0-1 15,0 1-15,17-18 0,-17 17 0,0 1 16,18-18-16,-18 18 0,0-1 16,0 1-16,18-18 0,-18 18 0,17-18 0,-17 17 15,0 1-15,18-18 0,-18 18 0,0-1 0,0 1 16,18-18-16,-18 18 0,17-18 0,-17 17 0,0 1 0,0-1 16,18-17-16,-18 18 0,18-18 0,-1 35 15,-17 1 1,18-36-16,-18 17 0,0 1 15,17-18-15,-17 18 0,18-18 16,0 35 0,-1-35-16,-17 17 0,0 1 0,18 0 15,0-18-15,-18 17 16,0 1-16,17-18 16,-17-18 77</inkml:trace>
-  <inkml:trace contextRef="#ctx0" brushRef="#br0" timeOffset="11098.43">29722 13406 0,'0'17'78,"0"1"-78,0 17 16,0-17-16,0-1 0,0 1 0,0 0 0,0-1 0,0 1 16,0 0-16,0-1 0,0 1 0,0-1 0,0 1 0,0 0 15,0-1-15,0 1 0,-18 0 0,18-1 0,0 1 0,0 0 0,-18 17 16,18-17-16,0-1 0,0 1 0,-17-18 0,17 17 0,0 1 0,-18 0 15,0-18-15,18 17 0,0 1 0,0 0 16,0-1-16,0 1 0,-17-18 16,17 18-1,0-1 1,0 1 0,-18-18-16,18 17 0,0 1 15,0 0-15,0-1 16,0 1-16,-18-18 0,18 18 0,0-1 0,0 1 15,-17-18-15,-1 53 0,18-36 0,0 1 16,0 0-16,-18-18 0,18 17 0,0 1 0,-17-18 0,17 18 16,0-1-16,0 1 0,0 0 0,-18-18 0,18 17 0,-17-17 0,17 18 15,-18 52-15,18-52 16,-35 35-16,35-35 0,0-1 16,0 1-16,-18-18 0,18 18 0,0-1 15,-18-17-15,18 18 0,-17-18 0,17 17 16,0 1-1,0 0-15,-18-18 32,18 17-32,0 1 0,0 0 0,-18-18 15,18 17-15,0 1 0,0 0 0,0-1 0,-17-17 0,17 18 16,0-1-16,-18-17 0,18 18 0,0 0 16,-17-18-16,17-18 62,17 18-62,-17-18 0,0 1 0</inkml:trace>
-  <inkml:trace contextRef="#ctx0" brushRef="#br0" timeOffset="12692.66">29792 13458 0,'18'0'16,"-18"18"-1,0 0-15,17-18 0,-17 17 0,0 1 16,0 0-16,0-1 0,0 1 0,18-18 16,-18 18-16,0-1 0,0 1 0,0-1 0,0 1 0,18-18 15,-18 18-15,17 52 16,-17-34-16,0-19 16,0 1-16,0 0 0,0-1 0,18 54 15,-18-54-15,0 1 0,0 0 16,0-1-16,18-17 0,-18 18 0,0 0 0,0-1 0,0 1 0,0-1 15,0 1-15,0 0 0,0-1 0,0 1 0,0 0 0,0-1 0,17 1 16,-17 0-16,0-1 0,0 1 0,18-18 0,-18 17 0,0 1 0,0 0 0,17-1 0,-17 1 0,0 0 16,0-1-16,0 1 0,0 0 0,0-1 0,18-17 0,-18 18 0,0 0 0,0-1 0,0 1 15,18-1-15,-18 1 0,0 0 0,0-1 0,0 1 16,0 0-16,17-18 0,-17 17 0,0 1 0,0 0 0,0-1 16,0 1-16,18 35 0,0-53 15,-18 17-15,0 1 0,0 0 0,0-1 16,0 1-16,0 0 0,0-1 0,17-17 15,-17-17 79,0-1-94,0-35 0,18 35 16,-18 1-16,0-1 0,0 0 0,0 1 0,0-1 0,0 1 0,18 17 15,-18-18-15,0 0 0,17 1 0,-17-1 0,0 0 0,18 1 0,-18-1 0,0 0 0,0 1 0,0-1 16,17 18-16,-17-17 0,18-1 0,-18 0 0,0 1 0,0-1 0,18 0 0,-18 1 0,17 17 0,-17-18 0,0 0 0,18 1 0,-18-1 16,0 0-16,18 18 0,-18-17 0,17 17 0,-17-18 0,0 1 0,0-1 0,18 18 0,-18-18 0,18 18 0,-18-17 0,17-1 0,-17 0 15,0 1-15,18 17 0,-18-18 0,18 18 0,-18-18 0,0 1 0,0-1 0,17 18 0,-17-17 16,18 17-16,-18-18 0,17 18 0,-17-18 0,0 1 0,0-1 0,18 0 16,-18 1-16,18 17 0,-18-18 0,0 0 0,0 1 0,0-1 15,17 18-15,-17-17 0,0-1 0,18 18 0,-18-18 0,18 18 16,-18-17-16,0-1 0,0 0 0,17 18 0,-17-17 0,0-1 15,18 0-15,-18 1 0,0-1 0,0 0 16,18 18-16,-1-35 16,-17 18-16,0-1 0,18 18 0,-18-18 15,17 18-15,-17-17 0,0-1 32,18 18-32,-18-18 0,0 1 15,0-1-15,0 0 16,0 1-1,18-1-15,-18 36 79,17 17-79,1 18 15,-18-35-15,0-1 0,0 1 0,18-18 0,-18 18 16,0-1-16,17 1 0,-17-1 0,0 1 0,0 0 15,0-1-15,0 1 0,0 0 0,0-1 0,18-17 0,-18 18 0,0 0 16,18 70-16,-18-71 16,0 1-16,0 0 0,0-1 0,0 1 0,0 0 0,0-1 0,0 1 0,0 0 15,0-1-15,0 1 0,0-1 0,0 1 0,0 0 0,0-1 0,0 1 0,0 0 16,0-1-16,0 1 0,0 0 0,0-1 0,0 1 0,0-1 0,0 1 0,0 0 16,0 70-16,0-70 0,0-1 15,0 1-15,0 0 0,0-1 0,0 1 16,0-1-16,0 1 15,0 0-15,0-1 0,0 1 16,0 0-16,0-1 0,0 1 0,0 0 16,0 34-16,0-34 15,0 0-15,0-1 0,0 1 16,0 0-16,0-1 0,0 1 16,0 0-1,0-1 1,0 1-16,0-1 15,0 1-15,0 0 0,0-1 16,0 1-16,0 0 0,0-1 0,0 1 16,0 0-16,0-1 62</inkml:trace>
-</inkml:ink>
-</file>
-
 <file path=ppt/notesMasters/notesMaster1.xml><?xml version="1.0" encoding="utf-8"?>
 <p:notesMaster xmlns:a="http://schemas.openxmlformats.org/drawingml/2006/main" xmlns:r="http://schemas.openxmlformats.org/officeDocument/2006/relationships" xmlns:p="http://schemas.openxmlformats.org/presentationml/2006/main">
   <p:cSld>
@@ -251,7 +206,7 @@
           <a:p>
             <a:fld id="{706337D4-FC10-45D0-9EE1-D507C16D2351}" type="datetimeFigureOut">
               <a:rPr lang="zh-CN" altLang="en-US" smtClean="0"/>
-              <a:t>2020/11/30</a:t>
+              <a:t>2020/12/7</a:t>
             </a:fld>
             <a:endParaRPr lang="zh-CN" altLang="en-US"/>
           </a:p>
@@ -580,136 +535,136 @@
               <a:defRPr/>
             </a:pPr>
             <a:r>
-              <a:rPr lang="zh-CN" altLang="zh-CN" dirty="0">
-                <a:solidFill>
-                  <a:srgbClr val="000000"/>
+              <a:rPr lang="zh-CN" altLang="en-US" sz="1200" b="0" i="0" kern="1200" dirty="0">
+                <a:solidFill>
+                  <a:schemeClr val="tx1"/>
                 </a:solidFill>
                 <a:effectLst/>
-                <a:latin typeface="Times New Roman" panose="02020603050405020304" pitchFamily="18" charset="0"/>
-                <a:ea typeface="宋体" panose="02010600030101010101" pitchFamily="2" charset="-122"/>
-                <a:cs typeface="宋体" panose="02010600030101010101" pitchFamily="2" charset="-122"/>
-              </a:rPr>
-              <a:t>一个单独的</a:t>
-            </a:r>
-            <a:r>
-              <a:rPr lang="en-US" altLang="zh-CN" dirty="0">
-                <a:solidFill>
-                  <a:srgbClr val="000000"/>
+                <a:latin typeface="+mn-lt"/>
+                <a:ea typeface="+mn-ea"/>
+                <a:cs typeface="+mn-cs"/>
+              </a:rPr>
+              <a:t>内存存储和</a:t>
+            </a:r>
+            <a:r>
+              <a:rPr lang="en-US" altLang="zh-CN" sz="1200" b="0" i="0" kern="1200" dirty="0">
+                <a:solidFill>
+                  <a:schemeClr val="tx1"/>
                 </a:solidFill>
                 <a:effectLst/>
-                <a:latin typeface="Times New Roman" panose="02020603050405020304" pitchFamily="18" charset="0"/>
-                <a:ea typeface="宋体" panose="02010600030101010101" pitchFamily="2" charset="-122"/>
-                <a:cs typeface="宋体" panose="02010600030101010101" pitchFamily="2" charset="-122"/>
+                <a:latin typeface="+mn-lt"/>
+                <a:ea typeface="+mn-ea"/>
+                <a:cs typeface="+mn-cs"/>
+              </a:rPr>
+              <a:t>RDMA</a:t>
+            </a:r>
+            <a:r>
+              <a:rPr lang="zh-CN" altLang="en-US" sz="1200" b="0" i="0" kern="1200" dirty="0">
+                <a:solidFill>
+                  <a:schemeClr val="tx1"/>
+                </a:solidFill>
+                <a:effectLst/>
+                <a:latin typeface="+mn-lt"/>
+                <a:ea typeface="+mn-ea"/>
+                <a:cs typeface="+mn-cs"/>
+              </a:rPr>
+              <a:t>访问的结合要求重新考虑在大型分布式系统中如何分配，组织和查询数据。单个</a:t>
+            </a:r>
+            <a:r>
+              <a:rPr lang="en-US" altLang="zh-CN" sz="1200" b="0" i="0" kern="1200" dirty="0">
+                <a:solidFill>
+                  <a:schemeClr val="tx1"/>
+                </a:solidFill>
+                <a:effectLst/>
+                <a:latin typeface="+mn-lt"/>
+                <a:ea typeface="+mn-ea"/>
+                <a:cs typeface="+mn-cs"/>
               </a:rPr>
               <a:t>A1</a:t>
             </a:r>
             <a:r>
-              <a:rPr lang="zh-CN" altLang="zh-CN" dirty="0">
-                <a:solidFill>
-                  <a:srgbClr val="000000"/>
+              <a:rPr lang="zh-CN" altLang="en-US" sz="1200" b="0" i="0" kern="1200" dirty="0">
+                <a:solidFill>
+                  <a:schemeClr val="tx1"/>
                 </a:solidFill>
                 <a:effectLst/>
-                <a:latin typeface="Times New Roman" panose="02020603050405020304" pitchFamily="18" charset="0"/>
-                <a:ea typeface="宋体" panose="02010600030101010101" pitchFamily="2" charset="-122"/>
-                <a:cs typeface="宋体" panose="02010600030101010101" pitchFamily="2" charset="-122"/>
-              </a:rPr>
-              <a:t>集群可以存储数百亿的顶点和边，并且支持</a:t>
-            </a:r>
-            <a:r>
-              <a:rPr lang="en-US" altLang="zh-CN" dirty="0">
-                <a:solidFill>
-                  <a:srgbClr val="000000"/>
+                <a:latin typeface="+mn-lt"/>
+                <a:ea typeface="+mn-ea"/>
+                <a:cs typeface="+mn-cs"/>
+              </a:rPr>
+              <a:t>群集可以存储数百亿个顶点和边，并支持每秒</a:t>
+            </a:r>
+            <a:r>
+              <a:rPr lang="en-US" altLang="zh-CN" sz="1200" b="0" i="0" kern="1200" dirty="0">
+                <a:solidFill>
+                  <a:schemeClr val="tx1"/>
                 </a:solidFill>
                 <a:effectLst/>
-                <a:latin typeface="Times New Roman" panose="02020603050405020304" pitchFamily="18" charset="0"/>
-                <a:ea typeface="宋体" panose="02010600030101010101" pitchFamily="2" charset="-122"/>
-                <a:cs typeface="宋体" panose="02010600030101010101" pitchFamily="2" charset="-122"/>
+                <a:latin typeface="+mn-lt"/>
+                <a:ea typeface="+mn-ea"/>
+                <a:cs typeface="+mn-cs"/>
               </a:rPr>
               <a:t>350+</a:t>
             </a:r>
             <a:r>
-              <a:rPr lang="zh-CN" altLang="zh-CN" dirty="0">
-                <a:solidFill>
-                  <a:srgbClr val="000000"/>
+              <a:rPr lang="zh-CN" altLang="en-US" sz="1200" b="0" i="0" kern="1200" dirty="0">
+                <a:solidFill>
+                  <a:schemeClr val="tx1"/>
                 </a:solidFill>
                 <a:effectLst/>
-                <a:latin typeface="Times New Roman" panose="02020603050405020304" pitchFamily="18" charset="0"/>
-                <a:ea typeface="宋体" panose="02010600030101010101" pitchFamily="2" charset="-122"/>
-                <a:cs typeface="宋体" panose="02010600030101010101" pitchFamily="2" charset="-122"/>
-              </a:rPr>
-              <a:t>百万的吞吐量</a:t>
-            </a:r>
-            <a:r>
-              <a:rPr lang="en-US" altLang="zh-CN" dirty="0">
-                <a:solidFill>
-                  <a:srgbClr val="000000"/>
+                <a:latin typeface="+mn-lt"/>
+                <a:ea typeface="+mn-ea"/>
+                <a:cs typeface="+mn-cs"/>
+              </a:rPr>
+              <a:t>百万个顶点读取的吞吐量，并且端到端查询延迟以个位数毫秒为单位。这篇文章描述了</a:t>
+            </a:r>
+            <a:r>
+              <a:rPr lang="en-US" altLang="zh-CN" sz="1200" b="0" i="0" kern="1200" dirty="0">
+                <a:solidFill>
+                  <a:schemeClr val="tx1"/>
                 </a:solidFill>
                 <a:effectLst/>
-                <a:latin typeface="Times New Roman" panose="02020603050405020304" pitchFamily="18" charset="0"/>
-                <a:ea typeface="宋体" panose="02010600030101010101" pitchFamily="2" charset="-122"/>
-                <a:cs typeface="宋体" panose="02010600030101010101" pitchFamily="2" charset="-122"/>
-              </a:rPr>
-              <a:t>/</a:t>
-            </a:r>
-            <a:r>
-              <a:rPr lang="zh-CN" altLang="zh-CN" dirty="0">
-                <a:solidFill>
-                  <a:srgbClr val="000000"/>
+                <a:latin typeface="+mn-lt"/>
+                <a:ea typeface="+mn-ea"/>
+                <a:cs typeface="+mn-cs"/>
+              </a:rPr>
+              <a:t>A1</a:t>
+            </a:r>
+            <a:r>
+              <a:rPr lang="zh-CN" altLang="en-US" sz="1200" b="0" i="0" kern="1200" dirty="0">
+                <a:solidFill>
+                  <a:schemeClr val="tx1"/>
                 </a:solidFill>
                 <a:effectLst/>
-                <a:latin typeface="Times New Roman" panose="02020603050405020304" pitchFamily="18" charset="0"/>
-                <a:ea typeface="宋体" panose="02010600030101010101" pitchFamily="2" charset="-122"/>
-                <a:cs typeface="宋体" panose="02010600030101010101" pitchFamily="2" charset="-122"/>
-              </a:rPr>
-              <a:t>秒，端到端查询延迟以个位数毫秒为单位。在本文中，我们描述了</a:t>
-            </a:r>
-            <a:r>
-              <a:rPr lang="en-US" altLang="zh-CN" dirty="0">
-                <a:solidFill>
-                  <a:srgbClr val="000000"/>
+                <a:latin typeface="+mn-lt"/>
+                <a:ea typeface="+mn-ea"/>
+                <a:cs typeface="+mn-cs"/>
+              </a:rPr>
+              <a:t>的数据模型，</a:t>
+            </a:r>
+            <a:r>
+              <a:rPr lang="en-US" altLang="zh-CN" sz="1200" b="0" i="0" kern="1200" dirty="0">
+                <a:solidFill>
+                  <a:schemeClr val="tx1"/>
                 </a:solidFill>
                 <a:effectLst/>
-                <a:latin typeface="Times New Roman" panose="02020603050405020304" pitchFamily="18" charset="0"/>
-                <a:ea typeface="宋体" panose="02010600030101010101" pitchFamily="2" charset="-122"/>
-                <a:cs typeface="宋体" panose="02010600030101010101" pitchFamily="2" charset="-122"/>
-              </a:rPr>
-              <a:t>A1</a:t>
-            </a:r>
-            <a:r>
-              <a:rPr lang="zh-CN" altLang="zh-CN" dirty="0">
-                <a:solidFill>
-                  <a:srgbClr val="000000"/>
+                <a:latin typeface="+mn-lt"/>
+                <a:ea typeface="+mn-ea"/>
+                <a:cs typeface="+mn-cs"/>
+              </a:rPr>
+              <a:t>RDMA</a:t>
+            </a:r>
+            <a:r>
+              <a:rPr lang="zh-CN" altLang="en-US" sz="1200" b="0" i="0" kern="1200" dirty="0">
+                <a:solidFill>
+                  <a:schemeClr val="tx1"/>
                 </a:solidFill>
                 <a:effectLst/>
-                <a:latin typeface="Times New Roman" panose="02020603050405020304" pitchFamily="18" charset="0"/>
-                <a:ea typeface="宋体" panose="02010600030101010101" pitchFamily="2" charset="-122"/>
-                <a:cs typeface="宋体" panose="02010600030101010101" pitchFamily="2" charset="-122"/>
-              </a:rPr>
-              <a:t>数据模型、</a:t>
-            </a:r>
-            <a:r>
-              <a:rPr lang="en-US" altLang="zh-CN" dirty="0">
-                <a:solidFill>
-                  <a:srgbClr val="000000"/>
-                </a:solidFill>
-                <a:effectLst/>
-                <a:latin typeface="Times New Roman" panose="02020603050405020304" pitchFamily="18" charset="0"/>
-                <a:ea typeface="宋体" panose="02010600030101010101" pitchFamily="2" charset="-122"/>
-                <a:cs typeface="宋体" panose="02010600030101010101" pitchFamily="2" charset="-122"/>
-              </a:rPr>
-              <a:t>RDMA</a:t>
-            </a:r>
-            <a:r>
-              <a:rPr lang="zh-CN" altLang="zh-CN" dirty="0">
-                <a:solidFill>
-                  <a:srgbClr val="000000"/>
-                </a:solidFill>
-                <a:effectLst/>
-                <a:latin typeface="Times New Roman" panose="02020603050405020304" pitchFamily="18" charset="0"/>
-                <a:ea typeface="宋体" panose="02010600030101010101" pitchFamily="2" charset="-122"/>
-                <a:cs typeface="宋体" panose="02010600030101010101" pitchFamily="2" charset="-122"/>
-              </a:rPr>
-              <a:t>优化数据结构和查询执行</a:t>
+                <a:latin typeface="+mn-lt"/>
+                <a:ea typeface="+mn-ea"/>
+                <a:cs typeface="+mn-cs"/>
+              </a:rPr>
+              <a:t>优化的数据结构和查询执行。</a:t>
             </a:r>
             <a:endParaRPr lang="zh-CN" altLang="en-US" sz="1800" dirty="0"/>
           </a:p>
@@ -795,14 +750,7 @@
           <a:bodyPr/>
           <a:lstStyle/>
           <a:p>
-            <a:r>
-              <a:rPr lang="en-US" altLang="zh-CN" dirty="0"/>
-              <a:t>RDMA</a:t>
-            </a:r>
-            <a:r>
-              <a:rPr lang="zh-CN" altLang="en-US" dirty="0"/>
-              <a:t>：简单说是多台计算机可以相互直接访问内存</a:t>
-            </a:r>
+            <a:endParaRPr lang="zh-CN" altLang="en-US" dirty="0"/>
           </a:p>
         </p:txBody>
       </p:sp>
@@ -832,7 +780,7 @@
     </p:spTree>
     <p:extLst>
       <p:ext uri="{BB962C8B-B14F-4D97-AF65-F5344CB8AC3E}">
-        <p14:creationId xmlns:p14="http://schemas.microsoft.com/office/powerpoint/2010/main" val="1374847137"/>
+        <p14:creationId xmlns:p14="http://schemas.microsoft.com/office/powerpoint/2010/main" val="3402193033"/>
       </p:ext>
     </p:extLst>
   </p:cSld>
@@ -886,375 +834,6 @@
           <a:bodyPr/>
           <a:lstStyle/>
           <a:p>
-            <a:r>
-              <a:rPr lang="en-US" altLang="zh-CN" sz="1800" dirty="0">
-                <a:solidFill>
-                  <a:srgbClr val="000000"/>
-                </a:solidFill>
-                <a:effectLst/>
-                <a:latin typeface="Times New Roman" panose="02020603050405020304" pitchFamily="18" charset="0"/>
-                <a:ea typeface="宋体" panose="02010600030101010101" pitchFamily="2" charset="-122"/>
-                <a:cs typeface="宋体" panose="02010600030101010101" pitchFamily="2" charset="-122"/>
-              </a:rPr>
-              <a:t>CM</a:t>
-            </a:r>
-            <a:r>
-              <a:rPr lang="zh-CN" altLang="zh-CN" sz="1800" dirty="0">
-                <a:solidFill>
-                  <a:srgbClr val="000000"/>
-                </a:solidFill>
-                <a:effectLst/>
-                <a:latin typeface="Times New Roman" panose="02020603050405020304" pitchFamily="18" charset="0"/>
-                <a:ea typeface="宋体" panose="02010600030101010101" pitchFamily="2" charset="-122"/>
-                <a:cs typeface="宋体" panose="02010600030101010101" pitchFamily="2" charset="-122"/>
-              </a:rPr>
-              <a:t>负责确定哪些机器属于集群</a:t>
-            </a:r>
-            <a:r>
-              <a:rPr lang="en-US" altLang="zh-CN" sz="1800" dirty="0">
-                <a:solidFill>
-                  <a:srgbClr val="000000"/>
-                </a:solidFill>
-                <a:effectLst/>
-                <a:latin typeface="Times New Roman" panose="02020603050405020304" pitchFamily="18" charset="0"/>
-                <a:ea typeface="宋体" panose="02010600030101010101" pitchFamily="2" charset="-122"/>
-                <a:cs typeface="宋体" panose="02010600030101010101" pitchFamily="2" charset="-122"/>
-              </a:rPr>
-              <a:t>(</a:t>
-            </a:r>
-            <a:r>
-              <a:rPr lang="zh-CN" altLang="zh-CN" sz="1800" dirty="0">
-                <a:solidFill>
-                  <a:srgbClr val="000000"/>
-                </a:solidFill>
-                <a:effectLst/>
-                <a:latin typeface="Times New Roman" panose="02020603050405020304" pitchFamily="18" charset="0"/>
-                <a:ea typeface="宋体" panose="02010600030101010101" pitchFamily="2" charset="-122"/>
-                <a:cs typeface="宋体" panose="02010600030101010101" pitchFamily="2" charset="-122"/>
-              </a:rPr>
-              <a:t>即成员</a:t>
-            </a:r>
-            <a:r>
-              <a:rPr lang="en-US" altLang="zh-CN" sz="1800" dirty="0">
-                <a:solidFill>
-                  <a:srgbClr val="000000"/>
-                </a:solidFill>
-                <a:effectLst/>
-                <a:latin typeface="Times New Roman" panose="02020603050405020304" pitchFamily="18" charset="0"/>
-                <a:ea typeface="宋体" panose="02010600030101010101" pitchFamily="2" charset="-122"/>
-                <a:cs typeface="宋体" panose="02010600030101010101" pitchFamily="2" charset="-122"/>
-              </a:rPr>
-              <a:t>)</a:t>
-            </a:r>
-            <a:r>
-              <a:rPr lang="zh-CN" altLang="zh-CN" sz="1800" dirty="0">
-                <a:solidFill>
-                  <a:srgbClr val="000000"/>
-                </a:solidFill>
-                <a:effectLst/>
-                <a:latin typeface="Times New Roman" panose="02020603050405020304" pitchFamily="18" charset="0"/>
-                <a:ea typeface="宋体" panose="02010600030101010101" pitchFamily="2" charset="-122"/>
-                <a:cs typeface="宋体" panose="02010600030101010101" pitchFamily="2" charset="-122"/>
-              </a:rPr>
-              <a:t>和区域元数据</a:t>
-            </a:r>
-            <a:r>
-              <a:rPr lang="en-US" altLang="zh-CN" sz="1800" dirty="0">
-                <a:solidFill>
-                  <a:srgbClr val="000000"/>
-                </a:solidFill>
-                <a:effectLst/>
-                <a:latin typeface="Times New Roman" panose="02020603050405020304" pitchFamily="18" charset="0"/>
-                <a:ea typeface="宋体" panose="02010600030101010101" pitchFamily="2" charset="-122"/>
-                <a:cs typeface="宋体" panose="02010600030101010101" pitchFamily="2" charset="-122"/>
-              </a:rPr>
-              <a:t>:</a:t>
-            </a:r>
-            <a:r>
-              <a:rPr lang="zh-CN" altLang="zh-CN" sz="1800" dirty="0">
-                <a:solidFill>
-                  <a:srgbClr val="000000"/>
-                </a:solidFill>
-                <a:effectLst/>
-                <a:latin typeface="Times New Roman" panose="02020603050405020304" pitchFamily="18" charset="0"/>
-                <a:ea typeface="宋体" panose="02010600030101010101" pitchFamily="2" charset="-122"/>
-                <a:cs typeface="宋体" panose="02010600030101010101" pitchFamily="2" charset="-122"/>
-              </a:rPr>
-              <a:t>将区域分配给机器。</a:t>
-            </a:r>
-            <a:endParaRPr lang="en-US" altLang="zh-CN" sz="1800" dirty="0">
-              <a:solidFill>
-                <a:srgbClr val="000000"/>
-              </a:solidFill>
-              <a:effectLst/>
-              <a:latin typeface="Times New Roman" panose="02020603050405020304" pitchFamily="18" charset="0"/>
-              <a:ea typeface="宋体" panose="02010600030101010101" pitchFamily="2" charset="-122"/>
-              <a:cs typeface="宋体" panose="02010600030101010101" pitchFamily="2" charset="-122"/>
-            </a:endParaRPr>
-          </a:p>
-          <a:p>
-            <a:r>
-              <a:rPr lang="zh-CN" altLang="zh-CN" sz="1800" dirty="0">
-                <a:solidFill>
-                  <a:srgbClr val="000000"/>
-                </a:solidFill>
-                <a:effectLst/>
-                <a:latin typeface="Times New Roman" panose="02020603050405020304" pitchFamily="18" charset="0"/>
-                <a:ea typeface="宋体" panose="02010600030101010101" pitchFamily="2" charset="-122"/>
-                <a:cs typeface="宋体" panose="02010600030101010101" pitchFamily="2" charset="-122"/>
-              </a:rPr>
-              <a:t>每个事务都有一个关联的时间戳，这个时间戳确保系统中所有事务的全局顺序。</a:t>
-            </a:r>
-            <a:endParaRPr lang="en-US" altLang="zh-CN" sz="1800" dirty="0">
-              <a:solidFill>
-                <a:srgbClr val="000000"/>
-              </a:solidFill>
-              <a:effectLst/>
-              <a:latin typeface="Times New Roman" panose="02020603050405020304" pitchFamily="18" charset="0"/>
-              <a:ea typeface="宋体" panose="02010600030101010101" pitchFamily="2" charset="-122"/>
-              <a:cs typeface="宋体" panose="02010600030101010101" pitchFamily="2" charset="-122"/>
-            </a:endParaRPr>
-          </a:p>
-          <a:p>
-            <a:r>
-              <a:rPr lang="zh-CN" altLang="zh-CN" sz="1800" dirty="0">
-                <a:solidFill>
-                  <a:srgbClr val="000000"/>
-                </a:solidFill>
-                <a:effectLst/>
-                <a:latin typeface="Times New Roman" panose="02020603050405020304" pitchFamily="18" charset="0"/>
-                <a:ea typeface="宋体" panose="02010600030101010101" pitchFamily="2" charset="-122"/>
-                <a:cs typeface="宋体" panose="02010600030101010101" pitchFamily="2" charset="-122"/>
-              </a:rPr>
-              <a:t>所有读写都发生在事务的上下文中。事务协议是两阶段提交的变体，具有</a:t>
-            </a:r>
-            <a:r>
-              <a:rPr lang="en-US" altLang="zh-CN" sz="1800" dirty="0">
-                <a:solidFill>
-                  <a:srgbClr val="000000"/>
-                </a:solidFill>
-                <a:effectLst/>
-                <a:latin typeface="Times New Roman" panose="02020603050405020304" pitchFamily="18" charset="0"/>
-                <a:ea typeface="宋体" panose="02010600030101010101" pitchFamily="2" charset="-122"/>
-                <a:cs typeface="宋体" panose="02010600030101010101" pitchFamily="2" charset="-122"/>
-              </a:rPr>
-              <a:t>RDMA</a:t>
-            </a:r>
-            <a:r>
-              <a:rPr lang="zh-CN" altLang="zh-CN" sz="1800" dirty="0">
-                <a:solidFill>
-                  <a:srgbClr val="000000"/>
-                </a:solidFill>
-                <a:effectLst/>
-                <a:latin typeface="Times New Roman" panose="02020603050405020304" pitchFamily="18" charset="0"/>
-                <a:ea typeface="宋体" panose="02010600030101010101" pitchFamily="2" charset="-122"/>
-                <a:cs typeface="宋体" panose="02010600030101010101" pitchFamily="2" charset="-122"/>
-              </a:rPr>
-              <a:t>的多个优化。</a:t>
-            </a:r>
-            <a:endParaRPr lang="en-US" altLang="zh-CN" sz="1800" dirty="0">
-              <a:solidFill>
-                <a:srgbClr val="000000"/>
-              </a:solidFill>
-              <a:effectLst/>
-              <a:latin typeface="Times New Roman" panose="02020603050405020304" pitchFamily="18" charset="0"/>
-              <a:ea typeface="宋体" panose="02010600030101010101" pitchFamily="2" charset="-122"/>
-              <a:cs typeface="宋体" panose="02010600030101010101" pitchFamily="2" charset="-122"/>
-            </a:endParaRPr>
-          </a:p>
-          <a:p>
-            <a:r>
-              <a:rPr lang="zh-CN" altLang="zh-CN" sz="1800" dirty="0">
-                <a:solidFill>
-                  <a:srgbClr val="000000"/>
-                </a:solidFill>
-                <a:effectLst/>
-                <a:latin typeface="Times New Roman" panose="02020603050405020304" pitchFamily="18" charset="0"/>
-                <a:ea typeface="宋体" panose="02010600030101010101" pitchFamily="2" charset="-122"/>
-                <a:cs typeface="宋体" panose="02010600030101010101" pitchFamily="2" charset="-122"/>
-              </a:rPr>
-              <a:t>通过跨三个故障域复制数据，我们可以确保单个组件故障不会导致丢失多个数据副本。</a:t>
-            </a:r>
-            <a:endParaRPr lang="zh-CN" altLang="en-US" dirty="0"/>
-          </a:p>
-        </p:txBody>
-      </p:sp>
-      <p:sp>
-        <p:nvSpPr>
-          <p:cNvPr id="4" name="灯片编号占位符 3"/>
-          <p:cNvSpPr>
-            <a:spLocks noGrp="1"/>
-          </p:cNvSpPr>
-          <p:nvPr>
-            <p:ph type="sldNum" sz="quarter" idx="5"/>
-          </p:nvPr>
-        </p:nvSpPr>
-        <p:spPr/>
-        <p:txBody>
-          <a:bodyPr/>
-          <a:lstStyle/>
-          <a:p>
-            <a:fld id="{8F8A1864-F476-4EFB-808E-32CD00A01B03}" type="slidenum">
-              <a:rPr lang="zh-CN" altLang="en-US" smtClean="0"/>
-              <a:t>6</a:t>
-            </a:fld>
-            <a:endParaRPr lang="zh-CN" altLang="en-US"/>
-          </a:p>
-        </p:txBody>
-      </p:sp>
-    </p:spTree>
-    <p:extLst>
-      <p:ext uri="{BB962C8B-B14F-4D97-AF65-F5344CB8AC3E}">
-        <p14:creationId xmlns:p14="http://schemas.microsoft.com/office/powerpoint/2010/main" val="3402193033"/>
-      </p:ext>
-    </p:extLst>
-  </p:cSld>
-  <p:clrMapOvr>
-    <a:masterClrMapping/>
-  </p:clrMapOvr>
-</p:notes>
-</file>
-
-<file path=ppt/notesSlides/notesSlide4.xml><?xml version="1.0" encoding="utf-8"?>
-<p:notes xmlns:a="http://schemas.openxmlformats.org/drawingml/2006/main" xmlns:r="http://schemas.openxmlformats.org/officeDocument/2006/relationships" xmlns:p="http://schemas.openxmlformats.org/presentationml/2006/main">
-  <p:cSld>
-    <p:spTree>
-      <p:nvGrpSpPr>
-        <p:cNvPr id="1" name=""/>
-        <p:cNvGrpSpPr/>
-        <p:nvPr/>
-      </p:nvGrpSpPr>
-      <p:grpSpPr>
-        <a:xfrm>
-          <a:off x="0" y="0"/>
-          <a:ext cx="0" cy="0"/>
-          <a:chOff x="0" y="0"/>
-          <a:chExt cx="0" cy="0"/>
-        </a:xfrm>
-      </p:grpSpPr>
-      <p:sp>
-        <p:nvSpPr>
-          <p:cNvPr id="2" name="幻灯片图像占位符 1"/>
-          <p:cNvSpPr>
-            <a:spLocks noGrp="1" noRot="1" noChangeAspect="1"/>
-          </p:cNvSpPr>
-          <p:nvPr>
-            <p:ph type="sldImg"/>
-          </p:nvPr>
-        </p:nvSpPr>
-        <p:spPr/>
-      </p:sp>
-      <p:sp>
-        <p:nvSpPr>
-          <p:cNvPr id="3" name="备注占位符 2"/>
-          <p:cNvSpPr>
-            <a:spLocks noGrp="1"/>
-          </p:cNvSpPr>
-          <p:nvPr>
-            <p:ph type="body" idx="1"/>
-          </p:nvPr>
-        </p:nvSpPr>
-        <p:spPr/>
-        <p:txBody>
-          <a:bodyPr/>
-          <a:lstStyle/>
-          <a:p>
-            <a:r>
-              <a:rPr lang="zh-CN" altLang="zh-CN" sz="1200" dirty="0">
-                <a:solidFill>
-                  <a:srgbClr val="000000"/>
-                </a:solidFill>
-                <a:effectLst/>
-                <a:latin typeface="Times New Roman" panose="02020603050405020304" pitchFamily="18" charset="0"/>
-                <a:ea typeface="宋体" panose="02010600030101010101" pitchFamily="2" charset="-122"/>
-                <a:cs typeface="宋体" panose="02010600030101010101" pitchFamily="2" charset="-122"/>
-              </a:rPr>
-              <a:t>也可以在顶点属性上声明二级索引。对次要索引属性的惟一性或空性没有要求。</a:t>
-            </a:r>
-            <a:endParaRPr lang="zh-CN" altLang="en-US" dirty="0"/>
-          </a:p>
-        </p:txBody>
-      </p:sp>
-      <p:sp>
-        <p:nvSpPr>
-          <p:cNvPr id="4" name="灯片编号占位符 3"/>
-          <p:cNvSpPr>
-            <a:spLocks noGrp="1"/>
-          </p:cNvSpPr>
-          <p:nvPr>
-            <p:ph type="sldNum" sz="quarter" idx="5"/>
-          </p:nvPr>
-        </p:nvSpPr>
-        <p:spPr/>
-        <p:txBody>
-          <a:bodyPr/>
-          <a:lstStyle/>
-          <a:p>
-            <a:fld id="{8F8A1864-F476-4EFB-808E-32CD00A01B03}" type="slidenum">
-              <a:rPr lang="zh-CN" altLang="en-US" smtClean="0"/>
-              <a:t>9</a:t>
-            </a:fld>
-            <a:endParaRPr lang="zh-CN" altLang="en-US"/>
-          </a:p>
-        </p:txBody>
-      </p:sp>
-    </p:spTree>
-    <p:extLst>
-      <p:ext uri="{BB962C8B-B14F-4D97-AF65-F5344CB8AC3E}">
-        <p14:creationId xmlns:p14="http://schemas.microsoft.com/office/powerpoint/2010/main" val="3000507263"/>
-      </p:ext>
-    </p:extLst>
-  </p:cSld>
-  <p:clrMapOvr>
-    <a:masterClrMapping/>
-  </p:clrMapOvr>
-</p:notes>
-</file>
-
-<file path=ppt/notesSlides/notesSlide5.xml><?xml version="1.0" encoding="utf-8"?>
-<p:notes xmlns:a="http://schemas.openxmlformats.org/drawingml/2006/main" xmlns:r="http://schemas.openxmlformats.org/officeDocument/2006/relationships" xmlns:p="http://schemas.openxmlformats.org/presentationml/2006/main">
-  <p:cSld>
-    <p:spTree>
-      <p:nvGrpSpPr>
-        <p:cNvPr id="1" name=""/>
-        <p:cNvGrpSpPr/>
-        <p:nvPr/>
-      </p:nvGrpSpPr>
-      <p:grpSpPr>
-        <a:xfrm>
-          <a:off x="0" y="0"/>
-          <a:ext cx="0" cy="0"/>
-          <a:chOff x="0" y="0"/>
-          <a:chExt cx="0" cy="0"/>
-        </a:xfrm>
-      </p:grpSpPr>
-      <p:sp>
-        <p:nvSpPr>
-          <p:cNvPr id="2" name="幻灯片图像占位符 1"/>
-          <p:cNvSpPr>
-            <a:spLocks noGrp="1" noRot="1" noChangeAspect="1"/>
-          </p:cNvSpPr>
-          <p:nvPr>
-            <p:ph type="sldImg"/>
-          </p:nvPr>
-        </p:nvSpPr>
-        <p:spPr/>
-      </p:sp>
-      <p:sp>
-        <p:nvSpPr>
-          <p:cNvPr id="3" name="备注占位符 2"/>
-          <p:cNvSpPr>
-            <a:spLocks noGrp="1"/>
-          </p:cNvSpPr>
-          <p:nvPr>
-            <p:ph type="body" idx="1"/>
-          </p:nvPr>
-        </p:nvSpPr>
-        <p:spPr/>
-        <p:txBody>
-          <a:bodyPr/>
-          <a:lstStyle/>
-          <a:p>
             <a:pPr marL="0" marR="0" lvl="0" indent="0" algn="l" defTabSz="914400" rtl="0" eaLnBrk="1" fontAlgn="auto" latinLnBrk="0" hangingPunct="1">
               <a:lnSpc>
                 <a:spcPct val="100000"/>
@@ -1285,7 +864,7 @@
               <a:t>如果更新的时间戳较新的，则更新是较晚的事务，我们将更新存储到行中。另一方面，如果更新比</a:t>
             </a:r>
             <a:r>
-              <a:rPr lang="en-US" altLang="zh-CN" sz="1200" kern="100" dirty="0" err="1">
+              <a:rPr lang="en-US" altLang="zh-CN" sz="1200" kern="100" dirty="0">
                 <a:solidFill>
                   <a:srgbClr val="000000"/>
                 </a:solidFill>
@@ -1337,7 +916,7 @@
           <a:p>
             <a:fld id="{8F8A1864-F476-4EFB-808E-32CD00A01B03}" type="slidenum">
               <a:rPr lang="zh-CN" altLang="en-US" smtClean="0"/>
-              <a:t>15</a:t>
+              <a:t>7</a:t>
             </a:fld>
             <a:endParaRPr lang="zh-CN" altLang="en-US"/>
           </a:p>
@@ -1503,7 +1082,7 @@
           <a:p>
             <a:fld id="{774E367D-5AB4-492E-B702-F549CA70CC8A}" type="datetimeFigureOut">
               <a:rPr lang="zh-CN" altLang="en-US" smtClean="0"/>
-              <a:t>2020/11/30</a:t>
+              <a:t>2020/12/7</a:t>
             </a:fld>
             <a:endParaRPr lang="zh-CN" altLang="en-US"/>
           </a:p>
@@ -1701,7 +1280,7 @@
           <a:p>
             <a:fld id="{774E367D-5AB4-492E-B702-F549CA70CC8A}" type="datetimeFigureOut">
               <a:rPr lang="zh-CN" altLang="en-US" smtClean="0"/>
-              <a:t>2020/11/30</a:t>
+              <a:t>2020/12/7</a:t>
             </a:fld>
             <a:endParaRPr lang="zh-CN" altLang="en-US"/>
           </a:p>
@@ -1909,7 +1488,7 @@
           <a:p>
             <a:fld id="{774E367D-5AB4-492E-B702-F549CA70CC8A}" type="datetimeFigureOut">
               <a:rPr lang="zh-CN" altLang="en-US" smtClean="0"/>
-              <a:t>2020/11/30</a:t>
+              <a:t>2020/12/7</a:t>
             </a:fld>
             <a:endParaRPr lang="zh-CN" altLang="en-US"/>
           </a:p>
@@ -2107,7 +1686,7 @@
           <a:p>
             <a:fld id="{774E367D-5AB4-492E-B702-F549CA70CC8A}" type="datetimeFigureOut">
               <a:rPr lang="zh-CN" altLang="en-US" smtClean="0"/>
-              <a:t>2020/11/30</a:t>
+              <a:t>2020/12/7</a:t>
             </a:fld>
             <a:endParaRPr lang="zh-CN" altLang="en-US"/>
           </a:p>
@@ -2382,7 +1961,7 @@
           <a:p>
             <a:fld id="{774E367D-5AB4-492E-B702-F549CA70CC8A}" type="datetimeFigureOut">
               <a:rPr lang="zh-CN" altLang="en-US" smtClean="0"/>
-              <a:t>2020/11/30</a:t>
+              <a:t>2020/12/7</a:t>
             </a:fld>
             <a:endParaRPr lang="zh-CN" altLang="en-US"/>
           </a:p>
@@ -2647,7 +2226,7 @@
           <a:p>
             <a:fld id="{774E367D-5AB4-492E-B702-F549CA70CC8A}" type="datetimeFigureOut">
               <a:rPr lang="zh-CN" altLang="en-US" smtClean="0"/>
-              <a:t>2020/11/30</a:t>
+              <a:t>2020/12/7</a:t>
             </a:fld>
             <a:endParaRPr lang="zh-CN" altLang="en-US"/>
           </a:p>
@@ -3059,7 +2638,7 @@
           <a:p>
             <a:fld id="{774E367D-5AB4-492E-B702-F549CA70CC8A}" type="datetimeFigureOut">
               <a:rPr lang="zh-CN" altLang="en-US" smtClean="0"/>
-              <a:t>2020/11/30</a:t>
+              <a:t>2020/12/7</a:t>
             </a:fld>
             <a:endParaRPr lang="zh-CN" altLang="en-US"/>
           </a:p>
@@ -3200,7 +2779,7 @@
           <a:p>
             <a:fld id="{774E367D-5AB4-492E-B702-F549CA70CC8A}" type="datetimeFigureOut">
               <a:rPr lang="zh-CN" altLang="en-US" smtClean="0"/>
-              <a:t>2020/11/30</a:t>
+              <a:t>2020/12/7</a:t>
             </a:fld>
             <a:endParaRPr lang="zh-CN" altLang="en-US"/>
           </a:p>
@@ -3313,7 +2892,7 @@
           <a:p>
             <a:fld id="{774E367D-5AB4-492E-B702-F549CA70CC8A}" type="datetimeFigureOut">
               <a:rPr lang="zh-CN" altLang="en-US" smtClean="0"/>
-              <a:t>2020/11/30</a:t>
+              <a:t>2020/12/7</a:t>
             </a:fld>
             <a:endParaRPr lang="zh-CN" altLang="en-US"/>
           </a:p>
@@ -3624,7 +3203,7 @@
           <a:p>
             <a:fld id="{774E367D-5AB4-492E-B702-F549CA70CC8A}" type="datetimeFigureOut">
               <a:rPr lang="zh-CN" altLang="en-US" smtClean="0"/>
-              <a:t>2020/11/30</a:t>
+              <a:t>2020/12/7</a:t>
             </a:fld>
             <a:endParaRPr lang="zh-CN" altLang="en-US"/>
           </a:p>
@@ -3912,7 +3491,7 @@
           <a:p>
             <a:fld id="{774E367D-5AB4-492E-B702-F549CA70CC8A}" type="datetimeFigureOut">
               <a:rPr lang="zh-CN" altLang="en-US" smtClean="0"/>
-              <a:t>2020/11/30</a:t>
+              <a:t>2020/12/7</a:t>
             </a:fld>
             <a:endParaRPr lang="zh-CN" altLang="en-US"/>
           </a:p>
@@ -3989,9 +3568,32 @@
 <p:sldMaster xmlns:a="http://schemas.openxmlformats.org/drawingml/2006/main" xmlns:r="http://schemas.openxmlformats.org/officeDocument/2006/relationships" xmlns:p="http://schemas.openxmlformats.org/presentationml/2006/main">
   <p:cSld>
     <p:bg>
-      <p:bgRef idx="1001">
-        <a:schemeClr val="bg1"/>
-      </p:bgRef>
+      <p:bgPr>
+        <a:gradFill flip="none" rotWithShape="1">
+          <a:gsLst>
+            <a:gs pos="79000">
+              <a:schemeClr val="accent2">
+                <a:lumMod val="0"/>
+                <a:lumOff val="100000"/>
+              </a:schemeClr>
+            </a:gs>
+            <a:gs pos="88000">
+              <a:schemeClr val="accent2">
+                <a:lumMod val="0"/>
+                <a:lumOff val="100000"/>
+              </a:schemeClr>
+            </a:gs>
+            <a:gs pos="88000">
+              <a:schemeClr val="accent2">
+                <a:lumMod val="100000"/>
+              </a:schemeClr>
+            </a:gs>
+          </a:gsLst>
+          <a:lin ang="5400000" scaled="1"/>
+          <a:tileRect/>
+        </a:gradFill>
+        <a:effectLst/>
+      </p:bgPr>
     </p:bg>
     <p:spTree>
       <p:nvGrpSpPr>
@@ -4153,7 +3755,7 @@
           <a:p>
             <a:fld id="{774E367D-5AB4-492E-B702-F549CA70CC8A}" type="datetimeFigureOut">
               <a:rPr lang="zh-CN" altLang="en-US" smtClean="0"/>
-              <a:t>2020/11/30</a:t>
+              <a:t>2020/12/7</a:t>
             </a:fld>
             <a:endParaRPr lang="zh-CN" altLang="en-US"/>
           </a:p>
@@ -4589,22 +4191,34 @@
         <p:spPr/>
         <p:txBody>
           <a:bodyPr>
-            <a:normAutofit fontScale="90000"/>
+            <a:normAutofit/>
           </a:bodyPr>
           <a:lstStyle/>
           <a:p>
             <a:r>
-              <a:rPr lang="en-US" altLang="zh-CN" dirty="0"/>
+              <a:rPr lang="en-US" altLang="zh-CN" sz="4800" dirty="0">
+                <a:latin typeface="宋体" panose="02010600030101010101" pitchFamily="2" charset="-122"/>
+                <a:ea typeface="宋体" panose="02010600030101010101" pitchFamily="2" charset="-122"/>
+              </a:rPr>
               <a:t>A1: A Distributed </a:t>
             </a:r>
             <a:br>
-              <a:rPr lang="en-US" altLang="zh-CN" dirty="0"/>
+              <a:rPr lang="en-US" altLang="zh-CN" sz="4800" dirty="0">
+                <a:latin typeface="宋体" panose="02010600030101010101" pitchFamily="2" charset="-122"/>
+                <a:ea typeface="宋体" panose="02010600030101010101" pitchFamily="2" charset="-122"/>
+              </a:rPr>
             </a:br>
             <a:r>
-              <a:rPr lang="en-US" altLang="zh-CN" dirty="0"/>
+              <a:rPr lang="en-US" altLang="zh-CN" sz="4800" dirty="0">
+                <a:latin typeface="宋体" panose="02010600030101010101" pitchFamily="2" charset="-122"/>
+                <a:ea typeface="宋体" panose="02010600030101010101" pitchFamily="2" charset="-122"/>
+              </a:rPr>
               <a:t>In-Memory Graph Database</a:t>
             </a:r>
-            <a:endParaRPr lang="zh-CN" altLang="en-US" dirty="0"/>
+            <a:endParaRPr lang="zh-CN" altLang="en-US" sz="4800" dirty="0">
+              <a:latin typeface="宋体" panose="02010600030101010101" pitchFamily="2" charset="-122"/>
+              <a:ea typeface="宋体" panose="02010600030101010101" pitchFamily="2" charset="-122"/>
+            </a:endParaRPr>
           </a:p>
         </p:txBody>
       </p:sp>
@@ -4626,121 +4240,34 @@
         </p:nvSpPr>
         <p:spPr>
           <a:xfrm>
-            <a:off x="1524000" y="4079875"/>
+            <a:off x="1524000" y="3963960"/>
             <a:ext cx="9144000" cy="1655762"/>
           </a:xfrm>
         </p:spPr>
         <p:txBody>
           <a:bodyPr>
-            <a:normAutofit fontScale="85000" lnSpcReduction="10000"/>
+            <a:normAutofit/>
           </a:bodyPr>
           <a:lstStyle/>
           <a:p>
             <a:r>
-              <a:rPr lang="en-US" altLang="zh-CN" dirty="0" err="1"/>
-              <a:t>Chiranjeeb</a:t>
-            </a:r>
-            <a:r>
-              <a:rPr lang="en-US" altLang="zh-CN" dirty="0"/>
-              <a:t> </a:t>
-            </a:r>
-            <a:r>
-              <a:rPr lang="en-US" altLang="zh-CN" dirty="0" err="1"/>
-              <a:t>Buragohain</a:t>
-            </a:r>
-            <a:r>
-              <a:rPr lang="en-US" altLang="zh-CN" dirty="0"/>
-              <a:t>, Knut </a:t>
-            </a:r>
-            <a:r>
-              <a:rPr lang="en-US" altLang="zh-CN" dirty="0" err="1"/>
-              <a:t>Magne</a:t>
-            </a:r>
-            <a:r>
-              <a:rPr lang="en-US" altLang="zh-CN" dirty="0"/>
-              <a:t> </a:t>
-            </a:r>
-            <a:r>
-              <a:rPr lang="en-US" altLang="zh-CN" dirty="0" err="1"/>
-              <a:t>Risvik</a:t>
-            </a:r>
-            <a:r>
-              <a:rPr lang="en-US" altLang="zh-CN" dirty="0"/>
-              <a:t>, Paul Brett, Miguel Castro, </a:t>
-            </a:r>
-            <a:r>
-              <a:rPr lang="en-US" altLang="zh-CN" dirty="0" err="1"/>
-              <a:t>Wonhee</a:t>
-            </a:r>
-            <a:r>
-              <a:rPr lang="en-US" altLang="zh-CN" dirty="0"/>
-              <a:t> Cho, Joshua </a:t>
-            </a:r>
-            <a:r>
-              <a:rPr lang="en-US" altLang="zh-CN" dirty="0" err="1"/>
-              <a:t>Cowhig</a:t>
-            </a:r>
-            <a:r>
-              <a:rPr lang="en-US" altLang="zh-CN" dirty="0"/>
-              <a:t>, Nikolas </a:t>
-            </a:r>
-            <a:r>
-              <a:rPr lang="en-US" altLang="zh-CN" dirty="0" err="1"/>
-              <a:t>Gloy</a:t>
-            </a:r>
-            <a:r>
-              <a:rPr lang="en-US" altLang="zh-CN" dirty="0"/>
-              <a:t>, Karthik </a:t>
-            </a:r>
-            <a:r>
-              <a:rPr lang="en-US" altLang="zh-CN" dirty="0" err="1"/>
-              <a:t>Kalyanaraman</a:t>
-            </a:r>
-            <a:r>
-              <a:rPr lang="en-US" altLang="zh-CN" dirty="0"/>
-              <a:t>, </a:t>
-            </a:r>
-            <a:r>
-              <a:rPr lang="en-US" altLang="zh-CN" dirty="0" err="1"/>
-              <a:t>Richendra</a:t>
-            </a:r>
-            <a:r>
-              <a:rPr lang="en-US" altLang="zh-CN" dirty="0"/>
-              <a:t> Khanna, John Pao, Matthew </a:t>
-            </a:r>
-            <a:r>
-              <a:rPr lang="en-US" altLang="zh-CN" dirty="0" err="1"/>
-              <a:t>Renzelmann</a:t>
-            </a:r>
-            <a:r>
-              <a:rPr lang="en-US" altLang="zh-CN" dirty="0"/>
-              <a:t>, Alex </a:t>
-            </a:r>
-            <a:r>
-              <a:rPr lang="en-US" altLang="zh-CN" dirty="0" err="1"/>
-              <a:t>Shamis</a:t>
-            </a:r>
-            <a:r>
-              <a:rPr lang="en-US" altLang="zh-CN" dirty="0"/>
-              <a:t>, Timothy Tan, </a:t>
-            </a:r>
-            <a:r>
-              <a:rPr lang="en-US" altLang="zh-CN" dirty="0" err="1"/>
-              <a:t>Shuheng</a:t>
-            </a:r>
-            <a:r>
-              <a:rPr lang="en-US" altLang="zh-CN" dirty="0"/>
-              <a:t> Zheng. 2020. A1: A Distributed </a:t>
-            </a:r>
-            <a:r>
-              <a:rPr lang="en-US" altLang="zh-CN" dirty="0" err="1"/>
-              <a:t>InMemory</a:t>
-            </a:r>
-            <a:r>
-              <a:rPr lang="en-US" altLang="zh-CN" dirty="0"/>
-              <a:t> Graph Database. In Proceedings of the 2020 ACM SIGMOD International Conference on Management of Data (SIGMOD’20), June 14–19, 2020, Portland, OR, USA. ACM, New York, NY, USA, 16 pages</a:t>
-            </a:r>
-            <a:endParaRPr lang="zh-CN" altLang="en-US" dirty="0"/>
+              <a:rPr lang="en-US" altLang="zh-CN" sz="4800" dirty="0">
+                <a:latin typeface="宋体" panose="02010600030101010101" pitchFamily="2" charset="-122"/>
+                <a:ea typeface="宋体" panose="02010600030101010101" pitchFamily="2" charset="-122"/>
+              </a:rPr>
+              <a:t>A1:</a:t>
+            </a:r>
+            <a:r>
+              <a:rPr lang="zh-CN" altLang="zh-CN" sz="4800" dirty="0">
+                <a:latin typeface="宋体" panose="02010600030101010101" pitchFamily="2" charset="-122"/>
+                <a:ea typeface="宋体" panose="02010600030101010101" pitchFamily="2" charset="-122"/>
+              </a:rPr>
+              <a:t>一个内存中的分布式图数据库</a:t>
+            </a:r>
+            <a:endParaRPr lang="zh-CN" altLang="en-US" sz="4800" dirty="0">
+              <a:latin typeface="宋体" panose="02010600030101010101" pitchFamily="2" charset="-122"/>
+              <a:ea typeface="宋体" panose="02010600030101010101" pitchFamily="2" charset="-122"/>
+            </a:endParaRPr>
           </a:p>
         </p:txBody>
       </p:sp>
@@ -4776,214 +4303,242 @@
       </p:grpSpPr>
       <p:sp>
         <p:nvSpPr>
-          <p:cNvPr id="3" name="内容占位符 2">
-            <a:extLst>
-              <a:ext uri="{FF2B5EF4-FFF2-40B4-BE49-F238E27FC236}">
-                <a16:creationId xmlns:a16="http://schemas.microsoft.com/office/drawing/2014/main" id="{803EFB58-D10D-4923-B13D-348380912515}"/>
-              </a:ext>
-            </a:extLst>
-          </p:cNvPr>
-          <p:cNvSpPr>
-            <a:spLocks noGrp="1"/>
-          </p:cNvSpPr>
-          <p:nvPr>
-            <p:ph idx="1"/>
-          </p:nvPr>
+          <p:cNvPr id="4" name="文本框 3">
+            <a:extLst>
+              <a:ext uri="{FF2B5EF4-FFF2-40B4-BE49-F238E27FC236}">
+                <a16:creationId xmlns:a16="http://schemas.microsoft.com/office/drawing/2014/main" id="{67BD796E-4942-4142-85EB-D32455715814}"/>
+              </a:ext>
+            </a:extLst>
+          </p:cNvPr>
+          <p:cNvSpPr txBox="1"/>
+          <p:nvPr/>
         </p:nvSpPr>
         <p:spPr>
           <a:xfrm>
-            <a:off x="838200" y="1777517"/>
-            <a:ext cx="10515600" cy="3302966"/>
+            <a:off x="483268" y="224589"/>
+            <a:ext cx="3318711" cy="830997"/>
+          </a:xfrm>
+          <a:prstGeom prst="rect">
+            <a:avLst/>
+          </a:prstGeom>
+          <a:noFill/>
+        </p:spPr>
+        <p:txBody>
+          <a:bodyPr wrap="square" rtlCol="0">
+            <a:spAutoFit/>
+          </a:bodyPr>
+          <a:lstStyle/>
+          <a:p>
+            <a:r>
+              <a:rPr lang="zh-CN" altLang="en-US" sz="4800" dirty="0">
+                <a:latin typeface="宋体" panose="02010600030101010101" pitchFamily="2" charset="-122"/>
+                <a:ea typeface="宋体" panose="02010600030101010101" pitchFamily="2" charset="-122"/>
+              </a:rPr>
+              <a:t>总结</a:t>
+            </a:r>
+          </a:p>
+        </p:txBody>
+      </p:sp>
+      <p:sp>
+        <p:nvSpPr>
+          <p:cNvPr id="5" name="内容占位符 2">
+            <a:extLst>
+              <a:ext uri="{FF2B5EF4-FFF2-40B4-BE49-F238E27FC236}">
+                <a16:creationId xmlns:a16="http://schemas.microsoft.com/office/drawing/2014/main" id="{B3F25114-DD72-4D28-B62B-18925D08D13E}"/>
+              </a:ext>
+            </a:extLst>
+          </p:cNvPr>
+          <p:cNvSpPr>
+            <a:spLocks noGrp="1"/>
+          </p:cNvSpPr>
+          <p:nvPr>
+            <p:ph idx="1"/>
+          </p:nvPr>
+        </p:nvSpPr>
+        <p:spPr>
+          <a:xfrm>
+            <a:off x="483268" y="1230446"/>
+            <a:ext cx="10515600" cy="4397107"/>
           </a:xfrm>
         </p:spPr>
         <p:txBody>
-          <a:bodyPr/>
-          <a:lstStyle/>
-          <a:p>
-            <a:r>
-              <a:rPr lang="en-US" altLang="zh-CN" sz="3200" kern="100" dirty="0">
-                <a:solidFill>
-                  <a:srgbClr val="000000"/>
-                </a:solidFill>
-                <a:effectLst/>
-                <a:latin typeface="Times New Roman" panose="02020603050405020304" pitchFamily="18" charset="0"/>
-                <a:ea typeface="宋体" panose="02010600030101010101" pitchFamily="2" charset="-122"/>
-                <a:cs typeface="宋体" panose="02010600030101010101" pitchFamily="2" charset="-122"/>
-              </a:rPr>
-              <a:t>A1 </a:t>
-            </a:r>
-            <a:r>
-              <a:rPr lang="zh-CN" altLang="en-US" sz="3200" kern="100" dirty="0">
-                <a:solidFill>
-                  <a:srgbClr val="000000"/>
-                </a:solidFill>
-                <a:effectLst/>
-                <a:latin typeface="Times New Roman" panose="02020603050405020304" pitchFamily="18" charset="0"/>
-                <a:ea typeface="宋体" panose="02010600030101010101" pitchFamily="2" charset="-122"/>
-                <a:cs typeface="宋体" panose="02010600030101010101" pitchFamily="2" charset="-122"/>
-              </a:rPr>
-              <a:t>目录结构</a:t>
-            </a:r>
-            <a:endParaRPr lang="en-US" altLang="zh-CN" sz="3200" kern="100" dirty="0">
-              <a:solidFill>
-                <a:srgbClr val="000000"/>
-              </a:solidFill>
-              <a:effectLst/>
-              <a:latin typeface="Times New Roman" panose="02020603050405020304" pitchFamily="18" charset="0"/>
+          <a:bodyPr>
+            <a:noAutofit/>
+          </a:bodyPr>
+          <a:lstStyle/>
+          <a:p>
+            <a:pPr algn="just"/>
+            <a:r>
+              <a:rPr lang="en-US" altLang="zh-CN" dirty="0">
+                <a:latin typeface="宋体" panose="02010600030101010101" pitchFamily="2" charset="-122"/>
+                <a:ea typeface="宋体" panose="02010600030101010101" pitchFamily="2" charset="-122"/>
+              </a:rPr>
+              <a:t>A1</a:t>
+            </a:r>
+            <a:r>
+              <a:rPr lang="zh-CN" altLang="zh-CN" dirty="0">
+                <a:latin typeface="宋体" panose="02010600030101010101" pitchFamily="2" charset="-122"/>
+                <a:ea typeface="宋体" panose="02010600030101010101" pitchFamily="2" charset="-122"/>
+              </a:rPr>
+              <a:t>被设计用于具有大量数据、</a:t>
+            </a:r>
+            <a:r>
+              <a:rPr lang="zh-CN" altLang="en-US" dirty="0">
+                <a:latin typeface="宋体" panose="02010600030101010101" pitchFamily="2" charset="-122"/>
+                <a:ea typeface="宋体" panose="02010600030101010101" pitchFamily="2" charset="-122"/>
+              </a:rPr>
+              <a:t>多</a:t>
+            </a:r>
+            <a:r>
+              <a:rPr lang="zh-CN" altLang="zh-CN" dirty="0">
+                <a:latin typeface="宋体" panose="02010600030101010101" pitchFamily="2" charset="-122"/>
+                <a:ea typeface="宋体" panose="02010600030101010101" pitchFamily="2" charset="-122"/>
+              </a:rPr>
+              <a:t>数据源和</a:t>
+            </a:r>
+            <a:r>
+              <a:rPr lang="zh-CN" altLang="en-US" dirty="0">
+                <a:latin typeface="宋体" panose="02010600030101010101" pitchFamily="2" charset="-122"/>
+                <a:ea typeface="宋体" panose="02010600030101010101" pitchFamily="2" charset="-122"/>
+              </a:rPr>
+              <a:t>高</a:t>
+            </a:r>
+            <a:r>
+              <a:rPr lang="zh-CN" altLang="zh-CN" dirty="0">
+                <a:latin typeface="宋体" panose="02010600030101010101" pitchFamily="2" charset="-122"/>
+                <a:ea typeface="宋体" panose="02010600030101010101" pitchFamily="2" charset="-122"/>
+              </a:rPr>
+              <a:t>更新频率以及</a:t>
+            </a:r>
+            <a:r>
+              <a:rPr lang="zh-CN" altLang="en-US" dirty="0">
+                <a:latin typeface="宋体" panose="02010600030101010101" pitchFamily="2" charset="-122"/>
+                <a:ea typeface="宋体" panose="02010600030101010101" pitchFamily="2" charset="-122"/>
+              </a:rPr>
+              <a:t>严格</a:t>
+            </a:r>
+            <a:r>
+              <a:rPr lang="zh-CN" altLang="zh-CN" dirty="0">
+                <a:latin typeface="宋体" panose="02010600030101010101" pitchFamily="2" charset="-122"/>
+                <a:ea typeface="宋体" panose="02010600030101010101" pitchFamily="2" charset="-122"/>
+              </a:rPr>
+              <a:t>执行查询</a:t>
+            </a:r>
+            <a:r>
+              <a:rPr lang="zh-CN" altLang="en-US" dirty="0">
+                <a:latin typeface="宋体" panose="02010600030101010101" pitchFamily="2" charset="-122"/>
+                <a:ea typeface="宋体" panose="02010600030101010101" pitchFamily="2" charset="-122"/>
+              </a:rPr>
+              <a:t>的</a:t>
+            </a:r>
+            <a:r>
+              <a:rPr lang="zh-CN" altLang="zh-CN" dirty="0">
+                <a:latin typeface="宋体" panose="02010600030101010101" pitchFamily="2" charset="-122"/>
+                <a:ea typeface="宋体" panose="02010600030101010101" pitchFamily="2" charset="-122"/>
+              </a:rPr>
+              <a:t>极低延迟的</a:t>
+            </a:r>
+            <a:r>
+              <a:rPr lang="zh-CN" altLang="en-US" dirty="0">
+                <a:latin typeface="宋体" panose="02010600030101010101" pitchFamily="2" charset="-122"/>
+                <a:ea typeface="宋体" panose="02010600030101010101" pitchFamily="2" charset="-122"/>
+              </a:rPr>
+              <a:t>领域</a:t>
+            </a:r>
+            <a:r>
+              <a:rPr lang="zh-CN" altLang="zh-CN" dirty="0">
+                <a:latin typeface="宋体" panose="02010600030101010101" pitchFamily="2" charset="-122"/>
+                <a:ea typeface="宋体" panose="02010600030101010101" pitchFamily="2" charset="-122"/>
+              </a:rPr>
+              <a:t>中。</a:t>
+            </a:r>
+            <a:endParaRPr lang="en-US" altLang="zh-CN" dirty="0">
+              <a:latin typeface="宋体" panose="02010600030101010101" pitchFamily="2" charset="-122"/>
               <a:ea typeface="宋体" panose="02010600030101010101" pitchFamily="2" charset="-122"/>
-              <a:cs typeface="宋体" panose="02010600030101010101" pitchFamily="2" charset="-122"/>
             </a:endParaRPr>
           </a:p>
           <a:p>
-            <a:r>
-              <a:rPr lang="zh-CN" altLang="zh-CN" sz="2400" kern="100" dirty="0">
-                <a:solidFill>
-                  <a:srgbClr val="000000"/>
-                </a:solidFill>
-                <a:effectLst/>
-                <a:latin typeface="Times New Roman" panose="02020603050405020304" pitchFamily="18" charset="0"/>
-                <a:ea typeface="宋体" panose="02010600030101010101" pitchFamily="2" charset="-122"/>
-                <a:cs typeface="宋体" panose="02010600030101010101" pitchFamily="2" charset="-122"/>
-              </a:rPr>
-              <a:t>为了减少目录上的负载，并避免在具体化代理中进行远程读取，代理一旦具体化就缓存到内存中。一旦缓存，就可以使用它们</a:t>
-            </a:r>
-            <a:endParaRPr lang="en-US" altLang="zh-CN" sz="2400" kern="100" dirty="0">
-              <a:solidFill>
-                <a:srgbClr val="000000"/>
-              </a:solidFill>
-              <a:effectLst/>
-              <a:latin typeface="Times New Roman" panose="02020603050405020304" pitchFamily="18" charset="0"/>
+            <a:pPr algn="just"/>
+            <a:endParaRPr lang="en-US" altLang="zh-CN" dirty="0">
+              <a:latin typeface="宋体" panose="02010600030101010101" pitchFamily="2" charset="-122"/>
               <a:ea typeface="宋体" panose="02010600030101010101" pitchFamily="2" charset="-122"/>
-              <a:cs typeface="宋体" panose="02010600030101010101" pitchFamily="2" charset="-122"/>
             </a:endParaRPr>
           </a:p>
           <a:p>
-            <a:endParaRPr lang="en-US" altLang="zh-CN" sz="2400" kern="100" dirty="0">
-              <a:solidFill>
-                <a:srgbClr val="000000"/>
-              </a:solidFill>
-              <a:latin typeface="Times New Roman" panose="02020603050405020304" pitchFamily="18" charset="0"/>
+            <a:pPr algn="just"/>
+            <a:r>
+              <a:rPr lang="en-US" altLang="zh-CN" dirty="0">
+                <a:latin typeface="宋体" panose="02010600030101010101" pitchFamily="2" charset="-122"/>
+                <a:ea typeface="宋体" panose="02010600030101010101" pitchFamily="2" charset="-122"/>
+              </a:rPr>
+              <a:t>FaRM</a:t>
+            </a:r>
+            <a:r>
+              <a:rPr lang="zh-CN" altLang="zh-CN" dirty="0">
+                <a:latin typeface="宋体" panose="02010600030101010101" pitchFamily="2" charset="-122"/>
+                <a:ea typeface="宋体" panose="02010600030101010101" pitchFamily="2" charset="-122"/>
+              </a:rPr>
+              <a:t>和</a:t>
+            </a:r>
+            <a:r>
+              <a:rPr lang="en-US" altLang="zh-CN" dirty="0">
+                <a:latin typeface="宋体" panose="02010600030101010101" pitchFamily="2" charset="-122"/>
+                <a:ea typeface="宋体" panose="02010600030101010101" pitchFamily="2" charset="-122"/>
+              </a:rPr>
+              <a:t>A1</a:t>
+            </a:r>
+            <a:r>
+              <a:rPr lang="zh-CN" altLang="zh-CN" dirty="0">
+                <a:latin typeface="宋体" panose="02010600030101010101" pitchFamily="2" charset="-122"/>
+                <a:ea typeface="宋体" panose="02010600030101010101" pitchFamily="2" charset="-122"/>
+              </a:rPr>
+              <a:t>在很大程度上利用了</a:t>
+            </a:r>
+            <a:r>
+              <a:rPr lang="en-US" altLang="zh-CN" dirty="0">
+                <a:latin typeface="宋体" panose="02010600030101010101" pitchFamily="2" charset="-122"/>
+                <a:ea typeface="宋体" panose="02010600030101010101" pitchFamily="2" charset="-122"/>
+              </a:rPr>
+              <a:t>RDMA</a:t>
+            </a:r>
+            <a:r>
+              <a:rPr lang="zh-CN" altLang="zh-CN" dirty="0">
+                <a:latin typeface="宋体" panose="02010600030101010101" pitchFamily="2" charset="-122"/>
+                <a:ea typeface="宋体" panose="02010600030101010101" pitchFamily="2" charset="-122"/>
+              </a:rPr>
+              <a:t>的优点，所获得的性能使更复杂的问题的回答在规模上成为可能，并且在交互搜索可接受的延迟内实现。</a:t>
+            </a:r>
+            <a:endParaRPr lang="en-US" altLang="zh-CN" dirty="0">
+              <a:latin typeface="宋体" panose="02010600030101010101" pitchFamily="2" charset="-122"/>
               <a:ea typeface="宋体" panose="02010600030101010101" pitchFamily="2" charset="-122"/>
-              <a:cs typeface="宋体" panose="02010600030101010101" pitchFamily="2" charset="-122"/>
             </a:endParaRPr>
           </a:p>
           <a:p>
-            <a:r>
-              <a:rPr lang="zh-CN" altLang="zh-CN" sz="2400" kern="100" dirty="0">
-                <a:solidFill>
-                  <a:srgbClr val="000000"/>
-                </a:solidFill>
-                <a:effectLst/>
-                <a:latin typeface="Times New Roman" panose="02020603050405020304" pitchFamily="18" charset="0"/>
-                <a:ea typeface="宋体" panose="02010600030101010101" pitchFamily="2" charset="-122"/>
-                <a:cs typeface="宋体" panose="02010600030101010101" pitchFamily="2" charset="-122"/>
-              </a:rPr>
-              <a:t>缓存有一个固定的</a:t>
-            </a:r>
-            <a:r>
-              <a:rPr lang="en-US" altLang="zh-CN" sz="2400" kern="100" dirty="0">
-                <a:solidFill>
-                  <a:srgbClr val="000000"/>
-                </a:solidFill>
-                <a:effectLst/>
-                <a:latin typeface="Times New Roman" panose="02020603050405020304" pitchFamily="18" charset="0"/>
-                <a:ea typeface="宋体" panose="02010600030101010101" pitchFamily="2" charset="-122"/>
-                <a:cs typeface="宋体" panose="02010600030101010101" pitchFamily="2" charset="-122"/>
-              </a:rPr>
-              <a:t>TTL</a:t>
-            </a:r>
-            <a:r>
-              <a:rPr lang="zh-CN" altLang="zh-CN" sz="2400" kern="100" dirty="0">
-                <a:solidFill>
-                  <a:srgbClr val="000000"/>
-                </a:solidFill>
-                <a:effectLst/>
-                <a:latin typeface="Times New Roman" panose="02020603050405020304" pitchFamily="18" charset="0"/>
-                <a:ea typeface="宋体" panose="02010600030101010101" pitchFamily="2" charset="-122"/>
-                <a:cs typeface="宋体" panose="02010600030101010101" pitchFamily="2" charset="-122"/>
-              </a:rPr>
-              <a:t>，以确保我们不会使用过时的代理。当</a:t>
-            </a:r>
-            <a:r>
-              <a:rPr lang="en-US" altLang="zh-CN" sz="2400" kern="100" dirty="0">
-                <a:solidFill>
-                  <a:srgbClr val="000000"/>
-                </a:solidFill>
-                <a:effectLst/>
-                <a:latin typeface="Times New Roman" panose="02020603050405020304" pitchFamily="18" charset="0"/>
-                <a:ea typeface="宋体" panose="02010600030101010101" pitchFamily="2" charset="-122"/>
-                <a:cs typeface="宋体" panose="02010600030101010101" pitchFamily="2" charset="-122"/>
-              </a:rPr>
-              <a:t>TTL</a:t>
-            </a:r>
-            <a:r>
-              <a:rPr lang="zh-CN" altLang="zh-CN" sz="2400" kern="100" dirty="0">
-                <a:solidFill>
-                  <a:srgbClr val="000000"/>
-                </a:solidFill>
-                <a:effectLst/>
-                <a:latin typeface="Times New Roman" panose="02020603050405020304" pitchFamily="18" charset="0"/>
-                <a:ea typeface="宋体" panose="02010600030101010101" pitchFamily="2" charset="-122"/>
-                <a:cs typeface="宋体" panose="02010600030101010101" pitchFamily="2" charset="-122"/>
-              </a:rPr>
-              <a:t>到期时，缓存检查底层对象是否已更改</a:t>
-            </a:r>
-            <a:r>
-              <a:rPr lang="en-US" altLang="zh-CN" sz="2400" kern="100" dirty="0">
-                <a:solidFill>
-                  <a:srgbClr val="000000"/>
-                </a:solidFill>
-                <a:effectLst/>
-                <a:latin typeface="Times New Roman" panose="02020603050405020304" pitchFamily="18" charset="0"/>
-                <a:ea typeface="宋体" panose="02010600030101010101" pitchFamily="2" charset="-122"/>
-                <a:cs typeface="宋体" panose="02010600030101010101" pitchFamily="2" charset="-122"/>
-              </a:rPr>
-              <a:t>:</a:t>
-            </a:r>
-            <a:r>
-              <a:rPr lang="zh-CN" altLang="zh-CN" sz="2400" kern="100" dirty="0">
-                <a:solidFill>
-                  <a:srgbClr val="000000"/>
-                </a:solidFill>
-                <a:effectLst/>
-                <a:latin typeface="Times New Roman" panose="02020603050405020304" pitchFamily="18" charset="0"/>
-                <a:ea typeface="宋体" panose="02010600030101010101" pitchFamily="2" charset="-122"/>
-                <a:cs typeface="宋体" panose="02010600030101010101" pitchFamily="2" charset="-122"/>
-              </a:rPr>
-              <a:t>如果更改了，则刷新代理，如果没有更改，则简单地扩展</a:t>
-            </a:r>
-            <a:r>
-              <a:rPr lang="en-US" altLang="zh-CN" sz="2400" kern="100" dirty="0">
-                <a:solidFill>
-                  <a:srgbClr val="000000"/>
-                </a:solidFill>
-                <a:effectLst/>
-                <a:latin typeface="Times New Roman" panose="02020603050405020304" pitchFamily="18" charset="0"/>
-                <a:ea typeface="宋体" panose="02010600030101010101" pitchFamily="2" charset="-122"/>
-                <a:cs typeface="宋体" panose="02010600030101010101" pitchFamily="2" charset="-122"/>
-              </a:rPr>
-              <a:t>TTL</a:t>
-            </a:r>
-            <a:r>
-              <a:rPr lang="zh-CN" altLang="zh-CN" sz="2400" kern="100" dirty="0">
-                <a:solidFill>
-                  <a:srgbClr val="000000"/>
-                </a:solidFill>
-                <a:effectLst/>
-                <a:latin typeface="Times New Roman" panose="02020603050405020304" pitchFamily="18" charset="0"/>
-                <a:ea typeface="宋体" panose="02010600030101010101" pitchFamily="2" charset="-122"/>
-                <a:cs typeface="宋体" panose="02010600030101010101" pitchFamily="2" charset="-122"/>
-              </a:rPr>
-              <a:t>并继续使用代理</a:t>
-            </a:r>
-            <a:endParaRPr lang="en-US" altLang="zh-CN" sz="2400" kern="100" dirty="0">
-              <a:solidFill>
-                <a:srgbClr val="000000"/>
-              </a:solidFill>
-              <a:effectLst/>
-              <a:latin typeface="Times New Roman" panose="02020603050405020304" pitchFamily="18" charset="0"/>
+            <a:pPr algn="just"/>
+            <a:endParaRPr lang="en-US" altLang="zh-CN" dirty="0">
+              <a:latin typeface="宋体" panose="02010600030101010101" pitchFamily="2" charset="-122"/>
               <a:ea typeface="宋体" panose="02010600030101010101" pitchFamily="2" charset="-122"/>
-              <a:cs typeface="宋体" panose="02010600030101010101" pitchFamily="2" charset="-122"/>
+            </a:endParaRPr>
+          </a:p>
+          <a:p>
+            <a:pPr algn="just"/>
+            <a:r>
+              <a:rPr lang="en-US" altLang="zh-CN" dirty="0">
+                <a:latin typeface="宋体" panose="02010600030101010101" pitchFamily="2" charset="-122"/>
+                <a:ea typeface="宋体" panose="02010600030101010101" pitchFamily="2" charset="-122"/>
+              </a:rPr>
+              <a:t>A1</a:t>
+            </a:r>
+            <a:r>
+              <a:rPr lang="zh-CN" altLang="zh-CN" dirty="0">
+                <a:latin typeface="宋体" panose="02010600030101010101" pitchFamily="2" charset="-122"/>
+                <a:ea typeface="宋体" panose="02010600030101010101" pitchFamily="2" charset="-122"/>
+              </a:rPr>
+              <a:t>实现事务支持，以隐藏在面对机器故障时的可用性、复制和持久性的复杂性。</a:t>
+            </a:r>
+            <a:endParaRPr lang="zh-CN" altLang="en-US" dirty="0">
+              <a:latin typeface="宋体" panose="02010600030101010101" pitchFamily="2" charset="-122"/>
+              <a:ea typeface="宋体" panose="02010600030101010101" pitchFamily="2" charset="-122"/>
             </a:endParaRPr>
           </a:p>
         </p:txBody>
@@ -4991,2809 +4546,7 @@
     </p:spTree>
     <p:extLst>
       <p:ext uri="{BB962C8B-B14F-4D97-AF65-F5344CB8AC3E}">
-        <p14:creationId xmlns:p14="http://schemas.microsoft.com/office/powerpoint/2010/main" val="1132869682"/>
-      </p:ext>
-    </p:extLst>
-  </p:cSld>
-  <p:clrMapOvr>
-    <a:masterClrMapping/>
-  </p:clrMapOvr>
-</p:sld>
-</file>
-
-<file path=ppt/slides/slide11.xml><?xml version="1.0" encoding="utf-8"?>
-<p:sld xmlns:a="http://schemas.openxmlformats.org/drawingml/2006/main" xmlns:r="http://schemas.openxmlformats.org/officeDocument/2006/relationships" xmlns:p="http://schemas.openxmlformats.org/presentationml/2006/main">
-  <p:cSld>
-    <p:spTree>
-      <p:nvGrpSpPr>
-        <p:cNvPr id="1" name=""/>
-        <p:cNvGrpSpPr/>
-        <p:nvPr/>
-      </p:nvGrpSpPr>
-      <p:grpSpPr>
-        <a:xfrm>
-          <a:off x="0" y="0"/>
-          <a:ext cx="0" cy="0"/>
-          <a:chOff x="0" y="0"/>
-          <a:chExt cx="0" cy="0"/>
-        </a:xfrm>
-      </p:grpSpPr>
-      <p:sp>
-        <p:nvSpPr>
-          <p:cNvPr id="3" name="内容占位符 2">
-            <a:extLst>
-              <a:ext uri="{FF2B5EF4-FFF2-40B4-BE49-F238E27FC236}">
-                <a16:creationId xmlns:a16="http://schemas.microsoft.com/office/drawing/2014/main" id="{D5C12796-3901-4B37-9C90-22B8BA9A1376}"/>
-              </a:ext>
-            </a:extLst>
-          </p:cNvPr>
-          <p:cNvSpPr>
-            <a:spLocks noGrp="1"/>
-          </p:cNvSpPr>
-          <p:nvPr>
-            <p:ph idx="1"/>
-          </p:nvPr>
-        </p:nvSpPr>
-        <p:spPr>
-          <a:xfrm>
-            <a:off x="838200" y="1809784"/>
-            <a:ext cx="10515600" cy="3238431"/>
-          </a:xfrm>
-        </p:spPr>
-        <p:txBody>
-          <a:bodyPr/>
-          <a:lstStyle/>
-          <a:p>
-            <a:r>
-              <a:rPr lang="zh-CN" altLang="en-US" sz="3200" dirty="0">
-                <a:solidFill>
-                  <a:srgbClr val="000000"/>
-                </a:solidFill>
-                <a:effectLst/>
-                <a:latin typeface="Times New Roman" panose="02020603050405020304" pitchFamily="18" charset="0"/>
-                <a:ea typeface="宋体" panose="02010600030101010101" pitchFamily="2" charset="-122"/>
-                <a:cs typeface="宋体" panose="02010600030101010101" pitchFamily="2" charset="-122"/>
-              </a:rPr>
-              <a:t>顶点和边</a:t>
-            </a:r>
-            <a:endParaRPr lang="en-US" altLang="zh-CN" sz="3200" dirty="0">
-              <a:solidFill>
-                <a:srgbClr val="000000"/>
-              </a:solidFill>
-              <a:effectLst/>
-              <a:latin typeface="Times New Roman" panose="02020603050405020304" pitchFamily="18" charset="0"/>
-              <a:ea typeface="宋体" panose="02010600030101010101" pitchFamily="2" charset="-122"/>
-              <a:cs typeface="宋体" panose="02010600030101010101" pitchFamily="2" charset="-122"/>
-            </a:endParaRPr>
-          </a:p>
-          <a:p>
-            <a:r>
-              <a:rPr lang="zh-CN" altLang="zh-CN" sz="2800" dirty="0">
-                <a:solidFill>
-                  <a:srgbClr val="000000"/>
-                </a:solidFill>
-                <a:effectLst/>
-                <a:latin typeface="Times New Roman" panose="02020603050405020304" pitchFamily="18" charset="0"/>
-                <a:ea typeface="宋体" panose="02010600030101010101" pitchFamily="2" charset="-122"/>
-                <a:cs typeface="宋体" panose="02010600030101010101" pitchFamily="2" charset="-122"/>
-              </a:rPr>
-              <a:t>顶点头包含顶点的类型，指向保存与顶点关联边的数据结构的指针，以及指向与该顶点关联的数据的指针</a:t>
-            </a:r>
-            <a:endParaRPr lang="en-US" altLang="zh-CN" sz="2800" dirty="0">
-              <a:solidFill>
-                <a:srgbClr val="000000"/>
-              </a:solidFill>
-              <a:effectLst/>
-              <a:latin typeface="Times New Roman" panose="02020603050405020304" pitchFamily="18" charset="0"/>
-              <a:ea typeface="宋体" panose="02010600030101010101" pitchFamily="2" charset="-122"/>
-              <a:cs typeface="宋体" panose="02010600030101010101" pitchFamily="2" charset="-122"/>
-            </a:endParaRPr>
-          </a:p>
-          <a:p>
-            <a:endParaRPr lang="en-US" altLang="zh-CN" sz="2800" dirty="0">
-              <a:solidFill>
-                <a:srgbClr val="000000"/>
-              </a:solidFill>
-              <a:effectLst/>
-              <a:latin typeface="Times New Roman" panose="02020603050405020304" pitchFamily="18" charset="0"/>
-              <a:ea typeface="宋体" panose="02010600030101010101" pitchFamily="2" charset="-122"/>
-              <a:cs typeface="宋体" panose="02010600030101010101" pitchFamily="2" charset="-122"/>
-            </a:endParaRPr>
-          </a:p>
-          <a:p>
-            <a:r>
-              <a:rPr lang="zh-CN" altLang="zh-CN" sz="2800" kern="100" dirty="0">
-                <a:solidFill>
-                  <a:srgbClr val="000000"/>
-                </a:solidFill>
-                <a:effectLst/>
-                <a:latin typeface="Times New Roman" panose="02020603050405020304" pitchFamily="18" charset="0"/>
-                <a:ea typeface="宋体" panose="02010600030101010101" pitchFamily="2" charset="-122"/>
-                <a:cs typeface="宋体" panose="02010600030101010101" pitchFamily="2" charset="-122"/>
-              </a:rPr>
-              <a:t>边表数据结构需要满足约束条件</a:t>
-            </a:r>
-            <a:r>
-              <a:rPr lang="zh-CN" altLang="en-US" kern="100" dirty="0">
-                <a:solidFill>
-                  <a:srgbClr val="000000"/>
-                </a:solidFill>
-                <a:latin typeface="Times New Roman" panose="02020603050405020304" pitchFamily="18" charset="0"/>
-                <a:ea typeface="宋体" panose="02010600030101010101" pitchFamily="2" charset="-122"/>
-                <a:cs typeface="宋体" panose="02010600030101010101" pitchFamily="2" charset="-122"/>
-              </a:rPr>
-              <a:t>：</a:t>
-            </a:r>
-            <a:r>
-              <a:rPr lang="zh-CN" altLang="zh-CN" sz="2800" kern="100" dirty="0">
-                <a:solidFill>
-                  <a:srgbClr val="000000"/>
-                </a:solidFill>
-                <a:effectLst/>
-                <a:latin typeface="Times New Roman" panose="02020603050405020304" pitchFamily="18" charset="0"/>
-                <a:ea typeface="宋体" panose="02010600030101010101" pitchFamily="2" charset="-122"/>
-                <a:cs typeface="宋体" panose="02010600030101010101" pitchFamily="2" charset="-122"/>
-              </a:rPr>
-              <a:t>需要具有可伸缩性</a:t>
-            </a:r>
-            <a:r>
-              <a:rPr lang="zh-CN" altLang="en-US" sz="2800" kern="100" dirty="0">
-                <a:solidFill>
-                  <a:srgbClr val="000000"/>
-                </a:solidFill>
-                <a:effectLst/>
-                <a:latin typeface="Times New Roman" panose="02020603050405020304" pitchFamily="18" charset="0"/>
-                <a:ea typeface="宋体" panose="02010600030101010101" pitchFamily="2" charset="-122"/>
-                <a:cs typeface="宋体" panose="02010600030101010101" pitchFamily="2" charset="-122"/>
-              </a:rPr>
-              <a:t>；</a:t>
-            </a:r>
-            <a:r>
-              <a:rPr lang="zh-CN" altLang="zh-CN" sz="2800" kern="100" dirty="0">
-                <a:solidFill>
-                  <a:srgbClr val="000000"/>
-                </a:solidFill>
-                <a:effectLst/>
-                <a:latin typeface="Times New Roman" panose="02020603050405020304" pitchFamily="18" charset="0"/>
-                <a:ea typeface="宋体" panose="02010600030101010101" pitchFamily="2" charset="-122"/>
-                <a:cs typeface="宋体" panose="02010600030101010101" pitchFamily="2" charset="-122"/>
-              </a:rPr>
-              <a:t>给定一条</a:t>
-            </a:r>
-            <a:r>
-              <a:rPr lang="zh-CN" altLang="en-US" sz="2800" kern="100" dirty="0">
-                <a:solidFill>
-                  <a:srgbClr val="000000"/>
-                </a:solidFill>
-                <a:effectLst/>
-                <a:latin typeface="Times New Roman" panose="02020603050405020304" pitchFamily="18" charset="0"/>
-                <a:ea typeface="宋体" panose="02010600030101010101" pitchFamily="2" charset="-122"/>
-                <a:cs typeface="宋体" panose="02010600030101010101" pitchFamily="2" charset="-122"/>
-              </a:rPr>
-              <a:t>有</a:t>
-            </a:r>
-            <a:r>
-              <a:rPr lang="zh-CN" altLang="zh-CN" sz="2800" kern="100" dirty="0">
-                <a:solidFill>
-                  <a:srgbClr val="000000"/>
-                </a:solidFill>
-                <a:effectLst/>
-                <a:latin typeface="Times New Roman" panose="02020603050405020304" pitchFamily="18" charset="0"/>
-                <a:ea typeface="宋体" panose="02010600030101010101" pitchFamily="2" charset="-122"/>
-                <a:cs typeface="宋体" panose="02010600030101010101" pitchFamily="2" charset="-122"/>
-              </a:rPr>
-              <a:t>源顶点、目标顶点和边类型特征的边，能够快速查找</a:t>
-            </a:r>
-            <a:r>
-              <a:rPr lang="en-US" altLang="zh-CN" sz="2800" kern="100" dirty="0">
-                <a:solidFill>
-                  <a:srgbClr val="000000"/>
-                </a:solidFill>
-                <a:effectLst/>
-                <a:latin typeface="Times New Roman" panose="02020603050405020304" pitchFamily="18" charset="0"/>
-                <a:ea typeface="宋体" panose="02010600030101010101" pitchFamily="2" charset="-122"/>
-                <a:cs typeface="宋体" panose="02010600030101010101" pitchFamily="2" charset="-122"/>
-              </a:rPr>
-              <a:t>/</a:t>
-            </a:r>
-            <a:r>
-              <a:rPr lang="zh-CN" altLang="zh-CN" sz="2800" kern="100" dirty="0">
-                <a:solidFill>
-                  <a:srgbClr val="000000"/>
-                </a:solidFill>
-                <a:effectLst/>
-                <a:latin typeface="Times New Roman" panose="02020603050405020304" pitchFamily="18" charset="0"/>
-                <a:ea typeface="宋体" panose="02010600030101010101" pitchFamily="2" charset="-122"/>
-                <a:cs typeface="宋体" panose="02010600030101010101" pitchFamily="2" charset="-122"/>
-              </a:rPr>
-              <a:t>插入</a:t>
-            </a:r>
-            <a:r>
-              <a:rPr lang="en-US" altLang="zh-CN" sz="2800" kern="100" dirty="0">
-                <a:solidFill>
-                  <a:srgbClr val="000000"/>
-                </a:solidFill>
-                <a:effectLst/>
-                <a:latin typeface="Times New Roman" panose="02020603050405020304" pitchFamily="18" charset="0"/>
-                <a:ea typeface="宋体" panose="02010600030101010101" pitchFamily="2" charset="-122"/>
-                <a:cs typeface="宋体" panose="02010600030101010101" pitchFamily="2" charset="-122"/>
-              </a:rPr>
-              <a:t>/</a:t>
-            </a:r>
-            <a:r>
-              <a:rPr lang="zh-CN" altLang="zh-CN" sz="2800" kern="100" dirty="0">
-                <a:solidFill>
-                  <a:srgbClr val="000000"/>
-                </a:solidFill>
-                <a:effectLst/>
-                <a:latin typeface="Times New Roman" panose="02020603050405020304" pitchFamily="18" charset="0"/>
-                <a:ea typeface="宋体" panose="02010600030101010101" pitchFamily="2" charset="-122"/>
-                <a:cs typeface="宋体" panose="02010600030101010101" pitchFamily="2" charset="-122"/>
-              </a:rPr>
-              <a:t>删除这条边</a:t>
-            </a:r>
-            <a:endParaRPr lang="zh-CN" altLang="zh-CN" sz="2800" kern="100" dirty="0">
-              <a:effectLst/>
-              <a:latin typeface="等线" panose="02010600030101010101" pitchFamily="2" charset="-122"/>
-              <a:ea typeface="等线" panose="02010600030101010101" pitchFamily="2" charset="-122"/>
-              <a:cs typeface="Times New Roman" panose="02020603050405020304" pitchFamily="18" charset="0"/>
-            </a:endParaRPr>
-          </a:p>
-          <a:p>
-            <a:endParaRPr lang="zh-CN" altLang="en-US" dirty="0"/>
-          </a:p>
-        </p:txBody>
-      </p:sp>
-    </p:spTree>
-    <p:extLst>
-      <p:ext uri="{BB962C8B-B14F-4D97-AF65-F5344CB8AC3E}">
-        <p14:creationId xmlns:p14="http://schemas.microsoft.com/office/powerpoint/2010/main" val="599867212"/>
-      </p:ext>
-    </p:extLst>
-  </p:cSld>
-  <p:clrMapOvr>
-    <a:masterClrMapping/>
-  </p:clrMapOvr>
-</p:sld>
-</file>
-
-<file path=ppt/slides/slide12.xml><?xml version="1.0" encoding="utf-8"?>
-<p:sld xmlns:a="http://schemas.openxmlformats.org/drawingml/2006/main" xmlns:r="http://schemas.openxmlformats.org/officeDocument/2006/relationships" xmlns:p="http://schemas.openxmlformats.org/presentationml/2006/main">
-  <p:cSld>
-    <p:spTree>
-      <p:nvGrpSpPr>
-        <p:cNvPr id="1" name=""/>
-        <p:cNvGrpSpPr/>
-        <p:nvPr/>
-      </p:nvGrpSpPr>
-      <p:grpSpPr>
-        <a:xfrm>
-          <a:off x="0" y="0"/>
-          <a:ext cx="0" cy="0"/>
-          <a:chOff x="0" y="0"/>
-          <a:chExt cx="0" cy="0"/>
-        </a:xfrm>
-      </p:grpSpPr>
-      <p:sp>
-        <p:nvSpPr>
-          <p:cNvPr id="3" name="内容占位符 2">
-            <a:extLst>
-              <a:ext uri="{FF2B5EF4-FFF2-40B4-BE49-F238E27FC236}">
-                <a16:creationId xmlns:a16="http://schemas.microsoft.com/office/drawing/2014/main" id="{B5EB8E97-F171-4DE3-A2BF-3D51A6594EB6}"/>
-              </a:ext>
-            </a:extLst>
-          </p:cNvPr>
-          <p:cNvSpPr>
-            <a:spLocks noGrp="1"/>
-          </p:cNvSpPr>
-          <p:nvPr>
-            <p:ph idx="1"/>
-          </p:nvPr>
-        </p:nvSpPr>
-        <p:spPr>
-          <a:xfrm>
-            <a:off x="838200" y="1149626"/>
-            <a:ext cx="10515600" cy="4558747"/>
-          </a:xfrm>
-        </p:spPr>
-        <p:txBody>
-          <a:bodyPr>
-            <a:normAutofit/>
-          </a:bodyPr>
-          <a:lstStyle/>
-          <a:p>
-            <a:pPr algn="just"/>
-            <a:r>
-              <a:rPr lang="zh-CN" altLang="zh-CN" sz="3200" dirty="0">
-                <a:solidFill>
-                  <a:srgbClr val="000000"/>
-                </a:solidFill>
-                <a:effectLst/>
-                <a:latin typeface="Times New Roman" panose="02020603050405020304" pitchFamily="18" charset="0"/>
-                <a:ea typeface="宋体" panose="02010600030101010101" pitchFamily="2" charset="-122"/>
-                <a:cs typeface="宋体" panose="02010600030101010101" pitchFamily="2" charset="-122"/>
-              </a:rPr>
-              <a:t>异步工作流</a:t>
-            </a:r>
-            <a:endParaRPr lang="en-US" altLang="zh-CN" sz="3200" kern="100" dirty="0">
-              <a:solidFill>
-                <a:srgbClr val="000000"/>
-              </a:solidFill>
-              <a:effectLst/>
-              <a:latin typeface="Times New Roman" panose="02020603050405020304" pitchFamily="18" charset="0"/>
-              <a:ea typeface="宋体" panose="02010600030101010101" pitchFamily="2" charset="-122"/>
-              <a:cs typeface="宋体" panose="02010600030101010101" pitchFamily="2" charset="-122"/>
-            </a:endParaRPr>
-          </a:p>
-          <a:p>
-            <a:pPr algn="just"/>
-            <a:r>
-              <a:rPr lang="zh-CN" altLang="zh-CN" sz="2400" kern="100" dirty="0">
-                <a:solidFill>
-                  <a:srgbClr val="000000"/>
-                </a:solidFill>
-                <a:effectLst/>
-                <a:latin typeface="Times New Roman" panose="02020603050405020304" pitchFamily="18" charset="0"/>
-                <a:ea typeface="宋体" panose="02010600030101010101" pitchFamily="2" charset="-122"/>
-                <a:cs typeface="宋体" panose="02010600030101010101" pitchFamily="2" charset="-122"/>
-              </a:rPr>
-              <a:t>调用</a:t>
-            </a:r>
-            <a:r>
-              <a:rPr lang="zh-CN" altLang="en-US" sz="2400" kern="100" dirty="0">
-                <a:solidFill>
-                  <a:srgbClr val="000000"/>
-                </a:solidFill>
-                <a:effectLst/>
-                <a:latin typeface="Times New Roman" panose="02020603050405020304" pitchFamily="18" charset="0"/>
-                <a:ea typeface="宋体" panose="02010600030101010101" pitchFamily="2" charset="-122"/>
-                <a:cs typeface="宋体" panose="02010600030101010101" pitchFamily="2" charset="-122"/>
-              </a:rPr>
-              <a:t>删除操作</a:t>
-            </a:r>
-            <a:r>
-              <a:rPr lang="zh-CN" altLang="zh-CN" sz="2400" kern="100" dirty="0">
-                <a:solidFill>
-                  <a:srgbClr val="000000"/>
-                </a:solidFill>
-                <a:effectLst/>
-                <a:latin typeface="Times New Roman" panose="02020603050405020304" pitchFamily="18" charset="0"/>
-                <a:ea typeface="宋体" panose="02010600030101010101" pitchFamily="2" charset="-122"/>
-                <a:cs typeface="宋体" panose="02010600030101010101" pitchFamily="2" charset="-122"/>
-              </a:rPr>
-              <a:t>会将图从状态激活转换为删除，但是与图关联的存储和资源不会同步释放。取而代之的是一个异步工作流，它删除所有与图相关的资源，并最终释放图本身</a:t>
-            </a:r>
-            <a:endParaRPr lang="en-US" altLang="zh-CN" sz="2400" kern="100" dirty="0">
-              <a:solidFill>
-                <a:srgbClr val="000000"/>
-              </a:solidFill>
-              <a:effectLst/>
-              <a:latin typeface="Times New Roman" panose="02020603050405020304" pitchFamily="18" charset="0"/>
-              <a:ea typeface="宋体" panose="02010600030101010101" pitchFamily="2" charset="-122"/>
-              <a:cs typeface="宋体" panose="02010600030101010101" pitchFamily="2" charset="-122"/>
-            </a:endParaRPr>
-          </a:p>
-          <a:p>
-            <a:pPr algn="just"/>
-            <a:endParaRPr lang="zh-CN" altLang="zh-CN" sz="2400" kern="100" dirty="0">
-              <a:effectLst/>
-              <a:latin typeface="等线" panose="02010600030101010101" pitchFamily="2" charset="-122"/>
-              <a:ea typeface="等线" panose="02010600030101010101" pitchFamily="2" charset="-122"/>
-              <a:cs typeface="Times New Roman" panose="02020603050405020304" pitchFamily="18" charset="0"/>
-            </a:endParaRPr>
-          </a:p>
-          <a:p>
-            <a:pPr algn="just"/>
-            <a:r>
-              <a:rPr lang="zh-CN" altLang="zh-CN" sz="2400" dirty="0">
-                <a:solidFill>
-                  <a:srgbClr val="000000"/>
-                </a:solidFill>
-                <a:effectLst/>
-                <a:latin typeface="Times New Roman" panose="02020603050405020304" pitchFamily="18" charset="0"/>
-                <a:ea typeface="宋体" panose="02010600030101010101" pitchFamily="2" charset="-122"/>
-                <a:cs typeface="宋体" panose="02010600030101010101" pitchFamily="2" charset="-122"/>
-              </a:rPr>
-              <a:t>异步工作流使用任务执行框架在</a:t>
-            </a:r>
-            <a:r>
-              <a:rPr lang="en-US" altLang="zh-CN" sz="2400" dirty="0">
-                <a:solidFill>
-                  <a:srgbClr val="000000"/>
-                </a:solidFill>
-                <a:effectLst/>
-                <a:latin typeface="Times New Roman" panose="02020603050405020304" pitchFamily="18" charset="0"/>
-                <a:ea typeface="宋体" panose="02010600030101010101" pitchFamily="2" charset="-122"/>
-                <a:cs typeface="宋体" panose="02010600030101010101" pitchFamily="2" charset="-122"/>
-              </a:rPr>
-              <a:t>A1</a:t>
-            </a:r>
-            <a:r>
-              <a:rPr lang="zh-CN" altLang="zh-CN" sz="2400" dirty="0">
-                <a:solidFill>
-                  <a:srgbClr val="000000"/>
-                </a:solidFill>
-                <a:effectLst/>
-                <a:latin typeface="Times New Roman" panose="02020603050405020304" pitchFamily="18" charset="0"/>
-                <a:ea typeface="宋体" panose="02010600030101010101" pitchFamily="2" charset="-122"/>
-                <a:cs typeface="宋体" panose="02010600030101010101" pitchFamily="2" charset="-122"/>
-              </a:rPr>
-              <a:t>流程中运行。任务是可以调度在将来执行的工作单元</a:t>
-            </a:r>
-            <a:r>
-              <a:rPr lang="zh-CN" altLang="en-US" sz="2400" dirty="0">
-                <a:solidFill>
-                  <a:srgbClr val="000000"/>
-                </a:solidFill>
-                <a:latin typeface="Times New Roman" panose="02020603050405020304" pitchFamily="18" charset="0"/>
-                <a:ea typeface="宋体" panose="02010600030101010101" pitchFamily="2" charset="-122"/>
-                <a:cs typeface="宋体" panose="02010600030101010101" pitchFamily="2" charset="-122"/>
-              </a:rPr>
-              <a:t>：</a:t>
-            </a:r>
-            <a:r>
-              <a:rPr lang="zh-CN" altLang="zh-CN" sz="2400" dirty="0">
-                <a:solidFill>
-                  <a:srgbClr val="000000"/>
-                </a:solidFill>
-                <a:effectLst/>
-                <a:latin typeface="Times New Roman" panose="02020603050405020304" pitchFamily="18" charset="0"/>
-                <a:ea typeface="宋体" panose="02010600030101010101" pitchFamily="2" charset="-122"/>
-                <a:cs typeface="宋体" panose="02010600030101010101" pitchFamily="2" charset="-122"/>
-              </a:rPr>
-              <a:t>任务被放入存储在</a:t>
-            </a:r>
-            <a:r>
-              <a:rPr lang="en-US" altLang="zh-CN" sz="2400" dirty="0" err="1">
-                <a:solidFill>
-                  <a:srgbClr val="000000"/>
-                </a:solidFill>
-                <a:effectLst/>
-                <a:latin typeface="Times New Roman" panose="02020603050405020304" pitchFamily="18" charset="0"/>
-                <a:ea typeface="宋体" panose="02010600030101010101" pitchFamily="2" charset="-122"/>
-                <a:cs typeface="宋体" panose="02010600030101010101" pitchFamily="2" charset="-122"/>
-              </a:rPr>
-              <a:t>FaRM</a:t>
-            </a:r>
-            <a:r>
-              <a:rPr lang="zh-CN" altLang="zh-CN" sz="2400" dirty="0">
-                <a:solidFill>
-                  <a:srgbClr val="000000"/>
-                </a:solidFill>
-                <a:effectLst/>
-                <a:latin typeface="Times New Roman" panose="02020603050405020304" pitchFamily="18" charset="0"/>
-                <a:ea typeface="宋体" panose="02010600030101010101" pitchFamily="2" charset="-122"/>
-                <a:cs typeface="宋体" panose="02010600030101010101" pitchFamily="2" charset="-122"/>
-              </a:rPr>
-              <a:t>中的全局队列中。每个后端机器上都有一个工作线程池，用于查找挂起的任务并对其进行处理。由于</a:t>
-            </a:r>
-            <a:r>
-              <a:rPr lang="zh-CN" altLang="zh-CN" sz="2400" kern="100" dirty="0">
-                <a:solidFill>
-                  <a:srgbClr val="000000"/>
-                </a:solidFill>
-                <a:effectLst/>
-                <a:latin typeface="Times New Roman" panose="02020603050405020304" pitchFamily="18" charset="0"/>
-                <a:ea typeface="宋体" panose="02010600030101010101" pitchFamily="2" charset="-122"/>
-                <a:cs typeface="宋体" panose="02010600030101010101" pitchFamily="2" charset="-122"/>
-              </a:rPr>
-              <a:t>任务是全局可见的，所以任何单个任务都可以在任何任务上工作</a:t>
-            </a:r>
-            <a:endParaRPr lang="en-US" altLang="zh-CN" sz="2400" kern="100" dirty="0">
-              <a:solidFill>
-                <a:srgbClr val="000000"/>
-              </a:solidFill>
-              <a:effectLst/>
-              <a:latin typeface="Times New Roman" panose="02020603050405020304" pitchFamily="18" charset="0"/>
-              <a:ea typeface="宋体" panose="02010600030101010101" pitchFamily="2" charset="-122"/>
-              <a:cs typeface="宋体" panose="02010600030101010101" pitchFamily="2" charset="-122"/>
-            </a:endParaRPr>
-          </a:p>
-          <a:p>
-            <a:pPr algn="just"/>
-            <a:endParaRPr lang="zh-CN" altLang="zh-CN" sz="2400" kern="100" dirty="0">
-              <a:effectLst/>
-              <a:latin typeface="等线" panose="02010600030101010101" pitchFamily="2" charset="-122"/>
-              <a:ea typeface="等线" panose="02010600030101010101" pitchFamily="2" charset="-122"/>
-              <a:cs typeface="Times New Roman" panose="02020603050405020304" pitchFamily="18" charset="0"/>
-            </a:endParaRPr>
-          </a:p>
-          <a:p>
-            <a:pPr algn="just"/>
-            <a:r>
-              <a:rPr lang="zh-CN" altLang="zh-CN" sz="2400" kern="100" dirty="0">
-                <a:solidFill>
-                  <a:srgbClr val="000000"/>
-                </a:solidFill>
-                <a:effectLst/>
-                <a:latin typeface="Times New Roman" panose="02020603050405020304" pitchFamily="18" charset="0"/>
-                <a:ea typeface="宋体" panose="02010600030101010101" pitchFamily="2" charset="-122"/>
-                <a:cs typeface="宋体" panose="02010600030101010101" pitchFamily="2" charset="-122"/>
-              </a:rPr>
-              <a:t>为了确保工作流不干扰实时工作负载，工作线程以较低的优先级运行</a:t>
-            </a:r>
-            <a:endParaRPr lang="zh-CN" altLang="zh-CN" sz="2400" kern="100" dirty="0">
-              <a:effectLst/>
-              <a:latin typeface="等线" panose="02010600030101010101" pitchFamily="2" charset="-122"/>
-              <a:ea typeface="等线" panose="02010600030101010101" pitchFamily="2" charset="-122"/>
-              <a:cs typeface="Times New Roman" panose="02020603050405020304" pitchFamily="18" charset="0"/>
-            </a:endParaRPr>
-          </a:p>
-        </p:txBody>
-      </p:sp>
-    </p:spTree>
-    <p:extLst>
-      <p:ext uri="{BB962C8B-B14F-4D97-AF65-F5344CB8AC3E}">
-        <p14:creationId xmlns:p14="http://schemas.microsoft.com/office/powerpoint/2010/main" val="464201457"/>
-      </p:ext>
-    </p:extLst>
-  </p:cSld>
-  <p:clrMapOvr>
-    <a:masterClrMapping/>
-  </p:clrMapOvr>
-</p:sld>
-</file>
-
-<file path=ppt/slides/slide13.xml><?xml version="1.0" encoding="utf-8"?>
-<p:sld xmlns:a="http://schemas.openxmlformats.org/drawingml/2006/main" xmlns:r="http://schemas.openxmlformats.org/officeDocument/2006/relationships" xmlns:p="http://schemas.openxmlformats.org/presentationml/2006/main">
-  <p:cSld>
-    <p:spTree>
-      <p:nvGrpSpPr>
-        <p:cNvPr id="1" name=""/>
-        <p:cNvGrpSpPr/>
-        <p:nvPr/>
-      </p:nvGrpSpPr>
-      <p:grpSpPr>
-        <a:xfrm>
-          <a:off x="0" y="0"/>
-          <a:ext cx="0" cy="0"/>
-          <a:chOff x="0" y="0"/>
-          <a:chExt cx="0" cy="0"/>
-        </a:xfrm>
-      </p:grpSpPr>
-      <p:sp>
-        <p:nvSpPr>
-          <p:cNvPr id="3" name="内容占位符 2">
-            <a:extLst>
-              <a:ext uri="{FF2B5EF4-FFF2-40B4-BE49-F238E27FC236}">
-                <a16:creationId xmlns:a16="http://schemas.microsoft.com/office/drawing/2014/main" id="{EB551995-F64E-4420-9A04-D6C1708BF37B}"/>
-              </a:ext>
-            </a:extLst>
-          </p:cNvPr>
-          <p:cNvSpPr>
-            <a:spLocks noGrp="1"/>
-          </p:cNvSpPr>
-          <p:nvPr>
-            <p:ph idx="1"/>
-          </p:nvPr>
-        </p:nvSpPr>
-        <p:spPr>
-          <a:xfrm>
-            <a:off x="838200" y="1253331"/>
-            <a:ext cx="10515600" cy="4351338"/>
-          </a:xfrm>
-        </p:spPr>
-        <p:txBody>
-          <a:bodyPr/>
-          <a:lstStyle/>
-          <a:p>
-            <a:pPr algn="just"/>
-            <a:r>
-              <a:rPr lang="zh-CN" altLang="zh-CN" sz="3200" dirty="0">
-                <a:solidFill>
-                  <a:srgbClr val="000000"/>
-                </a:solidFill>
-                <a:effectLst/>
-                <a:latin typeface="Times New Roman" panose="02020603050405020304" pitchFamily="18" charset="0"/>
-                <a:ea typeface="宋体" panose="02010600030101010101" pitchFamily="2" charset="-122"/>
-                <a:cs typeface="宋体" panose="02010600030101010101" pitchFamily="2" charset="-122"/>
-              </a:rPr>
-              <a:t>查询执行</a:t>
-            </a:r>
-            <a:endParaRPr lang="en-US" altLang="zh-CN" sz="3200" kern="100" dirty="0">
-              <a:solidFill>
-                <a:srgbClr val="000000"/>
-              </a:solidFill>
-              <a:effectLst/>
-              <a:latin typeface="Times New Roman" panose="02020603050405020304" pitchFamily="18" charset="0"/>
-              <a:ea typeface="宋体" panose="02010600030101010101" pitchFamily="2" charset="-122"/>
-              <a:cs typeface="宋体" panose="02010600030101010101" pitchFamily="2" charset="-122"/>
-            </a:endParaRPr>
-          </a:p>
-          <a:p>
-            <a:pPr algn="just"/>
-            <a:r>
-              <a:rPr lang="en-US" altLang="zh-CN" sz="2400" kern="100" dirty="0">
-                <a:solidFill>
-                  <a:srgbClr val="000000"/>
-                </a:solidFill>
-                <a:effectLst/>
-                <a:latin typeface="Times New Roman" panose="02020603050405020304" pitchFamily="18" charset="0"/>
-                <a:ea typeface="宋体" panose="02010600030101010101" pitchFamily="2" charset="-122"/>
-                <a:cs typeface="宋体" panose="02010600030101010101" pitchFamily="2" charset="-122"/>
-              </a:rPr>
-              <a:t>A1</a:t>
-            </a:r>
-            <a:r>
-              <a:rPr lang="zh-CN" altLang="zh-CN" sz="2400" kern="100" dirty="0">
-                <a:solidFill>
-                  <a:srgbClr val="000000"/>
-                </a:solidFill>
-                <a:effectLst/>
-                <a:latin typeface="Times New Roman" panose="02020603050405020304" pitchFamily="18" charset="0"/>
-                <a:ea typeface="宋体" panose="02010600030101010101" pitchFamily="2" charset="-122"/>
-                <a:cs typeface="宋体" panose="02010600030101010101" pitchFamily="2" charset="-122"/>
-              </a:rPr>
-              <a:t>工作负载主要由访问数千个顶点的大型只读查询和读写少量顶点的小型更新所控制。当一个查询</a:t>
-            </a:r>
-            <a:r>
-              <a:rPr lang="en-US" altLang="zh-CN" sz="2400" kern="100" dirty="0">
-                <a:solidFill>
-                  <a:srgbClr val="000000"/>
-                </a:solidFill>
-                <a:effectLst/>
-                <a:latin typeface="Times New Roman" panose="02020603050405020304" pitchFamily="18" charset="0"/>
-                <a:ea typeface="宋体" panose="02010600030101010101" pitchFamily="2" charset="-122"/>
-                <a:cs typeface="宋体" panose="02010600030101010101" pitchFamily="2" charset="-122"/>
-              </a:rPr>
-              <a:t>/</a:t>
-            </a:r>
-            <a:r>
-              <a:rPr lang="zh-CN" altLang="zh-CN" sz="2400" kern="100" dirty="0">
-                <a:solidFill>
-                  <a:srgbClr val="000000"/>
-                </a:solidFill>
-                <a:effectLst/>
-                <a:latin typeface="Times New Roman" panose="02020603050405020304" pitchFamily="18" charset="0"/>
-                <a:ea typeface="宋体" panose="02010600030101010101" pitchFamily="2" charset="-122"/>
-                <a:cs typeface="宋体" panose="02010600030101010101" pitchFamily="2" charset="-122"/>
-              </a:rPr>
-              <a:t>更新操作到达前端时，默认情况下它会被路由到集群中的一个随机后端机器</a:t>
-            </a:r>
-            <a:endParaRPr lang="en-US" altLang="zh-CN" sz="2400" kern="100" dirty="0">
-              <a:solidFill>
-                <a:srgbClr val="000000"/>
-              </a:solidFill>
-              <a:effectLst/>
-              <a:latin typeface="Times New Roman" panose="02020603050405020304" pitchFamily="18" charset="0"/>
-              <a:ea typeface="宋体" panose="02010600030101010101" pitchFamily="2" charset="-122"/>
-              <a:cs typeface="宋体" panose="02010600030101010101" pitchFamily="2" charset="-122"/>
-            </a:endParaRPr>
-          </a:p>
-          <a:p>
-            <a:pPr algn="just"/>
-            <a:endParaRPr lang="zh-CN" altLang="zh-CN" sz="2400" kern="100" dirty="0">
-              <a:effectLst/>
-              <a:latin typeface="等线" panose="02010600030101010101" pitchFamily="2" charset="-122"/>
-              <a:ea typeface="等线" panose="02010600030101010101" pitchFamily="2" charset="-122"/>
-              <a:cs typeface="Times New Roman" panose="02020603050405020304" pitchFamily="18" charset="0"/>
-            </a:endParaRPr>
-          </a:p>
-          <a:p>
-            <a:pPr algn="just"/>
-            <a:r>
-              <a:rPr lang="zh-CN" altLang="zh-CN" sz="2400" kern="100" dirty="0">
-                <a:solidFill>
-                  <a:srgbClr val="000000"/>
-                </a:solidFill>
-                <a:effectLst/>
-                <a:latin typeface="Times New Roman" panose="02020603050405020304" pitchFamily="18" charset="0"/>
-                <a:ea typeface="宋体" panose="02010600030101010101" pitchFamily="2" charset="-122"/>
-                <a:cs typeface="宋体" panose="02010600030101010101" pitchFamily="2" charset="-122"/>
-              </a:rPr>
-              <a:t>查询首先到达的后端机器被指定为查询的协调器，</a:t>
-            </a:r>
-            <a:r>
-              <a:rPr lang="zh-CN" altLang="en-US" sz="2400" kern="100" dirty="0">
-                <a:solidFill>
-                  <a:srgbClr val="000000"/>
-                </a:solidFill>
-                <a:effectLst/>
-                <a:latin typeface="Times New Roman" panose="02020603050405020304" pitchFamily="18" charset="0"/>
-                <a:ea typeface="宋体" panose="02010600030101010101" pitchFamily="2" charset="-122"/>
-                <a:cs typeface="宋体" panose="02010600030101010101" pitchFamily="2" charset="-122"/>
-              </a:rPr>
-              <a:t>协调器</a:t>
-            </a:r>
-            <a:r>
-              <a:rPr lang="zh-CN" altLang="zh-CN" sz="2400" kern="100" dirty="0">
-                <a:solidFill>
-                  <a:srgbClr val="000000"/>
-                </a:solidFill>
-                <a:effectLst/>
-                <a:latin typeface="Times New Roman" panose="02020603050405020304" pitchFamily="18" charset="0"/>
-                <a:ea typeface="宋体" panose="02010600030101010101" pitchFamily="2" charset="-122"/>
-                <a:cs typeface="宋体" panose="02010600030101010101" pitchFamily="2" charset="-122"/>
-              </a:rPr>
-              <a:t>驱动查询的执行，但是大部分查询执行工作分布在集群中</a:t>
-            </a:r>
-            <a:endParaRPr lang="en-US" altLang="zh-CN" sz="2400" kern="100" dirty="0">
-              <a:solidFill>
-                <a:srgbClr val="000000"/>
-              </a:solidFill>
-              <a:effectLst/>
-              <a:latin typeface="Times New Roman" panose="02020603050405020304" pitchFamily="18" charset="0"/>
-              <a:ea typeface="宋体" panose="02010600030101010101" pitchFamily="2" charset="-122"/>
-              <a:cs typeface="宋体" panose="02010600030101010101" pitchFamily="2" charset="-122"/>
-            </a:endParaRPr>
-          </a:p>
-          <a:p>
-            <a:pPr algn="just"/>
-            <a:endParaRPr lang="zh-CN" altLang="zh-CN" sz="2400" kern="100" dirty="0">
-              <a:effectLst/>
-              <a:latin typeface="等线" panose="02010600030101010101" pitchFamily="2" charset="-122"/>
-              <a:ea typeface="等线" panose="02010600030101010101" pitchFamily="2" charset="-122"/>
-              <a:cs typeface="Times New Roman" panose="02020603050405020304" pitchFamily="18" charset="0"/>
-            </a:endParaRPr>
-          </a:p>
-          <a:p>
-            <a:pPr algn="just"/>
-            <a:r>
-              <a:rPr lang="zh-CN" altLang="zh-CN" sz="2400" kern="100" dirty="0">
-                <a:solidFill>
-                  <a:srgbClr val="000000"/>
-                </a:solidFill>
-                <a:effectLst/>
-                <a:latin typeface="Times New Roman" panose="02020603050405020304" pitchFamily="18" charset="0"/>
-                <a:ea typeface="宋体" panose="02010600030101010101" pitchFamily="2" charset="-122"/>
-                <a:cs typeface="宋体" panose="02010600030101010101" pitchFamily="2" charset="-122"/>
-              </a:rPr>
-              <a:t>每个</a:t>
-            </a:r>
-            <a:r>
-              <a:rPr lang="en-US" altLang="zh-CN" sz="2400" kern="100" dirty="0">
-                <a:solidFill>
-                  <a:srgbClr val="000000"/>
-                </a:solidFill>
-                <a:effectLst/>
-                <a:latin typeface="Times New Roman" panose="02020603050405020304" pitchFamily="18" charset="0"/>
-                <a:ea typeface="宋体" panose="02010600030101010101" pitchFamily="2" charset="-122"/>
-                <a:cs typeface="宋体" panose="02010600030101010101" pitchFamily="2" charset="-122"/>
-              </a:rPr>
-              <a:t>A1</a:t>
-            </a:r>
-            <a:r>
-              <a:rPr lang="zh-CN" altLang="zh-CN" sz="2400" kern="100" dirty="0">
-                <a:solidFill>
-                  <a:srgbClr val="000000"/>
-                </a:solidFill>
-                <a:effectLst/>
-                <a:latin typeface="Times New Roman" panose="02020603050405020304" pitchFamily="18" charset="0"/>
-                <a:ea typeface="宋体" panose="02010600030101010101" pitchFamily="2" charset="-122"/>
-                <a:cs typeface="宋体" panose="02010600030101010101" pitchFamily="2" charset="-122"/>
-              </a:rPr>
-              <a:t>查询都是一个</a:t>
-            </a:r>
-            <a:r>
-              <a:rPr lang="en-US" altLang="zh-CN" sz="2400" kern="100" dirty="0">
-                <a:solidFill>
-                  <a:srgbClr val="000000"/>
-                </a:solidFill>
-                <a:effectLst/>
-                <a:latin typeface="Times New Roman" panose="02020603050405020304" pitchFamily="18" charset="0"/>
-                <a:ea typeface="宋体" panose="02010600030101010101" pitchFamily="2" charset="-122"/>
-                <a:cs typeface="宋体" panose="02010600030101010101" pitchFamily="2" charset="-122"/>
-              </a:rPr>
-              <a:t>JSON</a:t>
-            </a:r>
-            <a:r>
-              <a:rPr lang="zh-CN" altLang="zh-CN" sz="2400" kern="100" dirty="0">
-                <a:solidFill>
-                  <a:srgbClr val="000000"/>
-                </a:solidFill>
-                <a:effectLst/>
-                <a:latin typeface="Times New Roman" panose="02020603050405020304" pitchFamily="18" charset="0"/>
-                <a:ea typeface="宋体" panose="02010600030101010101" pitchFamily="2" charset="-122"/>
-                <a:cs typeface="宋体" panose="02010600030101010101" pitchFamily="2" charset="-122"/>
-              </a:rPr>
-              <a:t>文档，每个层次的嵌套</a:t>
-            </a:r>
-            <a:r>
-              <a:rPr lang="en-US" altLang="zh-CN" sz="2400" kern="100" dirty="0">
-                <a:solidFill>
-                  <a:srgbClr val="000000"/>
-                </a:solidFill>
-                <a:effectLst/>
-                <a:latin typeface="Times New Roman" panose="02020603050405020304" pitchFamily="18" charset="0"/>
-                <a:ea typeface="宋体" panose="02010600030101010101" pitchFamily="2" charset="-122"/>
-                <a:cs typeface="宋体" panose="02010600030101010101" pitchFamily="2" charset="-122"/>
-              </a:rPr>
-              <a:t>JSON</a:t>
-            </a:r>
-            <a:r>
-              <a:rPr lang="zh-CN" altLang="zh-CN" sz="2400" kern="100" dirty="0">
-                <a:solidFill>
-                  <a:srgbClr val="000000"/>
-                </a:solidFill>
-                <a:effectLst/>
-                <a:latin typeface="Times New Roman" panose="02020603050405020304" pitchFamily="18" charset="0"/>
-                <a:ea typeface="宋体" panose="02010600030101010101" pitchFamily="2" charset="-122"/>
-                <a:cs typeface="宋体" panose="02010600030101010101" pitchFamily="2" charset="-122"/>
-              </a:rPr>
-              <a:t>结构描述遍历的一个步骤，起始点位于顶层文档</a:t>
-            </a:r>
-            <a:endParaRPr lang="zh-CN" altLang="zh-CN" sz="2400" kern="100" dirty="0">
-              <a:effectLst/>
-              <a:latin typeface="等线" panose="02010600030101010101" pitchFamily="2" charset="-122"/>
-              <a:ea typeface="等线" panose="02010600030101010101" pitchFamily="2" charset="-122"/>
-              <a:cs typeface="Times New Roman" panose="02020603050405020304" pitchFamily="18" charset="0"/>
-            </a:endParaRPr>
-          </a:p>
-        </p:txBody>
-      </p:sp>
-    </p:spTree>
-    <p:extLst>
-      <p:ext uri="{BB962C8B-B14F-4D97-AF65-F5344CB8AC3E}">
-        <p14:creationId xmlns:p14="http://schemas.microsoft.com/office/powerpoint/2010/main" val="2113921798"/>
-      </p:ext>
-    </p:extLst>
-  </p:cSld>
-  <p:clrMapOvr>
-    <a:masterClrMapping/>
-  </p:clrMapOvr>
-</p:sld>
-</file>
-
-<file path=ppt/slides/slide14.xml><?xml version="1.0" encoding="utf-8"?>
-<p:sld xmlns:a="http://schemas.openxmlformats.org/drawingml/2006/main" xmlns:r="http://schemas.openxmlformats.org/officeDocument/2006/relationships" xmlns:p="http://schemas.openxmlformats.org/presentationml/2006/main">
-  <p:cSld>
-    <p:spTree>
-      <p:nvGrpSpPr>
-        <p:cNvPr id="1" name=""/>
-        <p:cNvGrpSpPr/>
-        <p:nvPr/>
-      </p:nvGrpSpPr>
-      <p:grpSpPr>
-        <a:xfrm>
-          <a:off x="0" y="0"/>
-          <a:ext cx="0" cy="0"/>
-          <a:chOff x="0" y="0"/>
-          <a:chExt cx="0" cy="0"/>
-        </a:xfrm>
-      </p:grpSpPr>
-      <p:sp>
-        <p:nvSpPr>
-          <p:cNvPr id="3" name="内容占位符 2">
-            <a:extLst>
-              <a:ext uri="{FF2B5EF4-FFF2-40B4-BE49-F238E27FC236}">
-                <a16:creationId xmlns:a16="http://schemas.microsoft.com/office/drawing/2014/main" id="{514E65EB-77B3-49C5-A63E-3342C172FCBB}"/>
-              </a:ext>
-            </a:extLst>
-          </p:cNvPr>
-          <p:cNvSpPr>
-            <a:spLocks noGrp="1"/>
-          </p:cNvSpPr>
-          <p:nvPr>
-            <p:ph idx="1"/>
-          </p:nvPr>
-        </p:nvSpPr>
-        <p:spPr>
-          <a:xfrm>
-            <a:off x="838200" y="543339"/>
-            <a:ext cx="10515600" cy="5580615"/>
-          </a:xfrm>
-        </p:spPr>
-        <p:txBody>
-          <a:bodyPr>
-            <a:normAutofit lnSpcReduction="10000"/>
-          </a:bodyPr>
-          <a:lstStyle/>
-          <a:p>
-            <a:pPr marL="0" indent="0" algn="just">
-              <a:lnSpc>
-                <a:spcPct val="110000"/>
-              </a:lnSpc>
-              <a:spcBef>
-                <a:spcPts val="0"/>
-              </a:spcBef>
-            </a:pPr>
-            <a:r>
-              <a:rPr lang="zh-CN" altLang="zh-CN" sz="2400" kern="100" dirty="0">
-                <a:solidFill>
-                  <a:srgbClr val="000000"/>
-                </a:solidFill>
-                <a:effectLst/>
-                <a:latin typeface="宋体" panose="02010600030101010101" pitchFamily="2" charset="-122"/>
-                <a:ea typeface="宋体" panose="02010600030101010101" pitchFamily="2" charset="-122"/>
-                <a:cs typeface="宋体" panose="02010600030101010101" pitchFamily="2" charset="-122"/>
-              </a:rPr>
-              <a:t>提交给</a:t>
-            </a:r>
-            <a:r>
-              <a:rPr lang="en-US" altLang="zh-CN" sz="2400" kern="100" dirty="0">
-                <a:solidFill>
-                  <a:srgbClr val="000000"/>
-                </a:solidFill>
-                <a:effectLst/>
-                <a:latin typeface="宋体" panose="02010600030101010101" pitchFamily="2" charset="-122"/>
-                <a:ea typeface="宋体" panose="02010600030101010101" pitchFamily="2" charset="-122"/>
-                <a:cs typeface="宋体" panose="02010600030101010101" pitchFamily="2" charset="-122"/>
-              </a:rPr>
-              <a:t>A1</a:t>
-            </a:r>
-            <a:r>
-              <a:rPr lang="zh-CN" altLang="zh-CN" sz="2400" kern="100" dirty="0">
-                <a:solidFill>
-                  <a:srgbClr val="000000"/>
-                </a:solidFill>
-                <a:effectLst/>
-                <a:latin typeface="宋体" panose="02010600030101010101" pitchFamily="2" charset="-122"/>
-                <a:ea typeface="宋体" panose="02010600030101010101" pitchFamily="2" charset="-122"/>
-                <a:cs typeface="宋体" panose="02010600030101010101" pitchFamily="2" charset="-122"/>
-              </a:rPr>
-              <a:t>的大多数查询都很简单，并且在执行时没有进行任何优化</a:t>
-            </a:r>
-            <a:endParaRPr lang="en-US" altLang="zh-CN" sz="2400" kern="100" dirty="0">
-              <a:solidFill>
-                <a:srgbClr val="000000"/>
-              </a:solidFill>
-              <a:effectLst/>
-              <a:latin typeface="宋体" panose="02010600030101010101" pitchFamily="2" charset="-122"/>
-              <a:ea typeface="宋体" panose="02010600030101010101" pitchFamily="2" charset="-122"/>
-              <a:cs typeface="宋体" panose="02010600030101010101" pitchFamily="2" charset="-122"/>
-            </a:endParaRPr>
-          </a:p>
-          <a:p>
-            <a:pPr marL="0" indent="0" algn="just">
-              <a:lnSpc>
-                <a:spcPct val="110000"/>
-              </a:lnSpc>
-              <a:spcBef>
-                <a:spcPts val="0"/>
-              </a:spcBef>
-            </a:pPr>
-            <a:endParaRPr lang="zh-CN" altLang="zh-CN" sz="2400" kern="100" dirty="0">
-              <a:effectLst/>
-              <a:latin typeface="宋体" panose="02010600030101010101" pitchFamily="2" charset="-122"/>
-              <a:ea typeface="宋体" panose="02010600030101010101" pitchFamily="2" charset="-122"/>
-              <a:cs typeface="Times New Roman" panose="02020603050405020304" pitchFamily="18" charset="0"/>
-            </a:endParaRPr>
-          </a:p>
-          <a:p>
-            <a:pPr marL="0" indent="0" algn="just">
-              <a:lnSpc>
-                <a:spcPct val="110000"/>
-              </a:lnSpc>
-              <a:spcBef>
-                <a:spcPts val="0"/>
-              </a:spcBef>
-            </a:pPr>
-            <a:r>
-              <a:rPr lang="zh-CN" altLang="zh-CN" sz="2400" kern="100" dirty="0">
-                <a:solidFill>
-                  <a:srgbClr val="000000"/>
-                </a:solidFill>
-                <a:effectLst/>
-                <a:latin typeface="宋体" panose="02010600030101010101" pitchFamily="2" charset="-122"/>
-                <a:ea typeface="宋体" panose="02010600030101010101" pitchFamily="2" charset="-122"/>
-                <a:cs typeface="宋体" panose="02010600030101010101" pitchFamily="2" charset="-122"/>
-              </a:rPr>
-              <a:t>查询是建立在一些基本操作之上的，如索引扫描、对顶点</a:t>
-            </a:r>
-            <a:r>
-              <a:rPr lang="en-US" altLang="zh-CN" sz="2400" kern="100" dirty="0">
-                <a:solidFill>
-                  <a:srgbClr val="000000"/>
-                </a:solidFill>
-                <a:effectLst/>
-                <a:latin typeface="宋体" panose="02010600030101010101" pitchFamily="2" charset="-122"/>
-                <a:ea typeface="宋体" panose="02010600030101010101" pitchFamily="2" charset="-122"/>
-                <a:cs typeface="宋体" panose="02010600030101010101" pitchFamily="2" charset="-122"/>
-              </a:rPr>
-              <a:t>/</a:t>
-            </a:r>
-            <a:r>
-              <a:rPr lang="zh-CN" altLang="zh-CN" sz="2400" kern="100" dirty="0">
-                <a:solidFill>
-                  <a:srgbClr val="000000"/>
-                </a:solidFill>
-                <a:effectLst/>
-                <a:latin typeface="宋体" panose="02010600030101010101" pitchFamily="2" charset="-122"/>
-                <a:ea typeface="宋体" panose="02010600030101010101" pitchFamily="2" charset="-122"/>
-                <a:cs typeface="宋体" panose="02010600030101010101" pitchFamily="2" charset="-122"/>
-              </a:rPr>
-              <a:t>边数据的谓词求值和对给定顶点的边枚举</a:t>
-            </a:r>
-            <a:endParaRPr lang="en-US" altLang="zh-CN" sz="2400" kern="100" dirty="0">
-              <a:solidFill>
-                <a:srgbClr val="000000"/>
-              </a:solidFill>
-              <a:effectLst/>
-              <a:latin typeface="宋体" panose="02010600030101010101" pitchFamily="2" charset="-122"/>
-              <a:ea typeface="宋体" panose="02010600030101010101" pitchFamily="2" charset="-122"/>
-              <a:cs typeface="宋体" panose="02010600030101010101" pitchFamily="2" charset="-122"/>
-            </a:endParaRPr>
-          </a:p>
-          <a:p>
-            <a:pPr marL="0" indent="0" algn="just">
-              <a:lnSpc>
-                <a:spcPct val="110000"/>
-              </a:lnSpc>
-              <a:spcBef>
-                <a:spcPts val="0"/>
-              </a:spcBef>
-            </a:pPr>
-            <a:endParaRPr lang="zh-CN" altLang="zh-CN" sz="2400" kern="100" dirty="0">
-              <a:effectLst/>
-              <a:latin typeface="宋体" panose="02010600030101010101" pitchFamily="2" charset="-122"/>
-              <a:ea typeface="宋体" panose="02010600030101010101" pitchFamily="2" charset="-122"/>
-              <a:cs typeface="Times New Roman" panose="02020603050405020304" pitchFamily="18" charset="0"/>
-            </a:endParaRPr>
-          </a:p>
-          <a:p>
-            <a:pPr marL="0" indent="0" algn="just">
-              <a:lnSpc>
-                <a:spcPct val="110000"/>
-              </a:lnSpc>
-              <a:spcBef>
-                <a:spcPts val="0"/>
-              </a:spcBef>
-            </a:pPr>
-            <a:r>
-              <a:rPr lang="zh-CN" altLang="zh-CN" sz="2400" kern="100" dirty="0">
-                <a:solidFill>
-                  <a:srgbClr val="000000"/>
-                </a:solidFill>
-                <a:effectLst/>
-                <a:latin typeface="宋体" panose="02010600030101010101" pitchFamily="2" charset="-122"/>
-                <a:ea typeface="宋体" panose="02010600030101010101" pitchFamily="2" charset="-122"/>
-                <a:cs typeface="宋体" panose="02010600030101010101" pitchFamily="2" charset="-122"/>
-              </a:rPr>
-              <a:t>谓词求值和边枚举这样的操作符通过</a:t>
-            </a:r>
-            <a:r>
-              <a:rPr lang="en-US" altLang="zh-CN" sz="2400" kern="100" dirty="0">
-                <a:solidFill>
-                  <a:srgbClr val="000000"/>
-                </a:solidFill>
-                <a:effectLst/>
-                <a:latin typeface="宋体" panose="02010600030101010101" pitchFamily="2" charset="-122"/>
-                <a:ea typeface="宋体" panose="02010600030101010101" pitchFamily="2" charset="-122"/>
-                <a:cs typeface="宋体" panose="02010600030101010101" pitchFamily="2" charset="-122"/>
-              </a:rPr>
-              <a:t>RPC</a:t>
-            </a:r>
-            <a:r>
-              <a:rPr lang="zh-CN" altLang="zh-CN" sz="2400" kern="100" dirty="0">
-                <a:solidFill>
-                  <a:srgbClr val="000000"/>
-                </a:solidFill>
-                <a:effectLst/>
-                <a:latin typeface="宋体" panose="02010600030101010101" pitchFamily="2" charset="-122"/>
-                <a:ea typeface="宋体" panose="02010600030101010101" pitchFamily="2" charset="-122"/>
-                <a:cs typeface="宋体" panose="02010600030101010101" pitchFamily="2" charset="-122"/>
-              </a:rPr>
-              <a:t>被传送到托管顶点的机器上，这样就可以在不调用远程读取的情况下对其求值</a:t>
-            </a:r>
-            <a:endParaRPr lang="en-US" altLang="zh-CN" sz="2400" kern="100" dirty="0">
-              <a:solidFill>
-                <a:srgbClr val="000000"/>
-              </a:solidFill>
-              <a:effectLst/>
-              <a:latin typeface="宋体" panose="02010600030101010101" pitchFamily="2" charset="-122"/>
-              <a:ea typeface="宋体" panose="02010600030101010101" pitchFamily="2" charset="-122"/>
-              <a:cs typeface="宋体" panose="02010600030101010101" pitchFamily="2" charset="-122"/>
-            </a:endParaRPr>
-          </a:p>
-          <a:p>
-            <a:pPr marL="0" indent="0" algn="just">
-              <a:lnSpc>
-                <a:spcPct val="110000"/>
-              </a:lnSpc>
-              <a:spcBef>
-                <a:spcPts val="0"/>
-              </a:spcBef>
-            </a:pPr>
-            <a:endParaRPr lang="zh-CN" altLang="zh-CN" sz="2400" kern="100" dirty="0">
-              <a:effectLst/>
-              <a:latin typeface="宋体" panose="02010600030101010101" pitchFamily="2" charset="-122"/>
-              <a:ea typeface="宋体" panose="02010600030101010101" pitchFamily="2" charset="-122"/>
-              <a:cs typeface="Times New Roman" panose="02020603050405020304" pitchFamily="18" charset="0"/>
-            </a:endParaRPr>
-          </a:p>
-          <a:p>
-            <a:pPr marL="0" indent="0" algn="just">
-              <a:lnSpc>
-                <a:spcPct val="110000"/>
-              </a:lnSpc>
-              <a:spcBef>
-                <a:spcPts val="0"/>
-              </a:spcBef>
-            </a:pPr>
-            <a:r>
-              <a:rPr lang="zh-CN" altLang="zh-CN" sz="2400" kern="100" dirty="0">
-                <a:solidFill>
-                  <a:srgbClr val="000000"/>
-                </a:solidFill>
-                <a:effectLst/>
-                <a:latin typeface="宋体" panose="02010600030101010101" pitchFamily="2" charset="-122"/>
-                <a:ea typeface="宋体" panose="02010600030101010101" pitchFamily="2" charset="-122"/>
-                <a:cs typeface="宋体" panose="02010600030101010101" pitchFamily="2" charset="-122"/>
-              </a:rPr>
-              <a:t>快速失败是一种可以接受的选择，因为非常大的查询通常不会在其时间预算内完成</a:t>
-            </a:r>
-            <a:endParaRPr lang="en-US" altLang="zh-CN" sz="2400" kern="100" dirty="0">
-              <a:solidFill>
-                <a:srgbClr val="000000"/>
-              </a:solidFill>
-              <a:effectLst/>
-              <a:latin typeface="宋体" panose="02010600030101010101" pitchFamily="2" charset="-122"/>
-              <a:ea typeface="宋体" panose="02010600030101010101" pitchFamily="2" charset="-122"/>
-              <a:cs typeface="宋体" panose="02010600030101010101" pitchFamily="2" charset="-122"/>
-            </a:endParaRPr>
-          </a:p>
-          <a:p>
-            <a:pPr marL="0" indent="0" algn="just">
-              <a:lnSpc>
-                <a:spcPct val="110000"/>
-              </a:lnSpc>
-              <a:spcBef>
-                <a:spcPts val="0"/>
-              </a:spcBef>
-            </a:pPr>
-            <a:endParaRPr lang="zh-CN" altLang="zh-CN" sz="2400" kern="100" dirty="0">
-              <a:effectLst/>
-              <a:latin typeface="宋体" panose="02010600030101010101" pitchFamily="2" charset="-122"/>
-              <a:ea typeface="宋体" panose="02010600030101010101" pitchFamily="2" charset="-122"/>
-              <a:cs typeface="Times New Roman" panose="02020603050405020304" pitchFamily="18" charset="0"/>
-            </a:endParaRPr>
-          </a:p>
-          <a:p>
-            <a:pPr marL="0" indent="0" algn="just">
-              <a:lnSpc>
-                <a:spcPct val="110000"/>
-              </a:lnSpc>
-              <a:spcBef>
-                <a:spcPts val="0"/>
-              </a:spcBef>
-            </a:pPr>
-            <a:r>
-              <a:rPr lang="zh-CN" altLang="zh-CN" sz="2400" kern="100" dirty="0">
-                <a:solidFill>
-                  <a:srgbClr val="000000"/>
-                </a:solidFill>
-                <a:effectLst/>
-                <a:latin typeface="宋体" panose="02010600030101010101" pitchFamily="2" charset="-122"/>
-                <a:ea typeface="宋体" panose="02010600030101010101" pitchFamily="2" charset="-122"/>
-                <a:cs typeface="宋体" panose="02010600030101010101" pitchFamily="2" charset="-122"/>
-              </a:rPr>
-              <a:t>如果最终的结果集太大而无法在单个</a:t>
-            </a:r>
-            <a:r>
-              <a:rPr lang="en-US" altLang="zh-CN" sz="2400" kern="100" dirty="0">
-                <a:solidFill>
-                  <a:srgbClr val="000000"/>
-                </a:solidFill>
-                <a:effectLst/>
-                <a:latin typeface="宋体" panose="02010600030101010101" pitchFamily="2" charset="-122"/>
-                <a:ea typeface="宋体" panose="02010600030101010101" pitchFamily="2" charset="-122"/>
-                <a:cs typeface="宋体" panose="02010600030101010101" pitchFamily="2" charset="-122"/>
-              </a:rPr>
-              <a:t>RPC</a:t>
-            </a:r>
-            <a:r>
-              <a:rPr lang="zh-CN" altLang="zh-CN" sz="2400" kern="100" dirty="0">
-                <a:solidFill>
-                  <a:srgbClr val="000000"/>
-                </a:solidFill>
-                <a:effectLst/>
-                <a:latin typeface="宋体" panose="02010600030101010101" pitchFamily="2" charset="-122"/>
-                <a:ea typeface="宋体" panose="02010600030101010101" pitchFamily="2" charset="-122"/>
-                <a:cs typeface="宋体" panose="02010600030101010101" pitchFamily="2" charset="-122"/>
-              </a:rPr>
-              <a:t>中返回，那么协调器不会返回完整的结果集，而是返回部分结果和一个延续标记。其余的结果缓存在协调器中，客户机可以通过在下一个请求中提供延续令牌来检索这些结果。</a:t>
-            </a:r>
-            <a:r>
-              <a:rPr lang="zh-CN" altLang="zh-CN" sz="2400" dirty="0">
-                <a:solidFill>
-                  <a:srgbClr val="000000"/>
-                </a:solidFill>
-                <a:effectLst/>
-                <a:latin typeface="宋体" panose="02010600030101010101" pitchFamily="2" charset="-122"/>
-                <a:ea typeface="宋体" panose="02010600030101010101" pitchFamily="2" charset="-122"/>
-                <a:cs typeface="宋体" panose="02010600030101010101" pitchFamily="2" charset="-122"/>
-              </a:rPr>
-              <a:t>协调器仅将结果缓存一段有限的时间</a:t>
-            </a:r>
-            <a:r>
-              <a:rPr lang="en-US" altLang="zh-CN" sz="2400" dirty="0">
-                <a:solidFill>
-                  <a:srgbClr val="000000"/>
-                </a:solidFill>
-                <a:effectLst/>
-                <a:latin typeface="宋体" panose="02010600030101010101" pitchFamily="2" charset="-122"/>
-                <a:ea typeface="宋体" panose="02010600030101010101" pitchFamily="2" charset="-122"/>
-                <a:cs typeface="宋体" panose="02010600030101010101" pitchFamily="2" charset="-122"/>
-              </a:rPr>
-              <a:t>(</a:t>
-            </a:r>
-            <a:r>
-              <a:rPr lang="zh-CN" altLang="zh-CN" sz="2400" dirty="0">
-                <a:solidFill>
-                  <a:srgbClr val="000000"/>
-                </a:solidFill>
-                <a:effectLst/>
-                <a:latin typeface="宋体" panose="02010600030101010101" pitchFamily="2" charset="-122"/>
-                <a:ea typeface="宋体" panose="02010600030101010101" pitchFamily="2" charset="-122"/>
-                <a:cs typeface="宋体" panose="02010600030101010101" pitchFamily="2" charset="-122"/>
-              </a:rPr>
-              <a:t>通常为</a:t>
-            </a:r>
-            <a:r>
-              <a:rPr lang="en-US" altLang="zh-CN" sz="2400" dirty="0">
-                <a:solidFill>
-                  <a:srgbClr val="000000"/>
-                </a:solidFill>
-                <a:effectLst/>
-                <a:latin typeface="宋体" panose="02010600030101010101" pitchFamily="2" charset="-122"/>
-                <a:ea typeface="宋体" panose="02010600030101010101" pitchFamily="2" charset="-122"/>
-                <a:cs typeface="宋体" panose="02010600030101010101" pitchFamily="2" charset="-122"/>
-              </a:rPr>
-              <a:t>60</a:t>
-            </a:r>
-            <a:r>
-              <a:rPr lang="zh-CN" altLang="zh-CN" sz="2400" dirty="0">
-                <a:solidFill>
-                  <a:srgbClr val="000000"/>
-                </a:solidFill>
-                <a:effectLst/>
-                <a:latin typeface="宋体" panose="02010600030101010101" pitchFamily="2" charset="-122"/>
-                <a:ea typeface="宋体" panose="02010600030101010101" pitchFamily="2" charset="-122"/>
-                <a:cs typeface="宋体" panose="02010600030101010101" pitchFamily="2" charset="-122"/>
-              </a:rPr>
-              <a:t>秒</a:t>
-            </a:r>
-            <a:r>
-              <a:rPr lang="en-US" altLang="zh-CN" sz="2400" dirty="0">
-                <a:solidFill>
-                  <a:srgbClr val="000000"/>
-                </a:solidFill>
-                <a:effectLst/>
-                <a:latin typeface="宋体" panose="02010600030101010101" pitchFamily="2" charset="-122"/>
-                <a:ea typeface="宋体" panose="02010600030101010101" pitchFamily="2" charset="-122"/>
-                <a:cs typeface="宋体" panose="02010600030101010101" pitchFamily="2" charset="-122"/>
-              </a:rPr>
-              <a:t>)</a:t>
-            </a:r>
-            <a:r>
-              <a:rPr lang="zh-CN" altLang="zh-CN" sz="2400" dirty="0">
-                <a:solidFill>
-                  <a:srgbClr val="000000"/>
-                </a:solidFill>
-                <a:effectLst/>
-                <a:latin typeface="宋体" panose="02010600030101010101" pitchFamily="2" charset="-122"/>
-                <a:ea typeface="宋体" panose="02010600030101010101" pitchFamily="2" charset="-122"/>
-                <a:cs typeface="宋体" panose="02010600030101010101" pitchFamily="2" charset="-122"/>
-              </a:rPr>
-              <a:t>以节省资源</a:t>
-            </a:r>
-            <a:endParaRPr lang="zh-CN" altLang="zh-CN" sz="2400" kern="100" dirty="0">
-              <a:effectLst/>
-              <a:latin typeface="宋体" panose="02010600030101010101" pitchFamily="2" charset="-122"/>
-              <a:ea typeface="宋体" panose="02010600030101010101" pitchFamily="2" charset="-122"/>
-              <a:cs typeface="Times New Roman" panose="02020603050405020304" pitchFamily="18" charset="0"/>
-            </a:endParaRPr>
-          </a:p>
-        </p:txBody>
-      </p:sp>
-    </p:spTree>
-    <p:extLst>
-      <p:ext uri="{BB962C8B-B14F-4D97-AF65-F5344CB8AC3E}">
-        <p14:creationId xmlns:p14="http://schemas.microsoft.com/office/powerpoint/2010/main" val="1956372319"/>
-      </p:ext>
-    </p:extLst>
-  </p:cSld>
-  <p:clrMapOvr>
-    <a:masterClrMapping/>
-  </p:clrMapOvr>
-</p:sld>
-</file>
-
-<file path=ppt/slides/slide15.xml><?xml version="1.0" encoding="utf-8"?>
-<p:sld xmlns:a="http://schemas.openxmlformats.org/drawingml/2006/main" xmlns:r="http://schemas.openxmlformats.org/officeDocument/2006/relationships" xmlns:p="http://schemas.openxmlformats.org/presentationml/2006/main">
-  <p:cSld>
-    <p:spTree>
-      <p:nvGrpSpPr>
-        <p:cNvPr id="1" name=""/>
-        <p:cNvGrpSpPr/>
-        <p:nvPr/>
-      </p:nvGrpSpPr>
-      <p:grpSpPr>
-        <a:xfrm>
-          <a:off x="0" y="0"/>
-          <a:ext cx="0" cy="0"/>
-          <a:chOff x="0" y="0"/>
-          <a:chExt cx="0" cy="0"/>
-        </a:xfrm>
-      </p:grpSpPr>
-      <p:sp>
-        <p:nvSpPr>
-          <p:cNvPr id="3" name="内容占位符 2">
-            <a:extLst>
-              <a:ext uri="{FF2B5EF4-FFF2-40B4-BE49-F238E27FC236}">
-                <a16:creationId xmlns:a16="http://schemas.microsoft.com/office/drawing/2014/main" id="{8A5D5773-4AD7-444C-91E1-3DA21593F7FE}"/>
-              </a:ext>
-            </a:extLst>
-          </p:cNvPr>
-          <p:cNvSpPr>
-            <a:spLocks noGrp="1"/>
-          </p:cNvSpPr>
-          <p:nvPr>
-            <p:ph idx="1"/>
-          </p:nvPr>
-        </p:nvSpPr>
-        <p:spPr>
-          <a:xfrm>
-            <a:off x="838200" y="952500"/>
-            <a:ext cx="10515600" cy="4953000"/>
-          </a:xfrm>
-        </p:spPr>
-        <p:txBody>
-          <a:bodyPr>
-            <a:normAutofit/>
-          </a:bodyPr>
-          <a:lstStyle/>
-          <a:p>
-            <a:pPr algn="just"/>
-            <a:r>
-              <a:rPr lang="zh-CN" altLang="en-US" sz="3200" kern="100" dirty="0">
-                <a:solidFill>
-                  <a:srgbClr val="000000"/>
-                </a:solidFill>
-                <a:effectLst/>
-                <a:latin typeface="Times New Roman" panose="02020603050405020304" pitchFamily="18" charset="0"/>
-                <a:ea typeface="宋体" panose="02010600030101010101" pitchFamily="2" charset="-122"/>
-                <a:cs typeface="宋体" panose="02010600030101010101" pitchFamily="2" charset="-122"/>
-              </a:rPr>
-              <a:t>灾难恢复</a:t>
-            </a:r>
-            <a:endParaRPr lang="en-US" altLang="zh-CN" sz="3200" kern="100" dirty="0">
-              <a:solidFill>
-                <a:srgbClr val="000000"/>
-              </a:solidFill>
-              <a:effectLst/>
-              <a:latin typeface="Times New Roman" panose="02020603050405020304" pitchFamily="18" charset="0"/>
-              <a:ea typeface="宋体" panose="02010600030101010101" pitchFamily="2" charset="-122"/>
-              <a:cs typeface="宋体" panose="02010600030101010101" pitchFamily="2" charset="-122"/>
-            </a:endParaRPr>
-          </a:p>
-          <a:p>
-            <a:pPr marL="0" indent="0" algn="just">
-              <a:lnSpc>
-                <a:spcPct val="110000"/>
-              </a:lnSpc>
-              <a:spcBef>
-                <a:spcPts val="0"/>
-              </a:spcBef>
-            </a:pPr>
-            <a:r>
-              <a:rPr lang="en-US" altLang="zh-CN" sz="2600" kern="100" dirty="0">
-                <a:solidFill>
-                  <a:srgbClr val="000000"/>
-                </a:solidFill>
-                <a:effectLst/>
-                <a:latin typeface="Times New Roman" panose="02020603050405020304" pitchFamily="18" charset="0"/>
-                <a:ea typeface="宋体" panose="02010600030101010101" pitchFamily="2" charset="-122"/>
-                <a:cs typeface="宋体" panose="02010600030101010101" pitchFamily="2" charset="-122"/>
-              </a:rPr>
-              <a:t>A1</a:t>
-            </a:r>
-            <a:r>
-              <a:rPr lang="zh-CN" altLang="zh-CN" sz="2600" kern="100" dirty="0">
-                <a:solidFill>
-                  <a:srgbClr val="000000"/>
-                </a:solidFill>
-                <a:effectLst/>
-                <a:latin typeface="Times New Roman" panose="02020603050405020304" pitchFamily="18" charset="0"/>
-                <a:ea typeface="宋体" panose="02010600030101010101" pitchFamily="2" charset="-122"/>
-                <a:cs typeface="宋体" panose="02010600030101010101" pitchFamily="2" charset="-122"/>
-              </a:rPr>
-              <a:t>通过将所有数据异步复制到一个持久的键</a:t>
-            </a:r>
-            <a:r>
-              <a:rPr lang="en-US" altLang="zh-CN" sz="2600" kern="100" dirty="0">
-                <a:solidFill>
-                  <a:srgbClr val="000000"/>
-                </a:solidFill>
-                <a:effectLst/>
-                <a:latin typeface="Times New Roman" panose="02020603050405020304" pitchFamily="18" charset="0"/>
-                <a:ea typeface="宋体" panose="02010600030101010101" pitchFamily="2" charset="-122"/>
-                <a:cs typeface="宋体" panose="02010600030101010101" pitchFamily="2" charset="-122"/>
-              </a:rPr>
-              <a:t>-</a:t>
-            </a:r>
-            <a:r>
-              <a:rPr lang="zh-CN" altLang="zh-CN" sz="2600" kern="100" dirty="0">
-                <a:solidFill>
-                  <a:srgbClr val="000000"/>
-                </a:solidFill>
-                <a:effectLst/>
-                <a:latin typeface="Times New Roman" panose="02020603050405020304" pitchFamily="18" charset="0"/>
-                <a:ea typeface="宋体" panose="02010600030101010101" pitchFamily="2" charset="-122"/>
-                <a:cs typeface="宋体" panose="02010600030101010101" pitchFamily="2" charset="-122"/>
-              </a:rPr>
-              <a:t>值存储来实现灾难恢复</a:t>
-            </a:r>
-            <a:endParaRPr lang="en-US" altLang="zh-CN" sz="2600" kern="100" dirty="0">
-              <a:solidFill>
-                <a:srgbClr val="000000"/>
-              </a:solidFill>
-              <a:effectLst/>
-              <a:latin typeface="Times New Roman" panose="02020603050405020304" pitchFamily="18" charset="0"/>
-              <a:ea typeface="宋体" panose="02010600030101010101" pitchFamily="2" charset="-122"/>
-              <a:cs typeface="宋体" panose="02010600030101010101" pitchFamily="2" charset="-122"/>
-            </a:endParaRPr>
-          </a:p>
-          <a:p>
-            <a:pPr marL="0" indent="0" algn="just">
-              <a:lnSpc>
-                <a:spcPct val="110000"/>
-              </a:lnSpc>
-              <a:spcBef>
-                <a:spcPts val="0"/>
-              </a:spcBef>
-            </a:pPr>
-            <a:endParaRPr lang="zh-CN" altLang="zh-CN" sz="2600" kern="100" dirty="0">
-              <a:effectLst/>
-              <a:latin typeface="等线" panose="02010600030101010101" pitchFamily="2" charset="-122"/>
-              <a:ea typeface="等线" panose="02010600030101010101" pitchFamily="2" charset="-122"/>
-              <a:cs typeface="Times New Roman" panose="02020603050405020304" pitchFamily="18" charset="0"/>
-            </a:endParaRPr>
-          </a:p>
-          <a:p>
-            <a:pPr marL="0" indent="0" algn="just">
-              <a:lnSpc>
-                <a:spcPct val="110000"/>
-              </a:lnSpc>
-              <a:spcBef>
-                <a:spcPts val="0"/>
-              </a:spcBef>
-            </a:pPr>
-            <a:r>
-              <a:rPr lang="zh-CN" altLang="zh-CN" sz="2600" kern="100" dirty="0">
-                <a:solidFill>
-                  <a:srgbClr val="000000"/>
-                </a:solidFill>
-                <a:effectLst/>
-                <a:latin typeface="Times New Roman" panose="02020603050405020304" pitchFamily="18" charset="0"/>
-                <a:ea typeface="宋体" panose="02010600030101010101" pitchFamily="2" charset="-122"/>
-                <a:cs typeface="宋体" panose="02010600030101010101" pitchFamily="2" charset="-122"/>
-              </a:rPr>
-              <a:t>在一致性恢复中，我们将数据库恢复为</a:t>
-            </a:r>
-            <a:r>
-              <a:rPr lang="en-US" altLang="zh-CN" sz="2600" kern="100" dirty="0" err="1">
-                <a:solidFill>
-                  <a:srgbClr val="000000"/>
-                </a:solidFill>
-                <a:effectLst/>
-                <a:latin typeface="Times New Roman" panose="02020603050405020304" pitchFamily="18" charset="0"/>
-                <a:ea typeface="宋体" panose="02010600030101010101" pitchFamily="2" charset="-122"/>
-                <a:cs typeface="宋体" panose="02010600030101010101" pitchFamily="2" charset="-122"/>
-              </a:rPr>
-              <a:t>ObjectStore</a:t>
-            </a:r>
-            <a:r>
-              <a:rPr lang="zh-CN" altLang="zh-CN" sz="2600" kern="100" dirty="0">
-                <a:solidFill>
-                  <a:srgbClr val="000000"/>
-                </a:solidFill>
-                <a:effectLst/>
-                <a:latin typeface="Times New Roman" panose="02020603050405020304" pitchFamily="18" charset="0"/>
-                <a:ea typeface="宋体" panose="02010600030101010101" pitchFamily="2" charset="-122"/>
-                <a:cs typeface="宋体" panose="02010600030101010101" pitchFamily="2" charset="-122"/>
-              </a:rPr>
-              <a:t>中存在的最新的事务一致性快照。</a:t>
-            </a:r>
-            <a:endParaRPr lang="en-US" altLang="zh-CN" sz="2600" kern="100" dirty="0">
-              <a:solidFill>
-                <a:srgbClr val="000000"/>
-              </a:solidFill>
-              <a:effectLst/>
-              <a:latin typeface="Times New Roman" panose="02020603050405020304" pitchFamily="18" charset="0"/>
-              <a:ea typeface="宋体" panose="02010600030101010101" pitchFamily="2" charset="-122"/>
-              <a:cs typeface="宋体" panose="02010600030101010101" pitchFamily="2" charset="-122"/>
-            </a:endParaRPr>
-          </a:p>
-          <a:p>
-            <a:pPr marL="0" indent="0" algn="just">
-              <a:lnSpc>
-                <a:spcPct val="110000"/>
-              </a:lnSpc>
-              <a:spcBef>
-                <a:spcPts val="0"/>
-              </a:spcBef>
-            </a:pPr>
-            <a:endParaRPr lang="zh-CN" altLang="zh-CN" sz="2600" kern="100" dirty="0">
-              <a:effectLst/>
-              <a:latin typeface="等线" panose="02010600030101010101" pitchFamily="2" charset="-122"/>
-              <a:ea typeface="等线" panose="02010600030101010101" pitchFamily="2" charset="-122"/>
-              <a:cs typeface="Times New Roman" panose="02020603050405020304" pitchFamily="18" charset="0"/>
-            </a:endParaRPr>
-          </a:p>
-          <a:p>
-            <a:pPr marL="0" indent="0" algn="just">
-              <a:lnSpc>
-                <a:spcPct val="110000"/>
-              </a:lnSpc>
-              <a:spcBef>
-                <a:spcPts val="0"/>
-              </a:spcBef>
-            </a:pPr>
-            <a:r>
-              <a:rPr lang="zh-CN" altLang="zh-CN" sz="2600" kern="100" dirty="0">
-                <a:solidFill>
-                  <a:srgbClr val="000000"/>
-                </a:solidFill>
-                <a:effectLst/>
-                <a:latin typeface="Times New Roman" panose="02020603050405020304" pitchFamily="18" charset="0"/>
-                <a:ea typeface="宋体" panose="02010600030101010101" pitchFamily="2" charset="-122"/>
-                <a:cs typeface="宋体" panose="02010600030101010101" pitchFamily="2" charset="-122"/>
-              </a:rPr>
-              <a:t>最佳努力恢复总是将数据库恢复到至少与一致恢复一样最新的状态，并且在几乎所有实际情况下，恢复到更最新的状态</a:t>
-            </a:r>
-            <a:endParaRPr lang="en-US" altLang="zh-CN" sz="2600" kern="100" dirty="0">
-              <a:solidFill>
-                <a:srgbClr val="000000"/>
-              </a:solidFill>
-              <a:effectLst/>
-              <a:latin typeface="Times New Roman" panose="02020603050405020304" pitchFamily="18" charset="0"/>
-              <a:ea typeface="宋体" panose="02010600030101010101" pitchFamily="2" charset="-122"/>
-              <a:cs typeface="宋体" panose="02010600030101010101" pitchFamily="2" charset="-122"/>
-            </a:endParaRPr>
-          </a:p>
-          <a:p>
-            <a:pPr marL="0" indent="0" algn="just">
-              <a:lnSpc>
-                <a:spcPct val="110000"/>
-              </a:lnSpc>
-              <a:spcBef>
-                <a:spcPts val="0"/>
-              </a:spcBef>
-            </a:pPr>
-            <a:endParaRPr lang="zh-CN" altLang="zh-CN" sz="2600" kern="100" dirty="0">
-              <a:effectLst/>
-              <a:latin typeface="等线" panose="02010600030101010101" pitchFamily="2" charset="-122"/>
-              <a:ea typeface="等线" panose="02010600030101010101" pitchFamily="2" charset="-122"/>
-              <a:cs typeface="Times New Roman" panose="02020603050405020304" pitchFamily="18" charset="0"/>
-            </a:endParaRPr>
-          </a:p>
-          <a:p>
-            <a:pPr marL="0" indent="0" algn="just">
-              <a:lnSpc>
-                <a:spcPct val="110000"/>
-              </a:lnSpc>
-              <a:spcBef>
-                <a:spcPts val="0"/>
-              </a:spcBef>
-            </a:pPr>
-            <a:r>
-              <a:rPr lang="zh-CN" altLang="en-US" sz="2600" kern="100" dirty="0">
-                <a:solidFill>
-                  <a:srgbClr val="000000"/>
-                </a:solidFill>
-                <a:latin typeface="Times New Roman" panose="02020603050405020304" pitchFamily="18" charset="0"/>
-                <a:ea typeface="宋体" panose="02010600030101010101" pitchFamily="2" charset="-122"/>
-                <a:cs typeface="宋体" panose="02010600030101010101" pitchFamily="2" charset="-122"/>
-              </a:rPr>
-              <a:t>每个图都</a:t>
-            </a:r>
-            <a:r>
-              <a:rPr lang="zh-CN" altLang="zh-CN" sz="2600" kern="100" dirty="0">
-                <a:solidFill>
-                  <a:srgbClr val="000000"/>
-                </a:solidFill>
-                <a:effectLst/>
-                <a:latin typeface="Times New Roman" panose="02020603050405020304" pitchFamily="18" charset="0"/>
-                <a:ea typeface="宋体" panose="02010600030101010101" pitchFamily="2" charset="-122"/>
-                <a:cs typeface="宋体" panose="02010600030101010101" pitchFamily="2" charset="-122"/>
-              </a:rPr>
-              <a:t>创建两个表来持久存储数据</a:t>
-            </a:r>
-            <a:r>
-              <a:rPr lang="zh-CN" altLang="en-US" sz="2600" kern="100" dirty="0">
-                <a:solidFill>
-                  <a:srgbClr val="000000"/>
-                </a:solidFill>
-                <a:effectLst/>
-                <a:latin typeface="Times New Roman" panose="02020603050405020304" pitchFamily="18" charset="0"/>
-                <a:ea typeface="宋体" panose="02010600030101010101" pitchFamily="2" charset="-122"/>
-                <a:cs typeface="宋体" panose="02010600030101010101" pitchFamily="2" charset="-122"/>
-              </a:rPr>
-              <a:t>：</a:t>
-            </a:r>
-            <a:r>
-              <a:rPr lang="zh-CN" altLang="zh-CN" sz="2600" kern="100" dirty="0">
-                <a:solidFill>
-                  <a:srgbClr val="000000"/>
-                </a:solidFill>
-                <a:effectLst/>
-                <a:latin typeface="Times New Roman" panose="02020603050405020304" pitchFamily="18" charset="0"/>
-                <a:ea typeface="宋体" panose="02010600030101010101" pitchFamily="2" charset="-122"/>
-                <a:cs typeface="宋体" panose="02010600030101010101" pitchFamily="2" charset="-122"/>
-              </a:rPr>
-              <a:t>顶点表存储所有顶点，而不考虑顶点类型</a:t>
-            </a:r>
-            <a:r>
-              <a:rPr lang="zh-CN" altLang="en-US" sz="2600" kern="100" dirty="0">
-                <a:solidFill>
-                  <a:srgbClr val="000000"/>
-                </a:solidFill>
-                <a:latin typeface="Times New Roman" panose="02020603050405020304" pitchFamily="18" charset="0"/>
-                <a:ea typeface="宋体" panose="02010600030101010101" pitchFamily="2" charset="-122"/>
-                <a:cs typeface="宋体" panose="02010600030101010101" pitchFamily="2" charset="-122"/>
-              </a:rPr>
-              <a:t>；</a:t>
-            </a:r>
-            <a:r>
-              <a:rPr lang="zh-CN" altLang="zh-CN" sz="2600" kern="100" dirty="0">
-                <a:solidFill>
-                  <a:srgbClr val="000000"/>
-                </a:solidFill>
-                <a:effectLst/>
-                <a:latin typeface="Times New Roman" panose="02020603050405020304" pitchFamily="18" charset="0"/>
-                <a:ea typeface="宋体" panose="02010600030101010101" pitchFamily="2" charset="-122"/>
-                <a:cs typeface="宋体" panose="02010600030101010101" pitchFamily="2" charset="-122"/>
-              </a:rPr>
-              <a:t>边表存储所有边</a:t>
-            </a:r>
-            <a:endParaRPr lang="zh-CN" altLang="en-US" sz="2600" kern="100" dirty="0">
-              <a:solidFill>
-                <a:srgbClr val="000000"/>
-              </a:solidFill>
-              <a:effectLst/>
-              <a:latin typeface="Times New Roman" panose="02020603050405020304" pitchFamily="18" charset="0"/>
-              <a:ea typeface="宋体" panose="02010600030101010101" pitchFamily="2" charset="-122"/>
-              <a:cs typeface="宋体" panose="02010600030101010101" pitchFamily="2" charset="-122"/>
-            </a:endParaRPr>
-          </a:p>
-        </p:txBody>
-      </p:sp>
-    </p:spTree>
-    <p:extLst>
-      <p:ext uri="{BB962C8B-B14F-4D97-AF65-F5344CB8AC3E}">
-        <p14:creationId xmlns:p14="http://schemas.microsoft.com/office/powerpoint/2010/main" val="2663160272"/>
-      </p:ext>
-    </p:extLst>
-  </p:cSld>
-  <p:clrMapOvr>
-    <a:masterClrMapping/>
-  </p:clrMapOvr>
-</p:sld>
-</file>
-
-<file path=ppt/slides/slide16.xml><?xml version="1.0" encoding="utf-8"?>
-<p:sld xmlns:a="http://schemas.openxmlformats.org/drawingml/2006/main" xmlns:r="http://schemas.openxmlformats.org/officeDocument/2006/relationships" xmlns:p="http://schemas.openxmlformats.org/presentationml/2006/main">
-  <p:cSld>
-    <p:spTree>
-      <p:nvGrpSpPr>
-        <p:cNvPr id="1" name=""/>
-        <p:cNvGrpSpPr/>
-        <p:nvPr/>
-      </p:nvGrpSpPr>
-      <p:grpSpPr>
-        <a:xfrm>
-          <a:off x="0" y="0"/>
-          <a:ext cx="0" cy="0"/>
-          <a:chOff x="0" y="0"/>
-          <a:chExt cx="0" cy="0"/>
-        </a:xfrm>
-      </p:grpSpPr>
-      <p:sp>
-        <p:nvSpPr>
-          <p:cNvPr id="3" name="内容占位符 2">
-            <a:extLst>
-              <a:ext uri="{FF2B5EF4-FFF2-40B4-BE49-F238E27FC236}">
-                <a16:creationId xmlns:a16="http://schemas.microsoft.com/office/drawing/2014/main" id="{9C484350-B904-4D1E-86A9-A84300E41DC5}"/>
-              </a:ext>
-            </a:extLst>
-          </p:cNvPr>
-          <p:cNvSpPr>
-            <a:spLocks noGrp="1"/>
-          </p:cNvSpPr>
-          <p:nvPr>
-            <p:ph idx="1"/>
-          </p:nvPr>
-        </p:nvSpPr>
-        <p:spPr>
-          <a:xfrm>
-            <a:off x="838200" y="1253331"/>
-            <a:ext cx="10515600" cy="4351338"/>
-          </a:xfrm>
-        </p:spPr>
-        <p:txBody>
-          <a:bodyPr/>
-          <a:lstStyle/>
-          <a:p>
-            <a:pPr algn="just"/>
-            <a:r>
-              <a:rPr lang="en-US" altLang="zh-CN" sz="3200" kern="100" dirty="0">
-                <a:solidFill>
-                  <a:srgbClr val="000000"/>
-                </a:solidFill>
-                <a:effectLst/>
-                <a:latin typeface="Times New Roman" panose="02020603050405020304" pitchFamily="18" charset="0"/>
-                <a:ea typeface="宋体" panose="02010600030101010101" pitchFamily="2" charset="-122"/>
-                <a:cs typeface="宋体" panose="02010600030101010101" pitchFamily="2" charset="-122"/>
-              </a:rPr>
-              <a:t>A1 in Bing</a:t>
-            </a:r>
-          </a:p>
-          <a:p>
-            <a:pPr marL="12700" marR="12700" indent="0" algn="just">
-              <a:lnSpc>
-                <a:spcPct val="100000"/>
-              </a:lnSpc>
-              <a:spcBef>
-                <a:spcPts val="1100"/>
-              </a:spcBef>
-            </a:pPr>
-            <a:r>
-              <a:rPr lang="en-US" altLang="zh-CN" sz="2400" kern="100" dirty="0">
-                <a:solidFill>
-                  <a:srgbClr val="000000"/>
-                </a:solidFill>
-                <a:latin typeface="Times New Roman" panose="02020603050405020304" pitchFamily="18" charset="0"/>
-                <a:ea typeface="宋体" panose="02010600030101010101" pitchFamily="2" charset="-122"/>
-              </a:rPr>
-              <a:t>A1</a:t>
-            </a:r>
-            <a:r>
-              <a:rPr lang="zh-CN" altLang="zh-CN" sz="2400" kern="100" dirty="0">
-                <a:solidFill>
-                  <a:srgbClr val="000000"/>
-                </a:solidFill>
-                <a:latin typeface="Times New Roman" panose="02020603050405020304" pitchFamily="18" charset="0"/>
-                <a:ea typeface="宋体" panose="02010600030101010101" pitchFamily="2" charset="-122"/>
-              </a:rPr>
-              <a:t>被设计成一个通用的图形数据库，在</a:t>
-            </a:r>
-            <a:r>
-              <a:rPr lang="en-US" altLang="zh-CN" sz="2400" kern="100" dirty="0">
-                <a:solidFill>
-                  <a:srgbClr val="000000"/>
-                </a:solidFill>
-                <a:latin typeface="Times New Roman" panose="02020603050405020304" pitchFamily="18" charset="0"/>
-                <a:ea typeface="宋体" panose="02010600030101010101" pitchFamily="2" charset="-122"/>
-              </a:rPr>
-              <a:t>Bing</a:t>
-            </a:r>
-            <a:r>
-              <a:rPr lang="zh-CN" altLang="zh-CN" sz="2400" kern="100" dirty="0">
-                <a:solidFill>
-                  <a:srgbClr val="000000"/>
-                </a:solidFill>
-                <a:latin typeface="Times New Roman" panose="02020603050405020304" pitchFamily="18" charset="0"/>
-                <a:ea typeface="宋体" panose="02010600030101010101" pitchFamily="2" charset="-122"/>
-              </a:rPr>
-              <a:t>中有多个应用程序在它之上运行</a:t>
-            </a:r>
-            <a:endParaRPr lang="en-US" altLang="zh-CN" sz="2400" kern="100" dirty="0">
-              <a:solidFill>
-                <a:srgbClr val="000000"/>
-              </a:solidFill>
-              <a:latin typeface="Times New Roman" panose="02020603050405020304" pitchFamily="18" charset="0"/>
-              <a:ea typeface="宋体" panose="02010600030101010101" pitchFamily="2" charset="-122"/>
-            </a:endParaRPr>
-          </a:p>
-          <a:p>
-            <a:pPr marL="12700" marR="12700" indent="0" algn="just">
-              <a:lnSpc>
-                <a:spcPct val="100000"/>
-              </a:lnSpc>
-              <a:spcBef>
-                <a:spcPts val="1100"/>
-              </a:spcBef>
-            </a:pPr>
-            <a:endParaRPr lang="zh-CN" altLang="zh-CN" sz="2400" kern="100" dirty="0">
-              <a:solidFill>
-                <a:srgbClr val="000000"/>
-              </a:solidFill>
-              <a:latin typeface="Times New Roman" panose="02020603050405020304" pitchFamily="18" charset="0"/>
-              <a:ea typeface="宋体" panose="02010600030101010101" pitchFamily="2" charset="-122"/>
-            </a:endParaRPr>
-          </a:p>
-          <a:p>
-            <a:pPr marL="12700" marR="12700" indent="0" algn="just">
-              <a:lnSpc>
-                <a:spcPct val="100000"/>
-              </a:lnSpc>
-              <a:spcBef>
-                <a:spcPts val="1100"/>
-              </a:spcBef>
-            </a:pPr>
-            <a:r>
-              <a:rPr lang="zh-CN" altLang="zh-CN" sz="2400" kern="100" dirty="0">
-                <a:solidFill>
-                  <a:srgbClr val="000000"/>
-                </a:solidFill>
-                <a:latin typeface="Times New Roman" panose="02020603050405020304" pitchFamily="18" charset="0"/>
-                <a:ea typeface="宋体" panose="02010600030101010101" pitchFamily="2" charset="-122"/>
-              </a:rPr>
-              <a:t>原来的</a:t>
-            </a:r>
-            <a:r>
-              <a:rPr lang="en-US" altLang="zh-CN" sz="2400" kern="100" dirty="0">
-                <a:solidFill>
-                  <a:srgbClr val="000000"/>
-                </a:solidFill>
-                <a:latin typeface="Times New Roman" panose="02020603050405020304" pitchFamily="18" charset="0"/>
-                <a:ea typeface="宋体" panose="02010600030101010101" pitchFamily="2" charset="-122"/>
-              </a:rPr>
-              <a:t>Bing</a:t>
-            </a:r>
-            <a:r>
-              <a:rPr lang="zh-CN" altLang="zh-CN" sz="2400" kern="100" dirty="0">
-                <a:solidFill>
-                  <a:srgbClr val="000000"/>
-                </a:solidFill>
-                <a:latin typeface="Times New Roman" panose="02020603050405020304" pitchFamily="18" charset="0"/>
-                <a:ea typeface="宋体" panose="02010600030101010101" pitchFamily="2" charset="-122"/>
-              </a:rPr>
-              <a:t>知识图栈是一个定制的系统，具有不可变存储和常规键值存储</a:t>
-            </a:r>
-            <a:endParaRPr lang="en-US" altLang="zh-CN" sz="2400" kern="100" dirty="0">
-              <a:solidFill>
-                <a:srgbClr val="000000"/>
-              </a:solidFill>
-              <a:latin typeface="Times New Roman" panose="02020603050405020304" pitchFamily="18" charset="0"/>
-              <a:ea typeface="宋体" panose="02010600030101010101" pitchFamily="2" charset="-122"/>
-            </a:endParaRPr>
-          </a:p>
-          <a:p>
-            <a:pPr marL="12700" marR="12700" indent="0" algn="just">
-              <a:lnSpc>
-                <a:spcPct val="100000"/>
-              </a:lnSpc>
-              <a:spcBef>
-                <a:spcPts val="1100"/>
-              </a:spcBef>
-            </a:pPr>
-            <a:endParaRPr lang="zh-CN" altLang="zh-CN" sz="2400" kern="100" dirty="0">
-              <a:effectLst/>
-              <a:latin typeface="等线" panose="02010600030101010101" pitchFamily="2" charset="-122"/>
-              <a:ea typeface="等线" panose="02010600030101010101" pitchFamily="2" charset="-122"/>
-              <a:cs typeface="Times New Roman" panose="02020603050405020304" pitchFamily="18" charset="0"/>
-            </a:endParaRPr>
-          </a:p>
-          <a:p>
-            <a:pPr marL="12700" marR="12700" indent="0" algn="just">
-              <a:lnSpc>
-                <a:spcPct val="100000"/>
-              </a:lnSpc>
-              <a:spcBef>
-                <a:spcPts val="1100"/>
-              </a:spcBef>
-              <a:spcAft>
-                <a:spcPts val="0"/>
-              </a:spcAft>
-            </a:pPr>
-            <a:r>
-              <a:rPr lang="zh-CN" altLang="zh-CN" sz="2400" kern="100" dirty="0">
-                <a:solidFill>
-                  <a:srgbClr val="000000"/>
-                </a:solidFill>
-                <a:effectLst/>
-                <a:latin typeface="Times New Roman" panose="02020603050405020304" pitchFamily="18" charset="0"/>
-                <a:ea typeface="宋体" panose="02010600030101010101" pitchFamily="2" charset="-122"/>
-                <a:cs typeface="宋体" panose="02010600030101010101" pitchFamily="2" charset="-122"/>
-              </a:rPr>
-              <a:t>在支持更灵活的数据建模的同时，弱类型的顶点不会导致显著的查询速度下降。由于</a:t>
-            </a:r>
-            <a:r>
-              <a:rPr lang="en-US" altLang="zh-CN" sz="2400" kern="100" dirty="0">
-                <a:solidFill>
-                  <a:srgbClr val="000000"/>
-                </a:solidFill>
-                <a:effectLst/>
-                <a:latin typeface="Times New Roman" panose="02020603050405020304" pitchFamily="18" charset="0"/>
-                <a:ea typeface="宋体" panose="02010600030101010101" pitchFamily="2" charset="-122"/>
-                <a:cs typeface="宋体" panose="02010600030101010101" pitchFamily="2" charset="-122"/>
-              </a:rPr>
-              <a:t>A1</a:t>
-            </a:r>
-            <a:r>
-              <a:rPr lang="zh-CN" altLang="zh-CN" sz="2400" kern="100" dirty="0">
-                <a:solidFill>
-                  <a:srgbClr val="000000"/>
-                </a:solidFill>
-                <a:effectLst/>
-                <a:latin typeface="Times New Roman" panose="02020603050405020304" pitchFamily="18" charset="0"/>
-                <a:ea typeface="宋体" panose="02010600030101010101" pitchFamily="2" charset="-122"/>
-                <a:cs typeface="宋体" panose="02010600030101010101" pitchFamily="2" charset="-122"/>
-              </a:rPr>
-              <a:t>存储开销很大，所以实体只有可查询的属性存储在</a:t>
-            </a:r>
-            <a:r>
-              <a:rPr lang="en-US" altLang="zh-CN" sz="2400" kern="100" dirty="0">
-                <a:solidFill>
-                  <a:srgbClr val="000000"/>
-                </a:solidFill>
-                <a:effectLst/>
-                <a:latin typeface="Times New Roman" panose="02020603050405020304" pitchFamily="18" charset="0"/>
-                <a:ea typeface="宋体" panose="02010600030101010101" pitchFamily="2" charset="-122"/>
-                <a:cs typeface="宋体" panose="02010600030101010101" pitchFamily="2" charset="-122"/>
-              </a:rPr>
-              <a:t>A1</a:t>
-            </a:r>
-            <a:r>
-              <a:rPr lang="zh-CN" altLang="zh-CN" sz="2400" kern="100" dirty="0">
-                <a:solidFill>
-                  <a:srgbClr val="000000"/>
-                </a:solidFill>
-                <a:effectLst/>
-                <a:latin typeface="Times New Roman" panose="02020603050405020304" pitchFamily="18" charset="0"/>
-                <a:ea typeface="宋体" panose="02010600030101010101" pitchFamily="2" charset="-122"/>
-                <a:cs typeface="宋体" panose="02010600030101010101" pitchFamily="2" charset="-122"/>
-              </a:rPr>
-              <a:t>中，而像图像数据这样的不可查询属性存储在其他地方</a:t>
-            </a:r>
-            <a:endParaRPr lang="zh-CN" altLang="zh-CN" sz="2400" kern="100" dirty="0">
-              <a:effectLst/>
-              <a:latin typeface="等线" panose="02010600030101010101" pitchFamily="2" charset="-122"/>
-              <a:ea typeface="等线" panose="02010600030101010101" pitchFamily="2" charset="-122"/>
-              <a:cs typeface="Times New Roman" panose="02020603050405020304" pitchFamily="18" charset="0"/>
-            </a:endParaRPr>
-          </a:p>
-          <a:p>
-            <a:endParaRPr lang="zh-CN" altLang="en-US" dirty="0"/>
-          </a:p>
-        </p:txBody>
-      </p:sp>
-    </p:spTree>
-    <p:extLst>
-      <p:ext uri="{BB962C8B-B14F-4D97-AF65-F5344CB8AC3E}">
-        <p14:creationId xmlns:p14="http://schemas.microsoft.com/office/powerpoint/2010/main" val="2753099913"/>
-      </p:ext>
-    </p:extLst>
-  </p:cSld>
-  <p:clrMapOvr>
-    <a:masterClrMapping/>
-  </p:clrMapOvr>
-</p:sld>
-</file>
-
-<file path=ppt/slides/slide17.xml><?xml version="1.0" encoding="utf-8"?>
-<p:sld xmlns:a="http://schemas.openxmlformats.org/drawingml/2006/main" xmlns:r="http://schemas.openxmlformats.org/officeDocument/2006/relationships" xmlns:p="http://schemas.openxmlformats.org/presentationml/2006/main">
-  <p:cSld>
-    <p:spTree>
-      <p:nvGrpSpPr>
-        <p:cNvPr id="1" name=""/>
-        <p:cNvGrpSpPr/>
-        <p:nvPr/>
-      </p:nvGrpSpPr>
-      <p:grpSpPr>
-        <a:xfrm>
-          <a:off x="0" y="0"/>
-          <a:ext cx="0" cy="0"/>
-          <a:chOff x="0" y="0"/>
-          <a:chExt cx="0" cy="0"/>
-        </a:xfrm>
-      </p:grpSpPr>
-      <p:sp>
-        <p:nvSpPr>
-          <p:cNvPr id="3" name="内容占位符 2">
-            <a:extLst>
-              <a:ext uri="{FF2B5EF4-FFF2-40B4-BE49-F238E27FC236}">
-                <a16:creationId xmlns:a16="http://schemas.microsoft.com/office/drawing/2014/main" id="{C3201DDF-595D-456E-8A55-BAB4719B0A6C}"/>
-              </a:ext>
-            </a:extLst>
-          </p:cNvPr>
-          <p:cNvSpPr>
-            <a:spLocks noGrp="1"/>
-          </p:cNvSpPr>
-          <p:nvPr>
-            <p:ph idx="1"/>
-          </p:nvPr>
-        </p:nvSpPr>
-        <p:spPr>
-          <a:xfrm>
-            <a:off x="838200" y="967409"/>
-            <a:ext cx="10515600" cy="5209554"/>
-          </a:xfrm>
-        </p:spPr>
-        <p:txBody>
-          <a:bodyPr>
-            <a:normAutofit/>
-          </a:bodyPr>
-          <a:lstStyle/>
-          <a:p>
-            <a:pPr algn="just"/>
-            <a:r>
-              <a:rPr lang="zh-CN" altLang="en-US" sz="3200" dirty="0">
-                <a:solidFill>
-                  <a:srgbClr val="000000"/>
-                </a:solidFill>
-                <a:effectLst/>
-                <a:latin typeface="Times New Roman" panose="02020603050405020304" pitchFamily="18" charset="0"/>
-                <a:ea typeface="宋体" panose="02010600030101010101" pitchFamily="2" charset="-122"/>
-                <a:cs typeface="宋体" panose="02010600030101010101" pitchFamily="2" charset="-122"/>
-              </a:rPr>
-              <a:t>不透明性和多版本化</a:t>
-            </a:r>
-            <a:endParaRPr lang="en-US" altLang="zh-CN" sz="3200" dirty="0">
-              <a:solidFill>
-                <a:srgbClr val="000000"/>
-              </a:solidFill>
-              <a:effectLst/>
-              <a:latin typeface="Times New Roman" panose="02020603050405020304" pitchFamily="18" charset="0"/>
-              <a:ea typeface="宋体" panose="02010600030101010101" pitchFamily="2" charset="-122"/>
-              <a:cs typeface="宋体" panose="02010600030101010101" pitchFamily="2" charset="-122"/>
-            </a:endParaRPr>
-          </a:p>
-          <a:p>
-            <a:pPr algn="just"/>
-            <a:r>
-              <a:rPr lang="en-US" altLang="zh-CN" sz="2400" dirty="0">
-                <a:solidFill>
-                  <a:srgbClr val="000000"/>
-                </a:solidFill>
-                <a:effectLst/>
-                <a:latin typeface="Times New Roman" panose="02020603050405020304" pitchFamily="18" charset="0"/>
-                <a:ea typeface="宋体" panose="02010600030101010101" pitchFamily="2" charset="-122"/>
-                <a:cs typeface="宋体" panose="02010600030101010101" pitchFamily="2" charset="-122"/>
-              </a:rPr>
-              <a:t>FaRMv1</a:t>
-            </a:r>
-            <a:r>
-              <a:rPr lang="zh-CN" altLang="zh-CN" sz="2400" dirty="0">
-                <a:solidFill>
-                  <a:srgbClr val="000000"/>
-                </a:solidFill>
-                <a:effectLst/>
-                <a:latin typeface="Times New Roman" panose="02020603050405020304" pitchFamily="18" charset="0"/>
-                <a:ea typeface="宋体" panose="02010600030101010101" pitchFamily="2" charset="-122"/>
-                <a:cs typeface="宋体" panose="02010600030101010101" pitchFamily="2" charset="-122"/>
-              </a:rPr>
-              <a:t>事务提供的隔离保证是可串行性，但将可串行性与乐观并发控制相结合可能会导致</a:t>
-            </a:r>
-            <a:r>
-              <a:rPr lang="zh-CN" altLang="en-US" sz="2400" dirty="0">
-                <a:solidFill>
-                  <a:srgbClr val="000000"/>
-                </a:solidFill>
-                <a:effectLst/>
-                <a:latin typeface="Times New Roman" panose="02020603050405020304" pitchFamily="18" charset="0"/>
-                <a:ea typeface="宋体" panose="02010600030101010101" pitchFamily="2" charset="-122"/>
-                <a:cs typeface="宋体" panose="02010600030101010101" pitchFamily="2" charset="-122"/>
-              </a:rPr>
-              <a:t>不一致性的</a:t>
-            </a:r>
-            <a:r>
-              <a:rPr lang="zh-CN" altLang="zh-CN" sz="2400" dirty="0">
-                <a:solidFill>
-                  <a:srgbClr val="000000"/>
-                </a:solidFill>
-                <a:effectLst/>
-                <a:latin typeface="Times New Roman" panose="02020603050405020304" pitchFamily="18" charset="0"/>
-                <a:ea typeface="宋体" panose="02010600030101010101" pitchFamily="2" charset="-122"/>
-                <a:cs typeface="宋体" panose="02010600030101010101" pitchFamily="2" charset="-122"/>
-              </a:rPr>
-              <a:t>问题</a:t>
-            </a:r>
-            <a:endParaRPr lang="en-US" altLang="zh-CN" sz="2400" dirty="0">
-              <a:solidFill>
-                <a:srgbClr val="000000"/>
-              </a:solidFill>
-              <a:effectLst/>
-              <a:latin typeface="Times New Roman" panose="02020603050405020304" pitchFamily="18" charset="0"/>
-              <a:ea typeface="宋体" panose="02010600030101010101" pitchFamily="2" charset="-122"/>
-              <a:cs typeface="宋体" panose="02010600030101010101" pitchFamily="2" charset="-122"/>
-            </a:endParaRPr>
-          </a:p>
-          <a:p>
-            <a:pPr algn="just"/>
-            <a:endParaRPr lang="en-US" altLang="zh-CN" sz="2400" kern="100" dirty="0">
-              <a:solidFill>
-                <a:srgbClr val="000000"/>
-              </a:solidFill>
-              <a:effectLst/>
-              <a:latin typeface="Times New Roman" panose="02020603050405020304" pitchFamily="18" charset="0"/>
-              <a:ea typeface="宋体" panose="02010600030101010101" pitchFamily="2" charset="-122"/>
-              <a:cs typeface="宋体" panose="02010600030101010101" pitchFamily="2" charset="-122"/>
-            </a:endParaRPr>
-          </a:p>
-          <a:p>
-            <a:pPr algn="just"/>
-            <a:r>
-              <a:rPr lang="zh-CN" altLang="zh-CN" sz="2400" kern="100" dirty="0">
-                <a:solidFill>
-                  <a:srgbClr val="000000"/>
-                </a:solidFill>
-                <a:effectLst/>
-                <a:latin typeface="Times New Roman" panose="02020603050405020304" pitchFamily="18" charset="0"/>
-                <a:ea typeface="宋体" panose="02010600030101010101" pitchFamily="2" charset="-122"/>
-                <a:cs typeface="宋体" panose="02010600030101010101" pitchFamily="2" charset="-122"/>
-              </a:rPr>
-              <a:t>不透明的属性，它保证即使最终会中止的事务</a:t>
-            </a:r>
-            <a:r>
-              <a:rPr lang="en-US" altLang="zh-CN" sz="2400" kern="100" dirty="0">
-                <a:solidFill>
-                  <a:srgbClr val="000000"/>
-                </a:solidFill>
-                <a:effectLst/>
-                <a:latin typeface="Times New Roman" panose="02020603050405020304" pitchFamily="18" charset="0"/>
-                <a:ea typeface="宋体" panose="02010600030101010101" pitchFamily="2" charset="-122"/>
-                <a:cs typeface="宋体" panose="02010600030101010101" pitchFamily="2" charset="-122"/>
-              </a:rPr>
-              <a:t>(</a:t>
-            </a:r>
-            <a:r>
-              <a:rPr lang="zh-CN" altLang="zh-CN" sz="2400" kern="100" dirty="0">
-                <a:solidFill>
-                  <a:srgbClr val="000000"/>
-                </a:solidFill>
-                <a:effectLst/>
-                <a:latin typeface="Times New Roman" panose="02020603050405020304" pitchFamily="18" charset="0"/>
-                <a:ea typeface="宋体" panose="02010600030101010101" pitchFamily="2" charset="-122"/>
-                <a:cs typeface="宋体" panose="02010600030101010101" pitchFamily="2" charset="-122"/>
-              </a:rPr>
-              <a:t>例如</a:t>
-            </a:r>
-            <a:r>
-              <a:rPr lang="en-US" altLang="zh-CN" sz="2400" kern="100" dirty="0">
-                <a:solidFill>
-                  <a:srgbClr val="000000"/>
-                </a:solidFill>
-                <a:effectLst/>
-                <a:latin typeface="Times New Roman" panose="02020603050405020304" pitchFamily="18" charset="0"/>
-                <a:ea typeface="宋体" panose="02010600030101010101" pitchFamily="2" charset="-122"/>
-                <a:cs typeface="宋体" panose="02010600030101010101" pitchFamily="2" charset="-122"/>
-              </a:rPr>
-              <a:t>T1)</a:t>
-            </a:r>
-            <a:r>
-              <a:rPr lang="zh-CN" altLang="zh-CN" sz="2400" kern="100" dirty="0">
-                <a:solidFill>
-                  <a:srgbClr val="000000"/>
-                </a:solidFill>
-                <a:effectLst/>
-                <a:latin typeface="Times New Roman" panose="02020603050405020304" pitchFamily="18" charset="0"/>
-                <a:ea typeface="宋体" panose="02010600030101010101" pitchFamily="2" charset="-122"/>
-                <a:cs typeface="宋体" panose="02010600030101010101" pitchFamily="2" charset="-122"/>
-              </a:rPr>
-              <a:t>对于已提交的事务</a:t>
-            </a:r>
-            <a:r>
-              <a:rPr lang="en-US" altLang="zh-CN" sz="2400" kern="100" dirty="0">
-                <a:solidFill>
-                  <a:srgbClr val="000000"/>
-                </a:solidFill>
-                <a:effectLst/>
-                <a:latin typeface="Times New Roman" panose="02020603050405020304" pitchFamily="18" charset="0"/>
-                <a:ea typeface="宋体" panose="02010600030101010101" pitchFamily="2" charset="-122"/>
-                <a:cs typeface="宋体" panose="02010600030101010101" pitchFamily="2" charset="-122"/>
-              </a:rPr>
-              <a:t>(</a:t>
-            </a:r>
-            <a:r>
-              <a:rPr lang="zh-CN" altLang="zh-CN" sz="2400" kern="100" dirty="0">
-                <a:solidFill>
-                  <a:srgbClr val="000000"/>
-                </a:solidFill>
-                <a:effectLst/>
-                <a:latin typeface="Times New Roman" panose="02020603050405020304" pitchFamily="18" charset="0"/>
-                <a:ea typeface="宋体" panose="02010600030101010101" pitchFamily="2" charset="-122"/>
-                <a:cs typeface="宋体" panose="02010600030101010101" pitchFamily="2" charset="-122"/>
-              </a:rPr>
-              <a:t>例如</a:t>
-            </a:r>
-            <a:r>
-              <a:rPr lang="en-US" altLang="zh-CN" sz="2400" kern="100" dirty="0">
-                <a:solidFill>
-                  <a:srgbClr val="000000"/>
-                </a:solidFill>
-                <a:effectLst/>
-                <a:latin typeface="Times New Roman" panose="02020603050405020304" pitchFamily="18" charset="0"/>
-                <a:ea typeface="宋体" panose="02010600030101010101" pitchFamily="2" charset="-122"/>
-                <a:cs typeface="宋体" panose="02010600030101010101" pitchFamily="2" charset="-122"/>
-              </a:rPr>
-              <a:t>T2)</a:t>
-            </a:r>
-            <a:r>
-              <a:rPr lang="zh-CN" altLang="zh-CN" sz="2400" kern="100" dirty="0">
-                <a:solidFill>
-                  <a:srgbClr val="000000"/>
-                </a:solidFill>
-                <a:effectLst/>
-                <a:latin typeface="Times New Roman" panose="02020603050405020304" pitchFamily="18" charset="0"/>
-                <a:ea typeface="宋体" panose="02010600030101010101" pitchFamily="2" charset="-122"/>
-                <a:cs typeface="宋体" panose="02010600030101010101" pitchFamily="2" charset="-122"/>
-              </a:rPr>
-              <a:t>也是可序列化的，因此在运行时不会再导致应用程序不一致</a:t>
-            </a:r>
-            <a:endParaRPr lang="en-US" altLang="zh-CN" sz="2400" kern="100" dirty="0">
-              <a:solidFill>
-                <a:srgbClr val="000000"/>
-              </a:solidFill>
-              <a:effectLst/>
-              <a:latin typeface="Times New Roman" panose="02020603050405020304" pitchFamily="18" charset="0"/>
-              <a:ea typeface="宋体" panose="02010600030101010101" pitchFamily="2" charset="-122"/>
-              <a:cs typeface="宋体" panose="02010600030101010101" pitchFamily="2" charset="-122"/>
-            </a:endParaRPr>
-          </a:p>
-          <a:p>
-            <a:pPr algn="just"/>
-            <a:endParaRPr lang="zh-CN" altLang="zh-CN" sz="2400" kern="100" dirty="0">
-              <a:effectLst/>
-              <a:latin typeface="等线" panose="02010600030101010101" pitchFamily="2" charset="-122"/>
-              <a:ea typeface="等线" panose="02010600030101010101" pitchFamily="2" charset="-122"/>
-              <a:cs typeface="Times New Roman" panose="02020603050405020304" pitchFamily="18" charset="0"/>
-            </a:endParaRPr>
-          </a:p>
-          <a:p>
-            <a:pPr algn="just"/>
-            <a:r>
-              <a:rPr lang="zh-CN" altLang="zh-CN" sz="2400" kern="100" dirty="0">
-                <a:solidFill>
-                  <a:srgbClr val="000000"/>
-                </a:solidFill>
-                <a:effectLst/>
-                <a:latin typeface="Times New Roman" panose="02020603050405020304" pitchFamily="18" charset="0"/>
-                <a:ea typeface="宋体" panose="02010600030101010101" pitchFamily="2" charset="-122"/>
-                <a:cs typeface="宋体" panose="02010600030101010101" pitchFamily="2" charset="-122"/>
-              </a:rPr>
-              <a:t>由于乐观并发控制不获取读锁，大型查询容易与更新发生冲突，因此经常会中止</a:t>
-            </a:r>
-            <a:endParaRPr lang="en-US" altLang="zh-CN" sz="2400" kern="100" dirty="0">
-              <a:solidFill>
-                <a:srgbClr val="000000"/>
-              </a:solidFill>
-              <a:effectLst/>
-              <a:latin typeface="Times New Roman" panose="02020603050405020304" pitchFamily="18" charset="0"/>
-              <a:ea typeface="宋体" panose="02010600030101010101" pitchFamily="2" charset="-122"/>
-              <a:cs typeface="宋体" panose="02010600030101010101" pitchFamily="2" charset="-122"/>
-            </a:endParaRPr>
-          </a:p>
-          <a:p>
-            <a:pPr algn="just"/>
-            <a:endParaRPr lang="zh-CN" altLang="zh-CN" sz="2400" kern="100" dirty="0">
-              <a:effectLst/>
-              <a:latin typeface="等线" panose="02010600030101010101" pitchFamily="2" charset="-122"/>
-              <a:ea typeface="等线" panose="02010600030101010101" pitchFamily="2" charset="-122"/>
-              <a:cs typeface="Times New Roman" panose="02020603050405020304" pitchFamily="18" charset="0"/>
-            </a:endParaRPr>
-          </a:p>
-          <a:p>
-            <a:pPr algn="just"/>
-            <a:r>
-              <a:rPr lang="en-US" altLang="zh-CN" sz="2400" kern="100" dirty="0">
-                <a:solidFill>
-                  <a:srgbClr val="000000"/>
-                </a:solidFill>
-                <a:effectLst/>
-                <a:latin typeface="Times New Roman" panose="02020603050405020304" pitchFamily="18" charset="0"/>
-                <a:ea typeface="宋体" panose="02010600030101010101" pitchFamily="2" charset="-122"/>
-                <a:cs typeface="宋体" panose="02010600030101010101" pitchFamily="2" charset="-122"/>
-              </a:rPr>
-              <a:t>FaRMv2</a:t>
-            </a:r>
-            <a:r>
-              <a:rPr lang="zh-CN" altLang="zh-CN" sz="2400" kern="100" dirty="0">
-                <a:solidFill>
-                  <a:srgbClr val="000000"/>
-                </a:solidFill>
-                <a:effectLst/>
-                <a:latin typeface="Times New Roman" panose="02020603050405020304" pitchFamily="18" charset="0"/>
-                <a:ea typeface="宋体" panose="02010600030101010101" pitchFamily="2" charset="-122"/>
-                <a:cs typeface="宋体" panose="02010600030101010101" pitchFamily="2" charset="-122"/>
-              </a:rPr>
-              <a:t>通过引入一个全局时钟来解决这两个问题，该时钟为所有事务提供读写时间戳</a:t>
-            </a:r>
-            <a:endParaRPr lang="zh-CN" altLang="zh-CN" sz="2400" kern="100" dirty="0">
-              <a:effectLst/>
-              <a:latin typeface="等线" panose="02010600030101010101" pitchFamily="2" charset="-122"/>
-              <a:ea typeface="等线" panose="02010600030101010101" pitchFamily="2" charset="-122"/>
-              <a:cs typeface="Times New Roman" panose="02020603050405020304" pitchFamily="18" charset="0"/>
-            </a:endParaRPr>
-          </a:p>
-          <a:p>
-            <a:endParaRPr lang="zh-CN" altLang="en-US" dirty="0"/>
-          </a:p>
-        </p:txBody>
-      </p:sp>
-    </p:spTree>
-    <p:extLst>
-      <p:ext uri="{BB962C8B-B14F-4D97-AF65-F5344CB8AC3E}">
-        <p14:creationId xmlns:p14="http://schemas.microsoft.com/office/powerpoint/2010/main" val="1487376697"/>
-      </p:ext>
-    </p:extLst>
-  </p:cSld>
-  <p:clrMapOvr>
-    <a:masterClrMapping/>
-  </p:clrMapOvr>
-</p:sld>
-</file>
-
-<file path=ppt/slides/slide18.xml><?xml version="1.0" encoding="utf-8"?>
-<p:sld xmlns:a="http://schemas.openxmlformats.org/drawingml/2006/main" xmlns:r="http://schemas.openxmlformats.org/officeDocument/2006/relationships" xmlns:p="http://schemas.openxmlformats.org/presentationml/2006/main">
-  <p:cSld>
-    <p:spTree>
-      <p:nvGrpSpPr>
-        <p:cNvPr id="1" name=""/>
-        <p:cNvGrpSpPr/>
-        <p:nvPr/>
-      </p:nvGrpSpPr>
-      <p:grpSpPr>
-        <a:xfrm>
-          <a:off x="0" y="0"/>
-          <a:ext cx="0" cy="0"/>
-          <a:chOff x="0" y="0"/>
-          <a:chExt cx="0" cy="0"/>
-        </a:xfrm>
-      </p:grpSpPr>
-      <p:sp>
-        <p:nvSpPr>
-          <p:cNvPr id="3" name="内容占位符 2">
-            <a:extLst>
-              <a:ext uri="{FF2B5EF4-FFF2-40B4-BE49-F238E27FC236}">
-                <a16:creationId xmlns:a16="http://schemas.microsoft.com/office/drawing/2014/main" id="{34BAD1EF-CA15-4745-9F25-0E9BCF1FBA77}"/>
-              </a:ext>
-            </a:extLst>
-          </p:cNvPr>
-          <p:cNvSpPr>
-            <a:spLocks noGrp="1"/>
-          </p:cNvSpPr>
-          <p:nvPr>
-            <p:ph idx="1"/>
-          </p:nvPr>
-        </p:nvSpPr>
-        <p:spPr>
-          <a:xfrm>
-            <a:off x="838200" y="2322443"/>
-            <a:ext cx="10515600" cy="2213113"/>
-          </a:xfrm>
-        </p:spPr>
-        <p:txBody>
-          <a:bodyPr/>
-          <a:lstStyle/>
-          <a:p>
-            <a:pPr marR="12700" indent="0" algn="just">
-              <a:lnSpc>
-                <a:spcPct val="100000"/>
-              </a:lnSpc>
-              <a:spcBef>
-                <a:spcPts val="0"/>
-              </a:spcBef>
-              <a:buNone/>
-            </a:pPr>
-            <a:r>
-              <a:rPr lang="zh-CN" altLang="zh-CN" sz="3200" kern="100" dirty="0">
-                <a:solidFill>
-                  <a:srgbClr val="000000"/>
-                </a:solidFill>
-                <a:effectLst/>
-                <a:latin typeface="Times New Roman" panose="02020603050405020304" pitchFamily="18" charset="0"/>
-                <a:ea typeface="宋体" panose="02010600030101010101" pitchFamily="2" charset="-122"/>
-                <a:cs typeface="宋体" panose="02010600030101010101" pitchFamily="2" charset="-122"/>
-              </a:rPr>
-              <a:t>快速重启</a:t>
-            </a:r>
-            <a:endParaRPr lang="zh-CN" altLang="zh-CN" sz="3200" kern="100" dirty="0">
-              <a:effectLst/>
-              <a:latin typeface="等线" panose="02010600030101010101" pitchFamily="2" charset="-122"/>
-              <a:ea typeface="等线" panose="02010600030101010101" pitchFamily="2" charset="-122"/>
-              <a:cs typeface="Times New Roman" panose="02020603050405020304" pitchFamily="18" charset="0"/>
-            </a:endParaRPr>
-          </a:p>
-          <a:p>
-            <a:pPr marL="0" marR="12700" indent="0" algn="just">
-              <a:lnSpc>
-                <a:spcPct val="100000"/>
-              </a:lnSpc>
-              <a:spcBef>
-                <a:spcPts val="0"/>
-              </a:spcBef>
-              <a:spcAft>
-                <a:spcPts val="0"/>
-              </a:spcAft>
-            </a:pPr>
-            <a:endParaRPr lang="en-US" altLang="zh-CN" sz="2400" kern="100" dirty="0">
-              <a:solidFill>
-                <a:srgbClr val="000000"/>
-              </a:solidFill>
-              <a:latin typeface="Times New Roman" panose="02020603050405020304" pitchFamily="18" charset="0"/>
-              <a:ea typeface="宋体" panose="02010600030101010101" pitchFamily="2" charset="-122"/>
-            </a:endParaRPr>
-          </a:p>
-          <a:p>
-            <a:pPr marL="0" indent="0" algn="just">
-              <a:lnSpc>
-                <a:spcPct val="100000"/>
-              </a:lnSpc>
-            </a:pPr>
-            <a:r>
-              <a:rPr lang="zh-CN" altLang="zh-CN" sz="2400" kern="100" dirty="0">
-                <a:solidFill>
-                  <a:srgbClr val="000000"/>
-                </a:solidFill>
-                <a:effectLst/>
-                <a:latin typeface="Times New Roman" panose="02020603050405020304" pitchFamily="18" charset="0"/>
-                <a:ea typeface="宋体" panose="02010600030101010101" pitchFamily="2" charset="-122"/>
-                <a:cs typeface="宋体" panose="02010600030101010101" pitchFamily="2" charset="-122"/>
-              </a:rPr>
-              <a:t>快速重启不能防止机器崩溃或电源循环，</a:t>
-            </a:r>
-            <a:endParaRPr lang="zh-CN" altLang="zh-CN" sz="2400" kern="100" dirty="0">
-              <a:effectLst/>
-              <a:latin typeface="等线" panose="02010600030101010101" pitchFamily="2" charset="-122"/>
-              <a:ea typeface="等线" panose="02010600030101010101" pitchFamily="2" charset="-122"/>
-              <a:cs typeface="Times New Roman" panose="02020603050405020304" pitchFamily="18" charset="0"/>
-            </a:endParaRPr>
-          </a:p>
-          <a:p>
-            <a:pPr marL="0" indent="0" algn="just">
-              <a:lnSpc>
-                <a:spcPct val="100000"/>
-              </a:lnSpc>
-              <a:spcBef>
-                <a:spcPts val="1100"/>
-              </a:spcBef>
-            </a:pPr>
-            <a:r>
-              <a:rPr lang="zh-CN" altLang="zh-CN" sz="2400" kern="100" dirty="0">
-                <a:solidFill>
-                  <a:srgbClr val="000000"/>
-                </a:solidFill>
-                <a:effectLst/>
-                <a:latin typeface="Times New Roman" panose="02020603050405020304" pitchFamily="18" charset="0"/>
-                <a:ea typeface="宋体" panose="02010600030101010101" pitchFamily="2" charset="-122"/>
-                <a:cs typeface="宋体" panose="02010600030101010101" pitchFamily="2" charset="-122"/>
-              </a:rPr>
-              <a:t>快速重启将</a:t>
-            </a:r>
-            <a:r>
-              <a:rPr lang="en-US" altLang="zh-CN" sz="2400" kern="100" dirty="0">
-                <a:solidFill>
-                  <a:srgbClr val="000000"/>
-                </a:solidFill>
-                <a:effectLst/>
-                <a:latin typeface="Times New Roman" panose="02020603050405020304" pitchFamily="18" charset="0"/>
-                <a:ea typeface="宋体" panose="02010600030101010101" pitchFamily="2" charset="-122"/>
-                <a:cs typeface="宋体" panose="02010600030101010101" pitchFamily="2" charset="-122"/>
-              </a:rPr>
-              <a:t>A1</a:t>
-            </a:r>
-            <a:r>
-              <a:rPr lang="zh-CN" altLang="zh-CN" sz="2400" kern="100" dirty="0">
-                <a:solidFill>
-                  <a:srgbClr val="000000"/>
-                </a:solidFill>
-                <a:effectLst/>
-                <a:latin typeface="Times New Roman" panose="02020603050405020304" pitchFamily="18" charset="0"/>
-                <a:ea typeface="宋体" panose="02010600030101010101" pitchFamily="2" charset="-122"/>
-                <a:cs typeface="宋体" panose="02010600030101010101" pitchFamily="2" charset="-122"/>
-              </a:rPr>
-              <a:t>集群的停机时间减少了一个数量级。</a:t>
-            </a:r>
-            <a:endParaRPr lang="zh-CN" altLang="zh-CN" sz="2400" kern="100" dirty="0">
-              <a:effectLst/>
-              <a:latin typeface="等线" panose="02010600030101010101" pitchFamily="2" charset="-122"/>
-              <a:ea typeface="等线" panose="02010600030101010101" pitchFamily="2" charset="-122"/>
-              <a:cs typeface="Times New Roman" panose="02020603050405020304" pitchFamily="18" charset="0"/>
-            </a:endParaRPr>
-          </a:p>
-          <a:p>
-            <a:endParaRPr lang="zh-CN" altLang="en-US" dirty="0"/>
-          </a:p>
-        </p:txBody>
-      </p:sp>
-    </p:spTree>
-    <p:extLst>
-      <p:ext uri="{BB962C8B-B14F-4D97-AF65-F5344CB8AC3E}">
-        <p14:creationId xmlns:p14="http://schemas.microsoft.com/office/powerpoint/2010/main" val="3221532125"/>
-      </p:ext>
-    </p:extLst>
-  </p:cSld>
-  <p:clrMapOvr>
-    <a:masterClrMapping/>
-  </p:clrMapOvr>
-</p:sld>
-</file>
-
-<file path=ppt/slides/slide19.xml><?xml version="1.0" encoding="utf-8"?>
-<p:sld xmlns:a="http://schemas.openxmlformats.org/drawingml/2006/main" xmlns:r="http://schemas.openxmlformats.org/officeDocument/2006/relationships" xmlns:p="http://schemas.openxmlformats.org/presentationml/2006/main">
-  <p:cSld>
-    <p:spTree>
-      <p:nvGrpSpPr>
-        <p:cNvPr id="1" name=""/>
-        <p:cNvGrpSpPr/>
-        <p:nvPr/>
-      </p:nvGrpSpPr>
-      <p:grpSpPr>
-        <a:xfrm>
-          <a:off x="0" y="0"/>
-          <a:ext cx="0" cy="0"/>
-          <a:chOff x="0" y="0"/>
-          <a:chExt cx="0" cy="0"/>
-        </a:xfrm>
-      </p:grpSpPr>
-      <p:sp>
-        <p:nvSpPr>
-          <p:cNvPr id="3" name="内容占位符 2">
-            <a:extLst>
-              <a:ext uri="{FF2B5EF4-FFF2-40B4-BE49-F238E27FC236}">
-                <a16:creationId xmlns:a16="http://schemas.microsoft.com/office/drawing/2014/main" id="{746AD943-5054-4206-93AC-27462EB8588A}"/>
-              </a:ext>
-            </a:extLst>
-          </p:cNvPr>
-          <p:cNvSpPr>
-            <a:spLocks noGrp="1"/>
-          </p:cNvSpPr>
-          <p:nvPr>
-            <p:ph idx="1"/>
-          </p:nvPr>
-        </p:nvSpPr>
-        <p:spPr>
-          <a:xfrm>
-            <a:off x="838200" y="837475"/>
-            <a:ext cx="10515600" cy="5183050"/>
-          </a:xfrm>
-        </p:spPr>
-        <p:txBody>
-          <a:bodyPr>
-            <a:normAutofit lnSpcReduction="10000"/>
-          </a:bodyPr>
-          <a:lstStyle/>
-          <a:p>
-            <a:pPr marL="0" marR="25400" algn="just">
-              <a:lnSpc>
-                <a:spcPct val="100000"/>
-              </a:lnSpc>
-              <a:spcBef>
-                <a:spcPts val="700"/>
-              </a:spcBef>
-              <a:spcAft>
-                <a:spcPts val="0"/>
-              </a:spcAft>
-            </a:pPr>
-            <a:r>
-              <a:rPr lang="zh-CN" altLang="en-US" sz="3200" kern="100" dirty="0">
-                <a:solidFill>
-                  <a:srgbClr val="000000"/>
-                </a:solidFill>
-                <a:latin typeface="Times New Roman" panose="02020603050405020304" pitchFamily="18" charset="0"/>
-                <a:ea typeface="宋体" panose="02010600030101010101" pitchFamily="2" charset="-122"/>
-                <a:cs typeface="宋体" panose="02010600030101010101" pitchFamily="2" charset="-122"/>
-              </a:rPr>
-              <a:t>结论</a:t>
-            </a:r>
-            <a:endParaRPr lang="en-US" altLang="zh-CN" sz="1800" kern="100" dirty="0">
-              <a:solidFill>
-                <a:srgbClr val="000000"/>
-              </a:solidFill>
-              <a:effectLst/>
-              <a:latin typeface="Times New Roman" panose="02020603050405020304" pitchFamily="18" charset="0"/>
-              <a:ea typeface="宋体" panose="02010600030101010101" pitchFamily="2" charset="-122"/>
-              <a:cs typeface="宋体" panose="02010600030101010101" pitchFamily="2" charset="-122"/>
-            </a:endParaRPr>
-          </a:p>
-          <a:p>
-            <a:pPr marL="0" marR="25400" algn="just">
-              <a:lnSpc>
-                <a:spcPct val="100000"/>
-              </a:lnSpc>
-              <a:spcBef>
-                <a:spcPts val="700"/>
-              </a:spcBef>
-              <a:spcAft>
-                <a:spcPts val="0"/>
-              </a:spcAft>
-            </a:pPr>
-            <a:r>
-              <a:rPr lang="zh-CN" altLang="zh-CN" sz="2600" kern="100" dirty="0">
-                <a:solidFill>
-                  <a:srgbClr val="000000"/>
-                </a:solidFill>
-                <a:effectLst/>
-                <a:latin typeface="Times New Roman" panose="02020603050405020304" pitchFamily="18" charset="0"/>
-                <a:ea typeface="宋体" panose="02010600030101010101" pitchFamily="2" charset="-122"/>
-                <a:cs typeface="宋体" panose="02010600030101010101" pitchFamily="2" charset="-122"/>
-              </a:rPr>
-              <a:t>建立通用数据库是一个复杂的问题。</a:t>
-            </a:r>
-            <a:r>
-              <a:rPr lang="en-US" altLang="zh-CN" sz="2600" kern="100" dirty="0">
-                <a:solidFill>
-                  <a:srgbClr val="000000"/>
-                </a:solidFill>
-                <a:effectLst/>
-                <a:latin typeface="Times New Roman" panose="02020603050405020304" pitchFamily="18" charset="0"/>
-                <a:ea typeface="宋体" panose="02010600030101010101" pitchFamily="2" charset="-122"/>
-                <a:cs typeface="宋体" panose="02010600030101010101" pitchFamily="2" charset="-122"/>
-              </a:rPr>
-              <a:t>A1</a:t>
-            </a:r>
-            <a:r>
-              <a:rPr lang="zh-CN" altLang="zh-CN" sz="2600" kern="100" dirty="0">
-                <a:solidFill>
-                  <a:srgbClr val="000000"/>
-                </a:solidFill>
-                <a:effectLst/>
-                <a:latin typeface="Times New Roman" panose="02020603050405020304" pitchFamily="18" charset="0"/>
-                <a:ea typeface="宋体" panose="02010600030101010101" pitchFamily="2" charset="-122"/>
-                <a:cs typeface="宋体" panose="02010600030101010101" pitchFamily="2" charset="-122"/>
-              </a:rPr>
-              <a:t>被设计用于具有大量数据量、各种数据源和更新频率以及执行查询的严格要求和极低延迟的空间中。</a:t>
-            </a:r>
-            <a:endParaRPr lang="zh-CN" altLang="zh-CN" sz="2600" kern="100" dirty="0">
-              <a:effectLst/>
-              <a:latin typeface="等线" panose="02010600030101010101" pitchFamily="2" charset="-122"/>
-              <a:ea typeface="等线" panose="02010600030101010101" pitchFamily="2" charset="-122"/>
-              <a:cs typeface="Times New Roman" panose="02020603050405020304" pitchFamily="18" charset="0"/>
-            </a:endParaRPr>
-          </a:p>
-          <a:p>
-            <a:pPr marL="0" indent="127000" algn="just">
-              <a:lnSpc>
-                <a:spcPct val="100000"/>
-              </a:lnSpc>
-              <a:spcBef>
-                <a:spcPts val="800"/>
-              </a:spcBef>
-            </a:pPr>
-            <a:r>
-              <a:rPr lang="zh-CN" altLang="zh-CN" sz="2600" kern="100" dirty="0">
-                <a:solidFill>
-                  <a:srgbClr val="000000"/>
-                </a:solidFill>
-                <a:effectLst/>
-                <a:latin typeface="Times New Roman" panose="02020603050405020304" pitchFamily="18" charset="0"/>
-                <a:ea typeface="宋体" panose="02010600030101010101" pitchFamily="2" charset="-122"/>
-                <a:cs typeface="宋体" panose="02010600030101010101" pitchFamily="2" charset="-122"/>
-              </a:rPr>
-              <a:t>分布式系统的编程和操作都很复杂，我们选择实现事务支持，以隐藏在面对机器故障时的可用性、复制和持久性的复杂性。图数据的连接特性使得在任何时候确保正确性变得更加重要。由于事务的支持，开发人员的工作效率很高。此外，使用自然属性图模型在</a:t>
-            </a:r>
-            <a:r>
-              <a:rPr lang="en-US" altLang="zh-CN" sz="2600" kern="100" dirty="0">
-                <a:solidFill>
-                  <a:srgbClr val="000000"/>
-                </a:solidFill>
-                <a:effectLst/>
-                <a:latin typeface="Times New Roman" panose="02020603050405020304" pitchFamily="18" charset="0"/>
-                <a:ea typeface="宋体" panose="02010600030101010101" pitchFamily="2" charset="-122"/>
-                <a:cs typeface="宋体" panose="02010600030101010101" pitchFamily="2" charset="-122"/>
-              </a:rPr>
-              <a:t>Bing</a:t>
-            </a:r>
-            <a:r>
-              <a:rPr lang="zh-CN" altLang="zh-CN" sz="2600" kern="100" dirty="0">
-                <a:solidFill>
-                  <a:srgbClr val="000000"/>
-                </a:solidFill>
-                <a:effectLst/>
-                <a:latin typeface="Times New Roman" panose="02020603050405020304" pitchFamily="18" charset="0"/>
-                <a:ea typeface="宋体" panose="02010600030101010101" pitchFamily="2" charset="-122"/>
-                <a:cs typeface="宋体" panose="02010600030101010101" pitchFamily="2" charset="-122"/>
-              </a:rPr>
-              <a:t>中构建面向搜索的应用程序是直观和强大的。</a:t>
-            </a:r>
-            <a:endParaRPr lang="zh-CN" altLang="zh-CN" sz="2600" kern="100" dirty="0">
-              <a:effectLst/>
-              <a:latin typeface="等线" panose="02010600030101010101" pitchFamily="2" charset="-122"/>
-              <a:ea typeface="等线" panose="02010600030101010101" pitchFamily="2" charset="-122"/>
-              <a:cs typeface="Times New Roman" panose="02020603050405020304" pitchFamily="18" charset="0"/>
-            </a:endParaRPr>
-          </a:p>
-          <a:p>
-            <a:pPr marL="0" indent="127000" algn="just">
-              <a:lnSpc>
-                <a:spcPct val="100000"/>
-              </a:lnSpc>
-              <a:spcBef>
-                <a:spcPts val="800"/>
-              </a:spcBef>
-            </a:pPr>
-            <a:r>
-              <a:rPr lang="en-US" altLang="zh-CN" sz="2600" kern="100" dirty="0" err="1">
-                <a:solidFill>
-                  <a:srgbClr val="000000"/>
-                </a:solidFill>
-                <a:effectLst/>
-                <a:latin typeface="Times New Roman" panose="02020603050405020304" pitchFamily="18" charset="0"/>
-                <a:ea typeface="宋体" panose="02010600030101010101" pitchFamily="2" charset="-122"/>
-                <a:cs typeface="宋体" panose="02010600030101010101" pitchFamily="2" charset="-122"/>
-              </a:rPr>
-              <a:t>FaRM</a:t>
-            </a:r>
-            <a:r>
-              <a:rPr lang="zh-CN" altLang="zh-CN" sz="2600" kern="100" dirty="0">
-                <a:solidFill>
-                  <a:srgbClr val="000000"/>
-                </a:solidFill>
-                <a:effectLst/>
-                <a:latin typeface="Times New Roman" panose="02020603050405020304" pitchFamily="18" charset="0"/>
-                <a:ea typeface="宋体" panose="02010600030101010101" pitchFamily="2" charset="-122"/>
-                <a:cs typeface="宋体" panose="02010600030101010101" pitchFamily="2" charset="-122"/>
-              </a:rPr>
-              <a:t>和</a:t>
-            </a:r>
-            <a:r>
-              <a:rPr lang="en-US" altLang="zh-CN" sz="2600" kern="100" dirty="0">
-                <a:solidFill>
-                  <a:srgbClr val="000000"/>
-                </a:solidFill>
-                <a:effectLst/>
-                <a:latin typeface="Times New Roman" panose="02020603050405020304" pitchFamily="18" charset="0"/>
-                <a:ea typeface="宋体" panose="02010600030101010101" pitchFamily="2" charset="-122"/>
-                <a:cs typeface="宋体" panose="02010600030101010101" pitchFamily="2" charset="-122"/>
-              </a:rPr>
-              <a:t>A1</a:t>
-            </a:r>
-            <a:r>
-              <a:rPr lang="zh-CN" altLang="zh-CN" sz="2600" kern="100" dirty="0">
-                <a:solidFill>
-                  <a:srgbClr val="000000"/>
-                </a:solidFill>
-                <a:effectLst/>
-                <a:latin typeface="Times New Roman" panose="02020603050405020304" pitchFamily="18" charset="0"/>
-                <a:ea typeface="宋体" panose="02010600030101010101" pitchFamily="2" charset="-122"/>
-                <a:cs typeface="宋体" panose="02010600030101010101" pitchFamily="2" charset="-122"/>
-              </a:rPr>
-              <a:t>在很大程度上利用了</a:t>
-            </a:r>
-            <a:r>
-              <a:rPr lang="en-US" altLang="zh-CN" sz="2600" kern="100" dirty="0">
-                <a:solidFill>
-                  <a:srgbClr val="000000"/>
-                </a:solidFill>
-                <a:effectLst/>
-                <a:latin typeface="Times New Roman" panose="02020603050405020304" pitchFamily="18" charset="0"/>
-                <a:ea typeface="宋体" panose="02010600030101010101" pitchFamily="2" charset="-122"/>
-                <a:cs typeface="宋体" panose="02010600030101010101" pitchFamily="2" charset="-122"/>
-              </a:rPr>
-              <a:t>RDMA</a:t>
-            </a:r>
-            <a:r>
-              <a:rPr lang="zh-CN" altLang="zh-CN" sz="2600" kern="100" dirty="0">
-                <a:solidFill>
-                  <a:srgbClr val="000000"/>
-                </a:solidFill>
-                <a:effectLst/>
-                <a:latin typeface="Times New Roman" panose="02020603050405020304" pitchFamily="18" charset="0"/>
-                <a:ea typeface="宋体" panose="02010600030101010101" pitchFamily="2" charset="-122"/>
-                <a:cs typeface="宋体" panose="02010600030101010101" pitchFamily="2" charset="-122"/>
-              </a:rPr>
-              <a:t>的优点，所获得的性能使更复杂的问题的回答在规模上成为可能，并且在交互搜索可接受的延迟内实现。</a:t>
-            </a:r>
-            <a:r>
-              <a:rPr lang="en-US" altLang="zh-CN" sz="2600" kern="100" dirty="0" err="1">
-                <a:solidFill>
-                  <a:srgbClr val="000000"/>
-                </a:solidFill>
-                <a:effectLst/>
-                <a:latin typeface="Times New Roman" panose="02020603050405020304" pitchFamily="18" charset="0"/>
-                <a:ea typeface="宋体" panose="02010600030101010101" pitchFamily="2" charset="-122"/>
-                <a:cs typeface="宋体" panose="02010600030101010101" pitchFamily="2" charset="-122"/>
-              </a:rPr>
-              <a:t>FaRM</a:t>
-            </a:r>
-            <a:r>
-              <a:rPr lang="zh-CN" altLang="zh-CN" sz="2600" kern="100" dirty="0">
-                <a:solidFill>
-                  <a:srgbClr val="000000"/>
-                </a:solidFill>
-                <a:effectLst/>
-                <a:latin typeface="Times New Roman" panose="02020603050405020304" pitchFamily="18" charset="0"/>
-                <a:ea typeface="宋体" panose="02010600030101010101" pitchFamily="2" charset="-122"/>
-                <a:cs typeface="宋体" panose="02010600030101010101" pitchFamily="2" charset="-122"/>
-              </a:rPr>
-              <a:t>最初是为支持关系系统而设计的，但我们的工作也表明，对于大规模的低延迟系统，它足够普遍，可以被视为一种非常有效的编程模型。</a:t>
-            </a:r>
-            <a:endParaRPr lang="zh-CN" altLang="zh-CN" sz="2600" kern="100" dirty="0">
-              <a:effectLst/>
-              <a:latin typeface="等线" panose="02010600030101010101" pitchFamily="2" charset="-122"/>
-              <a:ea typeface="等线" panose="02010600030101010101" pitchFamily="2" charset="-122"/>
-              <a:cs typeface="Times New Roman" panose="02020603050405020304" pitchFamily="18" charset="0"/>
-            </a:endParaRPr>
-          </a:p>
-        </p:txBody>
-      </p:sp>
-    </p:spTree>
-    <p:extLst>
-      <p:ext uri="{BB962C8B-B14F-4D97-AF65-F5344CB8AC3E}">
-        <p14:creationId xmlns:p14="http://schemas.microsoft.com/office/powerpoint/2010/main" val="2708576296"/>
+        <p14:creationId xmlns:p14="http://schemas.microsoft.com/office/powerpoint/2010/main" val="3891052506"/>
       </p:ext>
     </p:extLst>
   </p:cSld>
@@ -7838,13 +4591,13 @@
         </p:nvSpPr>
         <p:spPr>
           <a:xfrm>
-            <a:off x="838200" y="1991139"/>
-            <a:ext cx="10515600" cy="2875721"/>
+            <a:off x="483268" y="1702947"/>
+            <a:ext cx="11225463" cy="4377011"/>
           </a:xfrm>
         </p:spPr>
         <p:txBody>
           <a:bodyPr>
-            <a:normAutofit/>
+            <a:normAutofit lnSpcReduction="10000"/>
           </a:bodyPr>
           <a:lstStyle/>
           <a:p>
@@ -7870,10 +4623,17 @@
                 <a:ea typeface="宋体" panose="02010600030101010101" pitchFamily="2" charset="-122"/>
                 <a:cs typeface="宋体" panose="02010600030101010101" pitchFamily="2" charset="-122"/>
               </a:rPr>
-              <a:t>是一个内存中的分布式数据库，</a:t>
-            </a:r>
-            <a:r>
-              <a:rPr lang="en-US" altLang="zh-CN" dirty="0">
+              <a:t>是一个内存中的</a:t>
+            </a:r>
+            <a:r>
+              <a:rPr lang="zh-CN" altLang="en-US" dirty="0">
+                <a:latin typeface="宋体" panose="02010600030101010101" pitchFamily="2" charset="-122"/>
+                <a:ea typeface="宋体" panose="02010600030101010101" pitchFamily="2" charset="-122"/>
+              </a:rPr>
+              <a:t>具有完全事务功能的通用的</a:t>
+            </a:r>
+            <a:r>
+              <a:rPr lang="zh-CN" altLang="zh-CN" dirty="0">
                 <a:solidFill>
                   <a:srgbClr val="000000"/>
                 </a:solidFill>
@@ -7882,10 +4642,10 @@
                 <a:ea typeface="宋体" panose="02010600030101010101" pitchFamily="2" charset="-122"/>
                 <a:cs typeface="宋体" panose="02010600030101010101" pitchFamily="2" charset="-122"/>
               </a:rPr>
-              <a:t>Bing</a:t>
-            </a:r>
-            <a:r>
-              <a:rPr lang="zh-CN" altLang="zh-CN" dirty="0">
+              <a:t>分布式</a:t>
+            </a:r>
+            <a:r>
+              <a:rPr lang="zh-CN" altLang="en-US" dirty="0">
                 <a:solidFill>
                   <a:srgbClr val="000000"/>
                 </a:solidFill>
@@ -7894,7 +4654,31 @@
                 <a:ea typeface="宋体" panose="02010600030101010101" pitchFamily="2" charset="-122"/>
                 <a:cs typeface="宋体" panose="02010600030101010101" pitchFamily="2" charset="-122"/>
               </a:rPr>
-              <a:t>搜索引擎使用它来支持对结构化数据的复杂查询。</a:t>
+              <a:t>图</a:t>
+            </a:r>
+            <a:r>
+              <a:rPr lang="zh-CN" altLang="zh-CN" dirty="0">
+                <a:solidFill>
+                  <a:srgbClr val="000000"/>
+                </a:solidFill>
+                <a:effectLst/>
+                <a:latin typeface="Times New Roman" panose="02020603050405020304" pitchFamily="18" charset="0"/>
+                <a:ea typeface="宋体" panose="02010600030101010101" pitchFamily="2" charset="-122"/>
+                <a:cs typeface="宋体" panose="02010600030101010101" pitchFamily="2" charset="-122"/>
+              </a:rPr>
+              <a:t>数据库</a:t>
+            </a:r>
+            <a:r>
+              <a:rPr lang="zh-CN" altLang="en-US" dirty="0">
+                <a:solidFill>
+                  <a:srgbClr val="000000"/>
+                </a:solidFill>
+                <a:effectLst/>
+                <a:latin typeface="Times New Roman" panose="02020603050405020304" pitchFamily="18" charset="0"/>
+                <a:ea typeface="宋体" panose="02010600030101010101" pitchFamily="2" charset="-122"/>
+                <a:cs typeface="宋体" panose="02010600030101010101" pitchFamily="2" charset="-122"/>
+              </a:rPr>
+              <a:t>。</a:t>
             </a:r>
             <a:endParaRPr lang="en-US" altLang="zh-CN" dirty="0">
               <a:solidFill>
@@ -7907,102 +4691,6 @@
             </a:endParaRPr>
           </a:p>
           <a:p>
-            <a:r>
-              <a:rPr lang="en-US" altLang="zh-CN" dirty="0">
-                <a:solidFill>
-                  <a:srgbClr val="000000"/>
-                </a:solidFill>
-                <a:effectLst/>
-                <a:latin typeface="Times New Roman" panose="02020603050405020304" pitchFamily="18" charset="0"/>
-                <a:ea typeface="宋体" panose="02010600030101010101" pitchFamily="2" charset="-122"/>
-                <a:cs typeface="宋体" panose="02010600030101010101" pitchFamily="2" charset="-122"/>
-              </a:rPr>
-              <a:t>A1</a:t>
-            </a:r>
-            <a:r>
-              <a:rPr lang="zh-CN" altLang="zh-CN" dirty="0">
-                <a:solidFill>
-                  <a:srgbClr val="000000"/>
-                </a:solidFill>
-                <a:effectLst/>
-                <a:latin typeface="Times New Roman" panose="02020603050405020304" pitchFamily="18" charset="0"/>
-                <a:ea typeface="宋体" panose="02010600030101010101" pitchFamily="2" charset="-122"/>
-                <a:cs typeface="宋体" panose="02010600030101010101" pitchFamily="2" charset="-122"/>
-              </a:rPr>
-              <a:t>的关键推动者是商品硬件中廉价的</a:t>
-            </a:r>
-            <a:r>
-              <a:rPr lang="en-US" altLang="zh-CN" dirty="0">
-                <a:solidFill>
-                  <a:srgbClr val="000000"/>
-                </a:solidFill>
-                <a:effectLst/>
-                <a:latin typeface="Times New Roman" panose="02020603050405020304" pitchFamily="18" charset="0"/>
-                <a:ea typeface="宋体" panose="02010600030101010101" pitchFamily="2" charset="-122"/>
-                <a:cs typeface="宋体" panose="02010600030101010101" pitchFamily="2" charset="-122"/>
-              </a:rPr>
-              <a:t>DRAM</a:t>
-            </a:r>
-            <a:r>
-              <a:rPr lang="zh-CN" altLang="zh-CN" dirty="0">
-                <a:solidFill>
-                  <a:srgbClr val="000000"/>
-                </a:solidFill>
-                <a:effectLst/>
-                <a:latin typeface="Times New Roman" panose="02020603050405020304" pitchFamily="18" charset="0"/>
-                <a:ea typeface="宋体" panose="02010600030101010101" pitchFamily="2" charset="-122"/>
-                <a:cs typeface="宋体" panose="02010600030101010101" pitchFamily="2" charset="-122"/>
-              </a:rPr>
-              <a:t>和高速</a:t>
-            </a:r>
-            <a:r>
-              <a:rPr lang="en-US" altLang="zh-CN" dirty="0">
-                <a:solidFill>
-                  <a:srgbClr val="000000"/>
-                </a:solidFill>
-                <a:effectLst/>
-                <a:latin typeface="Times New Roman" panose="02020603050405020304" pitchFamily="18" charset="0"/>
-                <a:ea typeface="宋体" panose="02010600030101010101" pitchFamily="2" charset="-122"/>
-                <a:cs typeface="宋体" panose="02010600030101010101" pitchFamily="2" charset="-122"/>
-              </a:rPr>
-              <a:t>RDMA(</a:t>
-            </a:r>
-            <a:r>
-              <a:rPr lang="zh-CN" altLang="zh-CN" dirty="0">
-                <a:solidFill>
-                  <a:srgbClr val="000000"/>
-                </a:solidFill>
-                <a:effectLst/>
-                <a:latin typeface="Times New Roman" panose="02020603050405020304" pitchFamily="18" charset="0"/>
-                <a:ea typeface="宋体" panose="02010600030101010101" pitchFamily="2" charset="-122"/>
-                <a:cs typeface="宋体" panose="02010600030101010101" pitchFamily="2" charset="-122"/>
-              </a:rPr>
-              <a:t>远程直接内存访问</a:t>
-            </a:r>
-            <a:r>
-              <a:rPr lang="en-US" altLang="zh-CN" dirty="0">
-                <a:solidFill>
-                  <a:srgbClr val="000000"/>
-                </a:solidFill>
-                <a:effectLst/>
-                <a:latin typeface="Times New Roman" panose="02020603050405020304" pitchFamily="18" charset="0"/>
-                <a:ea typeface="宋体" panose="02010600030101010101" pitchFamily="2" charset="-122"/>
-                <a:cs typeface="宋体" panose="02010600030101010101" pitchFamily="2" charset="-122"/>
-              </a:rPr>
-              <a:t>)</a:t>
-            </a:r>
-            <a:r>
-              <a:rPr lang="zh-CN" altLang="zh-CN" dirty="0">
-                <a:solidFill>
-                  <a:srgbClr val="000000"/>
-                </a:solidFill>
-                <a:effectLst/>
-                <a:latin typeface="Times New Roman" panose="02020603050405020304" pitchFamily="18" charset="0"/>
-                <a:ea typeface="宋体" panose="02010600030101010101" pitchFamily="2" charset="-122"/>
-                <a:cs typeface="宋体" panose="02010600030101010101" pitchFamily="2" charset="-122"/>
-              </a:rPr>
-              <a:t>网络的可用性。</a:t>
-            </a:r>
             <a:endParaRPr lang="en-US" altLang="zh-CN" dirty="0">
               <a:solidFill>
                 <a:srgbClr val="000000"/>
@@ -8036,10 +4724,21 @@
                 <a:ea typeface="宋体" panose="02010600030101010101" pitchFamily="2" charset="-122"/>
                 <a:cs typeface="宋体" panose="02010600030101010101" pitchFamily="2" charset="-122"/>
               </a:rPr>
-              <a:t>使用</a:t>
-            </a:r>
-            <a:r>
-              <a:rPr lang="en-US" altLang="zh-CN" dirty="0" err="1">
+              <a:t>的</a:t>
+            </a:r>
+            <a:r>
+              <a:rPr lang="zh-CN" altLang="en-US" dirty="0">
+                <a:solidFill>
+                  <a:srgbClr val="000000"/>
+                </a:solidFill>
+                <a:latin typeface="Times New Roman" panose="02020603050405020304" pitchFamily="18" charset="0"/>
+                <a:ea typeface="宋体" panose="02010600030101010101" pitchFamily="2" charset="-122"/>
+                <a:cs typeface="宋体" panose="02010600030101010101" pitchFamily="2" charset="-122"/>
+              </a:rPr>
+              <a:t>硬件支持</a:t>
+            </a:r>
+            <a:r>
+              <a:rPr lang="zh-CN" altLang="zh-CN" dirty="0">
                 <a:solidFill>
                   <a:srgbClr val="000000"/>
                 </a:solidFill>
@@ -8048,10 +4747,10 @@
                 <a:ea typeface="宋体" panose="02010600030101010101" pitchFamily="2" charset="-122"/>
                 <a:cs typeface="宋体" panose="02010600030101010101" pitchFamily="2" charset="-122"/>
               </a:rPr>
-              <a:t>FaRM</a:t>
-            </a:r>
-            <a:r>
-              <a:rPr lang="zh-CN" altLang="zh-CN" dirty="0">
+              <a:t>是廉价的</a:t>
+            </a:r>
+            <a:r>
+              <a:rPr lang="en-US" altLang="zh-CN" dirty="0">
                 <a:solidFill>
                   <a:srgbClr val="000000"/>
                 </a:solidFill>
@@ -8060,7 +4759,67 @@
                 <a:ea typeface="宋体" panose="02010600030101010101" pitchFamily="2" charset="-122"/>
                 <a:cs typeface="宋体" panose="02010600030101010101" pitchFamily="2" charset="-122"/>
               </a:rPr>
-              <a:t>作为它的底层存储层，并在上面构建图抽象和查询引擎。</a:t>
+              <a:t>DRAM</a:t>
+            </a:r>
+            <a:r>
+              <a:rPr lang="zh-CN" altLang="zh-CN" dirty="0">
+                <a:solidFill>
+                  <a:srgbClr val="000000"/>
+                </a:solidFill>
+                <a:effectLst/>
+                <a:latin typeface="Times New Roman" panose="02020603050405020304" pitchFamily="18" charset="0"/>
+                <a:ea typeface="宋体" panose="02010600030101010101" pitchFamily="2" charset="-122"/>
+                <a:cs typeface="宋体" panose="02010600030101010101" pitchFamily="2" charset="-122"/>
+              </a:rPr>
+              <a:t>和高速</a:t>
+            </a:r>
+            <a:r>
+              <a:rPr lang="en-US" altLang="zh-CN" dirty="0">
+                <a:solidFill>
+                  <a:srgbClr val="000000"/>
+                </a:solidFill>
+                <a:effectLst/>
+                <a:latin typeface="Times New Roman" panose="02020603050405020304" pitchFamily="18" charset="0"/>
+                <a:ea typeface="宋体" panose="02010600030101010101" pitchFamily="2" charset="-122"/>
+                <a:cs typeface="宋体" panose="02010600030101010101" pitchFamily="2" charset="-122"/>
+              </a:rPr>
+              <a:t>RDMA(</a:t>
+            </a:r>
+            <a:r>
+              <a:rPr lang="zh-CN" altLang="zh-CN" dirty="0">
+                <a:solidFill>
+                  <a:srgbClr val="000000"/>
+                </a:solidFill>
+                <a:effectLst/>
+                <a:latin typeface="Times New Roman" panose="02020603050405020304" pitchFamily="18" charset="0"/>
+                <a:ea typeface="宋体" panose="02010600030101010101" pitchFamily="2" charset="-122"/>
+                <a:cs typeface="宋体" panose="02010600030101010101" pitchFamily="2" charset="-122"/>
+              </a:rPr>
+              <a:t>远程直接内存访问</a:t>
+            </a:r>
+            <a:r>
+              <a:rPr lang="en-US" altLang="zh-CN" dirty="0">
+                <a:solidFill>
+                  <a:srgbClr val="000000"/>
+                </a:solidFill>
+                <a:effectLst/>
+                <a:latin typeface="Times New Roman" panose="02020603050405020304" pitchFamily="18" charset="0"/>
+                <a:ea typeface="宋体" panose="02010600030101010101" pitchFamily="2" charset="-122"/>
+                <a:cs typeface="宋体" panose="02010600030101010101" pitchFamily="2" charset="-122"/>
+              </a:rPr>
+              <a:t>)</a:t>
+            </a:r>
+            <a:r>
+              <a:rPr lang="zh-CN" altLang="zh-CN" dirty="0">
+                <a:solidFill>
+                  <a:srgbClr val="000000"/>
+                </a:solidFill>
+                <a:effectLst/>
+                <a:latin typeface="Times New Roman" panose="02020603050405020304" pitchFamily="18" charset="0"/>
+                <a:ea typeface="宋体" panose="02010600030101010101" pitchFamily="2" charset="-122"/>
+                <a:cs typeface="宋体" panose="02010600030101010101" pitchFamily="2" charset="-122"/>
+              </a:rPr>
+              <a:t>网络。</a:t>
             </a:r>
             <a:endParaRPr lang="en-US" altLang="zh-CN" dirty="0">
               <a:solidFill>
@@ -8071,6 +4830,203 @@
               <a:ea typeface="宋体" panose="02010600030101010101" pitchFamily="2" charset="-122"/>
               <a:cs typeface="宋体" panose="02010600030101010101" pitchFamily="2" charset="-122"/>
             </a:endParaRPr>
+          </a:p>
+          <a:p>
+            <a:endParaRPr lang="en-US" altLang="zh-CN" dirty="0">
+              <a:solidFill>
+                <a:srgbClr val="000000"/>
+              </a:solidFill>
+              <a:effectLst/>
+              <a:latin typeface="Times New Roman" panose="02020603050405020304" pitchFamily="18" charset="0"/>
+              <a:ea typeface="宋体" panose="02010600030101010101" pitchFamily="2" charset="-122"/>
+              <a:cs typeface="宋体" panose="02010600030101010101" pitchFamily="2" charset="-122"/>
+            </a:endParaRPr>
+          </a:p>
+          <a:p>
+            <a:r>
+              <a:rPr lang="en-US" altLang="zh-CN" dirty="0">
+                <a:solidFill>
+                  <a:srgbClr val="000000"/>
+                </a:solidFill>
+                <a:effectLst/>
+                <a:latin typeface="Times New Roman" panose="02020603050405020304" pitchFamily="18" charset="0"/>
+                <a:ea typeface="宋体" panose="02010600030101010101" pitchFamily="2" charset="-122"/>
+                <a:cs typeface="宋体" panose="02010600030101010101" pitchFamily="2" charset="-122"/>
+              </a:rPr>
+              <a:t>A1</a:t>
+            </a:r>
+            <a:r>
+              <a:rPr lang="zh-CN" altLang="zh-CN" dirty="0">
+                <a:solidFill>
+                  <a:srgbClr val="000000"/>
+                </a:solidFill>
+                <a:effectLst/>
+                <a:latin typeface="Times New Roman" panose="02020603050405020304" pitchFamily="18" charset="0"/>
+                <a:ea typeface="宋体" panose="02010600030101010101" pitchFamily="2" charset="-122"/>
+                <a:cs typeface="宋体" panose="02010600030101010101" pitchFamily="2" charset="-122"/>
+              </a:rPr>
+              <a:t>使用</a:t>
+            </a:r>
+            <a:r>
+              <a:rPr lang="en-US" altLang="zh-CN" dirty="0">
+                <a:solidFill>
+                  <a:srgbClr val="000000"/>
+                </a:solidFill>
+                <a:effectLst/>
+                <a:latin typeface="Times New Roman" panose="02020603050405020304" pitchFamily="18" charset="0"/>
+                <a:ea typeface="宋体" panose="02010600030101010101" pitchFamily="2" charset="-122"/>
+                <a:cs typeface="宋体" panose="02010600030101010101" pitchFamily="2" charset="-122"/>
+              </a:rPr>
+              <a:t>FaRM</a:t>
+            </a:r>
+            <a:r>
+              <a:rPr lang="zh-CN" altLang="zh-CN" dirty="0">
+                <a:solidFill>
+                  <a:srgbClr val="000000"/>
+                </a:solidFill>
+                <a:effectLst/>
+                <a:latin typeface="Times New Roman" panose="02020603050405020304" pitchFamily="18" charset="0"/>
+                <a:ea typeface="宋体" panose="02010600030101010101" pitchFamily="2" charset="-122"/>
+                <a:cs typeface="宋体" panose="02010600030101010101" pitchFamily="2" charset="-122"/>
+              </a:rPr>
+              <a:t>作为它的底层存储层，并在上面构建图抽象和查询引擎</a:t>
+            </a:r>
+            <a:r>
+              <a:rPr lang="zh-CN" altLang="en-US" dirty="0">
+                <a:solidFill>
+                  <a:srgbClr val="000000"/>
+                </a:solidFill>
+                <a:effectLst/>
+                <a:latin typeface="Times New Roman" panose="02020603050405020304" pitchFamily="18" charset="0"/>
+                <a:ea typeface="宋体" panose="02010600030101010101" pitchFamily="2" charset="-122"/>
+                <a:cs typeface="宋体" panose="02010600030101010101" pitchFamily="2" charset="-122"/>
+              </a:rPr>
+              <a:t>。</a:t>
+            </a:r>
+            <a:endParaRPr lang="en-US" altLang="zh-CN" dirty="0">
+              <a:solidFill>
+                <a:srgbClr val="000000"/>
+              </a:solidFill>
+              <a:effectLst/>
+              <a:latin typeface="Times New Roman" panose="02020603050405020304" pitchFamily="18" charset="0"/>
+              <a:ea typeface="宋体" panose="02010600030101010101" pitchFamily="2" charset="-122"/>
+              <a:cs typeface="宋体" panose="02010600030101010101" pitchFamily="2" charset="-122"/>
+            </a:endParaRPr>
+          </a:p>
+          <a:p>
+            <a:endParaRPr lang="en-US" altLang="zh-CN" dirty="0">
+              <a:solidFill>
+                <a:srgbClr val="000000"/>
+              </a:solidFill>
+              <a:latin typeface="Times New Roman" panose="02020603050405020304" pitchFamily="18" charset="0"/>
+              <a:ea typeface="宋体" panose="02010600030101010101" pitchFamily="2" charset="-122"/>
+              <a:cs typeface="宋体" panose="02010600030101010101" pitchFamily="2" charset="-122"/>
+            </a:endParaRPr>
+          </a:p>
+          <a:p>
+            <a:r>
+              <a:rPr lang="en-US" altLang="zh-CN" dirty="0">
+                <a:latin typeface="宋体" panose="02010600030101010101" pitchFamily="2" charset="-122"/>
+                <a:ea typeface="宋体" panose="02010600030101010101" pitchFamily="2" charset="-122"/>
+              </a:rPr>
+              <a:t>A1</a:t>
+            </a:r>
+            <a:r>
+              <a:rPr lang="zh-CN" altLang="en-US" dirty="0">
+                <a:latin typeface="宋体" panose="02010600030101010101" pitchFamily="2" charset="-122"/>
+                <a:ea typeface="宋体" panose="02010600030101010101" pitchFamily="2" charset="-122"/>
+              </a:rPr>
+              <a:t>有专属的查询语言</a:t>
+            </a:r>
+            <a:r>
+              <a:rPr lang="en-US" altLang="zh-CN" dirty="0">
+                <a:latin typeface="宋体" panose="02010600030101010101" pitchFamily="2" charset="-122"/>
+                <a:ea typeface="宋体" panose="02010600030101010101" pitchFamily="2" charset="-122"/>
+              </a:rPr>
+              <a:t>A1QL</a:t>
+            </a:r>
+            <a:r>
+              <a:rPr lang="zh-CN" altLang="en-US" dirty="0">
+                <a:latin typeface="宋体" panose="02010600030101010101" pitchFamily="2" charset="-122"/>
+                <a:ea typeface="宋体" panose="02010600030101010101" pitchFamily="2" charset="-122"/>
+              </a:rPr>
+              <a:t>，将查询转移到数据库中而非应用程序中。</a:t>
+            </a:r>
+            <a:endParaRPr lang="en-US" altLang="zh-CN" dirty="0">
+              <a:latin typeface="宋体" panose="02010600030101010101" pitchFamily="2" charset="-122"/>
+              <a:ea typeface="宋体" panose="02010600030101010101" pitchFamily="2" charset="-122"/>
+            </a:endParaRPr>
+          </a:p>
+          <a:p>
+            <a:endParaRPr lang="en-US" altLang="zh-CN" dirty="0">
+              <a:latin typeface="宋体" panose="02010600030101010101" pitchFamily="2" charset="-122"/>
+              <a:ea typeface="宋体" panose="02010600030101010101" pitchFamily="2" charset="-122"/>
+            </a:endParaRPr>
+          </a:p>
+          <a:p>
+            <a:r>
+              <a:rPr lang="en-US" altLang="zh-CN" dirty="0">
+                <a:latin typeface="宋体" panose="02010600030101010101" pitchFamily="2" charset="-122"/>
+                <a:ea typeface="宋体" panose="02010600030101010101" pitchFamily="2" charset="-122"/>
+              </a:rPr>
+              <a:t>A1</a:t>
+            </a:r>
+            <a:r>
+              <a:rPr lang="zh-CN" altLang="en-US" dirty="0">
+                <a:latin typeface="宋体" panose="02010600030101010101" pitchFamily="2" charset="-122"/>
+                <a:ea typeface="宋体" panose="02010600030101010101" pitchFamily="2" charset="-122"/>
+              </a:rPr>
+              <a:t>是延迟优化数据库，系统可用性通过延迟来衡量。</a:t>
+            </a:r>
+            <a:endParaRPr lang="en-US" altLang="zh-CN" dirty="0">
+              <a:latin typeface="宋体" panose="02010600030101010101" pitchFamily="2" charset="-122"/>
+              <a:ea typeface="宋体" panose="02010600030101010101" pitchFamily="2" charset="-122"/>
+            </a:endParaRPr>
+          </a:p>
+        </p:txBody>
+      </p:sp>
+      <p:sp>
+        <p:nvSpPr>
+          <p:cNvPr id="2" name="文本框 1">
+            <a:extLst>
+              <a:ext uri="{FF2B5EF4-FFF2-40B4-BE49-F238E27FC236}">
+                <a16:creationId xmlns:a16="http://schemas.microsoft.com/office/drawing/2014/main" id="{848DF9E6-E49F-4344-8A45-21BC11D62702}"/>
+              </a:ext>
+            </a:extLst>
+          </p:cNvPr>
+          <p:cNvSpPr txBox="1"/>
+          <p:nvPr/>
+        </p:nvSpPr>
+        <p:spPr>
+          <a:xfrm>
+            <a:off x="483268" y="224589"/>
+            <a:ext cx="2308058" cy="830997"/>
+          </a:xfrm>
+          <a:prstGeom prst="rect">
+            <a:avLst/>
+          </a:prstGeom>
+          <a:noFill/>
+        </p:spPr>
+        <p:txBody>
+          <a:bodyPr wrap="square" rtlCol="0">
+            <a:spAutoFit/>
+          </a:bodyPr>
+          <a:lstStyle/>
+          <a:p>
+            <a:r>
+              <a:rPr lang="en-US" altLang="zh-CN" sz="4800" dirty="0">
+                <a:latin typeface="宋体" panose="02010600030101010101" pitchFamily="2" charset="-122"/>
+                <a:ea typeface="宋体" panose="02010600030101010101" pitchFamily="2" charset="-122"/>
+              </a:rPr>
+              <a:t>A1</a:t>
+            </a:r>
+            <a:r>
+              <a:rPr lang="zh-CN" altLang="en-US" sz="4800" dirty="0">
+                <a:latin typeface="宋体" panose="02010600030101010101" pitchFamily="2" charset="-122"/>
+                <a:ea typeface="宋体" panose="02010600030101010101" pitchFamily="2" charset="-122"/>
+              </a:rPr>
+              <a:t>简介</a:t>
+            </a:r>
           </a:p>
         </p:txBody>
       </p:sp>
@@ -8104,54 +5060,87 @@
           <a:chExt cx="0" cy="0"/>
         </a:xfrm>
       </p:grpSpPr>
-      <p:sp>
-        <p:nvSpPr>
-          <p:cNvPr id="3" name="内容占位符 2">
-            <a:extLst>
-              <a:ext uri="{FF2B5EF4-FFF2-40B4-BE49-F238E27FC236}">
-                <a16:creationId xmlns:a16="http://schemas.microsoft.com/office/drawing/2014/main" id="{813BAE20-6ACB-436F-B640-80CC925C5863}"/>
-              </a:ext>
-            </a:extLst>
-          </p:cNvPr>
-          <p:cNvSpPr>
-            <a:spLocks noGrp="1"/>
-          </p:cNvSpPr>
+      <p:pic>
+        <p:nvPicPr>
+          <p:cNvPr id="4" name="内容占位符 3">
+            <a:extLst>
+              <a:ext uri="{FF2B5EF4-FFF2-40B4-BE49-F238E27FC236}">
+                <a16:creationId xmlns:a16="http://schemas.microsoft.com/office/drawing/2014/main" id="{C26393FD-9050-4A80-B31B-1255C7383EA0}"/>
+              </a:ext>
+            </a:extLst>
+          </p:cNvPr>
+          <p:cNvPicPr>
+            <a:picLocks noGrp="1" noChangeAspect="1"/>
+          </p:cNvPicPr>
           <p:nvPr>
             <p:ph idx="1"/>
           </p:nvPr>
-        </p:nvSpPr>
+        </p:nvPicPr>
+        <p:blipFill>
+          <a:blip r:embed="rId2"/>
+          <a:stretch>
+            <a:fillRect/>
+          </a:stretch>
+        </p:blipFill>
         <p:spPr>
           <a:xfrm>
-            <a:off x="838200" y="2627312"/>
-            <a:ext cx="10515600" cy="1603375"/>
+            <a:off x="3946358" y="224589"/>
+            <a:ext cx="5114425" cy="5835135"/>
           </a:xfrm>
+          <a:prstGeom prst="rect">
+            <a:avLst/>
+          </a:prstGeom>
         </p:spPr>
-        <p:txBody>
-          <a:bodyPr/>
-          <a:lstStyle/>
-          <a:p>
-            <a:r>
-              <a:rPr lang="zh-CN" altLang="en-US" dirty="0"/>
-              <a:t>高效查询结构化数据，处理大规模数据且保持良好性能和低延迟</a:t>
-            </a:r>
-            <a:endParaRPr lang="en-US" altLang="zh-CN" dirty="0"/>
-          </a:p>
-          <a:p>
-            <a:endParaRPr lang="en-US" altLang="zh-CN" dirty="0"/>
-          </a:p>
-          <a:p>
-            <a:r>
-              <a:rPr lang="zh-CN" altLang="en-US" dirty="0"/>
-              <a:t>解决低延迟服务的方法是采用两层逻辑：持久化层和内存缓存层</a:t>
-            </a:r>
-            <a:endParaRPr lang="en-US" altLang="zh-CN" dirty="0"/>
+      </p:pic>
+      <p:sp>
+        <p:nvSpPr>
+          <p:cNvPr id="7" name="文本框 6">
+            <a:extLst>
+              <a:ext uri="{FF2B5EF4-FFF2-40B4-BE49-F238E27FC236}">
+                <a16:creationId xmlns:a16="http://schemas.microsoft.com/office/drawing/2014/main" id="{6EA36FC9-2023-4EBD-B8F4-96DE496D1BF0}"/>
+              </a:ext>
+            </a:extLst>
+          </p:cNvPr>
+          <p:cNvSpPr txBox="1"/>
+          <p:nvPr/>
+        </p:nvSpPr>
+        <p:spPr>
+          <a:xfrm>
+            <a:off x="483268" y="224589"/>
+            <a:ext cx="3463090" cy="830997"/>
+          </a:xfrm>
+          <a:prstGeom prst="rect">
+            <a:avLst/>
+          </a:prstGeom>
+          <a:noFill/>
+        </p:spPr>
+        <p:txBody>
+          <a:bodyPr wrap="square" rtlCol="0">
+            <a:spAutoFit/>
+          </a:bodyPr>
+          <a:lstStyle/>
+          <a:p>
+            <a:r>
+              <a:rPr lang="en-US" altLang="zh-CN" sz="4800" dirty="0">
+                <a:latin typeface="宋体" panose="02010600030101010101" pitchFamily="2" charset="-122"/>
+                <a:ea typeface="宋体" panose="02010600030101010101" pitchFamily="2" charset="-122"/>
+              </a:rPr>
+              <a:t>A1</a:t>
+            </a:r>
+            <a:r>
+              <a:rPr lang="zh-CN" altLang="en-US" sz="4800" dirty="0">
+                <a:latin typeface="宋体" panose="02010600030101010101" pitchFamily="2" charset="-122"/>
+                <a:ea typeface="宋体" panose="02010600030101010101" pitchFamily="2" charset="-122"/>
+              </a:rPr>
+              <a:t>系统架构</a:t>
+            </a:r>
           </a:p>
         </p:txBody>
       </p:sp>
     </p:spTree>
     <p:extLst>
       <p:ext uri="{BB962C8B-B14F-4D97-AF65-F5344CB8AC3E}">
-        <p14:creationId xmlns:p14="http://schemas.microsoft.com/office/powerpoint/2010/main" val="1939076555"/>
+        <p14:creationId xmlns:p14="http://schemas.microsoft.com/office/powerpoint/2010/main" val="3129281175"/>
       </p:ext>
     </p:extLst>
   </p:cSld>
@@ -8183,7 +5172,7 @@
           <p:cNvPr id="3" name="内容占位符 2">
             <a:extLst>
               <a:ext uri="{FF2B5EF4-FFF2-40B4-BE49-F238E27FC236}">
-                <a16:creationId xmlns:a16="http://schemas.microsoft.com/office/drawing/2014/main" id="{D463E5D3-E055-4186-AA40-788FA5D28B3B}"/>
+                <a16:creationId xmlns:a16="http://schemas.microsoft.com/office/drawing/2014/main" id="{830F665B-3D3C-465D-8E7A-A9E4B8184C35}"/>
               </a:ext>
             </a:extLst>
           </p:cNvPr>
@@ -8196,337 +5185,197 @@
         </p:nvSpPr>
         <p:spPr>
           <a:xfrm>
-            <a:off x="838200" y="714607"/>
-            <a:ext cx="10515600" cy="5428785"/>
+            <a:off x="483268" y="2035613"/>
+            <a:ext cx="10783957" cy="2786774"/>
           </a:xfrm>
         </p:spPr>
         <p:txBody>
           <a:bodyPr>
-            <a:normAutofit/>
+            <a:noAutofit/>
           </a:bodyPr>
           <a:lstStyle/>
           <a:p>
             <a:r>
-              <a:rPr lang="en-US" altLang="zh-CN" dirty="0"/>
-              <a:t>A1</a:t>
+              <a:rPr lang="en-US" altLang="zh-CN" dirty="0">
+                <a:solidFill>
+                  <a:srgbClr val="000000"/>
+                </a:solidFill>
+                <a:effectLst/>
+                <a:latin typeface="宋体" panose="02010600030101010101" pitchFamily="2" charset="-122"/>
+                <a:ea typeface="宋体" panose="02010600030101010101" pitchFamily="2" charset="-122"/>
+                <a:cs typeface="宋体" panose="02010600030101010101" pitchFamily="2" charset="-122"/>
+              </a:rPr>
+              <a:t>FaRM</a:t>
+            </a:r>
+            <a:r>
+              <a:rPr lang="zh-CN" altLang="en-US" dirty="0">
+                <a:solidFill>
+                  <a:srgbClr val="000000"/>
+                </a:solidFill>
+                <a:effectLst/>
+                <a:latin typeface="宋体" panose="02010600030101010101" pitchFamily="2" charset="-122"/>
+                <a:ea typeface="宋体" panose="02010600030101010101" pitchFamily="2" charset="-122"/>
+                <a:cs typeface="宋体" panose="02010600030101010101" pitchFamily="2" charset="-122"/>
+              </a:rPr>
+              <a:t>是一个事务型</a:t>
             </a:r>
             <a:r>
               <a:rPr lang="zh-CN" altLang="en-US" dirty="0"/>
-              <a:t>是具有完全事务功能的通用图数据库</a:t>
-            </a:r>
-            <a:endParaRPr lang="en-US" altLang="zh-CN" dirty="0"/>
-          </a:p>
-          <a:p>
-            <a:pPr marL="0" indent="0">
-              <a:buNone/>
-            </a:pPr>
-            <a:r>
-              <a:rPr lang="zh-CN" altLang="en-US" sz="1800" dirty="0">
+              <a:t>​​内存分布式计算平台</a:t>
+            </a:r>
+            <a:r>
+              <a:rPr lang="zh-CN" altLang="en-US" dirty="0">
                 <a:solidFill>
                   <a:srgbClr val="000000"/>
                 </a:solidFill>
-                <a:latin typeface="Times New Roman" panose="02020603050405020304" pitchFamily="18" charset="0"/>
-                <a:ea typeface="宋体" panose="02010600030101010101" pitchFamily="2" charset="-122"/>
-              </a:rPr>
-              <a:t>相对于</a:t>
-            </a:r>
-            <a:r>
-              <a:rPr lang="en-US" altLang="zh-CN" sz="1800" dirty="0">
-                <a:solidFill>
-                  <a:srgbClr val="000000"/>
-                </a:solidFill>
-                <a:latin typeface="Times New Roman" panose="02020603050405020304" pitchFamily="18" charset="0"/>
-                <a:ea typeface="宋体" panose="02010600030101010101" pitchFamily="2" charset="-122"/>
-              </a:rPr>
-              <a:t>Facebook TAO</a:t>
-            </a:r>
-            <a:r>
-              <a:rPr lang="zh-CN" altLang="en-US" sz="1800" dirty="0">
-                <a:solidFill>
-                  <a:srgbClr val="000000"/>
-                </a:solidFill>
-                <a:latin typeface="Times New Roman" panose="02020603050405020304" pitchFamily="18" charset="0"/>
-                <a:ea typeface="宋体" panose="02010600030101010101" pitchFamily="2" charset="-122"/>
-              </a:rPr>
-              <a:t>开发人员不必担心原子性、一致性和并发控制。</a:t>
-            </a:r>
-            <a:endParaRPr lang="en-US" altLang="zh-CN" sz="1800" dirty="0">
-              <a:solidFill>
-                <a:srgbClr val="000000"/>
-              </a:solidFill>
-              <a:latin typeface="Times New Roman" panose="02020603050405020304" pitchFamily="18" charset="0"/>
-              <a:ea typeface="宋体" panose="02010600030101010101" pitchFamily="2" charset="-122"/>
-            </a:endParaRPr>
-          </a:p>
-          <a:p>
-            <a:pPr marL="0" indent="0">
-              <a:buNone/>
-            </a:pPr>
-            <a:endParaRPr lang="en-US" altLang="zh-CN" sz="1800" dirty="0">
-              <a:solidFill>
-                <a:srgbClr val="000000"/>
-              </a:solidFill>
-              <a:latin typeface="Times New Roman" panose="02020603050405020304" pitchFamily="18" charset="0"/>
-              <a:ea typeface="宋体" panose="02010600030101010101" pitchFamily="2" charset="-122"/>
-            </a:endParaRPr>
-          </a:p>
-          <a:p>
-            <a:r>
-              <a:rPr lang="zh-CN" altLang="en-US" dirty="0"/>
-              <a:t>有专属的查询语言</a:t>
-            </a:r>
-            <a:r>
-              <a:rPr lang="en-US" altLang="zh-CN" dirty="0"/>
-              <a:t>A1QL</a:t>
-            </a:r>
-            <a:r>
-              <a:rPr lang="zh-CN" altLang="en-US" dirty="0"/>
-              <a:t>，将查询转移到数据库中而非应用程序中</a:t>
-            </a:r>
-            <a:endParaRPr lang="en-US" altLang="zh-CN" dirty="0"/>
-          </a:p>
-          <a:p>
-            <a:r>
-              <a:rPr lang="zh-CN" altLang="zh-CN" sz="1800" dirty="0">
-                <a:solidFill>
-                  <a:srgbClr val="000000"/>
-                </a:solidFill>
                 <a:effectLst/>
-                <a:latin typeface="Times New Roman" panose="02020603050405020304" pitchFamily="18" charset="0"/>
+                <a:latin typeface="宋体" panose="02010600030101010101" pitchFamily="2" charset="-122"/>
                 <a:ea typeface="宋体" panose="02010600030101010101" pitchFamily="2" charset="-122"/>
                 <a:cs typeface="宋体" panose="02010600030101010101" pitchFamily="2" charset="-122"/>
               </a:rPr>
-              <a:t>查询语言专注于核心功能</a:t>
-            </a:r>
-            <a:r>
-              <a:rPr lang="zh-CN" altLang="en-US" sz="1800" dirty="0">
-                <a:solidFill>
-                  <a:srgbClr val="000000"/>
-                </a:solidFill>
-                <a:effectLst/>
-                <a:latin typeface="Times New Roman" panose="02020603050405020304" pitchFamily="18" charset="0"/>
-                <a:ea typeface="宋体" panose="02010600030101010101" pitchFamily="2" charset="-122"/>
-                <a:cs typeface="宋体" panose="02010600030101010101" pitchFamily="2" charset="-122"/>
-              </a:rPr>
-              <a:t>；</a:t>
-            </a:r>
-            <a:r>
-              <a:rPr lang="zh-CN" altLang="zh-CN" sz="1800" dirty="0">
-                <a:solidFill>
-                  <a:srgbClr val="000000"/>
-                </a:solidFill>
-                <a:effectLst/>
-                <a:latin typeface="Times New Roman" panose="02020603050405020304" pitchFamily="18" charset="0"/>
-                <a:ea typeface="宋体" panose="02010600030101010101" pitchFamily="2" charset="-122"/>
-                <a:cs typeface="宋体" panose="02010600030101010101" pitchFamily="2" charset="-122"/>
-              </a:rPr>
-              <a:t>支持的原语足够通用，使得多个应用程序类可以毫不费力地开始使用</a:t>
-            </a:r>
-            <a:r>
-              <a:rPr lang="en-US" altLang="zh-CN" sz="1800" dirty="0">
-                <a:solidFill>
-                  <a:srgbClr val="000000"/>
-                </a:solidFill>
-                <a:effectLst/>
-                <a:latin typeface="Times New Roman" panose="02020603050405020304" pitchFamily="18" charset="0"/>
-                <a:ea typeface="宋体" panose="02010600030101010101" pitchFamily="2" charset="-122"/>
-                <a:cs typeface="宋体" panose="02010600030101010101" pitchFamily="2" charset="-122"/>
-              </a:rPr>
-              <a:t>A1</a:t>
-            </a:r>
-            <a:r>
-              <a:rPr lang="zh-CN" altLang="zh-CN" sz="1800" dirty="0">
-                <a:solidFill>
-                  <a:srgbClr val="000000"/>
-                </a:solidFill>
-                <a:effectLst/>
-                <a:latin typeface="Times New Roman" panose="02020603050405020304" pitchFamily="18" charset="0"/>
-                <a:ea typeface="宋体" panose="02010600030101010101" pitchFamily="2" charset="-122"/>
-                <a:cs typeface="宋体" panose="02010600030101010101" pitchFamily="2" charset="-122"/>
-              </a:rPr>
               <a:t>。</a:t>
             </a:r>
-            <a:endParaRPr lang="en-US" altLang="zh-CN" sz="1800" dirty="0">
+            <a:endParaRPr lang="en-US" altLang="zh-CN" dirty="0">
               <a:solidFill>
                 <a:srgbClr val="000000"/>
               </a:solidFill>
               <a:effectLst/>
-              <a:latin typeface="Times New Roman" panose="02020603050405020304" pitchFamily="18" charset="0"/>
+              <a:latin typeface="宋体" panose="02010600030101010101" pitchFamily="2" charset="-122"/>
               <a:ea typeface="宋体" panose="02010600030101010101" pitchFamily="2" charset="-122"/>
               <a:cs typeface="宋体" panose="02010600030101010101" pitchFamily="2" charset="-122"/>
             </a:endParaRPr>
           </a:p>
           <a:p>
-            <a:endParaRPr lang="en-US" altLang="zh-CN" dirty="0"/>
-          </a:p>
-          <a:p>
-            <a:r>
-              <a:rPr lang="zh-CN" altLang="en-US" dirty="0"/>
-              <a:t>延迟优化数据库，系统可用性通过延迟来衡量</a:t>
-            </a:r>
-            <a:endParaRPr lang="en-US" altLang="zh-CN" dirty="0"/>
+            <a:endParaRPr lang="en-US" altLang="zh-CN" dirty="0">
+              <a:solidFill>
+                <a:srgbClr val="000000"/>
+              </a:solidFill>
+              <a:latin typeface="宋体" panose="02010600030101010101" pitchFamily="2" charset="-122"/>
+              <a:ea typeface="宋体" panose="02010600030101010101" pitchFamily="2" charset="-122"/>
+              <a:cs typeface="宋体" panose="02010600030101010101" pitchFamily="2" charset="-122"/>
+            </a:endParaRPr>
+          </a:p>
+          <a:p>
+            <a:r>
+              <a:rPr lang="zh-CN" altLang="en-US" dirty="0">
+                <a:solidFill>
+                  <a:srgbClr val="000000"/>
+                </a:solidFill>
+                <a:effectLst/>
+                <a:latin typeface="宋体" panose="02010600030101010101" pitchFamily="2" charset="-122"/>
+                <a:ea typeface="宋体" panose="02010600030101010101" pitchFamily="2" charset="-122"/>
+                <a:cs typeface="宋体" panose="02010600030101010101" pitchFamily="2" charset="-122"/>
+              </a:rPr>
+              <a:t>提供低延迟和高吞吐量的读写。</a:t>
+            </a:r>
+            <a:endParaRPr lang="en-US" altLang="zh-CN" dirty="0">
+              <a:solidFill>
+                <a:srgbClr val="000000"/>
+              </a:solidFill>
+              <a:effectLst/>
+              <a:latin typeface="宋体" panose="02010600030101010101" pitchFamily="2" charset="-122"/>
+              <a:ea typeface="宋体" panose="02010600030101010101" pitchFamily="2" charset="-122"/>
+              <a:cs typeface="宋体" panose="02010600030101010101" pitchFamily="2" charset="-122"/>
+            </a:endParaRPr>
           </a:p>
           <a:p>
             <a:pPr marL="0" indent="0">
               <a:buNone/>
             </a:pPr>
-            <a:r>
-              <a:rPr lang="zh-CN" altLang="zh-CN" sz="1800" dirty="0">
+            <a:endParaRPr lang="en-US" altLang="zh-CN" dirty="0">
+              <a:solidFill>
+                <a:srgbClr val="000000"/>
+              </a:solidFill>
+              <a:latin typeface="宋体" panose="02010600030101010101" pitchFamily="2" charset="-122"/>
+              <a:ea typeface="宋体" panose="02010600030101010101" pitchFamily="2" charset="-122"/>
+            </a:endParaRPr>
+          </a:p>
+          <a:p>
+            <a:pPr algn="just"/>
+            <a:r>
+              <a:rPr lang="zh-CN" altLang="en-US" kern="100" dirty="0">
                 <a:solidFill>
                   <a:srgbClr val="000000"/>
                 </a:solidFill>
                 <a:effectLst/>
-                <a:latin typeface="Times New Roman" panose="02020603050405020304" pitchFamily="18" charset="0"/>
+                <a:latin typeface="宋体" panose="02010600030101010101" pitchFamily="2" charset="-122"/>
                 <a:ea typeface="宋体" panose="02010600030101010101" pitchFamily="2" charset="-122"/>
                 <a:cs typeface="宋体" panose="02010600030101010101" pitchFamily="2" charset="-122"/>
               </a:rPr>
-              <a:t>如果一个系统的</a:t>
-            </a:r>
-            <a:r>
-              <a:rPr lang="zh-CN" altLang="en-US" sz="1800" dirty="0">
+              <a:t>由单一主节点</a:t>
+            </a:r>
+            <a:r>
+              <a:rPr lang="zh-CN" altLang="en-US" kern="100" dirty="0">
                 <a:solidFill>
                   <a:srgbClr val="000000"/>
                 </a:solidFill>
-                <a:effectLst/>
-                <a:latin typeface="Times New Roman" panose="02020603050405020304" pitchFamily="18" charset="0"/>
+                <a:latin typeface="宋体" panose="02010600030101010101" pitchFamily="2" charset="-122"/>
                 <a:ea typeface="宋体" panose="02010600030101010101" pitchFamily="2" charset="-122"/>
                 <a:cs typeface="宋体" panose="02010600030101010101" pitchFamily="2" charset="-122"/>
               </a:rPr>
-              <a:t>查询有</a:t>
-            </a:r>
-            <a:r>
-              <a:rPr lang="en-US" altLang="zh-CN" sz="1800" dirty="0">
-                <a:solidFill>
-                  <a:srgbClr val="000000"/>
-                </a:solidFill>
-                <a:effectLst/>
-                <a:latin typeface="Times New Roman" panose="02020603050405020304" pitchFamily="18" charset="0"/>
-                <a:ea typeface="宋体" panose="02010600030101010101" pitchFamily="2" charset="-122"/>
-                <a:cs typeface="宋体" panose="02010600030101010101" pitchFamily="2" charset="-122"/>
-              </a:rPr>
-              <a:t>80</a:t>
-            </a:r>
-            <a:r>
-              <a:rPr lang="en-US" altLang="zh-CN" sz="1800" dirty="0">
-                <a:solidFill>
-                  <a:srgbClr val="000000"/>
-                </a:solidFill>
-                <a:latin typeface="Times New Roman" panose="02020603050405020304" pitchFamily="18" charset="0"/>
-                <a:ea typeface="宋体" panose="02010600030101010101" pitchFamily="2" charset="-122"/>
-                <a:cs typeface="宋体" panose="02010600030101010101" pitchFamily="2" charset="-122"/>
-              </a:rPr>
-              <a:t>%</a:t>
-            </a:r>
-            <a:r>
-              <a:rPr lang="zh-CN" altLang="zh-CN" sz="1800" dirty="0">
-                <a:solidFill>
-                  <a:srgbClr val="000000"/>
-                </a:solidFill>
-                <a:effectLst/>
-                <a:latin typeface="Times New Roman" panose="02020603050405020304" pitchFamily="18" charset="0"/>
-                <a:ea typeface="宋体" panose="02010600030101010101" pitchFamily="2" charset="-122"/>
-                <a:cs typeface="宋体" panose="02010600030101010101" pitchFamily="2" charset="-122"/>
-              </a:rPr>
-              <a:t>延迟是</a:t>
-            </a:r>
-            <a:r>
-              <a:rPr lang="zh-CN" altLang="en-US" sz="1800" dirty="0">
-                <a:solidFill>
-                  <a:srgbClr val="000000"/>
-                </a:solidFill>
-                <a:latin typeface="Times New Roman" panose="02020603050405020304" pitchFamily="18" charset="0"/>
-                <a:ea typeface="宋体" panose="02010600030101010101" pitchFamily="2" charset="-122"/>
-                <a:cs typeface="宋体" panose="02010600030101010101" pitchFamily="2" charset="-122"/>
-              </a:rPr>
-              <a:t>高于延迟预算</a:t>
-            </a:r>
-            <a:r>
-              <a:rPr lang="zh-CN" altLang="zh-CN" sz="1800" dirty="0">
-                <a:solidFill>
-                  <a:srgbClr val="000000"/>
-                </a:solidFill>
-                <a:effectLst/>
-                <a:latin typeface="Times New Roman" panose="02020603050405020304" pitchFamily="18" charset="0"/>
-                <a:ea typeface="宋体" panose="02010600030101010101" pitchFamily="2" charset="-122"/>
-                <a:cs typeface="宋体" panose="02010600030101010101" pitchFamily="2" charset="-122"/>
-              </a:rPr>
-              <a:t>，那么系统的有效可用性只有</a:t>
-            </a:r>
-            <a:r>
-              <a:rPr lang="en-US" altLang="zh-CN" sz="1800" dirty="0">
-                <a:solidFill>
-                  <a:srgbClr val="000000"/>
-                </a:solidFill>
-                <a:effectLst/>
-                <a:latin typeface="Times New Roman" panose="02020603050405020304" pitchFamily="18" charset="0"/>
-                <a:ea typeface="宋体" panose="02010600030101010101" pitchFamily="2" charset="-122"/>
-                <a:cs typeface="宋体" panose="02010600030101010101" pitchFamily="2" charset="-122"/>
-              </a:rPr>
-              <a:t>80%</a:t>
-            </a:r>
-          </a:p>
-          <a:p>
-            <a:endParaRPr lang="en-US" altLang="zh-CN" dirty="0"/>
-          </a:p>
-          <a:p>
-            <a:r>
-              <a:rPr lang="zh-CN" altLang="en-US" dirty="0"/>
-              <a:t>便宜的</a:t>
-            </a:r>
-            <a:r>
-              <a:rPr lang="en-US" altLang="zh-CN" dirty="0"/>
-              <a:t>DRAM</a:t>
-            </a:r>
-            <a:r>
-              <a:rPr lang="zh-CN" altLang="en-US" dirty="0"/>
-              <a:t>和远程直接内存访问的</a:t>
-            </a:r>
-            <a:r>
-              <a:rPr lang="en-US" altLang="zh-CN" dirty="0"/>
-              <a:t>RDMA</a:t>
-            </a:r>
-            <a:r>
-              <a:rPr lang="zh-CN" altLang="en-US" dirty="0"/>
-              <a:t>快速网络是两大硬件支持</a:t>
-            </a:r>
-            <a:endParaRPr lang="en-US" altLang="zh-CN" dirty="0"/>
-          </a:p>
-          <a:p>
-            <a:pPr marL="0" indent="0">
-              <a:buNone/>
-            </a:pPr>
-            <a:r>
-              <a:rPr lang="en-US" altLang="zh-CN" sz="1800" dirty="0">
-                <a:solidFill>
-                  <a:srgbClr val="000000"/>
-                </a:solidFill>
-                <a:effectLst/>
-                <a:latin typeface="Times New Roman" panose="02020603050405020304" pitchFamily="18" charset="0"/>
-                <a:ea typeface="宋体" panose="02010600030101010101" pitchFamily="2" charset="-122"/>
-                <a:cs typeface="宋体" panose="02010600030101010101" pitchFamily="2" charset="-122"/>
-              </a:rPr>
-              <a:t>200 TB</a:t>
-            </a:r>
-            <a:r>
-              <a:rPr lang="zh-CN" altLang="zh-CN" sz="1800" dirty="0">
-                <a:solidFill>
-                  <a:srgbClr val="000000"/>
-                </a:solidFill>
-                <a:effectLst/>
-                <a:latin typeface="Times New Roman" panose="02020603050405020304" pitchFamily="18" charset="0"/>
-                <a:ea typeface="宋体" panose="02010600030101010101" pitchFamily="2" charset="-122"/>
-                <a:cs typeface="宋体" panose="02010600030101010101" pitchFamily="2" charset="-122"/>
-              </a:rPr>
-              <a:t>的内存。对于大多数应用程序来说，这足以将数据保存在内存中并避免访问辅助存储。</a:t>
-            </a:r>
-            <a:endParaRPr lang="en-US" altLang="zh-CN" dirty="0"/>
+              <a:t>进行管理，多重备份。</a:t>
+            </a:r>
+            <a:endParaRPr lang="en-US" altLang="zh-CN" kern="100" dirty="0">
+              <a:solidFill>
+                <a:srgbClr val="000000"/>
+              </a:solidFill>
+              <a:effectLst/>
+              <a:latin typeface="宋体" panose="02010600030101010101" pitchFamily="2" charset="-122"/>
+              <a:ea typeface="宋体" panose="02010600030101010101" pitchFamily="2" charset="-122"/>
+              <a:cs typeface="宋体" panose="02010600030101010101" pitchFamily="2" charset="-122"/>
+            </a:endParaRPr>
+          </a:p>
+        </p:txBody>
+      </p:sp>
+      <p:sp>
+        <p:nvSpPr>
+          <p:cNvPr id="4" name="文本框 3">
+            <a:extLst>
+              <a:ext uri="{FF2B5EF4-FFF2-40B4-BE49-F238E27FC236}">
+                <a16:creationId xmlns:a16="http://schemas.microsoft.com/office/drawing/2014/main" id="{7F81184C-5F34-4880-A12F-976898616F90}"/>
+              </a:ext>
+            </a:extLst>
+          </p:cNvPr>
+          <p:cNvSpPr txBox="1"/>
+          <p:nvPr/>
+        </p:nvSpPr>
+        <p:spPr>
+          <a:xfrm>
+            <a:off x="483268" y="224589"/>
+            <a:ext cx="3463090" cy="830997"/>
+          </a:xfrm>
+          <a:prstGeom prst="rect">
+            <a:avLst/>
+          </a:prstGeom>
+          <a:noFill/>
+        </p:spPr>
+        <p:txBody>
+          <a:bodyPr wrap="square" rtlCol="0">
+            <a:spAutoFit/>
+          </a:bodyPr>
+          <a:lstStyle/>
+          <a:p>
+            <a:r>
+              <a:rPr lang="en-US" altLang="zh-CN" sz="4800" dirty="0">
+                <a:latin typeface="宋体" panose="02010600030101010101" pitchFamily="2" charset="-122"/>
+                <a:ea typeface="宋体" panose="02010600030101010101" pitchFamily="2" charset="-122"/>
+              </a:rPr>
+              <a:t>FaRM</a:t>
+            </a:r>
+            <a:r>
+              <a:rPr lang="zh-CN" altLang="en-US" sz="4800" dirty="0">
+                <a:latin typeface="宋体" panose="02010600030101010101" pitchFamily="2" charset="-122"/>
+                <a:ea typeface="宋体" panose="02010600030101010101" pitchFamily="2" charset="-122"/>
+              </a:rPr>
+              <a:t>简介</a:t>
+            </a:r>
           </a:p>
         </p:txBody>
       </p:sp>
     </p:spTree>
     <p:extLst>
       <p:ext uri="{BB962C8B-B14F-4D97-AF65-F5344CB8AC3E}">
-        <p14:creationId xmlns:p14="http://schemas.microsoft.com/office/powerpoint/2010/main" val="3186768629"/>
+        <p14:creationId xmlns:p14="http://schemas.microsoft.com/office/powerpoint/2010/main" val="2797939866"/>
       </p:ext>
     </p:extLst>
   </p:cSld>
@@ -8553,95 +5402,258 @@
           <a:chExt cx="0" cy="0"/>
         </a:xfrm>
       </p:grpSpPr>
-      <p:pic>
-        <p:nvPicPr>
-          <p:cNvPr id="4" name="内容占位符 3">
-            <a:extLst>
-              <a:ext uri="{FF2B5EF4-FFF2-40B4-BE49-F238E27FC236}">
-                <a16:creationId xmlns:a16="http://schemas.microsoft.com/office/drawing/2014/main" id="{C26393FD-9050-4A80-B31B-1255C7383EA0}"/>
-              </a:ext>
-            </a:extLst>
-          </p:cNvPr>
-          <p:cNvPicPr>
-            <a:picLocks noGrp="1" noChangeAspect="1"/>
-          </p:cNvPicPr>
+      <p:sp>
+        <p:nvSpPr>
+          <p:cNvPr id="5" name="内容占位符 4">
+            <a:extLst>
+              <a:ext uri="{FF2B5EF4-FFF2-40B4-BE49-F238E27FC236}">
+                <a16:creationId xmlns:a16="http://schemas.microsoft.com/office/drawing/2014/main" id="{C7DE68C8-0B3E-4174-8BAA-9B8B621455F9}"/>
+              </a:ext>
+            </a:extLst>
+          </p:cNvPr>
+          <p:cNvSpPr>
+            <a:spLocks noGrp="1"/>
+          </p:cNvSpPr>
           <p:nvPr>
             <p:ph idx="1"/>
           </p:nvPr>
-        </p:nvPicPr>
-        <p:blipFill>
-          <a:blip r:embed="rId2"/>
-          <a:stretch>
-            <a:fillRect/>
-          </a:stretch>
-        </p:blipFill>
+        </p:nvSpPr>
         <p:spPr>
           <a:xfrm>
-            <a:off x="3262926" y="196697"/>
-            <a:ext cx="5666148" cy="6464605"/>
+            <a:off x="483268" y="1119281"/>
+            <a:ext cx="10515600" cy="4619438"/>
           </a:xfrm>
-          <a:prstGeom prst="rect">
-            <a:avLst/>
-          </a:prstGeom>
         </p:spPr>
-      </p:pic>
-      <mc:AlternateContent xmlns:mc="http://schemas.openxmlformats.org/markup-compatibility/2006">
-        <mc:Choice xmlns:p14="http://schemas.microsoft.com/office/powerpoint/2010/main" Requires="p14">
-          <p:contentPart p14:bwMode="auto" r:id="rId3">
-            <p14:nvContentPartPr>
-              <p14:cNvPr id="5" name="墨迹 4">
-                <a:extLst>
-                  <a:ext uri="{FF2B5EF4-FFF2-40B4-BE49-F238E27FC236}">
-                    <a16:creationId xmlns:a16="http://schemas.microsoft.com/office/drawing/2014/main" id="{D1F132E3-3D85-4BAF-B8A9-17F329F2497A}"/>
-                  </a:ext>
-                </a:extLst>
-              </p14:cNvPr>
-              <p14:cNvContentPartPr/>
-              <p14:nvPr/>
-            </p14:nvContentPartPr>
-            <p14:xfrm>
-              <a:off x="8966160" y="3441600"/>
-              <a:ext cx="2102400" cy="3188160"/>
-            </p14:xfrm>
-          </p:contentPart>
-        </mc:Choice>
-        <mc:Fallback>
-          <p:pic>
-            <p:nvPicPr>
-              <p:cNvPr id="5" name="墨迹 4">
-                <a:extLst>
-                  <a:ext uri="{FF2B5EF4-FFF2-40B4-BE49-F238E27FC236}">
-                    <a16:creationId xmlns:a16="http://schemas.microsoft.com/office/drawing/2014/main" id="{D1F132E3-3D85-4BAF-B8A9-17F329F2497A}"/>
-                  </a:ext>
-                </a:extLst>
-              </p:cNvPr>
-              <p:cNvPicPr/>
-              <p:nvPr/>
-            </p:nvPicPr>
-            <p:blipFill>
-              <a:blip r:embed="rId4"/>
-              <a:stretch>
-                <a:fillRect/>
-              </a:stretch>
-            </p:blipFill>
-            <p:spPr>
-              <a:xfrm>
-                <a:off x="8956800" y="3432240"/>
-                <a:ext cx="2121120" cy="3206880"/>
-              </a:xfrm>
-              <a:prstGeom prst="rect">
-                <a:avLst/>
-              </a:prstGeom>
-            </p:spPr>
-          </p:pic>
-        </mc:Fallback>
-      </mc:AlternateContent>
-      <p:sp>
-        <p:nvSpPr>
-          <p:cNvPr id="6" name="文本框 5">
-            <a:extLst>
-              <a:ext uri="{FF2B5EF4-FFF2-40B4-BE49-F238E27FC236}">
-                <a16:creationId xmlns:a16="http://schemas.microsoft.com/office/drawing/2014/main" id="{BAC4EAF5-3557-4669-82E6-3D57BDEE99E4}"/>
+        <p:txBody>
+          <a:bodyPr>
+            <a:noAutofit/>
+          </a:bodyPr>
+          <a:lstStyle/>
+          <a:p>
+            <a:r>
+              <a:rPr lang="zh-CN" altLang="zh-CN" dirty="0">
+                <a:solidFill>
+                  <a:srgbClr val="000000"/>
+                </a:solidFill>
+                <a:effectLst/>
+                <a:latin typeface="宋体" panose="02010600030101010101" pitchFamily="2" charset="-122"/>
+                <a:ea typeface="宋体" panose="02010600030101010101" pitchFamily="2" charset="-122"/>
+                <a:cs typeface="宋体" panose="02010600030101010101" pitchFamily="2" charset="-122"/>
+              </a:rPr>
+              <a:t>指针链接数据结构</a:t>
+            </a:r>
+            <a:r>
+              <a:rPr lang="zh-CN" altLang="en-US" dirty="0">
+                <a:solidFill>
+                  <a:srgbClr val="000000"/>
+                </a:solidFill>
+                <a:effectLst/>
+                <a:latin typeface="宋体" panose="02010600030101010101" pitchFamily="2" charset="-122"/>
+                <a:ea typeface="宋体" panose="02010600030101010101" pitchFamily="2" charset="-122"/>
+                <a:cs typeface="宋体" panose="02010600030101010101" pitchFamily="2" charset="-122"/>
+              </a:rPr>
+              <a:t>优化</a:t>
+            </a:r>
+            <a:endParaRPr lang="en-US" altLang="zh-CN" dirty="0">
+              <a:solidFill>
+                <a:srgbClr val="000000"/>
+              </a:solidFill>
+              <a:effectLst/>
+              <a:latin typeface="宋体" panose="02010600030101010101" pitchFamily="2" charset="-122"/>
+              <a:ea typeface="宋体" panose="02010600030101010101" pitchFamily="2" charset="-122"/>
+              <a:cs typeface="宋体" panose="02010600030101010101" pitchFamily="2" charset="-122"/>
+            </a:endParaRPr>
+          </a:p>
+          <a:p>
+            <a:endParaRPr lang="en-US" altLang="zh-CN" dirty="0">
+              <a:solidFill>
+                <a:srgbClr val="000000"/>
+              </a:solidFill>
+              <a:effectLst/>
+              <a:latin typeface="宋体" panose="02010600030101010101" pitchFamily="2" charset="-122"/>
+              <a:ea typeface="宋体" panose="02010600030101010101" pitchFamily="2" charset="-122"/>
+              <a:cs typeface="宋体" panose="02010600030101010101" pitchFamily="2" charset="-122"/>
+            </a:endParaRPr>
+          </a:p>
+          <a:p>
+            <a:r>
+              <a:rPr lang="zh-CN" altLang="zh-CN" dirty="0">
+                <a:solidFill>
+                  <a:srgbClr val="000000"/>
+                </a:solidFill>
+                <a:effectLst/>
+                <a:latin typeface="宋体" panose="02010600030101010101" pitchFamily="2" charset="-122"/>
+                <a:ea typeface="宋体" panose="02010600030101010101" pitchFamily="2" charset="-122"/>
+                <a:cs typeface="宋体" panose="02010600030101010101" pitchFamily="2" charset="-122"/>
+              </a:rPr>
+              <a:t>内存存储</a:t>
+            </a:r>
+            <a:r>
+              <a:rPr lang="zh-CN" altLang="en-US" dirty="0">
+                <a:solidFill>
+                  <a:srgbClr val="000000"/>
+                </a:solidFill>
+                <a:effectLst/>
+                <a:latin typeface="宋体" panose="02010600030101010101" pitchFamily="2" charset="-122"/>
+                <a:ea typeface="宋体" panose="02010600030101010101" pitchFamily="2" charset="-122"/>
+                <a:cs typeface="宋体" panose="02010600030101010101" pitchFamily="2" charset="-122"/>
+              </a:rPr>
+              <a:t>优化</a:t>
+            </a:r>
+            <a:endParaRPr lang="en-US" altLang="zh-CN" dirty="0">
+              <a:solidFill>
+                <a:srgbClr val="000000"/>
+              </a:solidFill>
+              <a:effectLst/>
+              <a:latin typeface="宋体" panose="02010600030101010101" pitchFamily="2" charset="-122"/>
+              <a:ea typeface="宋体" panose="02010600030101010101" pitchFamily="2" charset="-122"/>
+              <a:cs typeface="宋体" panose="02010600030101010101" pitchFamily="2" charset="-122"/>
+            </a:endParaRPr>
+          </a:p>
+          <a:p>
+            <a:endParaRPr lang="en-US" altLang="zh-CN" dirty="0">
+              <a:solidFill>
+                <a:srgbClr val="000000"/>
+              </a:solidFill>
+              <a:effectLst/>
+              <a:latin typeface="宋体" panose="02010600030101010101" pitchFamily="2" charset="-122"/>
+              <a:ea typeface="宋体" panose="02010600030101010101" pitchFamily="2" charset="-122"/>
+              <a:cs typeface="宋体" panose="02010600030101010101" pitchFamily="2" charset="-122"/>
+            </a:endParaRPr>
+          </a:p>
+          <a:p>
+            <a:pPr algn="just"/>
+            <a:r>
+              <a:rPr lang="zh-CN" altLang="zh-CN" kern="100" dirty="0">
+                <a:solidFill>
+                  <a:srgbClr val="000000"/>
+                </a:solidFill>
+                <a:effectLst/>
+                <a:latin typeface="宋体" panose="02010600030101010101" pitchFamily="2" charset="-122"/>
+                <a:ea typeface="宋体" panose="02010600030101010101" pitchFamily="2" charset="-122"/>
+                <a:cs typeface="宋体" panose="02010600030101010101" pitchFamily="2" charset="-122"/>
+              </a:rPr>
+              <a:t>局部性</a:t>
+            </a:r>
+            <a:r>
+              <a:rPr lang="zh-CN" altLang="en-US" kern="100" dirty="0">
+                <a:solidFill>
+                  <a:srgbClr val="000000"/>
+                </a:solidFill>
+                <a:effectLst/>
+                <a:latin typeface="宋体" panose="02010600030101010101" pitchFamily="2" charset="-122"/>
+                <a:ea typeface="宋体" panose="02010600030101010101" pitchFamily="2" charset="-122"/>
+                <a:cs typeface="宋体" panose="02010600030101010101" pitchFamily="2" charset="-122"/>
+              </a:rPr>
+              <a:t>优化</a:t>
+            </a:r>
+            <a:endParaRPr lang="en-US" altLang="zh-CN" kern="100" dirty="0">
+              <a:solidFill>
+                <a:srgbClr val="000000"/>
+              </a:solidFill>
+              <a:effectLst/>
+              <a:latin typeface="宋体" panose="02010600030101010101" pitchFamily="2" charset="-122"/>
+              <a:ea typeface="宋体" panose="02010600030101010101" pitchFamily="2" charset="-122"/>
+              <a:cs typeface="宋体" panose="02010600030101010101" pitchFamily="2" charset="-122"/>
+            </a:endParaRPr>
+          </a:p>
+          <a:p>
+            <a:pPr algn="just"/>
+            <a:endParaRPr lang="zh-CN" altLang="zh-CN" kern="100" dirty="0">
+              <a:effectLst/>
+              <a:latin typeface="宋体" panose="02010600030101010101" pitchFamily="2" charset="-122"/>
+              <a:ea typeface="宋体" panose="02010600030101010101" pitchFamily="2" charset="-122"/>
+              <a:cs typeface="Times New Roman" panose="02020603050405020304" pitchFamily="18" charset="0"/>
+            </a:endParaRPr>
+          </a:p>
+          <a:p>
+            <a:pPr algn="just"/>
+            <a:r>
+              <a:rPr lang="zh-CN" altLang="zh-CN" kern="100" dirty="0">
+                <a:solidFill>
+                  <a:srgbClr val="000000"/>
+                </a:solidFill>
+                <a:effectLst/>
+                <a:latin typeface="宋体" panose="02010600030101010101" pitchFamily="2" charset="-122"/>
+                <a:ea typeface="宋体" panose="02010600030101010101" pitchFamily="2" charset="-122"/>
+                <a:cs typeface="宋体" panose="02010600030101010101" pitchFamily="2" charset="-122"/>
+              </a:rPr>
+              <a:t>并发性</a:t>
+            </a:r>
+            <a:r>
+              <a:rPr lang="zh-CN" altLang="en-US" kern="100" dirty="0">
+                <a:solidFill>
+                  <a:srgbClr val="000000"/>
+                </a:solidFill>
+                <a:effectLst/>
+                <a:latin typeface="宋体" panose="02010600030101010101" pitchFamily="2" charset="-122"/>
+                <a:ea typeface="宋体" panose="02010600030101010101" pitchFamily="2" charset="-122"/>
+                <a:cs typeface="宋体" panose="02010600030101010101" pitchFamily="2" charset="-122"/>
+              </a:rPr>
+              <a:t>优化</a:t>
+            </a:r>
+            <a:endParaRPr lang="en-US" altLang="zh-CN" kern="100" dirty="0">
+              <a:solidFill>
+                <a:srgbClr val="000000"/>
+              </a:solidFill>
+              <a:effectLst/>
+              <a:latin typeface="宋体" panose="02010600030101010101" pitchFamily="2" charset="-122"/>
+              <a:ea typeface="宋体" panose="02010600030101010101" pitchFamily="2" charset="-122"/>
+              <a:cs typeface="宋体" panose="02010600030101010101" pitchFamily="2" charset="-122"/>
+            </a:endParaRPr>
+          </a:p>
+          <a:p>
+            <a:pPr algn="just"/>
+            <a:endParaRPr lang="zh-CN" altLang="zh-CN" kern="100" dirty="0">
+              <a:effectLst/>
+              <a:latin typeface="宋体" panose="02010600030101010101" pitchFamily="2" charset="-122"/>
+              <a:ea typeface="宋体" panose="02010600030101010101" pitchFamily="2" charset="-122"/>
+              <a:cs typeface="Times New Roman" panose="02020603050405020304" pitchFamily="18" charset="0"/>
+            </a:endParaRPr>
+          </a:p>
+          <a:p>
+            <a:r>
+              <a:rPr lang="zh-CN" altLang="zh-CN" dirty="0">
+                <a:solidFill>
+                  <a:srgbClr val="000000"/>
+                </a:solidFill>
+                <a:effectLst/>
+                <a:latin typeface="宋体" panose="02010600030101010101" pitchFamily="2" charset="-122"/>
+                <a:ea typeface="宋体" panose="02010600030101010101" pitchFamily="2" charset="-122"/>
+                <a:cs typeface="宋体" panose="02010600030101010101" pitchFamily="2" charset="-122"/>
+              </a:rPr>
+              <a:t>协作多线程</a:t>
+            </a:r>
+            <a:r>
+              <a:rPr lang="zh-CN" altLang="en-US" dirty="0">
+                <a:solidFill>
+                  <a:srgbClr val="000000"/>
+                </a:solidFill>
+                <a:effectLst/>
+                <a:latin typeface="宋体" panose="02010600030101010101" pitchFamily="2" charset="-122"/>
+                <a:ea typeface="宋体" panose="02010600030101010101" pitchFamily="2" charset="-122"/>
+                <a:cs typeface="宋体" panose="02010600030101010101" pitchFamily="2" charset="-122"/>
+              </a:rPr>
+              <a:t>优化</a:t>
+            </a:r>
+            <a:endParaRPr lang="en-US" altLang="zh-CN" dirty="0">
+              <a:solidFill>
+                <a:srgbClr val="000000"/>
+              </a:solidFill>
+              <a:effectLst/>
+              <a:latin typeface="宋体" panose="02010600030101010101" pitchFamily="2" charset="-122"/>
+              <a:ea typeface="宋体" panose="02010600030101010101" pitchFamily="2" charset="-122"/>
+              <a:cs typeface="宋体" panose="02010600030101010101" pitchFamily="2" charset="-122"/>
+            </a:endParaRPr>
+          </a:p>
+        </p:txBody>
+      </p:sp>
+      <p:sp>
+        <p:nvSpPr>
+          <p:cNvPr id="3" name="文本框 2">
+            <a:extLst>
+              <a:ext uri="{FF2B5EF4-FFF2-40B4-BE49-F238E27FC236}">
+                <a16:creationId xmlns:a16="http://schemas.microsoft.com/office/drawing/2014/main" id="{A291468C-FFA5-4961-85DC-411E37333DDD}"/>
               </a:ext>
             </a:extLst>
           </p:cNvPr>
@@ -8650,8 +5662,8 @@
         </p:nvSpPr>
         <p:spPr>
           <a:xfrm>
-            <a:off x="1469744" y="318052"/>
-            <a:ext cx="677108" cy="3110948"/>
+            <a:off x="483268" y="224589"/>
+            <a:ext cx="3463090" cy="830997"/>
           </a:xfrm>
           <a:prstGeom prst="rect">
             <a:avLst/>
@@ -8659,17 +5671,24 @@
           <a:noFill/>
         </p:spPr>
         <p:txBody>
-          <a:bodyPr vert="eaVert" wrap="square" rtlCol="0">
+          <a:bodyPr wrap="square" rtlCol="0">
             <a:spAutoFit/>
           </a:bodyPr>
           <a:lstStyle/>
           <a:p>
             <a:r>
-              <a:rPr lang="zh-CN" altLang="en-US" sz="3200" dirty="0">
-                <a:latin typeface="宋体" panose="02010600030101010101" pitchFamily="2" charset="-122"/>
-                <a:ea typeface="宋体" panose="02010600030101010101" pitchFamily="2" charset="-122"/>
-              </a:rPr>
-              <a:t>系统架构</a:t>
+              <a:rPr lang="en-US" altLang="zh-CN" sz="4800" dirty="0">
+                <a:latin typeface="宋体" panose="02010600030101010101" pitchFamily="2" charset="-122"/>
+                <a:ea typeface="宋体" panose="02010600030101010101" pitchFamily="2" charset="-122"/>
+              </a:rPr>
+              <a:t>A1</a:t>
+            </a:r>
+            <a:r>
+              <a:rPr lang="zh-CN" altLang="en-US" sz="4800" dirty="0">
+                <a:latin typeface="宋体" panose="02010600030101010101" pitchFamily="2" charset="-122"/>
+                <a:ea typeface="宋体" panose="02010600030101010101" pitchFamily="2" charset="-122"/>
+              </a:rPr>
+              <a:t>设计原则</a:t>
             </a:r>
           </a:p>
         </p:txBody>
@@ -8677,7 +5696,7 @@
     </p:spTree>
     <p:extLst>
       <p:ext uri="{BB962C8B-B14F-4D97-AF65-F5344CB8AC3E}">
-        <p14:creationId xmlns:p14="http://schemas.microsoft.com/office/powerpoint/2010/main" val="3129281175"/>
+        <p14:creationId xmlns:p14="http://schemas.microsoft.com/office/powerpoint/2010/main" val="1768820770"/>
       </p:ext>
     </p:extLst>
   </p:cSld>
@@ -8709,7 +5728,7 @@
           <p:cNvPr id="3" name="内容占位符 2">
             <a:extLst>
               <a:ext uri="{FF2B5EF4-FFF2-40B4-BE49-F238E27FC236}">
-                <a16:creationId xmlns:a16="http://schemas.microsoft.com/office/drawing/2014/main" id="{830F665B-3D3C-465D-8E7A-A9E4B8184C35}"/>
+                <a16:creationId xmlns:a16="http://schemas.microsoft.com/office/drawing/2014/main" id="{803EFB58-D10D-4923-B13D-348380912515}"/>
               </a:ext>
             </a:extLst>
           </p:cNvPr>
@@ -8722,456 +5741,192 @@
         </p:nvSpPr>
         <p:spPr>
           <a:xfrm>
-            <a:off x="704021" y="1087178"/>
-            <a:ext cx="10783957" cy="4683643"/>
+            <a:off x="483268" y="1462264"/>
+            <a:ext cx="10515600" cy="3933472"/>
           </a:xfrm>
         </p:spPr>
         <p:txBody>
           <a:bodyPr>
-            <a:noAutofit/>
+            <a:normAutofit/>
           </a:bodyPr>
           <a:lstStyle/>
           <a:p>
             <a:r>
-              <a:rPr lang="en-US" altLang="zh-CN" sz="2400" dirty="0" err="1">
+              <a:rPr lang="zh-CN" altLang="en-US" kern="100" dirty="0">
                 <a:solidFill>
                   <a:srgbClr val="000000"/>
                 </a:solidFill>
                 <a:effectLst/>
-                <a:latin typeface="Times New Roman" panose="02020603050405020304" pitchFamily="18" charset="0"/>
+                <a:latin typeface="宋体" panose="02010600030101010101" pitchFamily="2" charset="-122"/>
                 <a:ea typeface="宋体" panose="02010600030101010101" pitchFamily="2" charset="-122"/>
                 <a:cs typeface="宋体" panose="02010600030101010101" pitchFamily="2" charset="-122"/>
               </a:rPr>
-              <a:t>FaRM</a:t>
-            </a:r>
-            <a:r>
-              <a:rPr lang="zh-CN" altLang="zh-CN" sz="2400" dirty="0">
+              <a:t>目录结构：</a:t>
+            </a:r>
+            <a:r>
+              <a:rPr lang="zh-CN" altLang="en-US" kern="100" dirty="0">
                 <a:solidFill>
                   <a:srgbClr val="000000"/>
                 </a:solidFill>
-                <a:effectLst/>
-                <a:latin typeface="Times New Roman" panose="02020603050405020304" pitchFamily="18" charset="0"/>
+                <a:latin typeface="宋体" panose="02010600030101010101" pitchFamily="2" charset="-122"/>
                 <a:ea typeface="宋体" panose="02010600030101010101" pitchFamily="2" charset="-122"/>
                 <a:cs typeface="宋体" panose="02010600030101010101" pitchFamily="2" charset="-122"/>
               </a:rPr>
-              <a:t>是一个事务性分布式内存存储系统</a:t>
-            </a:r>
-            <a:r>
-              <a:rPr lang="zh-CN" altLang="en-US" sz="2400" dirty="0">
-                <a:solidFill>
-                  <a:srgbClr val="000000"/>
-                </a:solidFill>
-                <a:effectLst/>
-                <a:latin typeface="Times New Roman" panose="02020603050405020304" pitchFamily="18" charset="0"/>
-                <a:ea typeface="宋体" panose="02010600030101010101" pitchFamily="2" charset="-122"/>
-                <a:cs typeface="宋体" panose="02010600030101010101" pitchFamily="2" charset="-122"/>
-              </a:rPr>
-              <a:t>。</a:t>
-            </a:r>
-            <a:endParaRPr lang="en-US" altLang="zh-CN" sz="2400" dirty="0">
+              <a:t>键值对，键表示对象，值为指向对象所有数据的指针</a:t>
+            </a:r>
+            <a:endParaRPr lang="en-US" altLang="zh-CN" kern="100" dirty="0">
               <a:solidFill>
                 <a:srgbClr val="000000"/>
               </a:solidFill>
-              <a:effectLst/>
-              <a:latin typeface="Times New Roman" panose="02020603050405020304" pitchFamily="18" charset="0"/>
+              <a:latin typeface="宋体" panose="02010600030101010101" pitchFamily="2" charset="-122"/>
               <a:ea typeface="宋体" panose="02010600030101010101" pitchFamily="2" charset="-122"/>
               <a:cs typeface="宋体" panose="02010600030101010101" pitchFamily="2" charset="-122"/>
             </a:endParaRPr>
           </a:p>
           <a:p>
-            <a:r>
-              <a:rPr lang="zh-CN" altLang="en-US" sz="2400" dirty="0">
-                <a:solidFill>
-                  <a:srgbClr val="000000"/>
-                </a:solidFill>
-                <a:effectLst/>
-                <a:latin typeface="Times New Roman" panose="02020603050405020304" pitchFamily="18" charset="0"/>
-                <a:ea typeface="宋体" panose="02010600030101010101" pitchFamily="2" charset="-122"/>
-                <a:cs typeface="宋体" panose="02010600030101010101" pitchFamily="2" charset="-122"/>
-              </a:rPr>
-              <a:t>用</a:t>
-            </a:r>
-            <a:r>
-              <a:rPr lang="zh-CN" altLang="zh-CN" sz="2400" dirty="0">
-                <a:solidFill>
-                  <a:srgbClr val="000000"/>
-                </a:solidFill>
-                <a:effectLst/>
-                <a:latin typeface="Times New Roman" panose="02020603050405020304" pitchFamily="18" charset="0"/>
-                <a:ea typeface="宋体" panose="02010600030101010101" pitchFamily="2" charset="-122"/>
-                <a:cs typeface="宋体" panose="02010600030101010101" pitchFamily="2" charset="-122"/>
-              </a:rPr>
-              <a:t>三种方式复制所有数据</a:t>
-            </a:r>
-            <a:endParaRPr lang="en-US" altLang="zh-CN" sz="2400" dirty="0">
+            <a:endParaRPr lang="en-US" altLang="zh-CN" kern="100" dirty="0">
               <a:solidFill>
                 <a:srgbClr val="000000"/>
               </a:solidFill>
-              <a:effectLst/>
-              <a:latin typeface="Times New Roman" panose="02020603050405020304" pitchFamily="18" charset="0"/>
+              <a:latin typeface="宋体" panose="02010600030101010101" pitchFamily="2" charset="-122"/>
               <a:ea typeface="宋体" panose="02010600030101010101" pitchFamily="2" charset="-122"/>
               <a:cs typeface="宋体" panose="02010600030101010101" pitchFamily="2" charset="-122"/>
             </a:endParaRPr>
           </a:p>
           <a:p>
             <a:r>
-              <a:rPr lang="zh-CN" altLang="zh-CN" sz="2400" dirty="0">
+              <a:rPr lang="zh-CN" altLang="en-US" kern="100" dirty="0">
                 <a:solidFill>
                   <a:srgbClr val="000000"/>
                 </a:solidFill>
-                <a:effectLst/>
-                <a:latin typeface="Times New Roman" panose="02020603050405020304" pitchFamily="18" charset="0"/>
+                <a:latin typeface="宋体" panose="02010600030101010101" pitchFamily="2" charset="-122"/>
                 <a:ea typeface="宋体" panose="02010600030101010101" pitchFamily="2" charset="-122"/>
                 <a:cs typeface="宋体" panose="02010600030101010101" pitchFamily="2" charset="-122"/>
               </a:rPr>
-              <a:t>提供事务性存储和通用索引结构，而</a:t>
-            </a:r>
-            <a:r>
-              <a:rPr lang="en-US" altLang="zh-CN" sz="2400" dirty="0">
-                <a:solidFill>
-                  <a:srgbClr val="000000"/>
-                </a:solidFill>
-                <a:effectLst/>
-                <a:latin typeface="Times New Roman" panose="02020603050405020304" pitchFamily="18" charset="0"/>
-                <a:ea typeface="宋体" panose="02010600030101010101" pitchFamily="2" charset="-122"/>
-                <a:cs typeface="宋体" panose="02010600030101010101" pitchFamily="2" charset="-122"/>
-              </a:rPr>
-              <a:t>A1</a:t>
-            </a:r>
-            <a:r>
-              <a:rPr lang="zh-CN" altLang="zh-CN" sz="2400" dirty="0">
-                <a:solidFill>
-                  <a:srgbClr val="000000"/>
-                </a:solidFill>
-                <a:effectLst/>
-                <a:latin typeface="Times New Roman" panose="02020603050405020304" pitchFamily="18" charset="0"/>
-                <a:ea typeface="宋体" panose="02010600030101010101" pitchFamily="2" charset="-122"/>
-                <a:cs typeface="宋体" panose="02010600030101010101" pitchFamily="2" charset="-122"/>
-              </a:rPr>
-              <a:t>的其余部分提供图数据结构和专门的图查询引擎。</a:t>
-            </a:r>
-            <a:endParaRPr lang="en-US" altLang="zh-CN" sz="2400" dirty="0">
+              <a:t>顶点和边：头对象和头数据对象，边链表对象和边数据对象</a:t>
+            </a:r>
+            <a:endParaRPr lang="en-US" altLang="zh-CN" kern="100" dirty="0">
               <a:solidFill>
                 <a:srgbClr val="000000"/>
               </a:solidFill>
-              <a:effectLst/>
-              <a:latin typeface="Times New Roman" panose="02020603050405020304" pitchFamily="18" charset="0"/>
+              <a:latin typeface="宋体" panose="02010600030101010101" pitchFamily="2" charset="-122"/>
               <a:ea typeface="宋体" panose="02010600030101010101" pitchFamily="2" charset="-122"/>
               <a:cs typeface="宋体" panose="02010600030101010101" pitchFamily="2" charset="-122"/>
             </a:endParaRPr>
           </a:p>
           <a:p>
-            <a:endParaRPr lang="en-US" altLang="zh-CN" sz="2400" dirty="0">
+            <a:endParaRPr lang="en-US" altLang="zh-CN" kern="100" dirty="0">
               <a:solidFill>
                 <a:srgbClr val="000000"/>
               </a:solidFill>
-              <a:latin typeface="Times New Roman" panose="02020603050405020304" pitchFamily="18" charset="0"/>
+              <a:latin typeface="宋体" panose="02010600030101010101" pitchFamily="2" charset="-122"/>
               <a:ea typeface="宋体" panose="02010600030101010101" pitchFamily="2" charset="-122"/>
+              <a:cs typeface="宋体" panose="02010600030101010101" pitchFamily="2" charset="-122"/>
             </a:endParaRPr>
           </a:p>
           <a:p>
-            <a:pPr algn="just"/>
-            <a:r>
-              <a:rPr lang="zh-CN" altLang="en-US" sz="2400" kern="100" dirty="0">
+            <a:r>
+              <a:rPr lang="zh-CN" altLang="en-US" kern="100" dirty="0">
                 <a:solidFill>
                   <a:srgbClr val="000000"/>
                 </a:solidFill>
-                <a:effectLst/>
-                <a:latin typeface="Times New Roman" panose="02020603050405020304" pitchFamily="18" charset="0"/>
+                <a:latin typeface="宋体" panose="02010600030101010101" pitchFamily="2" charset="-122"/>
                 <a:ea typeface="宋体" panose="02010600030101010101" pitchFamily="2" charset="-122"/>
                 <a:cs typeface="宋体" panose="02010600030101010101" pitchFamily="2" charset="-122"/>
               </a:rPr>
-              <a:t>在本机</a:t>
-            </a:r>
-            <a:r>
-              <a:rPr lang="zh-CN" altLang="zh-CN" sz="2400" kern="100" dirty="0">
+              <a:t>异步流工作：删除，低优先级</a:t>
+            </a:r>
+            <a:endParaRPr lang="en-US" altLang="zh-CN" kern="100" dirty="0">
+              <a:solidFill>
+                <a:srgbClr val="000000"/>
+              </a:solidFill>
+              <a:latin typeface="宋体" panose="02010600030101010101" pitchFamily="2" charset="-122"/>
+              <a:ea typeface="宋体" panose="02010600030101010101" pitchFamily="2" charset="-122"/>
+              <a:cs typeface="宋体" panose="02010600030101010101" pitchFamily="2" charset="-122"/>
+            </a:endParaRPr>
+          </a:p>
+          <a:p>
+            <a:endParaRPr lang="en-US" altLang="zh-CN" kern="100" dirty="0">
+              <a:solidFill>
+                <a:srgbClr val="000000"/>
+              </a:solidFill>
+              <a:latin typeface="宋体" panose="02010600030101010101" pitchFamily="2" charset="-122"/>
+              <a:ea typeface="宋体" panose="02010600030101010101" pitchFamily="2" charset="-122"/>
+              <a:cs typeface="宋体" panose="02010600030101010101" pitchFamily="2" charset="-122"/>
+            </a:endParaRPr>
+          </a:p>
+          <a:p>
+            <a:r>
+              <a:rPr lang="zh-CN" altLang="en-US" kern="100" dirty="0">
                 <a:solidFill>
                   <a:srgbClr val="000000"/>
                 </a:solidFill>
-                <a:effectLst/>
-                <a:latin typeface="Times New Roman" panose="02020603050405020304" pitchFamily="18" charset="0"/>
+                <a:latin typeface="宋体" panose="02010600030101010101" pitchFamily="2" charset="-122"/>
                 <a:ea typeface="宋体" panose="02010600030101010101" pitchFamily="2" charset="-122"/>
                 <a:cs typeface="宋体" panose="02010600030101010101" pitchFamily="2" charset="-122"/>
               </a:rPr>
-              <a:t>绕过操作系统内核</a:t>
-            </a:r>
-            <a:endParaRPr lang="zh-CN" altLang="zh-CN" sz="2400" kern="100" dirty="0">
-              <a:effectLst/>
-              <a:latin typeface="等线" panose="02010600030101010101" pitchFamily="2" charset="-122"/>
-              <a:ea typeface="等线" panose="02010600030101010101" pitchFamily="2" charset="-122"/>
-              <a:cs typeface="Times New Roman" panose="02020603050405020304" pitchFamily="18" charset="0"/>
+              <a:t>查询执行：查询操作传入后端作为协调器并分发查询任务和整合</a:t>
+            </a:r>
+            <a:endParaRPr lang="en-US" altLang="zh-CN" kern="100" dirty="0">
+              <a:solidFill>
+                <a:srgbClr val="000000"/>
+              </a:solidFill>
+              <a:latin typeface="宋体" panose="02010600030101010101" pitchFamily="2" charset="-122"/>
+              <a:ea typeface="宋体" panose="02010600030101010101" pitchFamily="2" charset="-122"/>
+              <a:cs typeface="宋体" panose="02010600030101010101" pitchFamily="2" charset="-122"/>
             </a:endParaRPr>
           </a:p>
-          <a:p>
-            <a:pPr algn="just"/>
-            <a:r>
-              <a:rPr lang="zh-CN" altLang="en-US" sz="2400" kern="100" dirty="0">
-                <a:solidFill>
-                  <a:srgbClr val="000000"/>
-                </a:solidFill>
-                <a:effectLst/>
-                <a:latin typeface="Times New Roman" panose="02020603050405020304" pitchFamily="18" charset="0"/>
-                <a:ea typeface="宋体" panose="02010600030101010101" pitchFamily="2" charset="-122"/>
-                <a:cs typeface="宋体" panose="02010600030101010101" pitchFamily="2" charset="-122"/>
-              </a:rPr>
-              <a:t>远程机器</a:t>
-            </a:r>
-            <a:r>
-              <a:rPr lang="zh-CN" altLang="zh-CN" sz="2400" kern="100" dirty="0">
-                <a:solidFill>
-                  <a:srgbClr val="000000"/>
-                </a:solidFill>
-                <a:effectLst/>
-                <a:latin typeface="Times New Roman" panose="02020603050405020304" pitchFamily="18" charset="0"/>
-                <a:ea typeface="宋体" panose="02010600030101010101" pitchFamily="2" charset="-122"/>
-                <a:cs typeface="宋体" panose="02010600030101010101" pitchFamily="2" charset="-122"/>
-              </a:rPr>
-              <a:t>内存由远程</a:t>
-            </a:r>
-            <a:r>
-              <a:rPr lang="en-US" altLang="zh-CN" sz="2400" kern="100" dirty="0">
-                <a:solidFill>
-                  <a:srgbClr val="000000"/>
-                </a:solidFill>
-                <a:effectLst/>
-                <a:latin typeface="Times New Roman" panose="02020603050405020304" pitchFamily="18" charset="0"/>
-                <a:ea typeface="宋体" panose="02010600030101010101" pitchFamily="2" charset="-122"/>
-                <a:cs typeface="宋体" panose="02010600030101010101" pitchFamily="2" charset="-122"/>
-              </a:rPr>
-              <a:t>NIC</a:t>
-            </a:r>
-            <a:r>
-              <a:rPr lang="zh-CN" altLang="zh-CN" sz="2400" kern="100" dirty="0">
-                <a:solidFill>
-                  <a:srgbClr val="000000"/>
-                </a:solidFill>
-                <a:effectLst/>
-                <a:latin typeface="Times New Roman" panose="02020603050405020304" pitchFamily="18" charset="0"/>
-                <a:ea typeface="宋体" panose="02010600030101010101" pitchFamily="2" charset="-122"/>
-                <a:cs typeface="宋体" panose="02010600030101010101" pitchFamily="2" charset="-122"/>
-              </a:rPr>
-              <a:t>直接访问，不涉及</a:t>
-            </a:r>
-            <a:r>
-              <a:rPr lang="en-US" altLang="zh-CN" sz="2400" kern="100" dirty="0">
-                <a:solidFill>
-                  <a:srgbClr val="000000"/>
-                </a:solidFill>
-                <a:effectLst/>
-                <a:latin typeface="Times New Roman" panose="02020603050405020304" pitchFamily="18" charset="0"/>
-                <a:ea typeface="宋体" panose="02010600030101010101" pitchFamily="2" charset="-122"/>
-                <a:cs typeface="宋体" panose="02010600030101010101" pitchFamily="2" charset="-122"/>
-              </a:rPr>
-              <a:t>CPU</a:t>
-            </a:r>
-            <a:endParaRPr lang="zh-CN" altLang="zh-CN" sz="2400" kern="100" dirty="0">
-              <a:effectLst/>
-              <a:latin typeface="等线" panose="02010600030101010101" pitchFamily="2" charset="-122"/>
-              <a:ea typeface="等线" panose="02010600030101010101" pitchFamily="2" charset="-122"/>
-              <a:cs typeface="Times New Roman" panose="02020603050405020304" pitchFamily="18" charset="0"/>
-            </a:endParaRPr>
-          </a:p>
-          <a:p>
-            <a:pPr algn="just"/>
-            <a:r>
-              <a:rPr lang="en-US" altLang="zh-CN" sz="2400" kern="100" dirty="0">
-                <a:solidFill>
-                  <a:srgbClr val="000000"/>
-                </a:solidFill>
-                <a:effectLst/>
-                <a:latin typeface="Times New Roman" panose="02020603050405020304" pitchFamily="18" charset="0"/>
-                <a:ea typeface="宋体" panose="02010600030101010101" pitchFamily="2" charset="-122"/>
-                <a:cs typeface="宋体" panose="02010600030101010101" pitchFamily="2" charset="-122"/>
-              </a:rPr>
-              <a:t>TCP</a:t>
-            </a:r>
-            <a:r>
-              <a:rPr lang="zh-CN" altLang="en-US" sz="2400" kern="100" dirty="0">
-                <a:solidFill>
-                  <a:srgbClr val="000000"/>
-                </a:solidFill>
-                <a:effectLst/>
-                <a:latin typeface="Times New Roman" panose="02020603050405020304" pitchFamily="18" charset="0"/>
-                <a:ea typeface="宋体" panose="02010600030101010101" pitchFamily="2" charset="-122"/>
-                <a:cs typeface="宋体" panose="02010600030101010101" pitchFamily="2" charset="-122"/>
-              </a:rPr>
-              <a:t>的</a:t>
-            </a:r>
-            <a:r>
-              <a:rPr lang="zh-CN" altLang="zh-CN" sz="2400" kern="100" dirty="0">
-                <a:solidFill>
-                  <a:srgbClr val="000000"/>
-                </a:solidFill>
-                <a:effectLst/>
-                <a:latin typeface="Times New Roman" panose="02020603050405020304" pitchFamily="18" charset="0"/>
-                <a:ea typeface="宋体" panose="02010600030101010101" pitchFamily="2" charset="-122"/>
-                <a:cs typeface="宋体" panose="02010600030101010101" pitchFamily="2" charset="-122"/>
-              </a:rPr>
-              <a:t>可靠性和拥塞控制都在</a:t>
-            </a:r>
-            <a:r>
-              <a:rPr lang="en-US" altLang="zh-CN" sz="2400" kern="100" dirty="0">
-                <a:solidFill>
-                  <a:srgbClr val="000000"/>
-                </a:solidFill>
-                <a:effectLst/>
-                <a:latin typeface="Times New Roman" panose="02020603050405020304" pitchFamily="18" charset="0"/>
-                <a:ea typeface="宋体" panose="02010600030101010101" pitchFamily="2" charset="-122"/>
-                <a:cs typeface="宋体" panose="02010600030101010101" pitchFamily="2" charset="-122"/>
-              </a:rPr>
-              <a:t>NIC</a:t>
-            </a:r>
-            <a:r>
-              <a:rPr lang="zh-CN" altLang="zh-CN" sz="2400" kern="100" dirty="0">
-                <a:solidFill>
-                  <a:srgbClr val="000000"/>
-                </a:solidFill>
-                <a:effectLst/>
-                <a:latin typeface="Times New Roman" panose="02020603050405020304" pitchFamily="18" charset="0"/>
-                <a:ea typeface="宋体" panose="02010600030101010101" pitchFamily="2" charset="-122"/>
-                <a:cs typeface="宋体" panose="02010600030101010101" pitchFamily="2" charset="-122"/>
-              </a:rPr>
-              <a:t>和网络交换机</a:t>
-            </a:r>
-            <a:r>
-              <a:rPr lang="zh-CN" altLang="en-US" sz="2400" kern="100" dirty="0">
-                <a:solidFill>
-                  <a:srgbClr val="000000"/>
-                </a:solidFill>
-                <a:effectLst/>
-                <a:latin typeface="Times New Roman" panose="02020603050405020304" pitchFamily="18" charset="0"/>
-                <a:ea typeface="宋体" panose="02010600030101010101" pitchFamily="2" charset="-122"/>
-                <a:cs typeface="宋体" panose="02010600030101010101" pitchFamily="2" charset="-122"/>
-              </a:rPr>
-              <a:t>中</a:t>
-            </a:r>
-            <a:endParaRPr lang="zh-CN" altLang="zh-CN" sz="2400" kern="100" dirty="0">
-              <a:effectLst/>
-              <a:latin typeface="等线" panose="02010600030101010101" pitchFamily="2" charset="-122"/>
-              <a:ea typeface="等线" panose="02010600030101010101" pitchFamily="2" charset="-122"/>
-              <a:cs typeface="Times New Roman" panose="02020603050405020304" pitchFamily="18" charset="0"/>
-            </a:endParaRPr>
-          </a:p>
-          <a:p>
-            <a:endParaRPr lang="en-US" altLang="zh-CN" sz="2400" dirty="0"/>
-          </a:p>
-          <a:p>
-            <a:pPr algn="just"/>
-            <a:r>
-              <a:rPr lang="en-US" altLang="zh-CN" sz="2400" kern="100" dirty="0" err="1">
-                <a:solidFill>
-                  <a:srgbClr val="000000"/>
-                </a:solidFill>
-                <a:effectLst/>
-                <a:latin typeface="Times New Roman" panose="02020603050405020304" pitchFamily="18" charset="0"/>
-                <a:ea typeface="宋体" panose="02010600030101010101" pitchFamily="2" charset="-122"/>
-                <a:cs typeface="宋体" panose="02010600030101010101" pitchFamily="2" charset="-122"/>
-              </a:rPr>
-              <a:t>FaRM</a:t>
-            </a:r>
-            <a:r>
-              <a:rPr lang="zh-CN" altLang="zh-CN" sz="2400" kern="100" dirty="0">
-                <a:solidFill>
-                  <a:srgbClr val="000000"/>
-                </a:solidFill>
-                <a:effectLst/>
-                <a:latin typeface="Times New Roman" panose="02020603050405020304" pitchFamily="18" charset="0"/>
-                <a:ea typeface="宋体" panose="02010600030101010101" pitchFamily="2" charset="-122"/>
-                <a:cs typeface="宋体" panose="02010600030101010101" pitchFamily="2" charset="-122"/>
-              </a:rPr>
-              <a:t>集群</a:t>
-            </a:r>
-            <a:r>
-              <a:rPr lang="zh-CN" altLang="en-US" sz="2400" kern="100" dirty="0">
-                <a:solidFill>
-                  <a:srgbClr val="000000"/>
-                </a:solidFill>
-                <a:effectLst/>
-                <a:latin typeface="Times New Roman" panose="02020603050405020304" pitchFamily="18" charset="0"/>
-                <a:ea typeface="宋体" panose="02010600030101010101" pitchFamily="2" charset="-122"/>
-                <a:cs typeface="宋体" panose="02010600030101010101" pitchFamily="2" charset="-122"/>
-              </a:rPr>
-              <a:t>中的</a:t>
-            </a:r>
-            <a:r>
-              <a:rPr lang="zh-CN" altLang="zh-CN" sz="2400" kern="100" dirty="0">
-                <a:solidFill>
-                  <a:srgbClr val="000000"/>
-                </a:solidFill>
-                <a:effectLst/>
-                <a:latin typeface="Times New Roman" panose="02020603050405020304" pitchFamily="18" charset="0"/>
-                <a:ea typeface="宋体" panose="02010600030101010101" pitchFamily="2" charset="-122"/>
-                <a:cs typeface="宋体" panose="02010600030101010101" pitchFamily="2" charset="-122"/>
-              </a:rPr>
-              <a:t>每个机器运行一个</a:t>
-            </a:r>
-            <a:r>
-              <a:rPr lang="en-US" altLang="zh-CN" sz="2400" kern="100" dirty="0" err="1">
-                <a:solidFill>
-                  <a:srgbClr val="000000"/>
-                </a:solidFill>
-                <a:effectLst/>
-                <a:latin typeface="Times New Roman" panose="02020603050405020304" pitchFamily="18" charset="0"/>
-                <a:ea typeface="宋体" panose="02010600030101010101" pitchFamily="2" charset="-122"/>
-                <a:cs typeface="宋体" panose="02010600030101010101" pitchFamily="2" charset="-122"/>
-              </a:rPr>
-              <a:t>FaRM</a:t>
-            </a:r>
-            <a:r>
-              <a:rPr lang="zh-CN" altLang="zh-CN" sz="2400" kern="100" dirty="0">
-                <a:solidFill>
-                  <a:srgbClr val="000000"/>
-                </a:solidFill>
-                <a:effectLst/>
-                <a:latin typeface="Times New Roman" panose="02020603050405020304" pitchFamily="18" charset="0"/>
-                <a:ea typeface="宋体" panose="02010600030101010101" pitchFamily="2" charset="-122"/>
-                <a:cs typeface="宋体" panose="02010600030101010101" pitchFamily="2" charset="-122"/>
-              </a:rPr>
-              <a:t>进程。一台机器被指定为配置管理员</a:t>
-            </a:r>
-            <a:endParaRPr lang="zh-CN" altLang="zh-CN" sz="2400" kern="100" dirty="0">
-              <a:effectLst/>
-              <a:latin typeface="等线" panose="02010600030101010101" pitchFamily="2" charset="-122"/>
-              <a:ea typeface="等线" panose="02010600030101010101" pitchFamily="2" charset="-122"/>
-              <a:cs typeface="Times New Roman" panose="02020603050405020304" pitchFamily="18" charset="0"/>
-            </a:endParaRPr>
-          </a:p>
-          <a:p>
-            <a:r>
-              <a:rPr lang="zh-CN" altLang="zh-CN" sz="2400" dirty="0">
-                <a:effectLst/>
-                <a:latin typeface="Times New Roman" panose="02020603050405020304" pitchFamily="18" charset="0"/>
-                <a:ea typeface="宋体" panose="02010600030101010101" pitchFamily="2" charset="-122"/>
-                <a:cs typeface="宋体" panose="02010600030101010101" pitchFamily="2" charset="-122"/>
-              </a:rPr>
-              <a:t>所有读</a:t>
-            </a:r>
-            <a:r>
-              <a:rPr lang="en-US" altLang="zh-CN" sz="2400" dirty="0">
-                <a:effectLst/>
-                <a:latin typeface="Times New Roman" panose="02020603050405020304" pitchFamily="18" charset="0"/>
-                <a:ea typeface="宋体" panose="02010600030101010101" pitchFamily="2" charset="-122"/>
-                <a:cs typeface="宋体" panose="02010600030101010101" pitchFamily="2" charset="-122"/>
-              </a:rPr>
-              <a:t>/</a:t>
-            </a:r>
-            <a:r>
-              <a:rPr lang="zh-CN" altLang="zh-CN" sz="2400" dirty="0">
-                <a:effectLst/>
-                <a:latin typeface="Times New Roman" panose="02020603050405020304" pitchFamily="18" charset="0"/>
-                <a:ea typeface="宋体" panose="02010600030101010101" pitchFamily="2" charset="-122"/>
-                <a:cs typeface="宋体" panose="02010600030101010101" pitchFamily="2" charset="-122"/>
-              </a:rPr>
-              <a:t>写都只从主服务器提供，这确保了所有操作的一致性。</a:t>
-            </a:r>
-            <a:endParaRPr lang="zh-CN" altLang="en-US" sz="2400" dirty="0"/>
+        </p:txBody>
+      </p:sp>
+      <p:sp>
+        <p:nvSpPr>
+          <p:cNvPr id="4" name="文本框 3">
+            <a:extLst>
+              <a:ext uri="{FF2B5EF4-FFF2-40B4-BE49-F238E27FC236}">
+                <a16:creationId xmlns:a16="http://schemas.microsoft.com/office/drawing/2014/main" id="{734B72C3-913B-47C8-B79C-246BC5CB37CA}"/>
+              </a:ext>
+            </a:extLst>
+          </p:cNvPr>
+          <p:cNvSpPr txBox="1"/>
+          <p:nvPr/>
+        </p:nvSpPr>
+        <p:spPr>
+          <a:xfrm>
+            <a:off x="483268" y="224589"/>
+            <a:ext cx="6527132" cy="830997"/>
+          </a:xfrm>
+          <a:prstGeom prst="rect">
+            <a:avLst/>
+          </a:prstGeom>
+          <a:noFill/>
+        </p:spPr>
+        <p:txBody>
+          <a:bodyPr wrap="square" rtlCol="0">
+            <a:spAutoFit/>
+          </a:bodyPr>
+          <a:lstStyle/>
+          <a:p>
+            <a:r>
+              <a:rPr lang="en-US" altLang="zh-CN" sz="4800" dirty="0">
+                <a:latin typeface="宋体" panose="02010600030101010101" pitchFamily="2" charset="-122"/>
+                <a:ea typeface="宋体" panose="02010600030101010101" pitchFamily="2" charset="-122"/>
+              </a:rPr>
+              <a:t>A1</a:t>
+            </a:r>
+            <a:r>
+              <a:rPr lang="zh-CN" altLang="en-US" sz="4800" dirty="0">
+                <a:latin typeface="宋体" panose="02010600030101010101" pitchFamily="2" charset="-122"/>
+                <a:ea typeface="宋体" panose="02010600030101010101" pitchFamily="2" charset="-122"/>
+              </a:rPr>
+              <a:t>数据结构和查询引擎</a:t>
+            </a:r>
           </a:p>
         </p:txBody>
       </p:sp>
     </p:spTree>
     <p:extLst>
       <p:ext uri="{BB962C8B-B14F-4D97-AF65-F5344CB8AC3E}">
-        <p14:creationId xmlns:p14="http://schemas.microsoft.com/office/powerpoint/2010/main" val="2797939866"/>
+        <p14:creationId xmlns:p14="http://schemas.microsoft.com/office/powerpoint/2010/main" val="1132869682"/>
       </p:ext>
     </p:extLst>
   </p:cSld>
@@ -9200,10 +5955,10 @@
       </p:grpSpPr>
       <p:sp>
         <p:nvSpPr>
-          <p:cNvPr id="5" name="内容占位符 4">
-            <a:extLst>
-              <a:ext uri="{FF2B5EF4-FFF2-40B4-BE49-F238E27FC236}">
-                <a16:creationId xmlns:a16="http://schemas.microsoft.com/office/drawing/2014/main" id="{C7DE68C8-0B3E-4174-8BAA-9B8B621455F9}"/>
+          <p:cNvPr id="3" name="内容占位符 2">
+            <a:extLst>
+              <a:ext uri="{FF2B5EF4-FFF2-40B4-BE49-F238E27FC236}">
+                <a16:creationId xmlns:a16="http://schemas.microsoft.com/office/drawing/2014/main" id="{8A5D5773-4AD7-444C-91E1-3DA21593F7FE}"/>
               </a:ext>
             </a:extLst>
           </p:cNvPr>
@@ -9216,8 +5971,8 @@
         </p:nvSpPr>
         <p:spPr>
           <a:xfrm>
-            <a:off x="838200" y="803482"/>
-            <a:ext cx="10515600" cy="5251036"/>
+            <a:off x="483268" y="2190750"/>
+            <a:ext cx="10515600" cy="2476500"/>
           </a:xfrm>
         </p:spPr>
         <p:txBody>
@@ -9226,215 +5981,241 @@
           </a:bodyPr>
           <a:lstStyle/>
           <a:p>
-            <a:r>
-              <a:rPr lang="en-US" altLang="zh-CN" sz="3200" dirty="0">
+            <a:pPr marL="0" indent="0" algn="just">
+              <a:lnSpc>
+                <a:spcPct val="110000"/>
+              </a:lnSpc>
+              <a:spcBef>
+                <a:spcPts val="0"/>
+              </a:spcBef>
+            </a:pPr>
+            <a:r>
+              <a:rPr lang="zh-CN" altLang="en-US" kern="100" dirty="0">
                 <a:solidFill>
                   <a:srgbClr val="000000"/>
                 </a:solidFill>
                 <a:effectLst/>
-                <a:latin typeface="Times New Roman" panose="02020603050405020304" pitchFamily="18" charset="0"/>
+                <a:latin typeface="宋体" panose="02010600030101010101" pitchFamily="2" charset="-122"/>
                 <a:ea typeface="宋体" panose="02010600030101010101" pitchFamily="2" charset="-122"/>
                 <a:cs typeface="宋体" panose="02010600030101010101" pitchFamily="2" charset="-122"/>
               </a:rPr>
-              <a:t>A1 </a:t>
-            </a:r>
-            <a:r>
-              <a:rPr lang="zh-CN" altLang="en-US" sz="3200" dirty="0">
+              <a:t>所有数据以键值对的方式异步存储到</a:t>
+            </a:r>
+            <a:r>
+              <a:rPr lang="en-US" altLang="zh-CN" kern="100" dirty="0">
                 <a:solidFill>
                   <a:srgbClr val="000000"/>
                 </a:solidFill>
                 <a:effectLst/>
-                <a:latin typeface="Times New Roman" panose="02020603050405020304" pitchFamily="18" charset="0"/>
+                <a:latin typeface="宋体" panose="02010600030101010101" pitchFamily="2" charset="-122"/>
                 <a:ea typeface="宋体" panose="02010600030101010101" pitchFamily="2" charset="-122"/>
                 <a:cs typeface="宋体" panose="02010600030101010101" pitchFamily="2" charset="-122"/>
               </a:rPr>
-              <a:t>设计原则</a:t>
-            </a:r>
-            <a:endParaRPr lang="en-US" altLang="zh-CN" sz="3200" dirty="0">
+              <a:t>ObjectStore</a:t>
+            </a:r>
+            <a:r>
+              <a:rPr lang="zh-CN" altLang="en-US" kern="100" dirty="0">
+                <a:solidFill>
+                  <a:srgbClr val="000000"/>
+                </a:solidFill>
+                <a:effectLst/>
+                <a:latin typeface="宋体" panose="02010600030101010101" pitchFamily="2" charset="-122"/>
+                <a:ea typeface="宋体" panose="02010600030101010101" pitchFamily="2" charset="-122"/>
+                <a:cs typeface="宋体" panose="02010600030101010101" pitchFamily="2" charset="-122"/>
+              </a:rPr>
+              <a:t>。</a:t>
+            </a:r>
+            <a:endParaRPr lang="en-US" altLang="zh-CN" kern="100" dirty="0">
               <a:solidFill>
                 <a:srgbClr val="000000"/>
               </a:solidFill>
               <a:effectLst/>
-              <a:latin typeface="Times New Roman" panose="02020603050405020304" pitchFamily="18" charset="0"/>
+              <a:latin typeface="宋体" panose="02010600030101010101" pitchFamily="2" charset="-122"/>
               <a:ea typeface="宋体" panose="02010600030101010101" pitchFamily="2" charset="-122"/>
               <a:cs typeface="宋体" panose="02010600030101010101" pitchFamily="2" charset="-122"/>
             </a:endParaRPr>
           </a:p>
           <a:p>
-            <a:r>
-              <a:rPr lang="zh-CN" altLang="zh-CN" sz="2400" dirty="0">
-                <a:solidFill>
-                  <a:srgbClr val="000000"/>
-                </a:solidFill>
-                <a:effectLst/>
-                <a:latin typeface="Times New Roman" panose="02020603050405020304" pitchFamily="18" charset="0"/>
-                <a:ea typeface="宋体" panose="02010600030101010101" pitchFamily="2" charset="-122"/>
-                <a:cs typeface="宋体" panose="02010600030101010101" pitchFamily="2" charset="-122"/>
-              </a:rPr>
-              <a:t>指针链接数据结构</a:t>
-            </a:r>
-            <a:endParaRPr lang="en-US" altLang="zh-CN" sz="2400" dirty="0">
+            <a:pPr marL="0" indent="0" algn="just">
+              <a:lnSpc>
+                <a:spcPct val="110000"/>
+              </a:lnSpc>
+              <a:spcBef>
+                <a:spcPts val="0"/>
+              </a:spcBef>
+            </a:pPr>
+            <a:endParaRPr lang="en-US" altLang="zh-CN" kern="100" dirty="0">
               <a:solidFill>
                 <a:srgbClr val="000000"/>
               </a:solidFill>
               <a:effectLst/>
-              <a:latin typeface="Times New Roman" panose="02020603050405020304" pitchFamily="18" charset="0"/>
+              <a:latin typeface="宋体" panose="02010600030101010101" pitchFamily="2" charset="-122"/>
               <a:ea typeface="宋体" panose="02010600030101010101" pitchFamily="2" charset="-122"/>
               <a:cs typeface="宋体" panose="02010600030101010101" pitchFamily="2" charset="-122"/>
             </a:endParaRPr>
           </a:p>
           <a:p>
-            <a:endParaRPr lang="en-US" altLang="zh-CN" sz="2400" dirty="0">
+            <a:pPr marL="0" indent="0" algn="just">
+              <a:lnSpc>
+                <a:spcPct val="110000"/>
+              </a:lnSpc>
+              <a:spcBef>
+                <a:spcPts val="0"/>
+              </a:spcBef>
+            </a:pPr>
+            <a:r>
+              <a:rPr lang="zh-CN" altLang="zh-CN" kern="100" dirty="0">
+                <a:solidFill>
+                  <a:srgbClr val="000000"/>
+                </a:solidFill>
+                <a:effectLst/>
+                <a:latin typeface="宋体" panose="02010600030101010101" pitchFamily="2" charset="-122"/>
+                <a:ea typeface="宋体" panose="02010600030101010101" pitchFamily="2" charset="-122"/>
+                <a:cs typeface="宋体" panose="02010600030101010101" pitchFamily="2" charset="-122"/>
+              </a:rPr>
+              <a:t>将数据库恢复为</a:t>
+            </a:r>
+            <a:r>
+              <a:rPr lang="en-US" altLang="zh-CN" kern="100" dirty="0">
+                <a:solidFill>
+                  <a:srgbClr val="000000"/>
+                </a:solidFill>
+                <a:effectLst/>
+                <a:latin typeface="宋体" panose="02010600030101010101" pitchFamily="2" charset="-122"/>
+                <a:ea typeface="宋体" panose="02010600030101010101" pitchFamily="2" charset="-122"/>
+                <a:cs typeface="宋体" panose="02010600030101010101" pitchFamily="2" charset="-122"/>
+              </a:rPr>
+              <a:t>ObjectStore</a:t>
+            </a:r>
+            <a:r>
+              <a:rPr lang="zh-CN" altLang="zh-CN" kern="100" dirty="0">
+                <a:solidFill>
+                  <a:srgbClr val="000000"/>
+                </a:solidFill>
+                <a:effectLst/>
+                <a:latin typeface="宋体" panose="02010600030101010101" pitchFamily="2" charset="-122"/>
+                <a:ea typeface="宋体" panose="02010600030101010101" pitchFamily="2" charset="-122"/>
+                <a:cs typeface="宋体" panose="02010600030101010101" pitchFamily="2" charset="-122"/>
+              </a:rPr>
+              <a:t>中存在的最新的事务一致性快照。</a:t>
+            </a:r>
+            <a:endParaRPr lang="en-US" altLang="zh-CN" kern="100" dirty="0">
               <a:solidFill>
                 <a:srgbClr val="000000"/>
               </a:solidFill>
               <a:effectLst/>
-              <a:latin typeface="Times New Roman" panose="02020603050405020304" pitchFamily="18" charset="0"/>
+              <a:latin typeface="宋体" panose="02010600030101010101" pitchFamily="2" charset="-122"/>
               <a:ea typeface="宋体" panose="02010600030101010101" pitchFamily="2" charset="-122"/>
               <a:cs typeface="宋体" panose="02010600030101010101" pitchFamily="2" charset="-122"/>
             </a:endParaRPr>
           </a:p>
           <a:p>
-            <a:r>
-              <a:rPr lang="zh-CN" altLang="zh-CN" sz="2400" dirty="0">
-                <a:solidFill>
-                  <a:srgbClr val="000000"/>
-                </a:solidFill>
-                <a:effectLst/>
-                <a:latin typeface="Times New Roman" panose="02020603050405020304" pitchFamily="18" charset="0"/>
-                <a:ea typeface="宋体" panose="02010600030101010101" pitchFamily="2" charset="-122"/>
-                <a:cs typeface="宋体" panose="02010600030101010101" pitchFamily="2" charset="-122"/>
-              </a:rPr>
-              <a:t>内存存储</a:t>
-            </a:r>
-            <a:endParaRPr lang="en-US" altLang="zh-CN" sz="2400" dirty="0">
-              <a:solidFill>
-                <a:srgbClr val="000000"/>
-              </a:solidFill>
+            <a:pPr marL="0" indent="0" algn="just">
+              <a:lnSpc>
+                <a:spcPct val="110000"/>
+              </a:lnSpc>
+              <a:spcBef>
+                <a:spcPts val="0"/>
+              </a:spcBef>
+            </a:pPr>
+            <a:endParaRPr lang="en-US" altLang="zh-CN" kern="100" dirty="0">
               <a:effectLst/>
-              <a:latin typeface="Times New Roman" panose="02020603050405020304" pitchFamily="18" charset="0"/>
+              <a:latin typeface="宋体" panose="02010600030101010101" pitchFamily="2" charset="-122"/>
               <a:ea typeface="宋体" panose="02010600030101010101" pitchFamily="2" charset="-122"/>
-              <a:cs typeface="宋体" panose="02010600030101010101" pitchFamily="2" charset="-122"/>
-            </a:endParaRPr>
-          </a:p>
-          <a:p>
-            <a:endParaRPr lang="en-US" altLang="zh-CN" sz="2400" dirty="0">
-              <a:solidFill>
-                <a:srgbClr val="000000"/>
-              </a:solidFill>
-              <a:effectLst/>
-              <a:latin typeface="Times New Roman" panose="02020603050405020304" pitchFamily="18" charset="0"/>
-              <a:ea typeface="宋体" panose="02010600030101010101" pitchFamily="2" charset="-122"/>
-              <a:cs typeface="宋体" panose="02010600030101010101" pitchFamily="2" charset="-122"/>
-            </a:endParaRPr>
-          </a:p>
-          <a:p>
-            <a:pPr algn="just"/>
-            <a:r>
-              <a:rPr lang="zh-CN" altLang="zh-CN" sz="2400" kern="100" dirty="0">
-                <a:solidFill>
-                  <a:srgbClr val="000000"/>
-                </a:solidFill>
-                <a:effectLst/>
-                <a:latin typeface="Times New Roman" panose="02020603050405020304" pitchFamily="18" charset="0"/>
-                <a:ea typeface="宋体" panose="02010600030101010101" pitchFamily="2" charset="-122"/>
-                <a:cs typeface="宋体" panose="02010600030101010101" pitchFamily="2" charset="-122"/>
-              </a:rPr>
-              <a:t>局部性</a:t>
-            </a:r>
-            <a:endParaRPr lang="en-US" altLang="zh-CN" sz="2400" kern="100" dirty="0">
-              <a:solidFill>
-                <a:srgbClr val="000000"/>
-              </a:solidFill>
-              <a:effectLst/>
-              <a:latin typeface="Times New Roman" panose="02020603050405020304" pitchFamily="18" charset="0"/>
-              <a:ea typeface="宋体" panose="02010600030101010101" pitchFamily="2" charset="-122"/>
-              <a:cs typeface="宋体" panose="02010600030101010101" pitchFamily="2" charset="-122"/>
-            </a:endParaRPr>
-          </a:p>
-          <a:p>
-            <a:pPr algn="just"/>
-            <a:endParaRPr lang="zh-CN" altLang="zh-CN" sz="2400" kern="100" dirty="0">
-              <a:effectLst/>
-              <a:latin typeface="等线" panose="02010600030101010101" pitchFamily="2" charset="-122"/>
-              <a:ea typeface="等线" panose="02010600030101010101" pitchFamily="2" charset="-122"/>
               <a:cs typeface="Times New Roman" panose="02020603050405020304" pitchFamily="18" charset="0"/>
             </a:endParaRPr>
           </a:p>
           <a:p>
-            <a:pPr algn="just"/>
-            <a:r>
-              <a:rPr lang="zh-CN" altLang="zh-CN" sz="2400" kern="100" dirty="0">
-                <a:solidFill>
-                  <a:srgbClr val="000000"/>
-                </a:solidFill>
-                <a:effectLst/>
-                <a:latin typeface="Times New Roman" panose="02020603050405020304" pitchFamily="18" charset="0"/>
-                <a:ea typeface="宋体" panose="02010600030101010101" pitchFamily="2" charset="-122"/>
-                <a:cs typeface="宋体" panose="02010600030101010101" pitchFamily="2" charset="-122"/>
-              </a:rPr>
-              <a:t>并发性</a:t>
-            </a:r>
-            <a:endParaRPr lang="en-US" altLang="zh-CN" sz="2400" kern="100" dirty="0">
-              <a:solidFill>
-                <a:srgbClr val="000000"/>
-              </a:solidFill>
+            <a:pPr marL="0" indent="0" algn="just">
+              <a:lnSpc>
+                <a:spcPct val="110000"/>
+              </a:lnSpc>
+              <a:spcBef>
+                <a:spcPts val="0"/>
+              </a:spcBef>
+            </a:pPr>
+            <a:r>
+              <a:rPr lang="zh-CN" altLang="en-US" kern="100" dirty="0">
+                <a:latin typeface="宋体" panose="02010600030101010101" pitchFamily="2" charset="-122"/>
+                <a:ea typeface="宋体" panose="02010600030101010101" pitchFamily="2" charset="-122"/>
+                <a:cs typeface="Times New Roman" panose="02020603050405020304" pitchFamily="18" charset="0"/>
+              </a:rPr>
+              <a:t>持续监视复制日志，复制日志采用</a:t>
+            </a:r>
+            <a:r>
+              <a:rPr lang="en-US" altLang="zh-CN" kern="100" dirty="0">
+                <a:latin typeface="宋体" panose="02010600030101010101" pitchFamily="2" charset="-122"/>
+                <a:ea typeface="宋体" panose="02010600030101010101" pitchFamily="2" charset="-122"/>
+                <a:cs typeface="Times New Roman" panose="02020603050405020304" pitchFamily="18" charset="0"/>
+              </a:rPr>
+              <a:t>FIFO</a:t>
+            </a:r>
+            <a:r>
+              <a:rPr lang="zh-CN" altLang="en-US" kern="100" dirty="0">
+                <a:latin typeface="宋体" panose="02010600030101010101" pitchFamily="2" charset="-122"/>
+                <a:ea typeface="宋体" panose="02010600030101010101" pitchFamily="2" charset="-122"/>
+                <a:cs typeface="Times New Roman" panose="02020603050405020304" pitchFamily="18" charset="0"/>
+              </a:rPr>
+              <a:t>的方式对复制进行确认。</a:t>
+            </a:r>
+            <a:endParaRPr lang="zh-CN" altLang="zh-CN" kern="100" dirty="0">
               <a:effectLst/>
-              <a:latin typeface="Times New Roman" panose="02020603050405020304" pitchFamily="18" charset="0"/>
+              <a:latin typeface="宋体" panose="02010600030101010101" pitchFamily="2" charset="-122"/>
               <a:ea typeface="宋体" panose="02010600030101010101" pitchFamily="2" charset="-122"/>
-              <a:cs typeface="宋体" panose="02010600030101010101" pitchFamily="2" charset="-122"/>
-            </a:endParaRPr>
-          </a:p>
-          <a:p>
-            <a:pPr algn="just"/>
-            <a:endParaRPr lang="zh-CN" altLang="zh-CN" sz="2400" kern="100" dirty="0">
-              <a:effectLst/>
-              <a:latin typeface="等线" panose="02010600030101010101" pitchFamily="2" charset="-122"/>
-              <a:ea typeface="等线" panose="02010600030101010101" pitchFamily="2" charset="-122"/>
               <a:cs typeface="Times New Roman" panose="02020603050405020304" pitchFamily="18" charset="0"/>
             </a:endParaRPr>
           </a:p>
-          <a:p>
-            <a:r>
-              <a:rPr lang="zh-CN" altLang="zh-CN" sz="2400" dirty="0">
-                <a:solidFill>
-                  <a:srgbClr val="000000"/>
-                </a:solidFill>
-                <a:effectLst/>
-                <a:latin typeface="Times New Roman" panose="02020603050405020304" pitchFamily="18" charset="0"/>
-                <a:ea typeface="宋体" panose="02010600030101010101" pitchFamily="2" charset="-122"/>
-                <a:cs typeface="宋体" panose="02010600030101010101" pitchFamily="2" charset="-122"/>
-              </a:rPr>
-              <a:t>协作多线程</a:t>
-            </a:r>
-            <a:endParaRPr lang="en-US" altLang="zh-CN" sz="2400" dirty="0">
-              <a:solidFill>
-                <a:srgbClr val="000000"/>
-              </a:solidFill>
-              <a:effectLst/>
-              <a:latin typeface="Times New Roman" panose="02020603050405020304" pitchFamily="18" charset="0"/>
-              <a:ea typeface="宋体" panose="02010600030101010101" pitchFamily="2" charset="-122"/>
-              <a:cs typeface="宋体" panose="02010600030101010101" pitchFamily="2" charset="-122"/>
-            </a:endParaRPr>
-          </a:p>
-          <a:p>
-            <a:endParaRPr lang="en-US" altLang="zh-CN" sz="1800" dirty="0">
-              <a:solidFill>
-                <a:srgbClr val="000000"/>
-              </a:solidFill>
-              <a:latin typeface="Times New Roman" panose="02020603050405020304" pitchFamily="18" charset="0"/>
-              <a:ea typeface="宋体" panose="02010600030101010101" pitchFamily="2" charset="-122"/>
-            </a:endParaRPr>
-          </a:p>
-          <a:p>
-            <a:endParaRPr lang="zh-CN" altLang="en-US" dirty="0"/>
+        </p:txBody>
+      </p:sp>
+      <p:sp>
+        <p:nvSpPr>
+          <p:cNvPr id="4" name="文本框 3">
+            <a:extLst>
+              <a:ext uri="{FF2B5EF4-FFF2-40B4-BE49-F238E27FC236}">
+                <a16:creationId xmlns:a16="http://schemas.microsoft.com/office/drawing/2014/main" id="{FF7F4C0C-B4B8-42DE-8188-837E5539BA18}"/>
+              </a:ext>
+            </a:extLst>
+          </p:cNvPr>
+          <p:cNvSpPr txBox="1"/>
+          <p:nvPr/>
+        </p:nvSpPr>
+        <p:spPr>
+          <a:xfrm>
+            <a:off x="483268" y="224589"/>
+            <a:ext cx="3318711" cy="830997"/>
+          </a:xfrm>
+          <a:prstGeom prst="rect">
+            <a:avLst/>
+          </a:prstGeom>
+          <a:noFill/>
+        </p:spPr>
+        <p:txBody>
+          <a:bodyPr wrap="square" rtlCol="0">
+            <a:spAutoFit/>
+          </a:bodyPr>
+          <a:lstStyle/>
+          <a:p>
+            <a:r>
+              <a:rPr lang="en-US" altLang="zh-CN" sz="4800" dirty="0">
+                <a:latin typeface="宋体" panose="02010600030101010101" pitchFamily="2" charset="-122"/>
+                <a:ea typeface="宋体" panose="02010600030101010101" pitchFamily="2" charset="-122"/>
+              </a:rPr>
+              <a:t>A1</a:t>
+            </a:r>
+            <a:r>
+              <a:rPr lang="zh-CN" altLang="en-US" sz="4800" dirty="0">
+                <a:latin typeface="宋体" panose="02010600030101010101" pitchFamily="2" charset="-122"/>
+                <a:ea typeface="宋体" panose="02010600030101010101" pitchFamily="2" charset="-122"/>
+              </a:rPr>
+              <a:t>灾难恢复</a:t>
+            </a:r>
           </a:p>
         </p:txBody>
       </p:sp>
     </p:spTree>
     <p:extLst>
       <p:ext uri="{BB962C8B-B14F-4D97-AF65-F5344CB8AC3E}">
-        <p14:creationId xmlns:p14="http://schemas.microsoft.com/office/powerpoint/2010/main" val="1768820770"/>
+        <p14:creationId xmlns:p14="http://schemas.microsoft.com/office/powerpoint/2010/main" val="2663160272"/>
       </p:ext>
     </p:extLst>
   </p:cSld>
@@ -9466,7 +6247,7 @@
           <p:cNvPr id="3" name="内容占位符 2">
             <a:extLst>
               <a:ext uri="{FF2B5EF4-FFF2-40B4-BE49-F238E27FC236}">
-                <a16:creationId xmlns:a16="http://schemas.microsoft.com/office/drawing/2014/main" id="{6B6FD4BA-F138-4ECE-BD6B-07C6DA73A9AE}"/>
+                <a16:creationId xmlns:a16="http://schemas.microsoft.com/office/drawing/2014/main" id="{9C484350-B904-4D1E-86A9-A84300E41DC5}"/>
               </a:ext>
             </a:extLst>
           </p:cNvPr>
@@ -9479,8 +6260,8 @@
         </p:nvSpPr>
         <p:spPr>
           <a:xfrm>
-            <a:off x="838200" y="1810647"/>
-            <a:ext cx="10515600" cy="3236705"/>
+            <a:off x="483268" y="2090507"/>
+            <a:ext cx="10515600" cy="2676985"/>
           </a:xfrm>
         </p:spPr>
         <p:txBody>
@@ -9490,172 +6271,105 @@
           <a:lstStyle/>
           <a:p>
             <a:r>
-              <a:rPr lang="zh-CN" altLang="zh-CN" sz="2400" dirty="0">
-                <a:solidFill>
-                  <a:srgbClr val="000000"/>
-                </a:solidFill>
-                <a:effectLst/>
-                <a:latin typeface="Times New Roman" panose="02020603050405020304" pitchFamily="18" charset="0"/>
-                <a:ea typeface="宋体" panose="02010600030101010101" pitchFamily="2" charset="-122"/>
-                <a:cs typeface="宋体" panose="02010600030101010101" pitchFamily="2" charset="-122"/>
-              </a:rPr>
-              <a:t>所有查询执行和数据处理都在后端机器上进行，使用</a:t>
-            </a:r>
-            <a:r>
-              <a:rPr lang="en-US" altLang="zh-CN" sz="2400" dirty="0">
-                <a:solidFill>
-                  <a:srgbClr val="000000"/>
-                </a:solidFill>
-                <a:effectLst/>
-                <a:latin typeface="Times New Roman" panose="02020603050405020304" pitchFamily="18" charset="0"/>
-                <a:ea typeface="宋体" panose="02010600030101010101" pitchFamily="2" charset="-122"/>
-                <a:cs typeface="宋体" panose="02010600030101010101" pitchFamily="2" charset="-122"/>
-              </a:rPr>
-              <a:t>RDMA</a:t>
-            </a:r>
-            <a:r>
-              <a:rPr lang="zh-CN" altLang="zh-CN" sz="2400" dirty="0">
-                <a:solidFill>
-                  <a:srgbClr val="000000"/>
-                </a:solidFill>
-                <a:effectLst/>
-                <a:latin typeface="Times New Roman" panose="02020603050405020304" pitchFamily="18" charset="0"/>
-                <a:ea typeface="宋体" panose="02010600030101010101" pitchFamily="2" charset="-122"/>
-                <a:cs typeface="宋体" panose="02010600030101010101" pitchFamily="2" charset="-122"/>
-              </a:rPr>
-              <a:t>通信</a:t>
-            </a:r>
-            <a:endParaRPr lang="en-US" altLang="zh-CN" sz="2400" dirty="0">
-              <a:solidFill>
-                <a:srgbClr val="000000"/>
-              </a:solidFill>
-              <a:effectLst/>
-              <a:latin typeface="Times New Roman" panose="02020603050405020304" pitchFamily="18" charset="0"/>
+              <a:rPr lang="zh-CN" altLang="en-US" dirty="0">
+                <a:latin typeface="宋体" panose="02010600030101010101" pitchFamily="2" charset="-122"/>
+                <a:ea typeface="宋体" panose="02010600030101010101" pitchFamily="2" charset="-122"/>
+              </a:rPr>
+              <a:t>解决了原有知识图谱不能实时更新的问题。</a:t>
+            </a:r>
+            <a:endParaRPr lang="en-US" altLang="zh-CN" dirty="0">
+              <a:latin typeface="宋体" panose="02010600030101010101" pitchFamily="2" charset="-122"/>
               <a:ea typeface="宋体" panose="02010600030101010101" pitchFamily="2" charset="-122"/>
-              <a:cs typeface="宋体" panose="02010600030101010101" pitchFamily="2" charset="-122"/>
             </a:endParaRPr>
           </a:p>
           <a:p>
-            <a:endParaRPr lang="en-US" altLang="zh-CN" sz="2400" dirty="0">
-              <a:solidFill>
-                <a:srgbClr val="000000"/>
-              </a:solidFill>
-              <a:effectLst/>
-              <a:latin typeface="Times New Roman" panose="02020603050405020304" pitchFamily="18" charset="0"/>
+            <a:endParaRPr lang="en-US" altLang="zh-CN" dirty="0">
+              <a:latin typeface="宋体" panose="02010600030101010101" pitchFamily="2" charset="-122"/>
               <a:ea typeface="宋体" panose="02010600030101010101" pitchFamily="2" charset="-122"/>
-              <a:cs typeface="宋体" panose="02010600030101010101" pitchFamily="2" charset="-122"/>
             </a:endParaRPr>
           </a:p>
           <a:p>
             <a:r>
-              <a:rPr lang="en-US" altLang="zh-CN" sz="2400" dirty="0">
-                <a:solidFill>
-                  <a:srgbClr val="000000"/>
-                </a:solidFill>
-                <a:latin typeface="Times New Roman" panose="02020603050405020304" pitchFamily="18" charset="0"/>
-                <a:ea typeface="宋体" panose="02010600030101010101" pitchFamily="2" charset="-122"/>
-              </a:rPr>
-              <a:t>RPC</a:t>
-            </a:r>
-            <a:r>
-              <a:rPr lang="zh-CN" altLang="zh-CN" sz="2400" dirty="0">
-                <a:solidFill>
-                  <a:srgbClr val="000000"/>
-                </a:solidFill>
-                <a:effectLst/>
-                <a:latin typeface="Times New Roman" panose="02020603050405020304" pitchFamily="18" charset="0"/>
-                <a:ea typeface="宋体" panose="02010600030101010101" pitchFamily="2" charset="-122"/>
-                <a:cs typeface="宋体" panose="02010600030101010101" pitchFamily="2" charset="-122"/>
-              </a:rPr>
-              <a:t>调用由软件负载平衡器</a:t>
-            </a:r>
-            <a:r>
-              <a:rPr lang="en-US" altLang="zh-CN" sz="2400" dirty="0">
-                <a:solidFill>
-                  <a:srgbClr val="000000"/>
-                </a:solidFill>
-                <a:effectLst/>
-                <a:latin typeface="Times New Roman" panose="02020603050405020304" pitchFamily="18" charset="0"/>
-                <a:ea typeface="宋体" panose="02010600030101010101" pitchFamily="2" charset="-122"/>
-                <a:cs typeface="宋体" panose="02010600030101010101" pitchFamily="2" charset="-122"/>
-              </a:rPr>
-              <a:t>(SLB)</a:t>
-            </a:r>
-            <a:r>
-              <a:rPr lang="zh-CN" altLang="zh-CN" sz="2400" dirty="0">
-                <a:solidFill>
-                  <a:srgbClr val="000000"/>
-                </a:solidFill>
-                <a:effectLst/>
-                <a:latin typeface="Times New Roman" panose="02020603050405020304" pitchFamily="18" charset="0"/>
-                <a:ea typeface="宋体" panose="02010600030101010101" pitchFamily="2" charset="-122"/>
-                <a:cs typeface="宋体" panose="02010600030101010101" pitchFamily="2" charset="-122"/>
-              </a:rPr>
-              <a:t>路由到一组前端机器</a:t>
-            </a:r>
-            <a:r>
-              <a:rPr lang="zh-CN" altLang="en-US" sz="2400" dirty="0">
-                <a:solidFill>
-                  <a:srgbClr val="000000"/>
-                </a:solidFill>
-                <a:effectLst/>
-                <a:latin typeface="Times New Roman" panose="02020603050405020304" pitchFamily="18" charset="0"/>
-                <a:ea typeface="宋体" panose="02010600030101010101" pitchFamily="2" charset="-122"/>
-                <a:cs typeface="宋体" panose="02010600030101010101" pitchFamily="2" charset="-122"/>
-              </a:rPr>
-              <a:t>，再</a:t>
-            </a:r>
-            <a:r>
-              <a:rPr lang="zh-CN" altLang="zh-CN" sz="2400" dirty="0">
-                <a:solidFill>
-                  <a:srgbClr val="000000"/>
-                </a:solidFill>
-                <a:effectLst/>
-                <a:latin typeface="Times New Roman" panose="02020603050405020304" pitchFamily="18" charset="0"/>
-                <a:ea typeface="宋体" panose="02010600030101010101" pitchFamily="2" charset="-122"/>
-                <a:cs typeface="宋体" panose="02010600030101010101" pitchFamily="2" charset="-122"/>
-              </a:rPr>
-              <a:t>由前端转发到后端机器，在那里进行处理</a:t>
-            </a:r>
-            <a:endParaRPr lang="en-US" altLang="zh-CN" sz="2400" dirty="0">
-              <a:solidFill>
-                <a:srgbClr val="000000"/>
-              </a:solidFill>
-              <a:effectLst/>
-              <a:latin typeface="Times New Roman" panose="02020603050405020304" pitchFamily="18" charset="0"/>
+              <a:rPr lang="zh-CN" altLang="en-US" dirty="0">
+                <a:latin typeface="宋体" panose="02010600030101010101" pitchFamily="2" charset="-122"/>
+                <a:ea typeface="宋体" panose="02010600030101010101" pitchFamily="2" charset="-122"/>
+              </a:rPr>
+              <a:t>只存储可查询数据。</a:t>
+            </a:r>
+            <a:endParaRPr lang="en-US" altLang="zh-CN" dirty="0">
+              <a:latin typeface="宋体" panose="02010600030101010101" pitchFamily="2" charset="-122"/>
               <a:ea typeface="宋体" panose="02010600030101010101" pitchFamily="2" charset="-122"/>
-              <a:cs typeface="宋体" panose="02010600030101010101" pitchFamily="2" charset="-122"/>
             </a:endParaRPr>
           </a:p>
           <a:p>
-            <a:endParaRPr lang="en-US" altLang="zh-CN" sz="2400" dirty="0">
-              <a:solidFill>
-                <a:srgbClr val="000000"/>
-              </a:solidFill>
-              <a:effectLst/>
-              <a:latin typeface="Times New Roman" panose="02020603050405020304" pitchFamily="18" charset="0"/>
+            <a:endParaRPr lang="en-US" altLang="zh-CN" dirty="0">
+              <a:latin typeface="宋体" panose="02010600030101010101" pitchFamily="2" charset="-122"/>
               <a:ea typeface="宋体" panose="02010600030101010101" pitchFamily="2" charset="-122"/>
-              <a:cs typeface="宋体" panose="02010600030101010101" pitchFamily="2" charset="-122"/>
             </a:endParaRPr>
           </a:p>
           <a:p>
             <a:r>
-              <a:rPr lang="zh-CN" altLang="zh-CN" sz="2400" kern="100" dirty="0">
-                <a:solidFill>
-                  <a:srgbClr val="000000"/>
-                </a:solidFill>
-                <a:effectLst/>
-                <a:latin typeface="Times New Roman" panose="02020603050405020304" pitchFamily="18" charset="0"/>
-                <a:ea typeface="宋体" panose="02010600030101010101" pitchFamily="2" charset="-122"/>
-                <a:cs typeface="宋体" panose="02010600030101010101" pitchFamily="2" charset="-122"/>
-              </a:rPr>
-              <a:t>我们的目标工作负载是具有许多读写操作的复杂查询，因此客户端和后端之间的延迟通常对总执行时间并不重要。</a:t>
-            </a:r>
-            <a:endParaRPr lang="zh-CN" altLang="zh-CN" sz="2400" kern="100" dirty="0">
-              <a:effectLst/>
-              <a:latin typeface="等线" panose="02010600030101010101" pitchFamily="2" charset="-122"/>
-              <a:ea typeface="等线" panose="02010600030101010101" pitchFamily="2" charset="-122"/>
-              <a:cs typeface="Times New Roman" panose="02020603050405020304" pitchFamily="18" charset="0"/>
+              <a:rPr lang="zh-CN" altLang="en-US" dirty="0">
+                <a:latin typeface="宋体" panose="02010600030101010101" pitchFamily="2" charset="-122"/>
+                <a:ea typeface="宋体" panose="02010600030101010101" pitchFamily="2" charset="-122"/>
+              </a:rPr>
+              <a:t>降低了知识服务系统的平均延迟，支持更复杂的查询。</a:t>
+            </a:r>
+          </a:p>
+        </p:txBody>
+      </p:sp>
+      <p:sp>
+        <p:nvSpPr>
+          <p:cNvPr id="4" name="文本框 3">
+            <a:extLst>
+              <a:ext uri="{FF2B5EF4-FFF2-40B4-BE49-F238E27FC236}">
+                <a16:creationId xmlns:a16="http://schemas.microsoft.com/office/drawing/2014/main" id="{3E8EE397-408E-4DCB-AB67-83BB8D062962}"/>
+              </a:ext>
+            </a:extLst>
+          </p:cNvPr>
+          <p:cNvSpPr txBox="1"/>
+          <p:nvPr/>
+        </p:nvSpPr>
+        <p:spPr>
+          <a:xfrm>
+            <a:off x="483268" y="224589"/>
+            <a:ext cx="3318711" cy="830997"/>
+          </a:xfrm>
+          <a:prstGeom prst="rect">
+            <a:avLst/>
+          </a:prstGeom>
+          <a:noFill/>
+        </p:spPr>
+        <p:txBody>
+          <a:bodyPr wrap="square" rtlCol="0">
+            <a:spAutoFit/>
+          </a:bodyPr>
+          <a:lstStyle/>
+          <a:p>
+            <a:r>
+              <a:rPr lang="en-US" altLang="zh-CN" sz="4800" dirty="0">
+                <a:latin typeface="宋体" panose="02010600030101010101" pitchFamily="2" charset="-122"/>
+                <a:ea typeface="宋体" panose="02010600030101010101" pitchFamily="2" charset="-122"/>
+              </a:rPr>
+              <a:t>A1</a:t>
+            </a:r>
+            <a:r>
+              <a:rPr lang="zh-CN" altLang="en-US" sz="4800" dirty="0">
+                <a:latin typeface="宋体" panose="02010600030101010101" pitchFamily="2" charset="-122"/>
+                <a:ea typeface="宋体" panose="02010600030101010101" pitchFamily="2" charset="-122"/>
+              </a:rPr>
+              <a:t> </a:t>
+            </a:r>
+            <a:r>
+              <a:rPr lang="en-US" altLang="zh-CN" sz="4800" dirty="0">
+                <a:latin typeface="宋体" panose="02010600030101010101" pitchFamily="2" charset="-122"/>
+                <a:ea typeface="宋体" panose="02010600030101010101" pitchFamily="2" charset="-122"/>
+              </a:rPr>
+              <a:t>in Bing</a:t>
+            </a:r>
+            <a:endParaRPr lang="zh-CN" altLang="en-US" sz="4800" dirty="0">
+              <a:latin typeface="宋体" panose="02010600030101010101" pitchFamily="2" charset="-122"/>
+              <a:ea typeface="宋体" panose="02010600030101010101" pitchFamily="2" charset="-122"/>
             </a:endParaRPr>
           </a:p>
         </p:txBody>
@@ -9663,7 +6377,7 @@
     </p:spTree>
     <p:extLst>
       <p:ext uri="{BB962C8B-B14F-4D97-AF65-F5344CB8AC3E}">
-        <p14:creationId xmlns:p14="http://schemas.microsoft.com/office/powerpoint/2010/main" val="378447266"/>
+        <p14:creationId xmlns:p14="http://schemas.microsoft.com/office/powerpoint/2010/main" val="2753099913"/>
       </p:ext>
     </p:extLst>
   </p:cSld>
@@ -9695,7 +6409,7 @@
           <p:cNvPr id="3" name="内容占位符 2">
             <a:extLst>
               <a:ext uri="{FF2B5EF4-FFF2-40B4-BE49-F238E27FC236}">
-                <a16:creationId xmlns:a16="http://schemas.microsoft.com/office/drawing/2014/main" id="{8BB0597D-38AB-4D1C-B4D8-961F68FE5F88}"/>
+                <a16:creationId xmlns:a16="http://schemas.microsoft.com/office/drawing/2014/main" id="{C3201DDF-595D-456E-8A55-BAB4719B0A6C}"/>
               </a:ext>
             </a:extLst>
           </p:cNvPr>
@@ -9708,8 +6422,8 @@
         </p:nvSpPr>
         <p:spPr>
           <a:xfrm>
-            <a:off x="838200" y="974285"/>
-            <a:ext cx="10515600" cy="4909430"/>
+            <a:off x="483268" y="2083904"/>
+            <a:ext cx="10515600" cy="2690191"/>
           </a:xfrm>
         </p:spPr>
         <p:txBody>
@@ -9718,198 +6432,154 @@
           </a:bodyPr>
           <a:lstStyle/>
           <a:p>
-            <a:r>
-              <a:rPr lang="zh-CN" altLang="en-US" sz="3200" dirty="0">
+            <a:pPr algn="just"/>
+            <a:r>
+              <a:rPr lang="zh-CN" altLang="en-US" dirty="0">
                 <a:solidFill>
                   <a:srgbClr val="000000"/>
                 </a:solidFill>
-                <a:effectLst/>
-                <a:latin typeface="Times New Roman" panose="02020603050405020304" pitchFamily="18" charset="0"/>
+                <a:latin typeface="宋体" panose="02010600030101010101" pitchFamily="2" charset="-122"/>
                 <a:ea typeface="宋体" panose="02010600030101010101" pitchFamily="2" charset="-122"/>
                 <a:cs typeface="宋体" panose="02010600030101010101" pitchFamily="2" charset="-122"/>
               </a:rPr>
-              <a:t>数据结构</a:t>
-            </a:r>
-            <a:endParaRPr lang="en-US" altLang="zh-CN" sz="3200" dirty="0">
+              <a:t>从任何主机或网络故障中快速恢复</a:t>
+            </a:r>
+            <a:endParaRPr lang="en-US" altLang="zh-CN" dirty="0">
+              <a:solidFill>
+                <a:srgbClr val="000000"/>
+              </a:solidFill>
+              <a:latin typeface="宋体" panose="02010600030101010101" pitchFamily="2" charset="-122"/>
+              <a:ea typeface="宋体" panose="02010600030101010101" pitchFamily="2" charset="-122"/>
+              <a:cs typeface="宋体" panose="02010600030101010101" pitchFamily="2" charset="-122"/>
+            </a:endParaRPr>
+          </a:p>
+          <a:p>
+            <a:pPr algn="just"/>
+            <a:endParaRPr lang="en-US" altLang="zh-CN" dirty="0">
               <a:solidFill>
                 <a:srgbClr val="000000"/>
               </a:solidFill>
               <a:effectLst/>
-              <a:latin typeface="Times New Roman" panose="02020603050405020304" pitchFamily="18" charset="0"/>
+              <a:latin typeface="宋体" panose="02010600030101010101" pitchFamily="2" charset="-122"/>
               <a:ea typeface="宋体" panose="02010600030101010101" pitchFamily="2" charset="-122"/>
               <a:cs typeface="宋体" panose="02010600030101010101" pitchFamily="2" charset="-122"/>
             </a:endParaRPr>
           </a:p>
           <a:p>
-            <a:r>
-              <a:rPr lang="en-US" altLang="zh-CN" sz="2400" dirty="0">
+            <a:pPr algn="just"/>
+            <a:r>
+              <a:rPr lang="zh-CN" altLang="en-US" dirty="0">
                 <a:solidFill>
                   <a:srgbClr val="000000"/>
                 </a:solidFill>
                 <a:effectLst/>
-                <a:latin typeface="Times New Roman" panose="02020603050405020304" pitchFamily="18" charset="0"/>
+                <a:latin typeface="宋体" panose="02010600030101010101" pitchFamily="2" charset="-122"/>
                 <a:ea typeface="宋体" panose="02010600030101010101" pitchFamily="2" charset="-122"/>
                 <a:cs typeface="宋体" panose="02010600030101010101" pitchFamily="2" charset="-122"/>
               </a:rPr>
-              <a:t>A1</a:t>
-            </a:r>
-            <a:r>
-              <a:rPr lang="zh-CN" altLang="zh-CN" sz="2400" dirty="0">
-                <a:solidFill>
-                  <a:srgbClr val="000000"/>
-                </a:solidFill>
-                <a:effectLst/>
-                <a:latin typeface="Times New Roman" panose="02020603050405020304" pitchFamily="18" charset="0"/>
-                <a:ea typeface="宋体" panose="02010600030101010101" pitchFamily="2" charset="-122"/>
-                <a:cs typeface="宋体" panose="02010600030101010101" pitchFamily="2" charset="-122"/>
-              </a:rPr>
-              <a:t>采用属性图模型</a:t>
-            </a:r>
-            <a:endParaRPr lang="en-US" altLang="zh-CN" sz="2400" dirty="0">
+              <a:t>不透明性和多版本化</a:t>
+            </a:r>
+            <a:endParaRPr lang="en-US" altLang="zh-CN" dirty="0">
               <a:solidFill>
                 <a:srgbClr val="000000"/>
               </a:solidFill>
               <a:effectLst/>
-              <a:latin typeface="Times New Roman" panose="02020603050405020304" pitchFamily="18" charset="0"/>
+              <a:latin typeface="宋体" panose="02010600030101010101" pitchFamily="2" charset="-122"/>
               <a:ea typeface="宋体" panose="02010600030101010101" pitchFamily="2" charset="-122"/>
               <a:cs typeface="宋体" panose="02010600030101010101" pitchFamily="2" charset="-122"/>
             </a:endParaRPr>
           </a:p>
           <a:p>
-            <a:endParaRPr lang="en-US" altLang="zh-CN" sz="2400" dirty="0">
-              <a:solidFill>
-                <a:srgbClr val="000000"/>
-              </a:solidFill>
-              <a:effectLst/>
-              <a:latin typeface="Times New Roman" panose="02020603050405020304" pitchFamily="18" charset="0"/>
+            <a:endParaRPr lang="en-US" altLang="zh-CN" dirty="0">
+              <a:latin typeface="宋体" panose="02010600030101010101" pitchFamily="2" charset="-122"/>
               <a:ea typeface="宋体" panose="02010600030101010101" pitchFamily="2" charset="-122"/>
-              <a:cs typeface="宋体" panose="02010600030101010101" pitchFamily="2" charset="-122"/>
             </a:endParaRPr>
           </a:p>
           <a:p>
             <a:r>
-              <a:rPr lang="en-US" altLang="zh-CN" sz="2400" dirty="0">
-                <a:solidFill>
-                  <a:srgbClr val="000000"/>
-                </a:solidFill>
-                <a:effectLst/>
-                <a:latin typeface="Times New Roman" panose="02020603050405020304" pitchFamily="18" charset="0"/>
-                <a:ea typeface="宋体" panose="02010600030101010101" pitchFamily="2" charset="-122"/>
-                <a:cs typeface="宋体" panose="02010600030101010101" pitchFamily="2" charset="-122"/>
+              <a:rPr lang="zh-CN" altLang="en-US" dirty="0">
+                <a:latin typeface="宋体" panose="02010600030101010101" pitchFamily="2" charset="-122"/>
+                <a:ea typeface="宋体" panose="02010600030101010101" pitchFamily="2" charset="-122"/>
+              </a:rPr>
+              <a:t>快速重启防止所有备份</a:t>
+            </a:r>
+            <a:r>
+              <a:rPr lang="en-US" altLang="zh-CN" dirty="0">
+                <a:latin typeface="宋体" panose="02010600030101010101" pitchFamily="2" charset="-122"/>
+                <a:ea typeface="宋体" panose="02010600030101010101" pitchFamily="2" charset="-122"/>
+              </a:rPr>
+              <a:t>FaRM</a:t>
+            </a:r>
+            <a:r>
+              <a:rPr lang="zh-CN" altLang="en-US" dirty="0">
+                <a:latin typeface="宋体" panose="02010600030101010101" pitchFamily="2" charset="-122"/>
+                <a:ea typeface="宋体" panose="02010600030101010101" pitchFamily="2" charset="-122"/>
+              </a:rPr>
+              <a:t>同时故障</a:t>
+            </a:r>
+          </a:p>
+        </p:txBody>
+      </p:sp>
+      <p:sp>
+        <p:nvSpPr>
+          <p:cNvPr id="4" name="文本框 3">
+            <a:extLst>
+              <a:ext uri="{FF2B5EF4-FFF2-40B4-BE49-F238E27FC236}">
+                <a16:creationId xmlns:a16="http://schemas.microsoft.com/office/drawing/2014/main" id="{658C3FAB-87B8-47FB-A011-CFEF8FDE051F}"/>
+              </a:ext>
+            </a:extLst>
+          </p:cNvPr>
+          <p:cNvSpPr txBox="1"/>
+          <p:nvPr/>
+        </p:nvSpPr>
+        <p:spPr>
+          <a:xfrm>
+            <a:off x="483268" y="224589"/>
+            <a:ext cx="3318711" cy="830997"/>
+          </a:xfrm>
+          <a:prstGeom prst="rect">
+            <a:avLst/>
+          </a:prstGeom>
+          <a:noFill/>
+        </p:spPr>
+        <p:txBody>
+          <a:bodyPr wrap="square" rtlCol="0">
+            <a:spAutoFit/>
+          </a:bodyPr>
+          <a:lstStyle/>
+          <a:p>
+            <a:r>
+              <a:rPr lang="en-US" altLang="zh-CN" sz="4800" dirty="0">
+                <a:latin typeface="宋体" panose="02010600030101010101" pitchFamily="2" charset="-122"/>
+                <a:ea typeface="宋体" panose="02010600030101010101" pitchFamily="2" charset="-122"/>
               </a:rPr>
               <a:t>A1</a:t>
             </a:r>
             <a:r>
-              <a:rPr lang="zh-CN" altLang="zh-CN" sz="2400" dirty="0">
-                <a:solidFill>
-                  <a:srgbClr val="000000"/>
-                </a:solidFill>
-                <a:effectLst/>
-                <a:latin typeface="Times New Roman" panose="02020603050405020304" pitchFamily="18" charset="0"/>
-                <a:ea typeface="宋体" panose="02010600030101010101" pitchFamily="2" charset="-122"/>
-                <a:cs typeface="宋体" panose="02010600030101010101" pitchFamily="2" charset="-122"/>
-              </a:rPr>
-              <a:t>按照层次结构组织客户数据</a:t>
-            </a:r>
-            <a:endParaRPr lang="en-US" altLang="zh-CN" sz="2400" dirty="0">
-              <a:solidFill>
-                <a:srgbClr val="000000"/>
-              </a:solidFill>
-              <a:effectLst/>
-              <a:latin typeface="Times New Roman" panose="02020603050405020304" pitchFamily="18" charset="0"/>
+              <a:rPr lang="zh-CN" altLang="en-US" sz="4800" dirty="0">
+                <a:latin typeface="宋体" panose="02010600030101010101" pitchFamily="2" charset="-122"/>
+                <a:ea typeface="宋体" panose="02010600030101010101" pitchFamily="2" charset="-122"/>
+              </a:rPr>
+              <a:t> </a:t>
+            </a:r>
+            <a:r>
+              <a:rPr lang="en-US" altLang="zh-CN" sz="4800" dirty="0">
+                <a:latin typeface="宋体" panose="02010600030101010101" pitchFamily="2" charset="-122"/>
+                <a:ea typeface="宋体" panose="02010600030101010101" pitchFamily="2" charset="-122"/>
+              </a:rPr>
+              <a:t>in Bing</a:t>
+            </a:r>
+            <a:endParaRPr lang="zh-CN" altLang="en-US" sz="4800" dirty="0">
+              <a:latin typeface="宋体" panose="02010600030101010101" pitchFamily="2" charset="-122"/>
               <a:ea typeface="宋体" panose="02010600030101010101" pitchFamily="2" charset="-122"/>
-              <a:cs typeface="宋体" panose="02010600030101010101" pitchFamily="2" charset="-122"/>
             </a:endParaRPr>
-          </a:p>
-          <a:p>
-            <a:endParaRPr lang="en-US" altLang="zh-CN" sz="2400" dirty="0">
-              <a:solidFill>
-                <a:srgbClr val="000000"/>
-              </a:solidFill>
-              <a:latin typeface="Times New Roman" panose="02020603050405020304" pitchFamily="18" charset="0"/>
-              <a:ea typeface="宋体" panose="02010600030101010101" pitchFamily="2" charset="-122"/>
-              <a:cs typeface="宋体" panose="02010600030101010101" pitchFamily="2" charset="-122"/>
-            </a:endParaRPr>
-          </a:p>
-          <a:p>
-            <a:r>
-              <a:rPr lang="zh-CN" altLang="zh-CN" sz="2400" dirty="0">
-                <a:solidFill>
-                  <a:srgbClr val="000000"/>
-                </a:solidFill>
-                <a:effectLst/>
-                <a:latin typeface="Times New Roman" panose="02020603050405020304" pitchFamily="18" charset="0"/>
-                <a:ea typeface="宋体" panose="02010600030101010101" pitchFamily="2" charset="-122"/>
-                <a:cs typeface="宋体" panose="02010600030101010101" pitchFamily="2" charset="-122"/>
-              </a:rPr>
-              <a:t>在声明顶点类型时，用户还必须将其中一个属性定义为主键，主键必须是唯一的且非空的</a:t>
-            </a:r>
-            <a:endParaRPr lang="en-US" altLang="zh-CN" sz="2400" dirty="0">
-              <a:solidFill>
-                <a:srgbClr val="000000"/>
-              </a:solidFill>
-              <a:effectLst/>
-              <a:latin typeface="Times New Roman" panose="02020603050405020304" pitchFamily="18" charset="0"/>
-              <a:ea typeface="宋体" panose="02010600030101010101" pitchFamily="2" charset="-122"/>
-              <a:cs typeface="宋体" panose="02010600030101010101" pitchFamily="2" charset="-122"/>
-            </a:endParaRPr>
-          </a:p>
-          <a:p>
-            <a:endParaRPr lang="en-US" altLang="zh-CN" sz="2400" dirty="0">
-              <a:solidFill>
-                <a:srgbClr val="000000"/>
-              </a:solidFill>
-              <a:effectLst/>
-              <a:latin typeface="Times New Roman" panose="02020603050405020304" pitchFamily="18" charset="0"/>
-              <a:ea typeface="宋体" panose="02010600030101010101" pitchFamily="2" charset="-122"/>
-              <a:cs typeface="宋体" panose="02010600030101010101" pitchFamily="2" charset="-122"/>
-            </a:endParaRPr>
-          </a:p>
-          <a:p>
-            <a:r>
-              <a:rPr lang="zh-CN" altLang="zh-CN" sz="2400" dirty="0">
-                <a:solidFill>
-                  <a:srgbClr val="000000"/>
-                </a:solidFill>
-                <a:effectLst/>
-                <a:latin typeface="Times New Roman" panose="02020603050405020304" pitchFamily="18" charset="0"/>
-                <a:ea typeface="宋体" panose="02010600030101010101" pitchFamily="2" charset="-122"/>
-                <a:cs typeface="宋体" panose="02010600030101010101" pitchFamily="2" charset="-122"/>
-              </a:rPr>
-              <a:t>每种类型都有一个在主键上定义的排序主索引</a:t>
-            </a:r>
-            <a:r>
-              <a:rPr lang="zh-CN" altLang="en-US" sz="2400" dirty="0">
-                <a:solidFill>
-                  <a:srgbClr val="000000"/>
-                </a:solidFill>
-                <a:effectLst/>
-                <a:latin typeface="Times New Roman" panose="02020603050405020304" pitchFamily="18" charset="0"/>
-                <a:ea typeface="宋体" panose="02010600030101010101" pitchFamily="2" charset="-122"/>
-                <a:cs typeface="宋体" panose="02010600030101010101" pitchFamily="2" charset="-122"/>
-              </a:rPr>
-              <a:t>；</a:t>
-            </a:r>
-            <a:r>
-              <a:rPr lang="zh-CN" altLang="zh-CN" sz="2400" dirty="0">
-                <a:solidFill>
-                  <a:srgbClr val="000000"/>
-                </a:solidFill>
-                <a:effectLst/>
-                <a:latin typeface="Times New Roman" panose="02020603050405020304" pitchFamily="18" charset="0"/>
-                <a:ea typeface="宋体" panose="02010600030101010101" pitchFamily="2" charset="-122"/>
-                <a:cs typeface="宋体" panose="02010600030101010101" pitchFamily="2" charset="-122"/>
-              </a:rPr>
-              <a:t>边缘类型不需要主键，并且边缘上没有索引</a:t>
-            </a:r>
-            <a:endParaRPr lang="zh-CN" altLang="en-US" sz="3600" b="1" dirty="0"/>
           </a:p>
         </p:txBody>
       </p:sp>
     </p:spTree>
     <p:extLst>
       <p:ext uri="{BB962C8B-B14F-4D97-AF65-F5344CB8AC3E}">
-        <p14:creationId xmlns:p14="http://schemas.microsoft.com/office/powerpoint/2010/main" val="998488451"/>
+        <p14:creationId xmlns:p14="http://schemas.microsoft.com/office/powerpoint/2010/main" val="1487376697"/>
       </p:ext>
     </p:extLst>
   </p:cSld>

--- a/S320067135赵博文.pptx
+++ b/S320067135赵博文.pptx
@@ -4188,7 +4188,12 @@
             <p:ph type="ctrTitle"/>
           </p:nvPr>
         </p:nvSpPr>
-        <p:spPr/>
+        <p:spPr>
+          <a:xfrm>
+            <a:off x="1524000" y="1122363"/>
+            <a:ext cx="9144000" cy="1439236"/>
+          </a:xfrm>
+        </p:spPr>
         <p:txBody>
           <a:bodyPr>
             <a:normAutofit/>
@@ -4240,8 +4245,8 @@
         </p:nvSpPr>
         <p:spPr>
           <a:xfrm>
-            <a:off x="1524000" y="3963960"/>
-            <a:ext cx="9144000" cy="1655762"/>
+            <a:off x="1242645" y="2997527"/>
+            <a:ext cx="9718431" cy="862945"/>
           </a:xfrm>
         </p:spPr>
         <p:txBody>
@@ -4262,12 +4267,83 @@
                 <a:latin typeface="宋体" panose="02010600030101010101" pitchFamily="2" charset="-122"/>
                 <a:ea typeface="宋体" panose="02010600030101010101" pitchFamily="2" charset="-122"/>
               </a:rPr>
-              <a:t>一个内存中的分布式图数据库</a:t>
+              <a:t>一个</a:t>
+            </a:r>
+            <a:r>
+              <a:rPr lang="zh-CN" altLang="en-US" sz="4800" dirty="0">
+                <a:latin typeface="宋体" panose="02010600030101010101" pitchFamily="2" charset="-122"/>
+                <a:ea typeface="宋体" panose="02010600030101010101" pitchFamily="2" charset="-122"/>
+              </a:rPr>
+              <a:t>基于</a:t>
+            </a:r>
+            <a:r>
+              <a:rPr lang="zh-CN" altLang="zh-CN" sz="4800" dirty="0">
+                <a:latin typeface="宋体" panose="02010600030101010101" pitchFamily="2" charset="-122"/>
+                <a:ea typeface="宋体" panose="02010600030101010101" pitchFamily="2" charset="-122"/>
+              </a:rPr>
+              <a:t>内存</a:t>
+            </a:r>
+            <a:r>
+              <a:rPr lang="zh-CN" altLang="en-US" sz="4800" dirty="0">
+                <a:latin typeface="宋体" panose="02010600030101010101" pitchFamily="2" charset="-122"/>
+                <a:ea typeface="宋体" panose="02010600030101010101" pitchFamily="2" charset="-122"/>
+              </a:rPr>
+              <a:t>的</a:t>
+            </a:r>
+            <a:r>
+              <a:rPr lang="zh-CN" altLang="zh-CN" sz="4800" dirty="0">
+                <a:latin typeface="宋体" panose="02010600030101010101" pitchFamily="2" charset="-122"/>
+                <a:ea typeface="宋体" panose="02010600030101010101" pitchFamily="2" charset="-122"/>
+              </a:rPr>
+              <a:t>分布式图数据库</a:t>
             </a:r>
             <a:endParaRPr lang="zh-CN" altLang="en-US" sz="4800" dirty="0">
               <a:latin typeface="宋体" panose="02010600030101010101" pitchFamily="2" charset="-122"/>
               <a:ea typeface="宋体" panose="02010600030101010101" pitchFamily="2" charset="-122"/>
             </a:endParaRPr>
+          </a:p>
+        </p:txBody>
+      </p:sp>
+      <p:sp>
+        <p:nvSpPr>
+          <p:cNvPr id="4" name="文本框 3">
+            <a:extLst>
+              <a:ext uri="{FF2B5EF4-FFF2-40B4-BE49-F238E27FC236}">
+                <a16:creationId xmlns:a16="http://schemas.microsoft.com/office/drawing/2014/main" id="{178959EA-B527-4CC4-9AC5-237A501A77E4}"/>
+              </a:ext>
+            </a:extLst>
+          </p:cNvPr>
+          <p:cNvSpPr txBox="1"/>
+          <p:nvPr/>
+        </p:nvSpPr>
+        <p:spPr>
+          <a:xfrm>
+            <a:off x="6553200" y="5212417"/>
+            <a:ext cx="4853354" cy="523220"/>
+          </a:xfrm>
+          <a:prstGeom prst="rect">
+            <a:avLst/>
+          </a:prstGeom>
+          <a:noFill/>
+        </p:spPr>
+        <p:txBody>
+          <a:bodyPr wrap="square" rtlCol="0">
+            <a:spAutoFit/>
+          </a:bodyPr>
+          <a:lstStyle/>
+          <a:p>
+            <a:r>
+              <a:rPr lang="zh-CN" altLang="en-US" sz="2800" dirty="0"/>
+              <a:t>汇报人：</a:t>
+            </a:r>
+            <a:r>
+              <a:rPr lang="en-US" altLang="zh-CN" sz="2800" dirty="0"/>
+              <a:t>S320067135 </a:t>
+            </a:r>
+            <a:r>
+              <a:rPr lang="zh-CN" altLang="en-US" sz="2800" dirty="0"/>
+              <a:t>赵博文</a:t>
+            </a:r>
           </a:p>
         </p:txBody>
       </p:sp>
@@ -4623,7 +4699,31 @@
                 <a:ea typeface="宋体" panose="02010600030101010101" pitchFamily="2" charset="-122"/>
                 <a:cs typeface="宋体" panose="02010600030101010101" pitchFamily="2" charset="-122"/>
               </a:rPr>
-              <a:t>是一个内存中的</a:t>
+              <a:t>是一个</a:t>
+            </a:r>
+            <a:r>
+              <a:rPr lang="zh-CN" altLang="en-US" dirty="0">
+                <a:solidFill>
+                  <a:srgbClr val="000000"/>
+                </a:solidFill>
+                <a:effectLst/>
+                <a:latin typeface="Times New Roman" panose="02020603050405020304" pitchFamily="18" charset="0"/>
+                <a:ea typeface="宋体" panose="02010600030101010101" pitchFamily="2" charset="-122"/>
+                <a:cs typeface="宋体" panose="02010600030101010101" pitchFamily="2" charset="-122"/>
+              </a:rPr>
+              <a:t>基于</a:t>
+            </a:r>
+            <a:r>
+              <a:rPr lang="zh-CN" altLang="zh-CN" dirty="0">
+                <a:solidFill>
+                  <a:srgbClr val="000000"/>
+                </a:solidFill>
+                <a:effectLst/>
+                <a:latin typeface="Times New Roman" panose="02020603050405020304" pitchFamily="18" charset="0"/>
+                <a:ea typeface="宋体" panose="02010600030101010101" pitchFamily="2" charset="-122"/>
+                <a:cs typeface="宋体" panose="02010600030101010101" pitchFamily="2" charset="-122"/>
+              </a:rPr>
+              <a:t>内存的</a:t>
             </a:r>
             <a:r>
               <a:rPr lang="zh-CN" altLang="en-US" dirty="0">
@@ -4738,7 +4838,7 @@
               <a:t>硬件支持</a:t>
             </a:r>
             <a:r>
-              <a:rPr lang="zh-CN" altLang="zh-CN" dirty="0">
+              <a:rPr lang="zh-CN" altLang="en-US" dirty="0">
                 <a:solidFill>
                   <a:srgbClr val="000000"/>
                 </a:solidFill>
@@ -4747,7 +4847,7 @@
                 <a:ea typeface="宋体" panose="02010600030101010101" pitchFamily="2" charset="-122"/>
                 <a:cs typeface="宋体" panose="02010600030101010101" pitchFamily="2" charset="-122"/>
               </a:rPr>
-              <a:t>是廉价的</a:t>
+              <a:t>包括</a:t>
             </a:r>
             <a:r>
               <a:rPr lang="en-US" altLang="zh-CN" dirty="0">
@@ -4889,7 +4989,31 @@
                 <a:ea typeface="宋体" panose="02010600030101010101" pitchFamily="2" charset="-122"/>
                 <a:cs typeface="宋体" panose="02010600030101010101" pitchFamily="2" charset="-122"/>
               </a:rPr>
-              <a:t>作为它的底层存储层，并在上面构建图抽象和查询引擎</a:t>
+              <a:t>作为它的底层存储层，并</a:t>
+            </a:r>
+            <a:r>
+              <a:rPr lang="zh-CN" altLang="en-US" dirty="0">
+                <a:solidFill>
+                  <a:srgbClr val="000000"/>
+                </a:solidFill>
+                <a:effectLst/>
+                <a:latin typeface="Times New Roman" panose="02020603050405020304" pitchFamily="18" charset="0"/>
+                <a:ea typeface="宋体" panose="02010600030101010101" pitchFamily="2" charset="-122"/>
+                <a:cs typeface="宋体" panose="02010600030101010101" pitchFamily="2" charset="-122"/>
+              </a:rPr>
+              <a:t>其</a:t>
+            </a:r>
+            <a:r>
+              <a:rPr lang="zh-CN" altLang="zh-CN" dirty="0">
+                <a:solidFill>
+                  <a:srgbClr val="000000"/>
+                </a:solidFill>
+                <a:effectLst/>
+                <a:latin typeface="Times New Roman" panose="02020603050405020304" pitchFamily="18" charset="0"/>
+                <a:ea typeface="宋体" panose="02010600030101010101" pitchFamily="2" charset="-122"/>
+                <a:cs typeface="宋体" panose="02010600030101010101" pitchFamily="2" charset="-122"/>
+              </a:rPr>
+              <a:t>上构建图抽象和查询引擎</a:t>
             </a:r>
             <a:r>
               <a:rPr lang="zh-CN" altLang="en-US" dirty="0">

--- a/S320067135赵博文.pptx
+++ b/S320067135赵博文.pptx
@@ -5,19 +5,21 @@
     <p:sldMasterId id="2147483648" r:id="rId1"/>
   </p:sldMasterIdLst>
   <p:notesMasterIdLst>
-    <p:notesMasterId r:id="rId12"/>
+    <p:notesMasterId r:id="rId14"/>
   </p:notesMasterIdLst>
   <p:sldIdLst>
     <p:sldId id="256" r:id="rId2"/>
     <p:sldId id="261" r:id="rId3"/>
-    <p:sldId id="262" r:id="rId4"/>
-    <p:sldId id="263" r:id="rId5"/>
-    <p:sldId id="264" r:id="rId6"/>
-    <p:sldId id="267" r:id="rId7"/>
-    <p:sldId id="271" r:id="rId8"/>
-    <p:sldId id="272" r:id="rId9"/>
-    <p:sldId id="273" r:id="rId10"/>
-    <p:sldId id="274" r:id="rId11"/>
+    <p:sldId id="275" r:id="rId4"/>
+    <p:sldId id="262" r:id="rId5"/>
+    <p:sldId id="263" r:id="rId6"/>
+    <p:sldId id="264" r:id="rId7"/>
+    <p:sldId id="276" r:id="rId8"/>
+    <p:sldId id="267" r:id="rId9"/>
+    <p:sldId id="278" r:id="rId10"/>
+    <p:sldId id="272" r:id="rId11"/>
+    <p:sldId id="273" r:id="rId12"/>
+    <p:sldId id="277" r:id="rId13"/>
   </p:sldIdLst>
   <p:sldSz cx="12192000" cy="6858000"/>
   <p:notesSz cx="6858000" cy="9144000"/>
@@ -206,7 +208,7 @@
           <a:p>
             <a:fld id="{706337D4-FC10-45D0-9EE1-D507C16D2351}" type="datetimeFigureOut">
               <a:rPr lang="zh-CN" altLang="en-US" smtClean="0"/>
-              <a:t>2020/12/7</a:t>
+              <a:t>2020/12/8</a:t>
             </a:fld>
             <a:endParaRPr lang="zh-CN" altLang="en-US"/>
           </a:p>
@@ -534,138 +536,6 @@
               <a:tabLst/>
               <a:defRPr/>
             </a:pPr>
-            <a:r>
-              <a:rPr lang="zh-CN" altLang="en-US" sz="1200" b="0" i="0" kern="1200" dirty="0">
-                <a:solidFill>
-                  <a:schemeClr val="tx1"/>
-                </a:solidFill>
-                <a:effectLst/>
-                <a:latin typeface="+mn-lt"/>
-                <a:ea typeface="+mn-ea"/>
-                <a:cs typeface="+mn-cs"/>
-              </a:rPr>
-              <a:t>内存存储和</a:t>
-            </a:r>
-            <a:r>
-              <a:rPr lang="en-US" altLang="zh-CN" sz="1200" b="0" i="0" kern="1200" dirty="0">
-                <a:solidFill>
-                  <a:schemeClr val="tx1"/>
-                </a:solidFill>
-                <a:effectLst/>
-                <a:latin typeface="+mn-lt"/>
-                <a:ea typeface="+mn-ea"/>
-                <a:cs typeface="+mn-cs"/>
-              </a:rPr>
-              <a:t>RDMA</a:t>
-            </a:r>
-            <a:r>
-              <a:rPr lang="zh-CN" altLang="en-US" sz="1200" b="0" i="0" kern="1200" dirty="0">
-                <a:solidFill>
-                  <a:schemeClr val="tx1"/>
-                </a:solidFill>
-                <a:effectLst/>
-                <a:latin typeface="+mn-lt"/>
-                <a:ea typeface="+mn-ea"/>
-                <a:cs typeface="+mn-cs"/>
-              </a:rPr>
-              <a:t>访问的结合要求重新考虑在大型分布式系统中如何分配，组织和查询数据。单个</a:t>
-            </a:r>
-            <a:r>
-              <a:rPr lang="en-US" altLang="zh-CN" sz="1200" b="0" i="0" kern="1200" dirty="0">
-                <a:solidFill>
-                  <a:schemeClr val="tx1"/>
-                </a:solidFill>
-                <a:effectLst/>
-                <a:latin typeface="+mn-lt"/>
-                <a:ea typeface="+mn-ea"/>
-                <a:cs typeface="+mn-cs"/>
-              </a:rPr>
-              <a:t>A1</a:t>
-            </a:r>
-            <a:r>
-              <a:rPr lang="zh-CN" altLang="en-US" sz="1200" b="0" i="0" kern="1200" dirty="0">
-                <a:solidFill>
-                  <a:schemeClr val="tx1"/>
-                </a:solidFill>
-                <a:effectLst/>
-                <a:latin typeface="+mn-lt"/>
-                <a:ea typeface="+mn-ea"/>
-                <a:cs typeface="+mn-cs"/>
-              </a:rPr>
-              <a:t>群集可以存储数百亿个顶点和边，并支持每秒</a:t>
-            </a:r>
-            <a:r>
-              <a:rPr lang="en-US" altLang="zh-CN" sz="1200" b="0" i="0" kern="1200" dirty="0">
-                <a:solidFill>
-                  <a:schemeClr val="tx1"/>
-                </a:solidFill>
-                <a:effectLst/>
-                <a:latin typeface="+mn-lt"/>
-                <a:ea typeface="+mn-ea"/>
-                <a:cs typeface="+mn-cs"/>
-              </a:rPr>
-              <a:t>350+</a:t>
-            </a:r>
-            <a:r>
-              <a:rPr lang="zh-CN" altLang="en-US" sz="1200" b="0" i="0" kern="1200" dirty="0">
-                <a:solidFill>
-                  <a:schemeClr val="tx1"/>
-                </a:solidFill>
-                <a:effectLst/>
-                <a:latin typeface="+mn-lt"/>
-                <a:ea typeface="+mn-ea"/>
-                <a:cs typeface="+mn-cs"/>
-              </a:rPr>
-              <a:t>百万个顶点读取的吞吐量，并且端到端查询延迟以个位数毫秒为单位。这篇文章描述了</a:t>
-            </a:r>
-            <a:r>
-              <a:rPr lang="en-US" altLang="zh-CN" sz="1200" b="0" i="0" kern="1200" dirty="0">
-                <a:solidFill>
-                  <a:schemeClr val="tx1"/>
-                </a:solidFill>
-                <a:effectLst/>
-                <a:latin typeface="+mn-lt"/>
-                <a:ea typeface="+mn-ea"/>
-                <a:cs typeface="+mn-cs"/>
-              </a:rPr>
-              <a:t>A1</a:t>
-            </a:r>
-            <a:r>
-              <a:rPr lang="zh-CN" altLang="en-US" sz="1200" b="0" i="0" kern="1200" dirty="0">
-                <a:solidFill>
-                  <a:schemeClr val="tx1"/>
-                </a:solidFill>
-                <a:effectLst/>
-                <a:latin typeface="+mn-lt"/>
-                <a:ea typeface="+mn-ea"/>
-                <a:cs typeface="+mn-cs"/>
-              </a:rPr>
-              <a:t>的数据模型，</a:t>
-            </a:r>
-            <a:r>
-              <a:rPr lang="en-US" altLang="zh-CN" sz="1200" b="0" i="0" kern="1200" dirty="0">
-                <a:solidFill>
-                  <a:schemeClr val="tx1"/>
-                </a:solidFill>
-                <a:effectLst/>
-                <a:latin typeface="+mn-lt"/>
-                <a:ea typeface="+mn-ea"/>
-                <a:cs typeface="+mn-cs"/>
-              </a:rPr>
-              <a:t>RDMA</a:t>
-            </a:r>
-            <a:r>
-              <a:rPr lang="zh-CN" altLang="en-US" sz="1200" b="0" i="0" kern="1200" dirty="0">
-                <a:solidFill>
-                  <a:schemeClr val="tx1"/>
-                </a:solidFill>
-                <a:effectLst/>
-                <a:latin typeface="+mn-lt"/>
-                <a:ea typeface="+mn-ea"/>
-                <a:cs typeface="+mn-cs"/>
-              </a:rPr>
-              <a:t>优化的数据结构和查询执行。</a:t>
-            </a:r>
             <a:endParaRPr lang="zh-CN" altLang="en-US" sz="1800" dirty="0"/>
           </a:p>
         </p:txBody>
@@ -771,7 +641,7 @@
           <a:p>
             <a:fld id="{8F8A1864-F476-4EFB-808E-32CD00A01B03}" type="slidenum">
               <a:rPr lang="zh-CN" altLang="en-US" smtClean="0"/>
-              <a:t>4</a:t>
+              <a:t>5</a:t>
             </a:fld>
             <a:endParaRPr lang="zh-CN" altLang="en-US"/>
           </a:p>
@@ -781,151 +651,6 @@
     <p:extLst>
       <p:ext uri="{BB962C8B-B14F-4D97-AF65-F5344CB8AC3E}">
         <p14:creationId xmlns:p14="http://schemas.microsoft.com/office/powerpoint/2010/main" val="3402193033"/>
-      </p:ext>
-    </p:extLst>
-  </p:cSld>
-  <p:clrMapOvr>
-    <a:masterClrMapping/>
-  </p:clrMapOvr>
-</p:notes>
-</file>
-
-<file path=ppt/notesSlides/notesSlide3.xml><?xml version="1.0" encoding="utf-8"?>
-<p:notes xmlns:a="http://schemas.openxmlformats.org/drawingml/2006/main" xmlns:r="http://schemas.openxmlformats.org/officeDocument/2006/relationships" xmlns:p="http://schemas.openxmlformats.org/presentationml/2006/main">
-  <p:cSld>
-    <p:spTree>
-      <p:nvGrpSpPr>
-        <p:cNvPr id="1" name=""/>
-        <p:cNvGrpSpPr/>
-        <p:nvPr/>
-      </p:nvGrpSpPr>
-      <p:grpSpPr>
-        <a:xfrm>
-          <a:off x="0" y="0"/>
-          <a:ext cx="0" cy="0"/>
-          <a:chOff x="0" y="0"/>
-          <a:chExt cx="0" cy="0"/>
-        </a:xfrm>
-      </p:grpSpPr>
-      <p:sp>
-        <p:nvSpPr>
-          <p:cNvPr id="2" name="幻灯片图像占位符 1"/>
-          <p:cNvSpPr>
-            <a:spLocks noGrp="1" noRot="1" noChangeAspect="1"/>
-          </p:cNvSpPr>
-          <p:nvPr>
-            <p:ph type="sldImg"/>
-          </p:nvPr>
-        </p:nvSpPr>
-        <p:spPr/>
-      </p:sp>
-      <p:sp>
-        <p:nvSpPr>
-          <p:cNvPr id="3" name="备注占位符 2"/>
-          <p:cNvSpPr>
-            <a:spLocks noGrp="1"/>
-          </p:cNvSpPr>
-          <p:nvPr>
-            <p:ph type="body" idx="1"/>
-          </p:nvPr>
-        </p:nvSpPr>
-        <p:spPr/>
-        <p:txBody>
-          <a:bodyPr/>
-          <a:lstStyle/>
-          <a:p>
-            <a:pPr marL="0" marR="0" lvl="0" indent="0" algn="l" defTabSz="914400" rtl="0" eaLnBrk="1" fontAlgn="auto" latinLnBrk="0" hangingPunct="1">
-              <a:lnSpc>
-                <a:spcPct val="100000"/>
-              </a:lnSpc>
-              <a:spcBef>
-                <a:spcPts val="0"/>
-              </a:spcBef>
-              <a:spcAft>
-                <a:spcPts val="0"/>
-              </a:spcAft>
-              <a:buClrTx/>
-              <a:buSzTx/>
-              <a:buFontTx/>
-              <a:buNone/>
-              <a:tabLst/>
-              <a:defRPr/>
-            </a:pPr>
-            <a:r>
-              <a:rPr lang="zh-CN" altLang="zh-CN" sz="1200" kern="100" dirty="0">
-                <a:solidFill>
-                  <a:srgbClr val="000000"/>
-                </a:solidFill>
-                <a:effectLst/>
-                <a:latin typeface="Times New Roman" panose="02020603050405020304" pitchFamily="18" charset="0"/>
-                <a:ea typeface="宋体" panose="02010600030101010101" pitchFamily="2" charset="-122"/>
-                <a:cs typeface="宋体" panose="02010600030101010101" pitchFamily="2" charset="-122"/>
-              </a:rPr>
-              <a:t>如果更新的时间戳较新的，则更新是较晚的事务，我们将更新存储到行中。另一方面，如果更新比</a:t>
-            </a:r>
-            <a:r>
-              <a:rPr lang="en-US" altLang="zh-CN" sz="1200" kern="100" dirty="0">
-                <a:solidFill>
-                  <a:srgbClr val="000000"/>
-                </a:solidFill>
-                <a:effectLst/>
-                <a:latin typeface="Times New Roman" panose="02020603050405020304" pitchFamily="18" charset="0"/>
-                <a:ea typeface="宋体" panose="02010600030101010101" pitchFamily="2" charset="-122"/>
-                <a:cs typeface="宋体" panose="02010600030101010101" pitchFamily="2" charset="-122"/>
-              </a:rPr>
-              <a:t>ObjectStore</a:t>
-            </a:r>
-            <a:r>
-              <a:rPr lang="zh-CN" altLang="zh-CN" sz="1200" kern="100" dirty="0">
-                <a:solidFill>
-                  <a:srgbClr val="000000"/>
-                </a:solidFill>
-                <a:effectLst/>
-                <a:latin typeface="Times New Roman" panose="02020603050405020304" pitchFamily="18" charset="0"/>
-                <a:ea typeface="宋体" panose="02010600030101010101" pitchFamily="2" charset="-122"/>
-                <a:cs typeface="宋体" panose="02010600030101010101" pitchFamily="2" charset="-122"/>
-              </a:rPr>
-              <a:t>表行的现有内容更早，那么这个更新就是过时的更新，我们可以丢弃它。</a:t>
-            </a:r>
-            <a:endParaRPr lang="zh-CN" altLang="zh-CN" sz="1200" kern="100" dirty="0">
-              <a:effectLst/>
-              <a:latin typeface="等线" panose="02010600030101010101" pitchFamily="2" charset="-122"/>
-              <a:ea typeface="等线" panose="02010600030101010101" pitchFamily="2" charset="-122"/>
-              <a:cs typeface="Times New Roman" panose="02020603050405020304" pitchFamily="18" charset="0"/>
-            </a:endParaRPr>
-          </a:p>
-          <a:p>
-            <a:endParaRPr lang="zh-CN" altLang="en-US" dirty="0"/>
-          </a:p>
-        </p:txBody>
-      </p:sp>
-      <p:sp>
-        <p:nvSpPr>
-          <p:cNvPr id="4" name="灯片编号占位符 3"/>
-          <p:cNvSpPr>
-            <a:spLocks noGrp="1"/>
-          </p:cNvSpPr>
-          <p:nvPr>
-            <p:ph type="sldNum" sz="quarter" idx="5"/>
-          </p:nvPr>
-        </p:nvSpPr>
-        <p:spPr/>
-        <p:txBody>
-          <a:bodyPr/>
-          <a:lstStyle/>
-          <a:p>
-            <a:fld id="{8F8A1864-F476-4EFB-808E-32CD00A01B03}" type="slidenum">
-              <a:rPr lang="zh-CN" altLang="en-US" smtClean="0"/>
-              <a:t>7</a:t>
-            </a:fld>
-            <a:endParaRPr lang="zh-CN" altLang="en-US"/>
-          </a:p>
-        </p:txBody>
-      </p:sp>
-    </p:spTree>
-    <p:extLst>
-      <p:ext uri="{BB962C8B-B14F-4D97-AF65-F5344CB8AC3E}">
-        <p14:creationId xmlns:p14="http://schemas.microsoft.com/office/powerpoint/2010/main" val="2575738419"/>
       </p:ext>
     </p:extLst>
   </p:cSld>
@@ -1082,7 +807,7 @@
           <a:p>
             <a:fld id="{774E367D-5AB4-492E-B702-F549CA70CC8A}" type="datetimeFigureOut">
               <a:rPr lang="zh-CN" altLang="en-US" smtClean="0"/>
-              <a:t>2020/12/7</a:t>
+              <a:t>2020/12/8</a:t>
             </a:fld>
             <a:endParaRPr lang="zh-CN" altLang="en-US"/>
           </a:p>
@@ -1280,7 +1005,7 @@
           <a:p>
             <a:fld id="{774E367D-5AB4-492E-B702-F549CA70CC8A}" type="datetimeFigureOut">
               <a:rPr lang="zh-CN" altLang="en-US" smtClean="0"/>
-              <a:t>2020/12/7</a:t>
+              <a:t>2020/12/8</a:t>
             </a:fld>
             <a:endParaRPr lang="zh-CN" altLang="en-US"/>
           </a:p>
@@ -1488,7 +1213,7 @@
           <a:p>
             <a:fld id="{774E367D-5AB4-492E-B702-F549CA70CC8A}" type="datetimeFigureOut">
               <a:rPr lang="zh-CN" altLang="en-US" smtClean="0"/>
-              <a:t>2020/12/7</a:t>
+              <a:t>2020/12/8</a:t>
             </a:fld>
             <a:endParaRPr lang="zh-CN" altLang="en-US"/>
           </a:p>
@@ -1686,7 +1411,7 @@
           <a:p>
             <a:fld id="{774E367D-5AB4-492E-B702-F549CA70CC8A}" type="datetimeFigureOut">
               <a:rPr lang="zh-CN" altLang="en-US" smtClean="0"/>
-              <a:t>2020/12/7</a:t>
+              <a:t>2020/12/8</a:t>
             </a:fld>
             <a:endParaRPr lang="zh-CN" altLang="en-US"/>
           </a:p>
@@ -1961,7 +1686,7 @@
           <a:p>
             <a:fld id="{774E367D-5AB4-492E-B702-F549CA70CC8A}" type="datetimeFigureOut">
               <a:rPr lang="zh-CN" altLang="en-US" smtClean="0"/>
-              <a:t>2020/12/7</a:t>
+              <a:t>2020/12/8</a:t>
             </a:fld>
             <a:endParaRPr lang="zh-CN" altLang="en-US"/>
           </a:p>
@@ -2226,7 +1951,7 @@
           <a:p>
             <a:fld id="{774E367D-5AB4-492E-B702-F549CA70CC8A}" type="datetimeFigureOut">
               <a:rPr lang="zh-CN" altLang="en-US" smtClean="0"/>
-              <a:t>2020/12/7</a:t>
+              <a:t>2020/12/8</a:t>
             </a:fld>
             <a:endParaRPr lang="zh-CN" altLang="en-US"/>
           </a:p>
@@ -2638,7 +2363,7 @@
           <a:p>
             <a:fld id="{774E367D-5AB4-492E-B702-F549CA70CC8A}" type="datetimeFigureOut">
               <a:rPr lang="zh-CN" altLang="en-US" smtClean="0"/>
-              <a:t>2020/12/7</a:t>
+              <a:t>2020/12/8</a:t>
             </a:fld>
             <a:endParaRPr lang="zh-CN" altLang="en-US"/>
           </a:p>
@@ -2779,7 +2504,7 @@
           <a:p>
             <a:fld id="{774E367D-5AB4-492E-B702-F549CA70CC8A}" type="datetimeFigureOut">
               <a:rPr lang="zh-CN" altLang="en-US" smtClean="0"/>
-              <a:t>2020/12/7</a:t>
+              <a:t>2020/12/8</a:t>
             </a:fld>
             <a:endParaRPr lang="zh-CN" altLang="en-US"/>
           </a:p>
@@ -2892,7 +2617,7 @@
           <a:p>
             <a:fld id="{774E367D-5AB4-492E-B702-F549CA70CC8A}" type="datetimeFigureOut">
               <a:rPr lang="zh-CN" altLang="en-US" smtClean="0"/>
-              <a:t>2020/12/7</a:t>
+              <a:t>2020/12/8</a:t>
             </a:fld>
             <a:endParaRPr lang="zh-CN" altLang="en-US"/>
           </a:p>
@@ -3203,7 +2928,7 @@
           <a:p>
             <a:fld id="{774E367D-5AB4-492E-B702-F549CA70CC8A}" type="datetimeFigureOut">
               <a:rPr lang="zh-CN" altLang="en-US" smtClean="0"/>
-              <a:t>2020/12/7</a:t>
+              <a:t>2020/12/8</a:t>
             </a:fld>
             <a:endParaRPr lang="zh-CN" altLang="en-US"/>
           </a:p>
@@ -3491,7 +3216,7 @@
           <a:p>
             <a:fld id="{774E367D-5AB4-492E-B702-F549CA70CC8A}" type="datetimeFigureOut">
               <a:rPr lang="zh-CN" altLang="en-US" smtClean="0"/>
-              <a:t>2020/12/7</a:t>
+              <a:t>2020/12/8</a:t>
             </a:fld>
             <a:endParaRPr lang="zh-CN" altLang="en-US"/>
           </a:p>
@@ -3755,7 +3480,7 @@
           <a:p>
             <a:fld id="{774E367D-5AB4-492E-B702-F549CA70CC8A}" type="datetimeFigureOut">
               <a:rPr lang="zh-CN" altLang="en-US" smtClean="0"/>
-              <a:t>2020/12/7</a:t>
+              <a:t>2020/12/8</a:t>
             </a:fld>
             <a:endParaRPr lang="zh-CN" altLang="en-US"/>
           </a:p>
@@ -4379,10 +4104,105 @@
       </p:grpSpPr>
       <p:sp>
         <p:nvSpPr>
+          <p:cNvPr id="3" name="内容占位符 2">
+            <a:extLst>
+              <a:ext uri="{FF2B5EF4-FFF2-40B4-BE49-F238E27FC236}">
+                <a16:creationId xmlns:a16="http://schemas.microsoft.com/office/drawing/2014/main" id="{9C484350-B904-4D1E-86A9-A84300E41DC5}"/>
+              </a:ext>
+            </a:extLst>
+          </p:cNvPr>
+          <p:cNvSpPr>
+            <a:spLocks noGrp="1"/>
+          </p:cNvSpPr>
+          <p:nvPr>
+            <p:ph idx="1"/>
+          </p:nvPr>
+        </p:nvSpPr>
+        <p:spPr>
+          <a:xfrm>
+            <a:off x="483268" y="2090507"/>
+            <a:ext cx="10832432" cy="4358419"/>
+          </a:xfrm>
+        </p:spPr>
+        <p:txBody>
+          <a:bodyPr>
+            <a:normAutofit/>
+          </a:bodyPr>
+          <a:lstStyle/>
+          <a:p>
+            <a:r>
+              <a:rPr lang="zh-CN" altLang="en-US" dirty="0">
+                <a:latin typeface="宋体" panose="02010600030101010101" pitchFamily="2" charset="-122"/>
+                <a:ea typeface="宋体" panose="02010600030101010101" pitchFamily="2" charset="-122"/>
+              </a:rPr>
+              <a:t>解决了原有知识图谱不能实时更新的问题。</a:t>
+            </a:r>
+            <a:endParaRPr lang="en-US" altLang="zh-CN" dirty="0">
+              <a:latin typeface="宋体" panose="02010600030101010101" pitchFamily="2" charset="-122"/>
+              <a:ea typeface="宋体" panose="02010600030101010101" pitchFamily="2" charset="-122"/>
+            </a:endParaRPr>
+          </a:p>
+          <a:p>
+            <a:pPr marL="0" indent="0">
+              <a:buNone/>
+            </a:pPr>
+            <a:endParaRPr lang="en-US" altLang="zh-CN" dirty="0">
+              <a:latin typeface="宋体" panose="02010600030101010101" pitchFamily="2" charset="-122"/>
+              <a:ea typeface="宋体" panose="02010600030101010101" pitchFamily="2" charset="-122"/>
+            </a:endParaRPr>
+          </a:p>
+          <a:p>
+            <a:r>
+              <a:rPr lang="zh-CN" altLang="en-US" dirty="0">
+                <a:latin typeface="宋体" panose="02010600030101010101" pitchFamily="2" charset="-122"/>
+                <a:ea typeface="宋体" panose="02010600030101010101" pitchFamily="2" charset="-122"/>
+              </a:rPr>
+              <a:t>降低了系统的平均延迟，支持更复杂的查询。</a:t>
+            </a:r>
+            <a:endParaRPr lang="en-US" altLang="zh-CN" dirty="0">
+              <a:latin typeface="宋体" panose="02010600030101010101" pitchFamily="2" charset="-122"/>
+              <a:ea typeface="宋体" panose="02010600030101010101" pitchFamily="2" charset="-122"/>
+            </a:endParaRPr>
+          </a:p>
+          <a:p>
+            <a:endParaRPr lang="en-US" altLang="zh-CN" dirty="0">
+              <a:solidFill>
+                <a:srgbClr val="000000"/>
+              </a:solidFill>
+              <a:latin typeface="宋体" panose="02010600030101010101" pitchFamily="2" charset="-122"/>
+              <a:ea typeface="宋体" panose="02010600030101010101" pitchFamily="2" charset="-122"/>
+              <a:cs typeface="宋体" panose="02010600030101010101" pitchFamily="2" charset="-122"/>
+            </a:endParaRPr>
+          </a:p>
+          <a:p>
+            <a:r>
+              <a:rPr lang="zh-CN" altLang="en-US" dirty="0">
+                <a:solidFill>
+                  <a:srgbClr val="000000"/>
+                </a:solidFill>
+                <a:latin typeface="宋体" panose="02010600030101010101" pitchFamily="2" charset="-122"/>
+                <a:ea typeface="宋体" panose="02010600030101010101" pitchFamily="2" charset="-122"/>
+                <a:cs typeface="宋体" panose="02010600030101010101" pitchFamily="2" charset="-122"/>
+              </a:rPr>
+              <a:t>引入全局时钟为每个事务提供读写时间戳，提供了全局序列化顺序。</a:t>
+            </a:r>
+            <a:endParaRPr lang="en-US" altLang="zh-CN" dirty="0">
+              <a:solidFill>
+                <a:srgbClr val="000000"/>
+              </a:solidFill>
+              <a:latin typeface="宋体" panose="02010600030101010101" pitchFamily="2" charset="-122"/>
+              <a:ea typeface="宋体" panose="02010600030101010101" pitchFamily="2" charset="-122"/>
+              <a:cs typeface="宋体" panose="02010600030101010101" pitchFamily="2" charset="-122"/>
+            </a:endParaRPr>
+          </a:p>
+        </p:txBody>
+      </p:sp>
+      <p:sp>
+        <p:nvSpPr>
           <p:cNvPr id="4" name="文本框 3">
             <a:extLst>
               <a:ext uri="{FF2B5EF4-FFF2-40B4-BE49-F238E27FC236}">
-                <a16:creationId xmlns:a16="http://schemas.microsoft.com/office/drawing/2014/main" id="{67BD796E-4942-4142-85EB-D32455715814}"/>
+                <a16:creationId xmlns:a16="http://schemas.microsoft.com/office/drawing/2014/main" id="{3E8EE397-408E-4DCB-AB67-83BB8D062962}"/>
               </a:ext>
             </a:extLst>
           </p:cNvPr>
@@ -4406,21 +4226,69 @@
           <a:lstStyle/>
           <a:p>
             <a:r>
+              <a:rPr lang="en-US" altLang="zh-CN" sz="4800" dirty="0">
+                <a:latin typeface="宋体" panose="02010600030101010101" pitchFamily="2" charset="-122"/>
+                <a:ea typeface="宋体" panose="02010600030101010101" pitchFamily="2" charset="-122"/>
+              </a:rPr>
+              <a:t>A1</a:t>
+            </a:r>
+            <a:r>
               <a:rPr lang="zh-CN" altLang="en-US" sz="4800" dirty="0">
                 <a:latin typeface="宋体" panose="02010600030101010101" pitchFamily="2" charset="-122"/>
                 <a:ea typeface="宋体" panose="02010600030101010101" pitchFamily="2" charset="-122"/>
               </a:rPr>
-              <a:t>总结</a:t>
-            </a:r>
-          </a:p>
-        </p:txBody>
-      </p:sp>
-      <p:sp>
-        <p:nvSpPr>
-          <p:cNvPr id="5" name="内容占位符 2">
-            <a:extLst>
-              <a:ext uri="{FF2B5EF4-FFF2-40B4-BE49-F238E27FC236}">
-                <a16:creationId xmlns:a16="http://schemas.microsoft.com/office/drawing/2014/main" id="{B3F25114-DD72-4D28-B62B-18925D08D13E}"/>
+              <a:t> </a:t>
+            </a:r>
+            <a:r>
+              <a:rPr lang="en-US" altLang="zh-CN" sz="4800" dirty="0">
+                <a:latin typeface="宋体" panose="02010600030101010101" pitchFamily="2" charset="-122"/>
+                <a:ea typeface="宋体" panose="02010600030101010101" pitchFamily="2" charset="-122"/>
+              </a:rPr>
+              <a:t>in Bing</a:t>
+            </a:r>
+            <a:endParaRPr lang="zh-CN" altLang="en-US" sz="4800" dirty="0">
+              <a:latin typeface="宋体" panose="02010600030101010101" pitchFamily="2" charset="-122"/>
+              <a:ea typeface="宋体" panose="02010600030101010101" pitchFamily="2" charset="-122"/>
+            </a:endParaRPr>
+          </a:p>
+        </p:txBody>
+      </p:sp>
+    </p:spTree>
+    <p:extLst>
+      <p:ext uri="{BB962C8B-B14F-4D97-AF65-F5344CB8AC3E}">
+        <p14:creationId xmlns:p14="http://schemas.microsoft.com/office/powerpoint/2010/main" val="2753099913"/>
+      </p:ext>
+    </p:extLst>
+  </p:cSld>
+  <p:clrMapOvr>
+    <a:masterClrMapping/>
+  </p:clrMapOvr>
+</p:sld>
+</file>
+
+<file path=ppt/slides/slide11.xml><?xml version="1.0" encoding="utf-8"?>
+<p:sld xmlns:a="http://schemas.openxmlformats.org/drawingml/2006/main" xmlns:r="http://schemas.openxmlformats.org/officeDocument/2006/relationships" xmlns:p="http://schemas.openxmlformats.org/presentationml/2006/main">
+  <p:cSld>
+    <p:spTree>
+      <p:nvGrpSpPr>
+        <p:cNvPr id="1" name=""/>
+        <p:cNvGrpSpPr/>
+        <p:nvPr/>
+      </p:nvGrpSpPr>
+      <p:grpSpPr>
+        <a:xfrm>
+          <a:off x="0" y="0"/>
+          <a:ext cx="0" cy="0"/>
+          <a:chOff x="0" y="0"/>
+          <a:chExt cx="0" cy="0"/>
+        </a:xfrm>
+      </p:grpSpPr>
+      <p:sp>
+        <p:nvSpPr>
+          <p:cNvPr id="3" name="内容占位符 2">
+            <a:extLst>
+              <a:ext uri="{FF2B5EF4-FFF2-40B4-BE49-F238E27FC236}">
+                <a16:creationId xmlns:a16="http://schemas.microsoft.com/office/drawing/2014/main" id="{C3201DDF-595D-456E-8A55-BAB4719B0A6C}"/>
               </a:ext>
             </a:extLst>
           </p:cNvPr>
@@ -4433,8 +4301,282 @@
         </p:nvSpPr>
         <p:spPr>
           <a:xfrm>
-            <a:off x="483268" y="1230446"/>
-            <a:ext cx="10515600" cy="4397107"/>
+            <a:off x="483267" y="2083904"/>
+            <a:ext cx="10890585" cy="2690191"/>
+          </a:xfrm>
+        </p:spPr>
+        <p:txBody>
+          <a:bodyPr>
+            <a:normAutofit lnSpcReduction="10000"/>
+          </a:bodyPr>
+          <a:lstStyle/>
+          <a:p>
+            <a:pPr algn="just"/>
+            <a:r>
+              <a:rPr lang="zh-CN" altLang="en-US" dirty="0">
+                <a:solidFill>
+                  <a:srgbClr val="000000"/>
+                </a:solidFill>
+                <a:latin typeface="宋体" panose="02010600030101010101" pitchFamily="2" charset="-122"/>
+                <a:ea typeface="宋体" panose="02010600030101010101" pitchFamily="2" charset="-122"/>
+                <a:cs typeface="宋体" panose="02010600030101010101" pitchFamily="2" charset="-122"/>
+              </a:rPr>
+              <a:t>从任何主机或网络故障中快速恢复</a:t>
+            </a:r>
+            <a:endParaRPr lang="en-US" altLang="zh-CN" dirty="0">
+              <a:solidFill>
+                <a:srgbClr val="000000"/>
+              </a:solidFill>
+              <a:latin typeface="宋体" panose="02010600030101010101" pitchFamily="2" charset="-122"/>
+              <a:ea typeface="宋体" panose="02010600030101010101" pitchFamily="2" charset="-122"/>
+              <a:cs typeface="宋体" panose="02010600030101010101" pitchFamily="2" charset="-122"/>
+            </a:endParaRPr>
+          </a:p>
+          <a:p>
+            <a:pPr marL="0" indent="0" algn="just">
+              <a:buNone/>
+            </a:pPr>
+            <a:r>
+              <a:rPr lang="zh-CN" altLang="en-US" dirty="0">
+                <a:solidFill>
+                  <a:srgbClr val="000000"/>
+                </a:solidFill>
+                <a:effectLst/>
+                <a:latin typeface="宋体" panose="02010600030101010101" pitchFamily="2" charset="-122"/>
+                <a:ea typeface="宋体" panose="02010600030101010101" pitchFamily="2" charset="-122"/>
+                <a:cs typeface="宋体" panose="02010600030101010101" pitchFamily="2" charset="-122"/>
+              </a:rPr>
+              <a:t>只要有一台节点还处于激活状态，就可以通过管理器重新配置和恢复事务状态</a:t>
+            </a:r>
+            <a:endParaRPr lang="en-US" altLang="zh-CN" dirty="0">
+              <a:solidFill>
+                <a:srgbClr val="000000"/>
+              </a:solidFill>
+              <a:effectLst/>
+              <a:latin typeface="宋体" panose="02010600030101010101" pitchFamily="2" charset="-122"/>
+              <a:ea typeface="宋体" panose="02010600030101010101" pitchFamily="2" charset="-122"/>
+              <a:cs typeface="宋体" panose="02010600030101010101" pitchFamily="2" charset="-122"/>
+            </a:endParaRPr>
+          </a:p>
+          <a:p>
+            <a:pPr marL="0" indent="0" algn="just">
+              <a:buNone/>
+            </a:pPr>
+            <a:endParaRPr lang="en-US" altLang="zh-CN" dirty="0">
+              <a:solidFill>
+                <a:srgbClr val="000000"/>
+              </a:solidFill>
+              <a:effectLst/>
+              <a:latin typeface="宋体" panose="02010600030101010101" pitchFamily="2" charset="-122"/>
+              <a:ea typeface="宋体" panose="02010600030101010101" pitchFamily="2" charset="-122"/>
+              <a:cs typeface="宋体" panose="02010600030101010101" pitchFamily="2" charset="-122"/>
+            </a:endParaRPr>
+          </a:p>
+          <a:p>
+            <a:pPr algn="just">
+              <a:lnSpc>
+                <a:spcPct val="100000"/>
+              </a:lnSpc>
+            </a:pPr>
+            <a:r>
+              <a:rPr lang="zh-CN" altLang="en-US" dirty="0">
+                <a:solidFill>
+                  <a:srgbClr val="000000"/>
+                </a:solidFill>
+                <a:latin typeface="宋体" panose="02010600030101010101" pitchFamily="2" charset="-122"/>
+                <a:ea typeface="宋体" panose="02010600030101010101" pitchFamily="2" charset="-122"/>
+              </a:rPr>
+              <a:t>使用不掉电</a:t>
+            </a:r>
+            <a:r>
+              <a:rPr lang="en-US" altLang="zh-CN" dirty="0">
+                <a:solidFill>
+                  <a:srgbClr val="000000"/>
+                </a:solidFill>
+                <a:latin typeface="宋体" panose="02010600030101010101" pitchFamily="2" charset="-122"/>
+                <a:ea typeface="宋体" panose="02010600030101010101" pitchFamily="2" charset="-122"/>
+              </a:rPr>
+              <a:t>RAM</a:t>
+            </a:r>
+            <a:r>
+              <a:rPr lang="zh-CN" altLang="en-US" dirty="0">
+                <a:solidFill>
+                  <a:srgbClr val="000000"/>
+                </a:solidFill>
+                <a:latin typeface="宋体" panose="02010600030101010101" pitchFamily="2" charset="-122"/>
+                <a:ea typeface="宋体" panose="02010600030101010101" pitchFamily="2" charset="-122"/>
+              </a:rPr>
+              <a:t>，也就是将</a:t>
+            </a:r>
+            <a:r>
+              <a:rPr lang="en-US" altLang="zh-CN" dirty="0">
+                <a:solidFill>
+                  <a:srgbClr val="000000"/>
+                </a:solidFill>
+                <a:latin typeface="宋体" panose="02010600030101010101" pitchFamily="2" charset="-122"/>
+                <a:ea typeface="宋体" panose="02010600030101010101" pitchFamily="2" charset="-122"/>
+              </a:rPr>
+              <a:t>RAM</a:t>
+            </a:r>
+            <a:r>
+              <a:rPr lang="zh-CN" altLang="en-US" dirty="0">
+                <a:solidFill>
+                  <a:srgbClr val="000000"/>
+                </a:solidFill>
+                <a:latin typeface="宋体" panose="02010600030101010101" pitchFamily="2" charset="-122"/>
+                <a:ea typeface="宋体" panose="02010600030101010101" pitchFamily="2" charset="-122"/>
+              </a:rPr>
+              <a:t>接在不间断电源</a:t>
+            </a:r>
+            <a:r>
+              <a:rPr lang="en-US" altLang="zh-CN" dirty="0">
+                <a:solidFill>
+                  <a:srgbClr val="000000"/>
+                </a:solidFill>
+                <a:latin typeface="宋体" panose="02010600030101010101" pitchFamily="2" charset="-122"/>
+                <a:ea typeface="宋体" panose="02010600030101010101" pitchFamily="2" charset="-122"/>
+              </a:rPr>
+              <a:t>UPS</a:t>
+            </a:r>
+            <a:r>
+              <a:rPr lang="zh-CN" altLang="en-US" dirty="0">
+                <a:solidFill>
+                  <a:srgbClr val="000000"/>
+                </a:solidFill>
+                <a:latin typeface="宋体" panose="02010600030101010101" pitchFamily="2" charset="-122"/>
+                <a:ea typeface="宋体" panose="02010600030101010101" pitchFamily="2" charset="-122"/>
+              </a:rPr>
+              <a:t>上，遇到掉电时将数据快速写回</a:t>
+            </a:r>
+            <a:r>
+              <a:rPr lang="en-US" altLang="zh-CN" dirty="0">
+                <a:solidFill>
+                  <a:srgbClr val="000000"/>
+                </a:solidFill>
+                <a:latin typeface="宋体" panose="02010600030101010101" pitchFamily="2" charset="-122"/>
+                <a:ea typeface="宋体" panose="02010600030101010101" pitchFamily="2" charset="-122"/>
+              </a:rPr>
+              <a:t>SSD</a:t>
+            </a:r>
+            <a:r>
+              <a:rPr lang="zh-CN" altLang="en-US" dirty="0">
+                <a:solidFill>
+                  <a:srgbClr val="000000"/>
+                </a:solidFill>
+                <a:latin typeface="宋体" panose="02010600030101010101" pitchFamily="2" charset="-122"/>
+                <a:ea typeface="宋体" panose="02010600030101010101" pitchFamily="2" charset="-122"/>
+              </a:rPr>
+              <a:t>然后正常关机等待供电恢复</a:t>
+            </a:r>
+          </a:p>
+        </p:txBody>
+      </p:sp>
+      <p:sp>
+        <p:nvSpPr>
+          <p:cNvPr id="4" name="文本框 3">
+            <a:extLst>
+              <a:ext uri="{FF2B5EF4-FFF2-40B4-BE49-F238E27FC236}">
+                <a16:creationId xmlns:a16="http://schemas.microsoft.com/office/drawing/2014/main" id="{658C3FAB-87B8-47FB-A011-CFEF8FDE051F}"/>
+              </a:ext>
+            </a:extLst>
+          </p:cNvPr>
+          <p:cNvSpPr txBox="1"/>
+          <p:nvPr/>
+        </p:nvSpPr>
+        <p:spPr>
+          <a:xfrm>
+            <a:off x="483268" y="224589"/>
+            <a:ext cx="3318711" cy="830997"/>
+          </a:xfrm>
+          <a:prstGeom prst="rect">
+            <a:avLst/>
+          </a:prstGeom>
+          <a:noFill/>
+        </p:spPr>
+        <p:txBody>
+          <a:bodyPr wrap="square" rtlCol="0">
+            <a:spAutoFit/>
+          </a:bodyPr>
+          <a:lstStyle/>
+          <a:p>
+            <a:r>
+              <a:rPr lang="en-US" altLang="zh-CN" sz="4800" dirty="0">
+                <a:latin typeface="宋体" panose="02010600030101010101" pitchFamily="2" charset="-122"/>
+                <a:ea typeface="宋体" panose="02010600030101010101" pitchFamily="2" charset="-122"/>
+              </a:rPr>
+              <a:t>A1</a:t>
+            </a:r>
+            <a:r>
+              <a:rPr lang="zh-CN" altLang="en-US" sz="4800" dirty="0">
+                <a:latin typeface="宋体" panose="02010600030101010101" pitchFamily="2" charset="-122"/>
+                <a:ea typeface="宋体" panose="02010600030101010101" pitchFamily="2" charset="-122"/>
+              </a:rPr>
+              <a:t> </a:t>
+            </a:r>
+            <a:r>
+              <a:rPr lang="en-US" altLang="zh-CN" sz="4800" dirty="0">
+                <a:latin typeface="宋体" panose="02010600030101010101" pitchFamily="2" charset="-122"/>
+                <a:ea typeface="宋体" panose="02010600030101010101" pitchFamily="2" charset="-122"/>
+              </a:rPr>
+              <a:t>in Bing</a:t>
+            </a:r>
+            <a:endParaRPr lang="zh-CN" altLang="en-US" sz="4800" dirty="0">
+              <a:latin typeface="宋体" panose="02010600030101010101" pitchFamily="2" charset="-122"/>
+              <a:ea typeface="宋体" panose="02010600030101010101" pitchFamily="2" charset="-122"/>
+            </a:endParaRPr>
+          </a:p>
+        </p:txBody>
+      </p:sp>
+    </p:spTree>
+    <p:extLst>
+      <p:ext uri="{BB962C8B-B14F-4D97-AF65-F5344CB8AC3E}">
+        <p14:creationId xmlns:p14="http://schemas.microsoft.com/office/powerpoint/2010/main" val="1487376697"/>
+      </p:ext>
+    </p:extLst>
+  </p:cSld>
+  <p:clrMapOvr>
+    <a:masterClrMapping/>
+  </p:clrMapOvr>
+</p:sld>
+</file>
+
+<file path=ppt/slides/slide12.xml><?xml version="1.0" encoding="utf-8"?>
+<p:sld xmlns:a="http://schemas.openxmlformats.org/drawingml/2006/main" xmlns:r="http://schemas.openxmlformats.org/officeDocument/2006/relationships" xmlns:p="http://schemas.openxmlformats.org/presentationml/2006/main">
+  <p:cSld>
+    <p:spTree>
+      <p:nvGrpSpPr>
+        <p:cNvPr id="1" name=""/>
+        <p:cNvGrpSpPr/>
+        <p:nvPr/>
+      </p:nvGrpSpPr>
+      <p:grpSpPr>
+        <a:xfrm>
+          <a:off x="0" y="0"/>
+          <a:ext cx="0" cy="0"/>
+          <a:chOff x="0" y="0"/>
+          <a:chExt cx="0" cy="0"/>
+        </a:xfrm>
+      </p:grpSpPr>
+      <p:sp>
+        <p:nvSpPr>
+          <p:cNvPr id="2" name="标题 1">
+            <a:extLst>
+              <a:ext uri="{FF2B5EF4-FFF2-40B4-BE49-F238E27FC236}">
+                <a16:creationId xmlns:a16="http://schemas.microsoft.com/office/drawing/2014/main" id="{C72B577D-D5DB-4394-B7D1-764358D55804}"/>
+              </a:ext>
+            </a:extLst>
+          </p:cNvPr>
+          <p:cNvSpPr>
+            <a:spLocks noGrp="1"/>
+          </p:cNvSpPr>
+          <p:nvPr>
+            <p:ph type="title"/>
+          </p:nvPr>
+        </p:nvSpPr>
+        <p:spPr>
+          <a:xfrm>
+            <a:off x="4116805" y="2512678"/>
+            <a:ext cx="3958390" cy="1832643"/>
           </a:xfrm>
         </p:spPr>
         <p:txBody>
@@ -4443,178 +4585,16 @@
           </a:bodyPr>
           <a:lstStyle/>
           <a:p>
-            <a:pPr algn="just"/>
-            <a:r>
-              <a:rPr lang="en-US" altLang="zh-CN" dirty="0">
-                <a:latin typeface="宋体" panose="02010600030101010101" pitchFamily="2" charset="-122"/>
-                <a:ea typeface="宋体" panose="02010600030101010101" pitchFamily="2" charset="-122"/>
-              </a:rPr>
-              <a:t>A1</a:t>
-            </a:r>
-            <a:r>
-              <a:rPr lang="zh-CN" altLang="zh-CN" dirty="0">
-                <a:latin typeface="宋体" panose="02010600030101010101" pitchFamily="2" charset="-122"/>
-                <a:ea typeface="宋体" panose="02010600030101010101" pitchFamily="2" charset="-122"/>
-              </a:rPr>
-              <a:t>被设计用于具有大量数据、</a:t>
-            </a:r>
-            <a:r>
-              <a:rPr lang="zh-CN" altLang="en-US" dirty="0">
-                <a:latin typeface="宋体" panose="02010600030101010101" pitchFamily="2" charset="-122"/>
-                <a:ea typeface="宋体" panose="02010600030101010101" pitchFamily="2" charset="-122"/>
-              </a:rPr>
-              <a:t>多</a:t>
-            </a:r>
-            <a:r>
-              <a:rPr lang="zh-CN" altLang="zh-CN" dirty="0">
-                <a:latin typeface="宋体" panose="02010600030101010101" pitchFamily="2" charset="-122"/>
-                <a:ea typeface="宋体" panose="02010600030101010101" pitchFamily="2" charset="-122"/>
-              </a:rPr>
-              <a:t>数据源和</a:t>
-            </a:r>
-            <a:r>
-              <a:rPr lang="zh-CN" altLang="en-US" dirty="0">
-                <a:latin typeface="宋体" panose="02010600030101010101" pitchFamily="2" charset="-122"/>
-                <a:ea typeface="宋体" panose="02010600030101010101" pitchFamily="2" charset="-122"/>
-              </a:rPr>
-              <a:t>高</a:t>
-            </a:r>
-            <a:r>
-              <a:rPr lang="zh-CN" altLang="zh-CN" dirty="0">
-                <a:latin typeface="宋体" panose="02010600030101010101" pitchFamily="2" charset="-122"/>
-                <a:ea typeface="宋体" panose="02010600030101010101" pitchFamily="2" charset="-122"/>
-              </a:rPr>
-              <a:t>更新频率以及</a:t>
-            </a:r>
-            <a:r>
-              <a:rPr lang="zh-CN" altLang="en-US" dirty="0">
-                <a:latin typeface="宋体" panose="02010600030101010101" pitchFamily="2" charset="-122"/>
-                <a:ea typeface="宋体" panose="02010600030101010101" pitchFamily="2" charset="-122"/>
-              </a:rPr>
-              <a:t>严格</a:t>
-            </a:r>
-            <a:r>
-              <a:rPr lang="zh-CN" altLang="zh-CN" dirty="0">
-                <a:latin typeface="宋体" panose="02010600030101010101" pitchFamily="2" charset="-122"/>
-                <a:ea typeface="宋体" panose="02010600030101010101" pitchFamily="2" charset="-122"/>
-              </a:rPr>
-              <a:t>执行查询</a:t>
-            </a:r>
-            <a:r>
-              <a:rPr lang="zh-CN" altLang="en-US" dirty="0">
-                <a:latin typeface="宋体" panose="02010600030101010101" pitchFamily="2" charset="-122"/>
-                <a:ea typeface="宋体" panose="02010600030101010101" pitchFamily="2" charset="-122"/>
-              </a:rPr>
-              <a:t>的</a:t>
-            </a:r>
-            <a:r>
-              <a:rPr lang="zh-CN" altLang="zh-CN" dirty="0">
-                <a:latin typeface="宋体" panose="02010600030101010101" pitchFamily="2" charset="-122"/>
-                <a:ea typeface="宋体" panose="02010600030101010101" pitchFamily="2" charset="-122"/>
-              </a:rPr>
-              <a:t>极低延迟的</a:t>
-            </a:r>
-            <a:r>
-              <a:rPr lang="zh-CN" altLang="en-US" dirty="0">
-                <a:latin typeface="宋体" panose="02010600030101010101" pitchFamily="2" charset="-122"/>
-                <a:ea typeface="宋体" panose="02010600030101010101" pitchFamily="2" charset="-122"/>
-              </a:rPr>
-              <a:t>领域</a:t>
-            </a:r>
-            <a:r>
-              <a:rPr lang="zh-CN" altLang="zh-CN" dirty="0">
-                <a:latin typeface="宋体" panose="02010600030101010101" pitchFamily="2" charset="-122"/>
-                <a:ea typeface="宋体" panose="02010600030101010101" pitchFamily="2" charset="-122"/>
-              </a:rPr>
-              <a:t>中。</a:t>
-            </a:r>
-            <a:endParaRPr lang="en-US" altLang="zh-CN" dirty="0">
-              <a:latin typeface="宋体" panose="02010600030101010101" pitchFamily="2" charset="-122"/>
-              <a:ea typeface="宋体" panose="02010600030101010101" pitchFamily="2" charset="-122"/>
-            </a:endParaRPr>
-          </a:p>
-          <a:p>
-            <a:pPr algn="just"/>
-            <a:endParaRPr lang="en-US" altLang="zh-CN" dirty="0">
-              <a:latin typeface="宋体" panose="02010600030101010101" pitchFamily="2" charset="-122"/>
-              <a:ea typeface="宋体" panose="02010600030101010101" pitchFamily="2" charset="-122"/>
-            </a:endParaRPr>
-          </a:p>
-          <a:p>
-            <a:pPr algn="just"/>
-            <a:r>
-              <a:rPr lang="en-US" altLang="zh-CN" dirty="0">
-                <a:latin typeface="宋体" panose="02010600030101010101" pitchFamily="2" charset="-122"/>
-                <a:ea typeface="宋体" panose="02010600030101010101" pitchFamily="2" charset="-122"/>
-              </a:rPr>
-              <a:t>FaRM</a:t>
-            </a:r>
-            <a:r>
-              <a:rPr lang="zh-CN" altLang="zh-CN" dirty="0">
-                <a:latin typeface="宋体" panose="02010600030101010101" pitchFamily="2" charset="-122"/>
-                <a:ea typeface="宋体" panose="02010600030101010101" pitchFamily="2" charset="-122"/>
-              </a:rPr>
-              <a:t>和</a:t>
-            </a:r>
-            <a:r>
-              <a:rPr lang="en-US" altLang="zh-CN" dirty="0">
-                <a:latin typeface="宋体" panose="02010600030101010101" pitchFamily="2" charset="-122"/>
-                <a:ea typeface="宋体" panose="02010600030101010101" pitchFamily="2" charset="-122"/>
-              </a:rPr>
-              <a:t>A1</a:t>
-            </a:r>
-            <a:r>
-              <a:rPr lang="zh-CN" altLang="zh-CN" dirty="0">
-                <a:latin typeface="宋体" panose="02010600030101010101" pitchFamily="2" charset="-122"/>
-                <a:ea typeface="宋体" panose="02010600030101010101" pitchFamily="2" charset="-122"/>
-              </a:rPr>
-              <a:t>在很大程度上利用了</a:t>
-            </a:r>
-            <a:r>
-              <a:rPr lang="en-US" altLang="zh-CN" dirty="0">
-                <a:latin typeface="宋体" panose="02010600030101010101" pitchFamily="2" charset="-122"/>
-                <a:ea typeface="宋体" panose="02010600030101010101" pitchFamily="2" charset="-122"/>
-              </a:rPr>
-              <a:t>RDMA</a:t>
-            </a:r>
-            <a:r>
-              <a:rPr lang="zh-CN" altLang="zh-CN" dirty="0">
-                <a:latin typeface="宋体" panose="02010600030101010101" pitchFamily="2" charset="-122"/>
-                <a:ea typeface="宋体" panose="02010600030101010101" pitchFamily="2" charset="-122"/>
-              </a:rPr>
-              <a:t>的优点，所获得的性能使更复杂的问题的回答在规模上成为可能，并且在交互搜索可接受的延迟内实现。</a:t>
-            </a:r>
-            <a:endParaRPr lang="en-US" altLang="zh-CN" dirty="0">
-              <a:latin typeface="宋体" panose="02010600030101010101" pitchFamily="2" charset="-122"/>
-              <a:ea typeface="宋体" panose="02010600030101010101" pitchFamily="2" charset="-122"/>
-            </a:endParaRPr>
-          </a:p>
-          <a:p>
-            <a:pPr algn="just"/>
-            <a:endParaRPr lang="en-US" altLang="zh-CN" dirty="0">
-              <a:latin typeface="宋体" panose="02010600030101010101" pitchFamily="2" charset="-122"/>
-              <a:ea typeface="宋体" panose="02010600030101010101" pitchFamily="2" charset="-122"/>
-            </a:endParaRPr>
-          </a:p>
-          <a:p>
-            <a:pPr algn="just"/>
-            <a:r>
-              <a:rPr lang="en-US" altLang="zh-CN" dirty="0">
-                <a:latin typeface="宋体" panose="02010600030101010101" pitchFamily="2" charset="-122"/>
-                <a:ea typeface="宋体" panose="02010600030101010101" pitchFamily="2" charset="-122"/>
-              </a:rPr>
-              <a:t>A1</a:t>
-            </a:r>
-            <a:r>
-              <a:rPr lang="zh-CN" altLang="zh-CN" dirty="0">
-                <a:latin typeface="宋体" panose="02010600030101010101" pitchFamily="2" charset="-122"/>
-                <a:ea typeface="宋体" panose="02010600030101010101" pitchFamily="2" charset="-122"/>
-              </a:rPr>
-              <a:t>实现事务支持，以隐藏在面对机器故障时的可用性、复制和持久性的复杂性。</a:t>
-            </a:r>
-            <a:endParaRPr lang="zh-CN" altLang="en-US" dirty="0">
-              <a:latin typeface="宋体" panose="02010600030101010101" pitchFamily="2" charset="-122"/>
-              <a:ea typeface="宋体" panose="02010600030101010101" pitchFamily="2" charset="-122"/>
+            <a:r>
+              <a:rPr lang="en-US" altLang="zh-CN" sz="9600" dirty="0">
+                <a:latin typeface="Times New Roman" panose="02020603050405020304" pitchFamily="18" charset="0"/>
+                <a:cs typeface="Times New Roman" panose="02020603050405020304" pitchFamily="18" charset="0"/>
+              </a:rPr>
+              <a:t>Thanks</a:t>
+            </a:r>
+            <a:endParaRPr lang="zh-CN" altLang="en-US" sz="9600" dirty="0">
+              <a:latin typeface="Times New Roman" panose="02020603050405020304" pitchFamily="18" charset="0"/>
+              <a:cs typeface="Times New Roman" panose="02020603050405020304" pitchFamily="18" charset="0"/>
             </a:endParaRPr>
           </a:p>
         </p:txBody>
@@ -4622,7 +4602,7 @@
     </p:spTree>
     <p:extLst>
       <p:ext uri="{BB962C8B-B14F-4D97-AF65-F5344CB8AC3E}">
-        <p14:creationId xmlns:p14="http://schemas.microsoft.com/office/powerpoint/2010/main" val="3891052506"/>
+        <p14:creationId xmlns:p14="http://schemas.microsoft.com/office/powerpoint/2010/main" val="3293010169"/>
       </p:ext>
     </p:extLst>
   </p:cSld>
@@ -4673,7 +4653,7 @@
         </p:spPr>
         <p:txBody>
           <a:bodyPr>
-            <a:normAutofit lnSpcReduction="10000"/>
+            <a:normAutofit/>
           </a:bodyPr>
           <a:lstStyle/>
           <a:p>
@@ -4791,6 +4771,21 @@
             </a:endParaRPr>
           </a:p>
           <a:p>
+            <a:pPr marL="0" indent="0">
+              <a:buNone/>
+            </a:pPr>
+            <a:r>
+              <a:rPr lang="zh-CN" altLang="en-US" dirty="0">
+                <a:solidFill>
+                  <a:srgbClr val="000000"/>
+                </a:solidFill>
+                <a:effectLst/>
+                <a:latin typeface="Times New Roman" panose="02020603050405020304" pitchFamily="18" charset="0"/>
+                <a:ea typeface="宋体" panose="02010600030101010101" pitchFamily="2" charset="-122"/>
+                <a:cs typeface="宋体" panose="02010600030101010101" pitchFamily="2" charset="-122"/>
+              </a:rPr>
+              <a:t>主要用于对大规模结构化数据的复杂查询，在处理大规模数据时保持高吞吐和低延迟</a:t>
+            </a:r>
             <a:endParaRPr lang="en-US" altLang="zh-CN" dirty="0">
               <a:solidFill>
                 <a:srgbClr val="000000"/>
@@ -4802,125 +4797,6 @@
             </a:endParaRPr>
           </a:p>
           <a:p>
-            <a:r>
-              <a:rPr lang="en-US" altLang="zh-CN" dirty="0">
-                <a:solidFill>
-                  <a:srgbClr val="000000"/>
-                </a:solidFill>
-                <a:effectLst/>
-                <a:latin typeface="Times New Roman" panose="02020603050405020304" pitchFamily="18" charset="0"/>
-                <a:ea typeface="宋体" panose="02010600030101010101" pitchFamily="2" charset="-122"/>
-                <a:cs typeface="宋体" panose="02010600030101010101" pitchFamily="2" charset="-122"/>
-              </a:rPr>
-              <a:t>A1</a:t>
-            </a:r>
-            <a:r>
-              <a:rPr lang="zh-CN" altLang="zh-CN" dirty="0">
-                <a:solidFill>
-                  <a:srgbClr val="000000"/>
-                </a:solidFill>
-                <a:effectLst/>
-                <a:latin typeface="Times New Roman" panose="02020603050405020304" pitchFamily="18" charset="0"/>
-                <a:ea typeface="宋体" panose="02010600030101010101" pitchFamily="2" charset="-122"/>
-                <a:cs typeface="宋体" panose="02010600030101010101" pitchFamily="2" charset="-122"/>
-              </a:rPr>
-              <a:t>的</a:t>
-            </a:r>
-            <a:r>
-              <a:rPr lang="zh-CN" altLang="en-US" dirty="0">
-                <a:solidFill>
-                  <a:srgbClr val="000000"/>
-                </a:solidFill>
-                <a:latin typeface="Times New Roman" panose="02020603050405020304" pitchFamily="18" charset="0"/>
-                <a:ea typeface="宋体" panose="02010600030101010101" pitchFamily="2" charset="-122"/>
-                <a:cs typeface="宋体" panose="02010600030101010101" pitchFamily="2" charset="-122"/>
-              </a:rPr>
-              <a:t>硬件支持</a:t>
-            </a:r>
-            <a:r>
-              <a:rPr lang="zh-CN" altLang="en-US" dirty="0">
-                <a:solidFill>
-                  <a:srgbClr val="000000"/>
-                </a:solidFill>
-                <a:effectLst/>
-                <a:latin typeface="Times New Roman" panose="02020603050405020304" pitchFamily="18" charset="0"/>
-                <a:ea typeface="宋体" panose="02010600030101010101" pitchFamily="2" charset="-122"/>
-                <a:cs typeface="宋体" panose="02010600030101010101" pitchFamily="2" charset="-122"/>
-              </a:rPr>
-              <a:t>包括</a:t>
-            </a:r>
-            <a:r>
-              <a:rPr lang="en-US" altLang="zh-CN" dirty="0">
-                <a:solidFill>
-                  <a:srgbClr val="000000"/>
-                </a:solidFill>
-                <a:effectLst/>
-                <a:latin typeface="Times New Roman" panose="02020603050405020304" pitchFamily="18" charset="0"/>
-                <a:ea typeface="宋体" panose="02010600030101010101" pitchFamily="2" charset="-122"/>
-                <a:cs typeface="宋体" panose="02010600030101010101" pitchFamily="2" charset="-122"/>
-              </a:rPr>
-              <a:t>DRAM</a:t>
-            </a:r>
-            <a:r>
-              <a:rPr lang="zh-CN" altLang="zh-CN" dirty="0">
-                <a:solidFill>
-                  <a:srgbClr val="000000"/>
-                </a:solidFill>
-                <a:effectLst/>
-                <a:latin typeface="Times New Roman" panose="02020603050405020304" pitchFamily="18" charset="0"/>
-                <a:ea typeface="宋体" panose="02010600030101010101" pitchFamily="2" charset="-122"/>
-                <a:cs typeface="宋体" panose="02010600030101010101" pitchFamily="2" charset="-122"/>
-              </a:rPr>
-              <a:t>和高速</a:t>
-            </a:r>
-            <a:r>
-              <a:rPr lang="en-US" altLang="zh-CN" dirty="0">
-                <a:solidFill>
-                  <a:srgbClr val="000000"/>
-                </a:solidFill>
-                <a:effectLst/>
-                <a:latin typeface="Times New Roman" panose="02020603050405020304" pitchFamily="18" charset="0"/>
-                <a:ea typeface="宋体" panose="02010600030101010101" pitchFamily="2" charset="-122"/>
-                <a:cs typeface="宋体" panose="02010600030101010101" pitchFamily="2" charset="-122"/>
-              </a:rPr>
-              <a:t>RDMA(</a:t>
-            </a:r>
-            <a:r>
-              <a:rPr lang="zh-CN" altLang="zh-CN" dirty="0">
-                <a:solidFill>
-                  <a:srgbClr val="000000"/>
-                </a:solidFill>
-                <a:effectLst/>
-                <a:latin typeface="Times New Roman" panose="02020603050405020304" pitchFamily="18" charset="0"/>
-                <a:ea typeface="宋体" panose="02010600030101010101" pitchFamily="2" charset="-122"/>
-                <a:cs typeface="宋体" panose="02010600030101010101" pitchFamily="2" charset="-122"/>
-              </a:rPr>
-              <a:t>远程直接内存访问</a:t>
-            </a:r>
-            <a:r>
-              <a:rPr lang="en-US" altLang="zh-CN" dirty="0">
-                <a:solidFill>
-                  <a:srgbClr val="000000"/>
-                </a:solidFill>
-                <a:effectLst/>
-                <a:latin typeface="Times New Roman" panose="02020603050405020304" pitchFamily="18" charset="0"/>
-                <a:ea typeface="宋体" panose="02010600030101010101" pitchFamily="2" charset="-122"/>
-                <a:cs typeface="宋体" panose="02010600030101010101" pitchFamily="2" charset="-122"/>
-              </a:rPr>
-              <a:t>)</a:t>
-            </a:r>
-            <a:r>
-              <a:rPr lang="zh-CN" altLang="zh-CN" dirty="0">
-                <a:solidFill>
-                  <a:srgbClr val="000000"/>
-                </a:solidFill>
-                <a:effectLst/>
-                <a:latin typeface="Times New Roman" panose="02020603050405020304" pitchFamily="18" charset="0"/>
-                <a:ea typeface="宋体" panose="02010600030101010101" pitchFamily="2" charset="-122"/>
-                <a:cs typeface="宋体" panose="02010600030101010101" pitchFamily="2" charset="-122"/>
-              </a:rPr>
-              <a:t>网络。</a:t>
-            </a:r>
             <a:endParaRPr lang="en-US" altLang="zh-CN" dirty="0">
               <a:solidFill>
                 <a:srgbClr val="000000"/>
@@ -4932,6 +4808,125 @@
             </a:endParaRPr>
           </a:p>
           <a:p>
+            <a:r>
+              <a:rPr lang="en-US" altLang="zh-CN" dirty="0">
+                <a:solidFill>
+                  <a:srgbClr val="000000"/>
+                </a:solidFill>
+                <a:effectLst/>
+                <a:latin typeface="Times New Roman" panose="02020603050405020304" pitchFamily="18" charset="0"/>
+                <a:ea typeface="宋体" panose="02010600030101010101" pitchFamily="2" charset="-122"/>
+                <a:cs typeface="宋体" panose="02010600030101010101" pitchFamily="2" charset="-122"/>
+              </a:rPr>
+              <a:t>A1</a:t>
+            </a:r>
+            <a:r>
+              <a:rPr lang="zh-CN" altLang="zh-CN" dirty="0">
+                <a:solidFill>
+                  <a:srgbClr val="000000"/>
+                </a:solidFill>
+                <a:effectLst/>
+                <a:latin typeface="Times New Roman" panose="02020603050405020304" pitchFamily="18" charset="0"/>
+                <a:ea typeface="宋体" panose="02010600030101010101" pitchFamily="2" charset="-122"/>
+                <a:cs typeface="宋体" panose="02010600030101010101" pitchFamily="2" charset="-122"/>
+              </a:rPr>
+              <a:t>的</a:t>
+            </a:r>
+            <a:r>
+              <a:rPr lang="zh-CN" altLang="en-US" dirty="0">
+                <a:solidFill>
+                  <a:srgbClr val="000000"/>
+                </a:solidFill>
+                <a:latin typeface="Times New Roman" panose="02020603050405020304" pitchFamily="18" charset="0"/>
+                <a:ea typeface="宋体" panose="02010600030101010101" pitchFamily="2" charset="-122"/>
+                <a:cs typeface="宋体" panose="02010600030101010101" pitchFamily="2" charset="-122"/>
+              </a:rPr>
+              <a:t>硬件支持</a:t>
+            </a:r>
+            <a:r>
+              <a:rPr lang="zh-CN" altLang="en-US" dirty="0">
+                <a:solidFill>
+                  <a:srgbClr val="000000"/>
+                </a:solidFill>
+                <a:effectLst/>
+                <a:latin typeface="Times New Roman" panose="02020603050405020304" pitchFamily="18" charset="0"/>
+                <a:ea typeface="宋体" panose="02010600030101010101" pitchFamily="2" charset="-122"/>
+                <a:cs typeface="宋体" panose="02010600030101010101" pitchFamily="2" charset="-122"/>
+              </a:rPr>
+              <a:t>包括</a:t>
+            </a:r>
+            <a:r>
+              <a:rPr lang="en-US" altLang="zh-CN" dirty="0">
+                <a:solidFill>
+                  <a:srgbClr val="000000"/>
+                </a:solidFill>
+                <a:effectLst/>
+                <a:latin typeface="Times New Roman" panose="02020603050405020304" pitchFamily="18" charset="0"/>
+                <a:ea typeface="宋体" panose="02010600030101010101" pitchFamily="2" charset="-122"/>
+                <a:cs typeface="宋体" panose="02010600030101010101" pitchFamily="2" charset="-122"/>
+              </a:rPr>
+              <a:t>DRAM</a:t>
+            </a:r>
+            <a:r>
+              <a:rPr lang="zh-CN" altLang="zh-CN" dirty="0">
+                <a:solidFill>
+                  <a:srgbClr val="000000"/>
+                </a:solidFill>
+                <a:effectLst/>
+                <a:latin typeface="Times New Roman" panose="02020603050405020304" pitchFamily="18" charset="0"/>
+                <a:ea typeface="宋体" panose="02010600030101010101" pitchFamily="2" charset="-122"/>
+                <a:cs typeface="宋体" panose="02010600030101010101" pitchFamily="2" charset="-122"/>
+              </a:rPr>
+              <a:t>和高速</a:t>
+            </a:r>
+            <a:r>
+              <a:rPr lang="en-US" altLang="zh-CN" dirty="0">
+                <a:solidFill>
+                  <a:srgbClr val="000000"/>
+                </a:solidFill>
+                <a:effectLst/>
+                <a:latin typeface="Times New Roman" panose="02020603050405020304" pitchFamily="18" charset="0"/>
+                <a:ea typeface="宋体" panose="02010600030101010101" pitchFamily="2" charset="-122"/>
+                <a:cs typeface="宋体" panose="02010600030101010101" pitchFamily="2" charset="-122"/>
+              </a:rPr>
+              <a:t>RDMA(</a:t>
+            </a:r>
+            <a:r>
+              <a:rPr lang="zh-CN" altLang="zh-CN" dirty="0">
+                <a:solidFill>
+                  <a:srgbClr val="000000"/>
+                </a:solidFill>
+                <a:effectLst/>
+                <a:latin typeface="Times New Roman" panose="02020603050405020304" pitchFamily="18" charset="0"/>
+                <a:ea typeface="宋体" panose="02010600030101010101" pitchFamily="2" charset="-122"/>
+                <a:cs typeface="宋体" panose="02010600030101010101" pitchFamily="2" charset="-122"/>
+              </a:rPr>
+              <a:t>远程直接内存访问</a:t>
+            </a:r>
+            <a:r>
+              <a:rPr lang="en-US" altLang="zh-CN" dirty="0">
+                <a:solidFill>
+                  <a:srgbClr val="000000"/>
+                </a:solidFill>
+                <a:effectLst/>
+                <a:latin typeface="Times New Roman" panose="02020603050405020304" pitchFamily="18" charset="0"/>
+                <a:ea typeface="宋体" panose="02010600030101010101" pitchFamily="2" charset="-122"/>
+                <a:cs typeface="宋体" panose="02010600030101010101" pitchFamily="2" charset="-122"/>
+              </a:rPr>
+              <a:t>)</a:t>
+            </a:r>
+            <a:r>
+              <a:rPr lang="zh-CN" altLang="zh-CN" dirty="0">
+                <a:solidFill>
+                  <a:srgbClr val="000000"/>
+                </a:solidFill>
+                <a:effectLst/>
+                <a:latin typeface="Times New Roman" panose="02020603050405020304" pitchFamily="18" charset="0"/>
+                <a:ea typeface="宋体" panose="02010600030101010101" pitchFamily="2" charset="-122"/>
+                <a:cs typeface="宋体" panose="02010600030101010101" pitchFamily="2" charset="-122"/>
+              </a:rPr>
+              <a:t>网络。</a:t>
+            </a:r>
             <a:endParaRPr lang="en-US" altLang="zh-CN" dirty="0">
               <a:solidFill>
                 <a:srgbClr val="000000"/>
@@ -4943,101 +4938,20 @@
             </a:endParaRPr>
           </a:p>
           <a:p>
-            <a:r>
-              <a:rPr lang="en-US" altLang="zh-CN" dirty="0">
+            <a:pPr marL="0" indent="0">
+              <a:buNone/>
+            </a:pPr>
+            <a:r>
+              <a:rPr lang="zh-CN" altLang="en-US" dirty="0">
                 <a:solidFill>
                   <a:srgbClr val="000000"/>
                 </a:solidFill>
-                <a:effectLst/>
                 <a:latin typeface="Times New Roman" panose="02020603050405020304" pitchFamily="18" charset="0"/>
                 <a:ea typeface="宋体" panose="02010600030101010101" pitchFamily="2" charset="-122"/>
                 <a:cs typeface="宋体" panose="02010600030101010101" pitchFamily="2" charset="-122"/>
               </a:rPr>
-              <a:t>A1</a:t>
-            </a:r>
-            <a:r>
-              <a:rPr lang="zh-CN" altLang="zh-CN" dirty="0">
-                <a:solidFill>
-                  <a:srgbClr val="000000"/>
-                </a:solidFill>
-                <a:effectLst/>
-                <a:latin typeface="Times New Roman" panose="02020603050405020304" pitchFamily="18" charset="0"/>
-                <a:ea typeface="宋体" panose="02010600030101010101" pitchFamily="2" charset="-122"/>
-                <a:cs typeface="宋体" panose="02010600030101010101" pitchFamily="2" charset="-122"/>
-              </a:rPr>
-              <a:t>使用</a:t>
-            </a:r>
-            <a:r>
-              <a:rPr lang="en-US" altLang="zh-CN" dirty="0">
-                <a:solidFill>
-                  <a:srgbClr val="000000"/>
-                </a:solidFill>
-                <a:effectLst/>
-                <a:latin typeface="Times New Roman" panose="02020603050405020304" pitchFamily="18" charset="0"/>
-                <a:ea typeface="宋体" panose="02010600030101010101" pitchFamily="2" charset="-122"/>
-                <a:cs typeface="宋体" panose="02010600030101010101" pitchFamily="2" charset="-122"/>
-              </a:rPr>
-              <a:t>FaRM</a:t>
-            </a:r>
-            <a:r>
-              <a:rPr lang="zh-CN" altLang="zh-CN" dirty="0">
-                <a:solidFill>
-                  <a:srgbClr val="000000"/>
-                </a:solidFill>
-                <a:effectLst/>
-                <a:latin typeface="Times New Roman" panose="02020603050405020304" pitchFamily="18" charset="0"/>
-                <a:ea typeface="宋体" panose="02010600030101010101" pitchFamily="2" charset="-122"/>
-                <a:cs typeface="宋体" panose="02010600030101010101" pitchFamily="2" charset="-122"/>
-              </a:rPr>
-              <a:t>作为它的底层存储层，并</a:t>
-            </a:r>
-            <a:r>
-              <a:rPr lang="zh-CN" altLang="en-US" dirty="0">
-                <a:solidFill>
-                  <a:srgbClr val="000000"/>
-                </a:solidFill>
-                <a:effectLst/>
-                <a:latin typeface="Times New Roman" panose="02020603050405020304" pitchFamily="18" charset="0"/>
-                <a:ea typeface="宋体" panose="02010600030101010101" pitchFamily="2" charset="-122"/>
-                <a:cs typeface="宋体" panose="02010600030101010101" pitchFamily="2" charset="-122"/>
-              </a:rPr>
-              <a:t>其</a:t>
-            </a:r>
-            <a:r>
-              <a:rPr lang="zh-CN" altLang="zh-CN" dirty="0">
-                <a:solidFill>
-                  <a:srgbClr val="000000"/>
-                </a:solidFill>
-                <a:effectLst/>
-                <a:latin typeface="Times New Roman" panose="02020603050405020304" pitchFamily="18" charset="0"/>
-                <a:ea typeface="宋体" panose="02010600030101010101" pitchFamily="2" charset="-122"/>
-                <a:cs typeface="宋体" panose="02010600030101010101" pitchFamily="2" charset="-122"/>
-              </a:rPr>
-              <a:t>上构建图抽象和查询引擎</a:t>
-            </a:r>
-            <a:r>
-              <a:rPr lang="zh-CN" altLang="en-US" dirty="0">
-                <a:solidFill>
-                  <a:srgbClr val="000000"/>
-                </a:solidFill>
-                <a:effectLst/>
-                <a:latin typeface="Times New Roman" panose="02020603050405020304" pitchFamily="18" charset="0"/>
-                <a:ea typeface="宋体" panose="02010600030101010101" pitchFamily="2" charset="-122"/>
-                <a:cs typeface="宋体" panose="02010600030101010101" pitchFamily="2" charset="-122"/>
-              </a:rPr>
-              <a:t>。</a:t>
-            </a:r>
-            <a:endParaRPr lang="en-US" altLang="zh-CN" dirty="0">
-              <a:solidFill>
-                <a:srgbClr val="000000"/>
-              </a:solidFill>
-              <a:effectLst/>
-              <a:latin typeface="Times New Roman" panose="02020603050405020304" pitchFamily="18" charset="0"/>
-              <a:ea typeface="宋体" panose="02010600030101010101" pitchFamily="2" charset="-122"/>
-              <a:cs typeface="宋体" panose="02010600030101010101" pitchFamily="2" charset="-122"/>
-            </a:endParaRPr>
-          </a:p>
-          <a:p>
+              <a:t>两者结合对大型分布式系统中如何分配、组织和查询数据提出了新的要求</a:t>
+            </a:r>
             <a:endParaRPr lang="en-US" altLang="zh-CN" dirty="0">
               <a:solidFill>
                 <a:srgbClr val="000000"/>
@@ -5045,66 +4959,6 @@
               <a:latin typeface="Times New Roman" panose="02020603050405020304" pitchFamily="18" charset="0"/>
               <a:ea typeface="宋体" panose="02010600030101010101" pitchFamily="2" charset="-122"/>
               <a:cs typeface="宋体" panose="02010600030101010101" pitchFamily="2" charset="-122"/>
-            </a:endParaRPr>
-          </a:p>
-          <a:p>
-            <a:r>
-              <a:rPr lang="en-US" altLang="zh-CN" dirty="0">
-                <a:latin typeface="宋体" panose="02010600030101010101" pitchFamily="2" charset="-122"/>
-                <a:ea typeface="宋体" panose="02010600030101010101" pitchFamily="2" charset="-122"/>
-              </a:rPr>
-              <a:t>A1</a:t>
-            </a:r>
-            <a:r>
-              <a:rPr lang="zh-CN" altLang="en-US" dirty="0">
-                <a:latin typeface="宋体" panose="02010600030101010101" pitchFamily="2" charset="-122"/>
-                <a:ea typeface="宋体" panose="02010600030101010101" pitchFamily="2" charset="-122"/>
-              </a:rPr>
-              <a:t>有专属的查询语言</a:t>
-            </a:r>
-            <a:r>
-              <a:rPr lang="en-US" altLang="zh-CN" dirty="0">
-                <a:latin typeface="宋体" panose="02010600030101010101" pitchFamily="2" charset="-122"/>
-                <a:ea typeface="宋体" panose="02010600030101010101" pitchFamily="2" charset="-122"/>
-              </a:rPr>
-              <a:t>A1QL</a:t>
-            </a:r>
-            <a:r>
-              <a:rPr lang="zh-CN" altLang="en-US" dirty="0">
-                <a:latin typeface="宋体" panose="02010600030101010101" pitchFamily="2" charset="-122"/>
-                <a:ea typeface="宋体" panose="02010600030101010101" pitchFamily="2" charset="-122"/>
-              </a:rPr>
-              <a:t>，将查询转移到数据库中而非应用程序中。</a:t>
-            </a:r>
-            <a:endParaRPr lang="en-US" altLang="zh-CN" dirty="0">
-              <a:latin typeface="宋体" panose="02010600030101010101" pitchFamily="2" charset="-122"/>
-              <a:ea typeface="宋体" panose="02010600030101010101" pitchFamily="2" charset="-122"/>
-            </a:endParaRPr>
-          </a:p>
-          <a:p>
-            <a:endParaRPr lang="en-US" altLang="zh-CN" dirty="0">
-              <a:latin typeface="宋体" panose="02010600030101010101" pitchFamily="2" charset="-122"/>
-              <a:ea typeface="宋体" panose="02010600030101010101" pitchFamily="2" charset="-122"/>
-            </a:endParaRPr>
-          </a:p>
-          <a:p>
-            <a:r>
-              <a:rPr lang="en-US" altLang="zh-CN" dirty="0">
-                <a:latin typeface="宋体" panose="02010600030101010101" pitchFamily="2" charset="-122"/>
-                <a:ea typeface="宋体" panose="02010600030101010101" pitchFamily="2" charset="-122"/>
-              </a:rPr>
-              <a:t>A1</a:t>
-            </a:r>
-            <a:r>
-              <a:rPr lang="zh-CN" altLang="en-US" dirty="0">
-                <a:latin typeface="宋体" panose="02010600030101010101" pitchFamily="2" charset="-122"/>
-                <a:ea typeface="宋体" panose="02010600030101010101" pitchFamily="2" charset="-122"/>
-              </a:rPr>
-              <a:t>是延迟优化数据库，系统可用性通过延迟来衡量。</a:t>
-            </a:r>
-            <a:endParaRPr lang="en-US" altLang="zh-CN" dirty="0">
-              <a:latin typeface="宋体" panose="02010600030101010101" pitchFamily="2" charset="-122"/>
-              <a:ea typeface="宋体" panose="02010600030101010101" pitchFamily="2" charset="-122"/>
             </a:endParaRPr>
           </a:p>
         </p:txBody>
@@ -5184,44 +5038,143 @@
           <a:chExt cx="0" cy="0"/>
         </a:xfrm>
       </p:grpSpPr>
-      <p:pic>
-        <p:nvPicPr>
-          <p:cNvPr id="4" name="内容占位符 3">
-            <a:extLst>
-              <a:ext uri="{FF2B5EF4-FFF2-40B4-BE49-F238E27FC236}">
-                <a16:creationId xmlns:a16="http://schemas.microsoft.com/office/drawing/2014/main" id="{C26393FD-9050-4A80-B31B-1255C7383EA0}"/>
-              </a:ext>
-            </a:extLst>
-          </p:cNvPr>
-          <p:cNvPicPr>
-            <a:picLocks noGrp="1" noChangeAspect="1"/>
-          </p:cNvPicPr>
+      <p:sp>
+        <p:nvSpPr>
+          <p:cNvPr id="6" name="内容占位符 2">
+            <a:extLst>
+              <a:ext uri="{FF2B5EF4-FFF2-40B4-BE49-F238E27FC236}">
+                <a16:creationId xmlns:a16="http://schemas.microsoft.com/office/drawing/2014/main" id="{D2C7ADE3-BBCD-4EBE-A460-D4CE1B33FBA2}"/>
+              </a:ext>
+            </a:extLst>
+          </p:cNvPr>
+          <p:cNvSpPr>
+            <a:spLocks noGrp="1"/>
+          </p:cNvSpPr>
           <p:nvPr>
             <p:ph idx="1"/>
           </p:nvPr>
-        </p:nvPicPr>
-        <p:blipFill>
-          <a:blip r:embed="rId2"/>
-          <a:stretch>
-            <a:fillRect/>
-          </a:stretch>
-        </p:blipFill>
+        </p:nvSpPr>
         <p:spPr>
           <a:xfrm>
-            <a:off x="3946358" y="224589"/>
-            <a:ext cx="5114425" cy="5835135"/>
+            <a:off x="483268" y="1702947"/>
+            <a:ext cx="11225463" cy="4377011"/>
           </a:xfrm>
-          <a:prstGeom prst="rect">
-            <a:avLst/>
-          </a:prstGeom>
         </p:spPr>
-      </p:pic>
+        <p:txBody>
+          <a:bodyPr>
+            <a:normAutofit/>
+          </a:bodyPr>
+          <a:lstStyle/>
+          <a:p>
+            <a:r>
+              <a:rPr lang="en-US" altLang="zh-CN" dirty="0">
+                <a:latin typeface="宋体" panose="02010600030101010101" pitchFamily="2" charset="-122"/>
+                <a:ea typeface="宋体" panose="02010600030101010101" pitchFamily="2" charset="-122"/>
+              </a:rPr>
+              <a:t>A1</a:t>
+            </a:r>
+            <a:r>
+              <a:rPr lang="zh-CN" altLang="en-US" dirty="0">
+                <a:latin typeface="宋体" panose="02010600030101010101" pitchFamily="2" charset="-122"/>
+                <a:ea typeface="宋体" panose="02010600030101010101" pitchFamily="2" charset="-122"/>
+              </a:rPr>
+              <a:t>有专属的查询语言</a:t>
+            </a:r>
+            <a:r>
+              <a:rPr lang="en-US" altLang="zh-CN" dirty="0">
+                <a:latin typeface="宋体" panose="02010600030101010101" pitchFamily="2" charset="-122"/>
+                <a:ea typeface="宋体" panose="02010600030101010101" pitchFamily="2" charset="-122"/>
+              </a:rPr>
+              <a:t>A1QL</a:t>
+            </a:r>
+            <a:r>
+              <a:rPr lang="zh-CN" altLang="en-US" dirty="0">
+                <a:latin typeface="宋体" panose="02010600030101010101" pitchFamily="2" charset="-122"/>
+                <a:ea typeface="宋体" panose="02010600030101010101" pitchFamily="2" charset="-122"/>
+              </a:rPr>
+              <a:t>，将查询转移到数据库中而非应用程序中。</a:t>
+            </a:r>
+            <a:endParaRPr lang="en-US" altLang="zh-CN" dirty="0">
+              <a:latin typeface="宋体" panose="02010600030101010101" pitchFamily="2" charset="-122"/>
+              <a:ea typeface="宋体" panose="02010600030101010101" pitchFamily="2" charset="-122"/>
+            </a:endParaRPr>
+          </a:p>
+          <a:p>
+            <a:pPr marL="0" indent="0">
+              <a:buNone/>
+            </a:pPr>
+            <a:r>
+              <a:rPr lang="zh-CN" altLang="en-US" dirty="0">
+                <a:latin typeface="宋体" panose="02010600030101010101" pitchFamily="2" charset="-122"/>
+                <a:ea typeface="宋体" panose="02010600030101010101" pitchFamily="2" charset="-122"/>
+              </a:rPr>
+              <a:t>减少数据库和应用程序之间的通信量</a:t>
+            </a:r>
+            <a:endParaRPr lang="en-US" altLang="zh-CN" dirty="0">
+              <a:latin typeface="宋体" panose="02010600030101010101" pitchFamily="2" charset="-122"/>
+              <a:ea typeface="宋体" panose="02010600030101010101" pitchFamily="2" charset="-122"/>
+            </a:endParaRPr>
+          </a:p>
+          <a:p>
+            <a:endParaRPr lang="en-US" altLang="zh-CN" dirty="0">
+              <a:latin typeface="宋体" panose="02010600030101010101" pitchFamily="2" charset="-122"/>
+              <a:ea typeface="宋体" panose="02010600030101010101" pitchFamily="2" charset="-122"/>
+            </a:endParaRPr>
+          </a:p>
+          <a:p>
+            <a:r>
+              <a:rPr lang="en-US" altLang="zh-CN" dirty="0">
+                <a:latin typeface="宋体" panose="02010600030101010101" pitchFamily="2" charset="-122"/>
+                <a:ea typeface="宋体" panose="02010600030101010101" pitchFamily="2" charset="-122"/>
+              </a:rPr>
+              <a:t>A1</a:t>
+            </a:r>
+            <a:r>
+              <a:rPr lang="zh-CN" altLang="en-US" dirty="0">
+                <a:latin typeface="宋体" panose="02010600030101010101" pitchFamily="2" charset="-122"/>
+                <a:ea typeface="宋体" panose="02010600030101010101" pitchFamily="2" charset="-122"/>
+              </a:rPr>
+              <a:t>是延迟优化数据库，系统可用性通过延迟来衡量。</a:t>
+            </a:r>
+            <a:endParaRPr lang="en-US" altLang="zh-CN" dirty="0">
+              <a:latin typeface="宋体" panose="02010600030101010101" pitchFamily="2" charset="-122"/>
+              <a:ea typeface="宋体" panose="02010600030101010101" pitchFamily="2" charset="-122"/>
+            </a:endParaRPr>
+          </a:p>
+          <a:p>
+            <a:pPr marL="0" indent="0">
+              <a:buNone/>
+            </a:pPr>
+            <a:r>
+              <a:rPr lang="en-US" altLang="zh-CN" dirty="0">
+                <a:latin typeface="宋体" panose="02010600030101010101" pitchFamily="2" charset="-122"/>
+                <a:ea typeface="宋体" panose="02010600030101010101" pitchFamily="2" charset="-122"/>
+              </a:rPr>
+              <a:t>80%</a:t>
+            </a:r>
+            <a:r>
+              <a:rPr lang="zh-CN" altLang="en-US" dirty="0">
+                <a:latin typeface="宋体" panose="02010600030101010101" pitchFamily="2" charset="-122"/>
+                <a:ea typeface="宋体" panose="02010600030101010101" pitchFamily="2" charset="-122"/>
+              </a:rPr>
+              <a:t>的查询低于可接受延迟，即可用性为</a:t>
+            </a:r>
+            <a:r>
+              <a:rPr lang="en-US" altLang="zh-CN" dirty="0">
+                <a:latin typeface="宋体" panose="02010600030101010101" pitchFamily="2" charset="-122"/>
+                <a:ea typeface="宋体" panose="02010600030101010101" pitchFamily="2" charset="-122"/>
+              </a:rPr>
+              <a:t>80%</a:t>
+            </a:r>
+          </a:p>
+        </p:txBody>
+      </p:sp>
       <p:sp>
         <p:nvSpPr>
           <p:cNvPr id="7" name="文本框 6">
             <a:extLst>
               <a:ext uri="{FF2B5EF4-FFF2-40B4-BE49-F238E27FC236}">
-                <a16:creationId xmlns:a16="http://schemas.microsoft.com/office/drawing/2014/main" id="{6EA36FC9-2023-4EBD-B8F4-96DE496D1BF0}"/>
+                <a16:creationId xmlns:a16="http://schemas.microsoft.com/office/drawing/2014/main" id="{7A8EA316-AF62-4E05-AB5F-D7D5F37B2356}"/>
               </a:ext>
             </a:extLst>
           </p:cNvPr>
@@ -5231,7 +5184,7 @@
         <p:spPr>
           <a:xfrm>
             <a:off x="483268" y="224589"/>
-            <a:ext cx="3463090" cy="830997"/>
+            <a:ext cx="2308058" cy="830997"/>
           </a:xfrm>
           <a:prstGeom prst="rect">
             <a:avLst/>
@@ -5256,7 +5209,7 @@
                 <a:latin typeface="宋体" panose="02010600030101010101" pitchFamily="2" charset="-122"/>
                 <a:ea typeface="宋体" panose="02010600030101010101" pitchFamily="2" charset="-122"/>
               </a:rPr>
-              <a:t>系统架构</a:t>
+              <a:t>简介</a:t>
             </a:r>
           </a:p>
         </p:txBody>
@@ -5264,7 +5217,7 @@
     </p:spTree>
     <p:extLst>
       <p:ext uri="{BB962C8B-B14F-4D97-AF65-F5344CB8AC3E}">
-        <p14:creationId xmlns:p14="http://schemas.microsoft.com/office/powerpoint/2010/main" val="3129281175"/>
+        <p14:creationId xmlns:p14="http://schemas.microsoft.com/office/powerpoint/2010/main" val="2612396347"/>
       </p:ext>
     </p:extLst>
   </p:cSld>
@@ -5291,172 +5244,44 @@
           <a:chExt cx="0" cy="0"/>
         </a:xfrm>
       </p:grpSpPr>
-      <p:sp>
-        <p:nvSpPr>
-          <p:cNvPr id="3" name="内容占位符 2">
-            <a:extLst>
-              <a:ext uri="{FF2B5EF4-FFF2-40B4-BE49-F238E27FC236}">
-                <a16:creationId xmlns:a16="http://schemas.microsoft.com/office/drawing/2014/main" id="{830F665B-3D3C-465D-8E7A-A9E4B8184C35}"/>
-              </a:ext>
-            </a:extLst>
-          </p:cNvPr>
-          <p:cNvSpPr>
-            <a:spLocks noGrp="1"/>
-          </p:cNvSpPr>
+      <p:pic>
+        <p:nvPicPr>
+          <p:cNvPr id="4" name="内容占位符 3">
+            <a:extLst>
+              <a:ext uri="{FF2B5EF4-FFF2-40B4-BE49-F238E27FC236}">
+                <a16:creationId xmlns:a16="http://schemas.microsoft.com/office/drawing/2014/main" id="{C26393FD-9050-4A80-B31B-1255C7383EA0}"/>
+              </a:ext>
+            </a:extLst>
+          </p:cNvPr>
+          <p:cNvPicPr>
+            <a:picLocks noGrp="1" noChangeAspect="1"/>
+          </p:cNvPicPr>
           <p:nvPr>
             <p:ph idx="1"/>
           </p:nvPr>
-        </p:nvSpPr>
+        </p:nvPicPr>
+        <p:blipFill>
+          <a:blip r:embed="rId2"/>
+          <a:stretch>
+            <a:fillRect/>
+          </a:stretch>
+        </p:blipFill>
         <p:spPr>
           <a:xfrm>
-            <a:off x="483268" y="2035613"/>
-            <a:ext cx="10783957" cy="2786774"/>
+            <a:off x="3946358" y="224589"/>
+            <a:ext cx="5114425" cy="5835135"/>
           </a:xfrm>
+          <a:prstGeom prst="rect">
+            <a:avLst/>
+          </a:prstGeom>
         </p:spPr>
-        <p:txBody>
-          <a:bodyPr>
-            <a:noAutofit/>
-          </a:bodyPr>
-          <a:lstStyle/>
-          <a:p>
-            <a:r>
-              <a:rPr lang="en-US" altLang="zh-CN" dirty="0">
-                <a:solidFill>
-                  <a:srgbClr val="000000"/>
-                </a:solidFill>
-                <a:effectLst/>
-                <a:latin typeface="宋体" panose="02010600030101010101" pitchFamily="2" charset="-122"/>
-                <a:ea typeface="宋体" panose="02010600030101010101" pitchFamily="2" charset="-122"/>
-                <a:cs typeface="宋体" panose="02010600030101010101" pitchFamily="2" charset="-122"/>
-              </a:rPr>
-              <a:t>FaRM</a:t>
-            </a:r>
-            <a:r>
-              <a:rPr lang="zh-CN" altLang="en-US" dirty="0">
-                <a:solidFill>
-                  <a:srgbClr val="000000"/>
-                </a:solidFill>
-                <a:effectLst/>
-                <a:latin typeface="宋体" panose="02010600030101010101" pitchFamily="2" charset="-122"/>
-                <a:ea typeface="宋体" panose="02010600030101010101" pitchFamily="2" charset="-122"/>
-                <a:cs typeface="宋体" panose="02010600030101010101" pitchFamily="2" charset="-122"/>
-              </a:rPr>
-              <a:t>是一个事务型</a:t>
-            </a:r>
-            <a:r>
-              <a:rPr lang="zh-CN" altLang="en-US" dirty="0"/>
-              <a:t>​​内存分布式计算平台</a:t>
-            </a:r>
-            <a:r>
-              <a:rPr lang="zh-CN" altLang="en-US" dirty="0">
-                <a:solidFill>
-                  <a:srgbClr val="000000"/>
-                </a:solidFill>
-                <a:effectLst/>
-                <a:latin typeface="宋体" panose="02010600030101010101" pitchFamily="2" charset="-122"/>
-                <a:ea typeface="宋体" panose="02010600030101010101" pitchFamily="2" charset="-122"/>
-                <a:cs typeface="宋体" panose="02010600030101010101" pitchFamily="2" charset="-122"/>
-              </a:rPr>
-              <a:t>。</a:t>
-            </a:r>
-            <a:endParaRPr lang="en-US" altLang="zh-CN" dirty="0">
-              <a:solidFill>
-                <a:srgbClr val="000000"/>
-              </a:solidFill>
-              <a:effectLst/>
-              <a:latin typeface="宋体" panose="02010600030101010101" pitchFamily="2" charset="-122"/>
-              <a:ea typeface="宋体" panose="02010600030101010101" pitchFamily="2" charset="-122"/>
-              <a:cs typeface="宋体" panose="02010600030101010101" pitchFamily="2" charset="-122"/>
-            </a:endParaRPr>
-          </a:p>
-          <a:p>
-            <a:endParaRPr lang="en-US" altLang="zh-CN" dirty="0">
-              <a:solidFill>
-                <a:srgbClr val="000000"/>
-              </a:solidFill>
-              <a:latin typeface="宋体" panose="02010600030101010101" pitchFamily="2" charset="-122"/>
-              <a:ea typeface="宋体" panose="02010600030101010101" pitchFamily="2" charset="-122"/>
-              <a:cs typeface="宋体" panose="02010600030101010101" pitchFamily="2" charset="-122"/>
-            </a:endParaRPr>
-          </a:p>
-          <a:p>
-            <a:r>
-              <a:rPr lang="zh-CN" altLang="en-US" dirty="0">
-                <a:solidFill>
-                  <a:srgbClr val="000000"/>
-                </a:solidFill>
-                <a:effectLst/>
-                <a:latin typeface="宋体" panose="02010600030101010101" pitchFamily="2" charset="-122"/>
-                <a:ea typeface="宋体" panose="02010600030101010101" pitchFamily="2" charset="-122"/>
-                <a:cs typeface="宋体" panose="02010600030101010101" pitchFamily="2" charset="-122"/>
-              </a:rPr>
-              <a:t>提供低延迟和高吞吐量的读写。</a:t>
-            </a:r>
-            <a:endParaRPr lang="en-US" altLang="zh-CN" dirty="0">
-              <a:solidFill>
-                <a:srgbClr val="000000"/>
-              </a:solidFill>
-              <a:effectLst/>
-              <a:latin typeface="宋体" panose="02010600030101010101" pitchFamily="2" charset="-122"/>
-              <a:ea typeface="宋体" panose="02010600030101010101" pitchFamily="2" charset="-122"/>
-              <a:cs typeface="宋体" panose="02010600030101010101" pitchFamily="2" charset="-122"/>
-            </a:endParaRPr>
-          </a:p>
-          <a:p>
-            <a:pPr marL="0" indent="0">
-              <a:buNone/>
-            </a:pPr>
-            <a:endParaRPr lang="en-US" altLang="zh-CN" dirty="0">
-              <a:solidFill>
-                <a:srgbClr val="000000"/>
-              </a:solidFill>
-              <a:latin typeface="宋体" panose="02010600030101010101" pitchFamily="2" charset="-122"/>
-              <a:ea typeface="宋体" panose="02010600030101010101" pitchFamily="2" charset="-122"/>
-            </a:endParaRPr>
-          </a:p>
-          <a:p>
-            <a:pPr algn="just"/>
-            <a:r>
-              <a:rPr lang="zh-CN" altLang="en-US" kern="100" dirty="0">
-                <a:solidFill>
-                  <a:srgbClr val="000000"/>
-                </a:solidFill>
-                <a:effectLst/>
-                <a:latin typeface="宋体" panose="02010600030101010101" pitchFamily="2" charset="-122"/>
-                <a:ea typeface="宋体" panose="02010600030101010101" pitchFamily="2" charset="-122"/>
-                <a:cs typeface="宋体" panose="02010600030101010101" pitchFamily="2" charset="-122"/>
-              </a:rPr>
-              <a:t>由单一主节点</a:t>
-            </a:r>
-            <a:r>
-              <a:rPr lang="zh-CN" altLang="en-US" kern="100" dirty="0">
-                <a:solidFill>
-                  <a:srgbClr val="000000"/>
-                </a:solidFill>
-                <a:latin typeface="宋体" panose="02010600030101010101" pitchFamily="2" charset="-122"/>
-                <a:ea typeface="宋体" panose="02010600030101010101" pitchFamily="2" charset="-122"/>
-                <a:cs typeface="宋体" panose="02010600030101010101" pitchFamily="2" charset="-122"/>
-              </a:rPr>
-              <a:t>进行管理，多重备份。</a:t>
-            </a:r>
-            <a:endParaRPr lang="en-US" altLang="zh-CN" kern="100" dirty="0">
-              <a:solidFill>
-                <a:srgbClr val="000000"/>
-              </a:solidFill>
-              <a:effectLst/>
-              <a:latin typeface="宋体" panose="02010600030101010101" pitchFamily="2" charset="-122"/>
-              <a:ea typeface="宋体" panose="02010600030101010101" pitchFamily="2" charset="-122"/>
-              <a:cs typeface="宋体" panose="02010600030101010101" pitchFamily="2" charset="-122"/>
-            </a:endParaRPr>
-          </a:p>
-        </p:txBody>
-      </p:sp>
-      <p:sp>
-        <p:nvSpPr>
-          <p:cNvPr id="4" name="文本框 3">
-            <a:extLst>
-              <a:ext uri="{FF2B5EF4-FFF2-40B4-BE49-F238E27FC236}">
-                <a16:creationId xmlns:a16="http://schemas.microsoft.com/office/drawing/2014/main" id="{7F81184C-5F34-4880-A12F-976898616F90}"/>
+      </p:pic>
+      <p:sp>
+        <p:nvSpPr>
+          <p:cNvPr id="7" name="文本框 6">
+            <a:extLst>
+              <a:ext uri="{FF2B5EF4-FFF2-40B4-BE49-F238E27FC236}">
+                <a16:creationId xmlns:a16="http://schemas.microsoft.com/office/drawing/2014/main" id="{6EA36FC9-2023-4EBD-B8F4-96DE496D1BF0}"/>
               </a:ext>
             </a:extLst>
           </p:cNvPr>
@@ -5484,14 +5309,14 @@
                 <a:latin typeface="宋体" panose="02010600030101010101" pitchFamily="2" charset="-122"/>
                 <a:ea typeface="宋体" panose="02010600030101010101" pitchFamily="2" charset="-122"/>
               </a:rPr>
-              <a:t>FaRM</a:t>
+              <a:t>A1</a:t>
             </a:r>
             <a:r>
               <a:rPr lang="zh-CN" altLang="en-US" sz="4800" dirty="0">
                 <a:latin typeface="宋体" panose="02010600030101010101" pitchFamily="2" charset="-122"/>
                 <a:ea typeface="宋体" panose="02010600030101010101" pitchFamily="2" charset="-122"/>
               </a:rPr>
-              <a:t>简介</a:t>
+              <a:t>系统架构</a:t>
             </a:r>
           </a:p>
         </p:txBody>
@@ -5499,7 +5324,7 @@
     </p:spTree>
     <p:extLst>
       <p:ext uri="{BB962C8B-B14F-4D97-AF65-F5344CB8AC3E}">
-        <p14:creationId xmlns:p14="http://schemas.microsoft.com/office/powerpoint/2010/main" val="2797939866"/>
+        <p14:creationId xmlns:p14="http://schemas.microsoft.com/office/powerpoint/2010/main" val="3129281175"/>
       </p:ext>
     </p:extLst>
   </p:cSld>
@@ -5528,10 +5353,10 @@
       </p:grpSpPr>
       <p:sp>
         <p:nvSpPr>
-          <p:cNvPr id="5" name="内容占位符 4">
-            <a:extLst>
-              <a:ext uri="{FF2B5EF4-FFF2-40B4-BE49-F238E27FC236}">
-                <a16:creationId xmlns:a16="http://schemas.microsoft.com/office/drawing/2014/main" id="{C7DE68C8-0B3E-4174-8BAA-9B8B621455F9}"/>
+          <p:cNvPr id="3" name="内容占位符 2">
+            <a:extLst>
+              <a:ext uri="{FF2B5EF4-FFF2-40B4-BE49-F238E27FC236}">
+                <a16:creationId xmlns:a16="http://schemas.microsoft.com/office/drawing/2014/main" id="{830F665B-3D3C-465D-8E7A-A9E4B8184C35}"/>
               </a:ext>
             </a:extLst>
           </p:cNvPr>
@@ -5544,8 +5369,8 @@
         </p:nvSpPr>
         <p:spPr>
           <a:xfrm>
-            <a:off x="483268" y="1119281"/>
-            <a:ext cx="10515600" cy="4619438"/>
+            <a:off x="483268" y="1358701"/>
+            <a:ext cx="10783957" cy="4140598"/>
           </a:xfrm>
         </p:spPr>
         <p:txBody>
@@ -5555,7 +5380,7 @@
           <a:lstStyle/>
           <a:p>
             <a:r>
-              <a:rPr lang="zh-CN" altLang="zh-CN" dirty="0">
+              <a:rPr lang="en-US" altLang="zh-CN" dirty="0">
                 <a:solidFill>
                   <a:srgbClr val="000000"/>
                 </a:solidFill>
@@ -5564,7 +5389,7 @@
                 <a:ea typeface="宋体" panose="02010600030101010101" pitchFamily="2" charset="-122"/>
                 <a:cs typeface="宋体" panose="02010600030101010101" pitchFamily="2" charset="-122"/>
               </a:rPr>
-              <a:t>指针链接数据结构</a:t>
+              <a:t>FaRM</a:t>
             </a:r>
             <a:r>
               <a:rPr lang="zh-CN" altLang="en-US" dirty="0">
@@ -5576,208 +5401,169 @@
                 <a:ea typeface="宋体" panose="02010600030101010101" pitchFamily="2" charset="-122"/>
                 <a:cs typeface="宋体" panose="02010600030101010101" pitchFamily="2" charset="-122"/>
               </a:rPr>
-              <a:t>优化</a:t>
+              <a:t>是一个基于内存的</a:t>
+            </a:r>
+            <a:r>
+              <a:rPr lang="zh-CN" altLang="en-US" dirty="0">
+                <a:solidFill>
+                  <a:srgbClr val="000000"/>
+                </a:solidFill>
+                <a:latin typeface="宋体" panose="02010600030101010101" pitchFamily="2" charset="-122"/>
+                <a:ea typeface="宋体" panose="02010600030101010101" pitchFamily="2" charset="-122"/>
+              </a:rPr>
+              <a:t>事务型​​分布式计算平台。</a:t>
             </a:r>
             <a:endParaRPr lang="en-US" altLang="zh-CN" dirty="0">
               <a:solidFill>
                 <a:srgbClr val="000000"/>
               </a:solidFill>
-              <a:effectLst/>
               <a:latin typeface="宋体" panose="02010600030101010101" pitchFamily="2" charset="-122"/>
               <a:ea typeface="宋体" panose="02010600030101010101" pitchFamily="2" charset="-122"/>
-              <a:cs typeface="宋体" panose="02010600030101010101" pitchFamily="2" charset="-122"/>
             </a:endParaRPr>
           </a:p>
           <a:p>
+            <a:pPr marL="0" indent="0">
+              <a:buNone/>
+            </a:pPr>
+            <a:r>
+              <a:rPr lang="zh-CN" altLang="en-US" dirty="0">
+                <a:solidFill>
+                  <a:srgbClr val="000000"/>
+                </a:solidFill>
+                <a:latin typeface="宋体" panose="02010600030101010101" pitchFamily="2" charset="-122"/>
+                <a:ea typeface="宋体" panose="02010600030101010101" pitchFamily="2" charset="-122"/>
+                <a:cs typeface="宋体" panose="02010600030101010101" pitchFamily="2" charset="-122"/>
+              </a:rPr>
+              <a:t>应用程序通过网卡提供的特殊支持，直接</a:t>
+            </a:r>
+            <a:r>
+              <a:rPr lang="zh-CN" altLang="en-US" dirty="0">
+                <a:solidFill>
+                  <a:srgbClr val="000000"/>
+                </a:solidFill>
+                <a:latin typeface="宋体" panose="02010600030101010101" pitchFamily="2" charset="-122"/>
+                <a:ea typeface="宋体" panose="02010600030101010101" pitchFamily="2" charset="-122"/>
+              </a:rPr>
+              <a:t>访问内存</a:t>
+            </a:r>
             <a:endParaRPr lang="en-US" altLang="zh-CN" dirty="0">
               <a:solidFill>
                 <a:srgbClr val="000000"/>
               </a:solidFill>
-              <a:effectLst/>
               <a:latin typeface="宋体" panose="02010600030101010101" pitchFamily="2" charset="-122"/>
               <a:ea typeface="宋体" panose="02010600030101010101" pitchFamily="2" charset="-122"/>
-              <a:cs typeface="宋体" panose="02010600030101010101" pitchFamily="2" charset="-122"/>
             </a:endParaRPr>
           </a:p>
           <a:p>
-            <a:r>
-              <a:rPr lang="zh-CN" altLang="zh-CN" dirty="0">
-                <a:solidFill>
-                  <a:srgbClr val="000000"/>
-                </a:solidFill>
-                <a:effectLst/>
-                <a:latin typeface="宋体" panose="02010600030101010101" pitchFamily="2" charset="-122"/>
-                <a:ea typeface="宋体" panose="02010600030101010101" pitchFamily="2" charset="-122"/>
-                <a:cs typeface="宋体" panose="02010600030101010101" pitchFamily="2" charset="-122"/>
-              </a:rPr>
-              <a:t>内存存储</a:t>
-            </a:r>
-            <a:r>
-              <a:rPr lang="zh-CN" altLang="en-US" dirty="0">
-                <a:solidFill>
-                  <a:srgbClr val="000000"/>
-                </a:solidFill>
-                <a:effectLst/>
-                <a:latin typeface="宋体" panose="02010600030101010101" pitchFamily="2" charset="-122"/>
-                <a:ea typeface="宋体" panose="02010600030101010101" pitchFamily="2" charset="-122"/>
-                <a:cs typeface="宋体" panose="02010600030101010101" pitchFamily="2" charset="-122"/>
-              </a:rPr>
-              <a:t>优化</a:t>
-            </a:r>
             <a:endParaRPr lang="en-US" altLang="zh-CN" dirty="0">
               <a:solidFill>
                 <a:srgbClr val="000000"/>
               </a:solidFill>
-              <a:effectLst/>
               <a:latin typeface="宋体" panose="02010600030101010101" pitchFamily="2" charset="-122"/>
               <a:ea typeface="宋体" panose="02010600030101010101" pitchFamily="2" charset="-122"/>
-              <a:cs typeface="宋体" panose="02010600030101010101" pitchFamily="2" charset="-122"/>
             </a:endParaRPr>
           </a:p>
           <a:p>
+            <a:r>
+              <a:rPr lang="zh-CN" altLang="en-US" dirty="0">
+                <a:solidFill>
+                  <a:srgbClr val="000000"/>
+                </a:solidFill>
+                <a:latin typeface="宋体" panose="02010600030101010101" pitchFamily="2" charset="-122"/>
+                <a:ea typeface="宋体" panose="02010600030101010101" pitchFamily="2" charset="-122"/>
+              </a:rPr>
+              <a:t>提供低延迟和高吞吐的读写。</a:t>
+            </a:r>
             <a:endParaRPr lang="en-US" altLang="zh-CN" dirty="0">
               <a:solidFill>
                 <a:srgbClr val="000000"/>
               </a:solidFill>
-              <a:effectLst/>
               <a:latin typeface="宋体" panose="02010600030101010101" pitchFamily="2" charset="-122"/>
               <a:ea typeface="宋体" panose="02010600030101010101" pitchFamily="2" charset="-122"/>
-              <a:cs typeface="宋体" panose="02010600030101010101" pitchFamily="2" charset="-122"/>
             </a:endParaRPr>
           </a:p>
           <a:p>
-            <a:pPr algn="just"/>
-            <a:r>
-              <a:rPr lang="zh-CN" altLang="zh-CN" kern="100" dirty="0">
+            <a:pPr marL="0" indent="0">
+              <a:buNone/>
+            </a:pPr>
+            <a:r>
+              <a:rPr lang="zh-CN" altLang="en-US" dirty="0">
                 <a:solidFill>
                   <a:srgbClr val="000000"/>
                 </a:solidFill>
-                <a:effectLst/>
-                <a:latin typeface="宋体" panose="02010600030101010101" pitchFamily="2" charset="-122"/>
-                <a:ea typeface="宋体" panose="02010600030101010101" pitchFamily="2" charset="-122"/>
-                <a:cs typeface="宋体" panose="02010600030101010101" pitchFamily="2" charset="-122"/>
-              </a:rPr>
-              <a:t>局部性</a:t>
-            </a:r>
-            <a:r>
-              <a:rPr lang="zh-CN" altLang="en-US" kern="100" dirty="0">
+                <a:latin typeface="宋体" panose="02010600030101010101" pitchFamily="2" charset="-122"/>
+                <a:ea typeface="宋体" panose="02010600030101010101" pitchFamily="2" charset="-122"/>
+              </a:rPr>
+              <a:t>不使用</a:t>
+            </a:r>
+            <a:r>
+              <a:rPr lang="en-US" altLang="zh-CN" dirty="0">
                 <a:solidFill>
                   <a:srgbClr val="000000"/>
                 </a:solidFill>
-                <a:effectLst/>
-                <a:latin typeface="宋体" panose="02010600030101010101" pitchFamily="2" charset="-122"/>
-                <a:ea typeface="宋体" panose="02010600030101010101" pitchFamily="2" charset="-122"/>
-                <a:cs typeface="宋体" panose="02010600030101010101" pitchFamily="2" charset="-122"/>
-              </a:rPr>
-              <a:t>优化</a:t>
-            </a:r>
-            <a:endParaRPr lang="en-US" altLang="zh-CN" kern="100" dirty="0">
-              <a:solidFill>
-                <a:srgbClr val="000000"/>
-              </a:solidFill>
-              <a:effectLst/>
-              <a:latin typeface="宋体" panose="02010600030101010101" pitchFamily="2" charset="-122"/>
-              <a:ea typeface="宋体" panose="02010600030101010101" pitchFamily="2" charset="-122"/>
-              <a:cs typeface="宋体" panose="02010600030101010101" pitchFamily="2" charset="-122"/>
-            </a:endParaRPr>
-          </a:p>
-          <a:p>
-            <a:pPr algn="just"/>
-            <a:endParaRPr lang="zh-CN" altLang="zh-CN" kern="100" dirty="0">
-              <a:effectLst/>
-              <a:latin typeface="宋体" panose="02010600030101010101" pitchFamily="2" charset="-122"/>
-              <a:ea typeface="宋体" panose="02010600030101010101" pitchFamily="2" charset="-122"/>
-              <a:cs typeface="Times New Roman" panose="02020603050405020304" pitchFamily="18" charset="0"/>
-            </a:endParaRPr>
-          </a:p>
-          <a:p>
-            <a:pPr algn="just"/>
-            <a:r>
-              <a:rPr lang="zh-CN" altLang="zh-CN" kern="100" dirty="0">
+                <a:latin typeface="宋体" panose="02010600030101010101" pitchFamily="2" charset="-122"/>
+                <a:ea typeface="宋体" panose="02010600030101010101" pitchFamily="2" charset="-122"/>
+              </a:rPr>
+              <a:t>TCP/IP</a:t>
+            </a:r>
+            <a:r>
+              <a:rPr lang="zh-CN" altLang="en-US" dirty="0">
                 <a:solidFill>
                   <a:srgbClr val="000000"/>
                 </a:solidFill>
-                <a:effectLst/>
-                <a:latin typeface="宋体" panose="02010600030101010101" pitchFamily="2" charset="-122"/>
-                <a:ea typeface="宋体" panose="02010600030101010101" pitchFamily="2" charset="-122"/>
-                <a:cs typeface="宋体" panose="02010600030101010101" pitchFamily="2" charset="-122"/>
-              </a:rPr>
-              <a:t>并发性</a:t>
-            </a:r>
-            <a:r>
-              <a:rPr lang="zh-CN" altLang="en-US" kern="100" dirty="0">
-                <a:solidFill>
-                  <a:srgbClr val="000000"/>
-                </a:solidFill>
-                <a:effectLst/>
-                <a:latin typeface="宋体" panose="02010600030101010101" pitchFamily="2" charset="-122"/>
-                <a:ea typeface="宋体" panose="02010600030101010101" pitchFamily="2" charset="-122"/>
-                <a:cs typeface="宋体" panose="02010600030101010101" pitchFamily="2" charset="-122"/>
-              </a:rPr>
-              <a:t>优化</a:t>
-            </a:r>
-            <a:endParaRPr lang="en-US" altLang="zh-CN" kern="100" dirty="0">
-              <a:solidFill>
-                <a:srgbClr val="000000"/>
-              </a:solidFill>
-              <a:effectLst/>
-              <a:latin typeface="宋体" panose="02010600030101010101" pitchFamily="2" charset="-122"/>
-              <a:ea typeface="宋体" panose="02010600030101010101" pitchFamily="2" charset="-122"/>
-              <a:cs typeface="宋体" panose="02010600030101010101" pitchFamily="2" charset="-122"/>
-            </a:endParaRPr>
-          </a:p>
-          <a:p>
-            <a:pPr algn="just"/>
-            <a:endParaRPr lang="zh-CN" altLang="zh-CN" kern="100" dirty="0">
-              <a:effectLst/>
-              <a:latin typeface="宋体" panose="02010600030101010101" pitchFamily="2" charset="-122"/>
-              <a:ea typeface="宋体" panose="02010600030101010101" pitchFamily="2" charset="-122"/>
-              <a:cs typeface="Times New Roman" panose="02020603050405020304" pitchFamily="18" charset="0"/>
-            </a:endParaRPr>
-          </a:p>
-          <a:p>
-            <a:r>
-              <a:rPr lang="zh-CN" altLang="zh-CN" dirty="0">
-                <a:solidFill>
-                  <a:srgbClr val="000000"/>
-                </a:solidFill>
-                <a:effectLst/>
-                <a:latin typeface="宋体" panose="02010600030101010101" pitchFamily="2" charset="-122"/>
-                <a:ea typeface="宋体" panose="02010600030101010101" pitchFamily="2" charset="-122"/>
-                <a:cs typeface="宋体" panose="02010600030101010101" pitchFamily="2" charset="-122"/>
-              </a:rPr>
-              <a:t>协作多线程</a:t>
-            </a:r>
-            <a:r>
-              <a:rPr lang="zh-CN" altLang="en-US" dirty="0">
-                <a:solidFill>
-                  <a:srgbClr val="000000"/>
-                </a:solidFill>
-                <a:effectLst/>
-                <a:latin typeface="宋体" panose="02010600030101010101" pitchFamily="2" charset="-122"/>
-                <a:ea typeface="宋体" panose="02010600030101010101" pitchFamily="2" charset="-122"/>
-                <a:cs typeface="宋体" panose="02010600030101010101" pitchFamily="2" charset="-122"/>
-              </a:rPr>
-              <a:t>优化</a:t>
+                <a:latin typeface="宋体" panose="02010600030101010101" pitchFamily="2" charset="-122"/>
+                <a:ea typeface="宋体" panose="02010600030101010101" pitchFamily="2" charset="-122"/>
+              </a:rPr>
+              <a:t>协议栈，可靠性、拥塞控制等由网卡和交换机完成</a:t>
             </a:r>
             <a:endParaRPr lang="en-US" altLang="zh-CN" dirty="0">
               <a:solidFill>
                 <a:srgbClr val="000000"/>
               </a:solidFill>
-              <a:effectLst/>
               <a:latin typeface="宋体" panose="02010600030101010101" pitchFamily="2" charset="-122"/>
               <a:ea typeface="宋体" panose="02010600030101010101" pitchFamily="2" charset="-122"/>
-              <a:cs typeface="宋体" panose="02010600030101010101" pitchFamily="2" charset="-122"/>
             </a:endParaRPr>
           </a:p>
-        </p:txBody>
-      </p:sp>
-      <p:sp>
-        <p:nvSpPr>
-          <p:cNvPr id="3" name="文本框 2">
-            <a:extLst>
-              <a:ext uri="{FF2B5EF4-FFF2-40B4-BE49-F238E27FC236}">
-                <a16:creationId xmlns:a16="http://schemas.microsoft.com/office/drawing/2014/main" id="{A291468C-FFA5-4961-85DC-411E37333DDD}"/>
+          <a:p>
+            <a:pPr marL="0" indent="0">
+              <a:buNone/>
+            </a:pPr>
+            <a:endParaRPr lang="en-US" altLang="zh-CN" dirty="0">
+              <a:solidFill>
+                <a:srgbClr val="000000"/>
+              </a:solidFill>
+              <a:latin typeface="宋体" panose="02010600030101010101" pitchFamily="2" charset="-122"/>
+              <a:ea typeface="宋体" panose="02010600030101010101" pitchFamily="2" charset="-122"/>
+            </a:endParaRPr>
+          </a:p>
+          <a:p>
+            <a:pPr algn="just"/>
+            <a:r>
+              <a:rPr lang="zh-CN" altLang="en-US" dirty="0">
+                <a:solidFill>
+                  <a:srgbClr val="000000"/>
+                </a:solidFill>
+                <a:latin typeface="宋体" panose="02010600030101010101" pitchFamily="2" charset="-122"/>
+                <a:ea typeface="宋体" panose="02010600030101010101" pitchFamily="2" charset="-122"/>
+              </a:rPr>
+              <a:t>由单一主节点（配置管理器）进行管理，多重备份。</a:t>
+            </a:r>
+            <a:endParaRPr lang="en-US" altLang="zh-CN" dirty="0">
+              <a:solidFill>
+                <a:srgbClr val="000000"/>
+              </a:solidFill>
+              <a:latin typeface="宋体" panose="02010600030101010101" pitchFamily="2" charset="-122"/>
+              <a:ea typeface="宋体" panose="02010600030101010101" pitchFamily="2" charset="-122"/>
+            </a:endParaRPr>
+          </a:p>
+        </p:txBody>
+      </p:sp>
+      <p:sp>
+        <p:nvSpPr>
+          <p:cNvPr id="4" name="文本框 3">
+            <a:extLst>
+              <a:ext uri="{FF2B5EF4-FFF2-40B4-BE49-F238E27FC236}">
+                <a16:creationId xmlns:a16="http://schemas.microsoft.com/office/drawing/2014/main" id="{7F81184C-5F34-4880-A12F-976898616F90}"/>
               </a:ext>
             </a:extLst>
           </p:cNvPr>
@@ -5805,14 +5591,14 @@
                 <a:latin typeface="宋体" panose="02010600030101010101" pitchFamily="2" charset="-122"/>
                 <a:ea typeface="宋体" panose="02010600030101010101" pitchFamily="2" charset="-122"/>
               </a:rPr>
-              <a:t>A1</a:t>
+              <a:t>FaRM</a:t>
             </a:r>
             <a:r>
               <a:rPr lang="zh-CN" altLang="en-US" sz="4800" dirty="0">
                 <a:latin typeface="宋体" panose="02010600030101010101" pitchFamily="2" charset="-122"/>
                 <a:ea typeface="宋体" panose="02010600030101010101" pitchFamily="2" charset="-122"/>
               </a:rPr>
-              <a:t>设计原则</a:t>
+              <a:t>简介</a:t>
             </a:r>
           </a:p>
         </p:txBody>
@@ -5820,7 +5606,7 @@
     </p:spTree>
     <p:extLst>
       <p:ext uri="{BB962C8B-B14F-4D97-AF65-F5344CB8AC3E}">
-        <p14:creationId xmlns:p14="http://schemas.microsoft.com/office/powerpoint/2010/main" val="1768820770"/>
+        <p14:creationId xmlns:p14="http://schemas.microsoft.com/office/powerpoint/2010/main" val="2797939866"/>
       </p:ext>
     </p:extLst>
   </p:cSld>
@@ -5849,10 +5635,10 @@
       </p:grpSpPr>
       <p:sp>
         <p:nvSpPr>
-          <p:cNvPr id="3" name="内容占位符 2">
-            <a:extLst>
-              <a:ext uri="{FF2B5EF4-FFF2-40B4-BE49-F238E27FC236}">
-                <a16:creationId xmlns:a16="http://schemas.microsoft.com/office/drawing/2014/main" id="{803EFB58-D10D-4923-B13D-348380912515}"/>
+          <p:cNvPr id="5" name="内容占位符 4">
+            <a:extLst>
+              <a:ext uri="{FF2B5EF4-FFF2-40B4-BE49-F238E27FC236}">
+                <a16:creationId xmlns:a16="http://schemas.microsoft.com/office/drawing/2014/main" id="{C7DE68C8-0B3E-4174-8BAA-9B8B621455F9}"/>
               </a:ext>
             </a:extLst>
           </p:cNvPr>
@@ -5865,17 +5651,180 @@
         </p:nvSpPr>
         <p:spPr>
           <a:xfrm>
-            <a:off x="483268" y="1462264"/>
-            <a:ext cx="10515600" cy="3933472"/>
+            <a:off x="483268" y="1301588"/>
+            <a:ext cx="10515600" cy="4254824"/>
           </a:xfrm>
         </p:spPr>
         <p:txBody>
           <a:bodyPr>
-            <a:normAutofit/>
+            <a:noAutofit/>
           </a:bodyPr>
           <a:lstStyle/>
           <a:p>
             <a:r>
+              <a:rPr lang="zh-CN" altLang="zh-CN" dirty="0">
+                <a:solidFill>
+                  <a:srgbClr val="000000"/>
+                </a:solidFill>
+                <a:effectLst/>
+                <a:latin typeface="宋体" panose="02010600030101010101" pitchFamily="2" charset="-122"/>
+                <a:ea typeface="宋体" panose="02010600030101010101" pitchFamily="2" charset="-122"/>
+                <a:cs typeface="宋体" panose="02010600030101010101" pitchFamily="2" charset="-122"/>
+              </a:rPr>
+              <a:t>指针链接数据结构</a:t>
+            </a:r>
+            <a:r>
+              <a:rPr lang="zh-CN" altLang="en-US" dirty="0">
+                <a:solidFill>
+                  <a:srgbClr val="000000"/>
+                </a:solidFill>
+                <a:effectLst/>
+                <a:latin typeface="宋体" panose="02010600030101010101" pitchFamily="2" charset="-122"/>
+                <a:ea typeface="宋体" panose="02010600030101010101" pitchFamily="2" charset="-122"/>
+                <a:cs typeface="宋体" panose="02010600030101010101" pitchFamily="2" charset="-122"/>
+              </a:rPr>
+              <a:t>优化</a:t>
+            </a:r>
+            <a:endParaRPr lang="en-US" altLang="zh-CN" dirty="0">
+              <a:solidFill>
+                <a:srgbClr val="000000"/>
+              </a:solidFill>
+              <a:effectLst/>
+              <a:latin typeface="宋体" panose="02010600030101010101" pitchFamily="2" charset="-122"/>
+              <a:ea typeface="宋体" panose="02010600030101010101" pitchFamily="2" charset="-122"/>
+              <a:cs typeface="宋体" panose="02010600030101010101" pitchFamily="2" charset="-122"/>
+            </a:endParaRPr>
+          </a:p>
+          <a:p>
+            <a:pPr marL="0" indent="0">
+              <a:buNone/>
+            </a:pPr>
+            <a:r>
+              <a:rPr lang="zh-CN" altLang="en-US" dirty="0">
+                <a:solidFill>
+                  <a:srgbClr val="000000"/>
+                </a:solidFill>
+                <a:effectLst/>
+                <a:latin typeface="宋体" panose="02010600030101010101" pitchFamily="2" charset="-122"/>
+                <a:ea typeface="宋体" panose="02010600030101010101" pitchFamily="2" charset="-122"/>
+                <a:cs typeface="宋体" panose="02010600030101010101" pitchFamily="2" charset="-122"/>
+              </a:rPr>
+              <a:t>为了减少解引用指针需要的内存读取，尽可能减少使用指针</a:t>
+            </a:r>
+            <a:endParaRPr lang="en-US" altLang="zh-CN" dirty="0">
+              <a:solidFill>
+                <a:srgbClr val="000000"/>
+              </a:solidFill>
+              <a:effectLst/>
+              <a:latin typeface="宋体" panose="02010600030101010101" pitchFamily="2" charset="-122"/>
+              <a:ea typeface="宋体" panose="02010600030101010101" pitchFamily="2" charset="-122"/>
+              <a:cs typeface="宋体" panose="02010600030101010101" pitchFamily="2" charset="-122"/>
+            </a:endParaRPr>
+          </a:p>
+          <a:p>
+            <a:pPr marL="0" indent="0">
+              <a:buNone/>
+            </a:pPr>
+            <a:endParaRPr lang="en-US" altLang="zh-CN" dirty="0">
+              <a:solidFill>
+                <a:srgbClr val="000000"/>
+              </a:solidFill>
+              <a:effectLst/>
+              <a:latin typeface="宋体" panose="02010600030101010101" pitchFamily="2" charset="-122"/>
+              <a:ea typeface="宋体" panose="02010600030101010101" pitchFamily="2" charset="-122"/>
+              <a:cs typeface="宋体" panose="02010600030101010101" pitchFamily="2" charset="-122"/>
+            </a:endParaRPr>
+          </a:p>
+          <a:p>
+            <a:r>
+              <a:rPr lang="zh-CN" altLang="zh-CN" dirty="0">
+                <a:solidFill>
+                  <a:srgbClr val="000000"/>
+                </a:solidFill>
+                <a:effectLst/>
+                <a:latin typeface="宋体" panose="02010600030101010101" pitchFamily="2" charset="-122"/>
+                <a:ea typeface="宋体" panose="02010600030101010101" pitchFamily="2" charset="-122"/>
+                <a:cs typeface="宋体" panose="02010600030101010101" pitchFamily="2" charset="-122"/>
+              </a:rPr>
+              <a:t>内存存储</a:t>
+            </a:r>
+            <a:r>
+              <a:rPr lang="zh-CN" altLang="en-US" dirty="0">
+                <a:solidFill>
+                  <a:srgbClr val="000000"/>
+                </a:solidFill>
+                <a:effectLst/>
+                <a:latin typeface="宋体" panose="02010600030101010101" pitchFamily="2" charset="-122"/>
+                <a:ea typeface="宋体" panose="02010600030101010101" pitchFamily="2" charset="-122"/>
+                <a:cs typeface="宋体" panose="02010600030101010101" pitchFamily="2" charset="-122"/>
+              </a:rPr>
+              <a:t>优化</a:t>
+            </a:r>
+            <a:endParaRPr lang="en-US" altLang="zh-CN" dirty="0">
+              <a:solidFill>
+                <a:srgbClr val="000000"/>
+              </a:solidFill>
+              <a:effectLst/>
+              <a:latin typeface="宋体" panose="02010600030101010101" pitchFamily="2" charset="-122"/>
+              <a:ea typeface="宋体" panose="02010600030101010101" pitchFamily="2" charset="-122"/>
+              <a:cs typeface="宋体" panose="02010600030101010101" pitchFamily="2" charset="-122"/>
+            </a:endParaRPr>
+          </a:p>
+          <a:p>
+            <a:pPr marL="0" indent="0">
+              <a:buNone/>
+            </a:pPr>
+            <a:r>
+              <a:rPr lang="zh-CN" altLang="en-US" dirty="0">
+                <a:solidFill>
+                  <a:srgbClr val="000000"/>
+                </a:solidFill>
+                <a:effectLst/>
+                <a:latin typeface="宋体" panose="02010600030101010101" pitchFamily="2" charset="-122"/>
+                <a:ea typeface="宋体" panose="02010600030101010101" pitchFamily="2" charset="-122"/>
+                <a:cs typeface="宋体" panose="02010600030101010101" pitchFamily="2" charset="-122"/>
+              </a:rPr>
+              <a:t>减少成本，只存摘要</a:t>
+            </a:r>
+            <a:endParaRPr lang="en-US" altLang="zh-CN" dirty="0">
+              <a:solidFill>
+                <a:srgbClr val="000000"/>
+              </a:solidFill>
+              <a:effectLst/>
+              <a:latin typeface="宋体" panose="02010600030101010101" pitchFamily="2" charset="-122"/>
+              <a:ea typeface="宋体" panose="02010600030101010101" pitchFamily="2" charset="-122"/>
+              <a:cs typeface="宋体" panose="02010600030101010101" pitchFamily="2" charset="-122"/>
+            </a:endParaRPr>
+          </a:p>
+          <a:p>
+            <a:pPr marL="0" indent="0">
+              <a:buNone/>
+            </a:pPr>
+            <a:endParaRPr lang="en-US" altLang="zh-CN" dirty="0">
+              <a:solidFill>
+                <a:srgbClr val="000000"/>
+              </a:solidFill>
+              <a:effectLst/>
+              <a:latin typeface="宋体" panose="02010600030101010101" pitchFamily="2" charset="-122"/>
+              <a:ea typeface="宋体" panose="02010600030101010101" pitchFamily="2" charset="-122"/>
+              <a:cs typeface="宋体" panose="02010600030101010101" pitchFamily="2" charset="-122"/>
+            </a:endParaRPr>
+          </a:p>
+          <a:p>
+            <a:pPr algn="just"/>
+            <a:r>
+              <a:rPr lang="zh-CN" altLang="zh-CN" kern="100" dirty="0">
+                <a:solidFill>
+                  <a:srgbClr val="000000"/>
+                </a:solidFill>
+                <a:effectLst/>
+                <a:latin typeface="宋体" panose="02010600030101010101" pitchFamily="2" charset="-122"/>
+                <a:ea typeface="宋体" panose="02010600030101010101" pitchFamily="2" charset="-122"/>
+                <a:cs typeface="宋体" panose="02010600030101010101" pitchFamily="2" charset="-122"/>
+              </a:rPr>
+              <a:t>局部性</a:t>
+            </a:r>
+            <a:r>
               <a:rPr lang="zh-CN" altLang="en-US" kern="100" dirty="0">
                 <a:solidFill>
                   <a:srgbClr val="000000"/>
@@ -5885,129 +5834,46 @@
                 <a:ea typeface="宋体" panose="02010600030101010101" pitchFamily="2" charset="-122"/>
                 <a:cs typeface="宋体" panose="02010600030101010101" pitchFamily="2" charset="-122"/>
               </a:rPr>
-              <a:t>目录结构：</a:t>
-            </a:r>
-            <a:r>
-              <a:rPr lang="zh-CN" altLang="en-US" kern="100" dirty="0">
-                <a:solidFill>
-                  <a:srgbClr val="000000"/>
-                </a:solidFill>
-                <a:latin typeface="宋体" panose="02010600030101010101" pitchFamily="2" charset="-122"/>
-                <a:ea typeface="宋体" panose="02010600030101010101" pitchFamily="2" charset="-122"/>
-                <a:cs typeface="宋体" panose="02010600030101010101" pitchFamily="2" charset="-122"/>
-              </a:rPr>
-              <a:t>键值对，键表示对象，值为指向对象所有数据的指针</a:t>
+              <a:t>优化</a:t>
             </a:r>
             <a:endParaRPr lang="en-US" altLang="zh-CN" kern="100" dirty="0">
               <a:solidFill>
                 <a:srgbClr val="000000"/>
               </a:solidFill>
+              <a:effectLst/>
               <a:latin typeface="宋体" panose="02010600030101010101" pitchFamily="2" charset="-122"/>
               <a:ea typeface="宋体" panose="02010600030101010101" pitchFamily="2" charset="-122"/>
               <a:cs typeface="宋体" panose="02010600030101010101" pitchFamily="2" charset="-122"/>
             </a:endParaRPr>
           </a:p>
           <a:p>
-            <a:endParaRPr lang="en-US" altLang="zh-CN" kern="100" dirty="0">
-              <a:solidFill>
-                <a:srgbClr val="000000"/>
-              </a:solidFill>
+            <a:pPr marL="0" indent="0" algn="just">
+              <a:buNone/>
+            </a:pPr>
+            <a:r>
+              <a:rPr lang="zh-CN" altLang="en-US" kern="100" dirty="0">
+                <a:effectLst/>
+                <a:latin typeface="宋体" panose="02010600030101010101" pitchFamily="2" charset="-122"/>
+                <a:ea typeface="宋体" panose="02010600030101010101" pitchFamily="2" charset="-122"/>
+                <a:cs typeface="Times New Roman" panose="02020603050405020304" pitchFamily="18" charset="0"/>
+              </a:rPr>
+              <a:t>在访问对象时同时定位可能需要的数据同时发送</a:t>
+            </a:r>
+            <a:endParaRPr lang="zh-CN" altLang="zh-CN" kern="100" dirty="0">
+              <a:effectLst/>
               <a:latin typeface="宋体" panose="02010600030101010101" pitchFamily="2" charset="-122"/>
               <a:ea typeface="宋体" panose="02010600030101010101" pitchFamily="2" charset="-122"/>
-              <a:cs typeface="宋体" panose="02010600030101010101" pitchFamily="2" charset="-122"/>
+              <a:cs typeface="Times New Roman" panose="02020603050405020304" pitchFamily="18" charset="0"/>
             </a:endParaRPr>
           </a:p>
-          <a:p>
-            <a:r>
-              <a:rPr lang="zh-CN" altLang="en-US" kern="100" dirty="0">
-                <a:solidFill>
-                  <a:srgbClr val="000000"/>
-                </a:solidFill>
-                <a:latin typeface="宋体" panose="02010600030101010101" pitchFamily="2" charset="-122"/>
-                <a:ea typeface="宋体" panose="02010600030101010101" pitchFamily="2" charset="-122"/>
-                <a:cs typeface="宋体" panose="02010600030101010101" pitchFamily="2" charset="-122"/>
-              </a:rPr>
-              <a:t>顶点和边：头对象和头数据对象，边链表对象和边数据对象</a:t>
-            </a:r>
-            <a:endParaRPr lang="en-US" altLang="zh-CN" kern="100" dirty="0">
-              <a:solidFill>
-                <a:srgbClr val="000000"/>
-              </a:solidFill>
-              <a:latin typeface="宋体" panose="02010600030101010101" pitchFamily="2" charset="-122"/>
-              <a:ea typeface="宋体" panose="02010600030101010101" pitchFamily="2" charset="-122"/>
-              <a:cs typeface="宋体" panose="02010600030101010101" pitchFamily="2" charset="-122"/>
-            </a:endParaRPr>
-          </a:p>
-          <a:p>
-            <a:endParaRPr lang="en-US" altLang="zh-CN" kern="100" dirty="0">
-              <a:solidFill>
-                <a:srgbClr val="000000"/>
-              </a:solidFill>
-              <a:latin typeface="宋体" panose="02010600030101010101" pitchFamily="2" charset="-122"/>
-              <a:ea typeface="宋体" panose="02010600030101010101" pitchFamily="2" charset="-122"/>
-              <a:cs typeface="宋体" panose="02010600030101010101" pitchFamily="2" charset="-122"/>
-            </a:endParaRPr>
-          </a:p>
-          <a:p>
-            <a:r>
-              <a:rPr lang="zh-CN" altLang="en-US" kern="100" dirty="0">
-                <a:solidFill>
-                  <a:srgbClr val="000000"/>
-                </a:solidFill>
-                <a:latin typeface="宋体" panose="02010600030101010101" pitchFamily="2" charset="-122"/>
-                <a:ea typeface="宋体" panose="02010600030101010101" pitchFamily="2" charset="-122"/>
-                <a:cs typeface="宋体" panose="02010600030101010101" pitchFamily="2" charset="-122"/>
-              </a:rPr>
-              <a:t>异步流工作：删除，低优先级</a:t>
-            </a:r>
-            <a:endParaRPr lang="en-US" altLang="zh-CN" kern="100" dirty="0">
-              <a:solidFill>
-                <a:srgbClr val="000000"/>
-              </a:solidFill>
-              <a:latin typeface="宋体" panose="02010600030101010101" pitchFamily="2" charset="-122"/>
-              <a:ea typeface="宋体" panose="02010600030101010101" pitchFamily="2" charset="-122"/>
-              <a:cs typeface="宋体" panose="02010600030101010101" pitchFamily="2" charset="-122"/>
-            </a:endParaRPr>
-          </a:p>
-          <a:p>
-            <a:endParaRPr lang="en-US" altLang="zh-CN" kern="100" dirty="0">
-              <a:solidFill>
-                <a:srgbClr val="000000"/>
-              </a:solidFill>
-              <a:latin typeface="宋体" panose="02010600030101010101" pitchFamily="2" charset="-122"/>
-              <a:ea typeface="宋体" panose="02010600030101010101" pitchFamily="2" charset="-122"/>
-              <a:cs typeface="宋体" panose="02010600030101010101" pitchFamily="2" charset="-122"/>
-            </a:endParaRPr>
-          </a:p>
-          <a:p>
-            <a:r>
-              <a:rPr lang="zh-CN" altLang="en-US" kern="100" dirty="0">
-                <a:solidFill>
-                  <a:srgbClr val="000000"/>
-                </a:solidFill>
-                <a:latin typeface="宋体" panose="02010600030101010101" pitchFamily="2" charset="-122"/>
-                <a:ea typeface="宋体" panose="02010600030101010101" pitchFamily="2" charset="-122"/>
-                <a:cs typeface="宋体" panose="02010600030101010101" pitchFamily="2" charset="-122"/>
-              </a:rPr>
-              <a:t>查询执行：查询操作传入后端作为协调器并分发查询任务和整合</a:t>
-            </a:r>
-            <a:endParaRPr lang="en-US" altLang="zh-CN" kern="100" dirty="0">
-              <a:solidFill>
-                <a:srgbClr val="000000"/>
-              </a:solidFill>
-              <a:latin typeface="宋体" panose="02010600030101010101" pitchFamily="2" charset="-122"/>
-              <a:ea typeface="宋体" panose="02010600030101010101" pitchFamily="2" charset="-122"/>
-              <a:cs typeface="宋体" panose="02010600030101010101" pitchFamily="2" charset="-122"/>
-            </a:endParaRPr>
-          </a:p>
-        </p:txBody>
-      </p:sp>
-      <p:sp>
-        <p:nvSpPr>
-          <p:cNvPr id="4" name="文本框 3">
-            <a:extLst>
-              <a:ext uri="{FF2B5EF4-FFF2-40B4-BE49-F238E27FC236}">
-                <a16:creationId xmlns:a16="http://schemas.microsoft.com/office/drawing/2014/main" id="{734B72C3-913B-47C8-B79C-246BC5CB37CA}"/>
+        </p:txBody>
+      </p:sp>
+      <p:sp>
+        <p:nvSpPr>
+          <p:cNvPr id="3" name="文本框 2">
+            <a:extLst>
+              <a:ext uri="{FF2B5EF4-FFF2-40B4-BE49-F238E27FC236}">
+                <a16:creationId xmlns:a16="http://schemas.microsoft.com/office/drawing/2014/main" id="{A291468C-FFA5-4961-85DC-411E37333DDD}"/>
               </a:ext>
             </a:extLst>
           </p:cNvPr>
@@ -6017,7 +5883,7 @@
         <p:spPr>
           <a:xfrm>
             <a:off x="483268" y="224589"/>
-            <a:ext cx="6527132" cy="830997"/>
+            <a:ext cx="3463090" cy="830997"/>
           </a:xfrm>
           <a:prstGeom prst="rect">
             <a:avLst/>
@@ -6042,7 +5908,7 @@
                 <a:latin typeface="宋体" panose="02010600030101010101" pitchFamily="2" charset="-122"/>
                 <a:ea typeface="宋体" panose="02010600030101010101" pitchFamily="2" charset="-122"/>
               </a:rPr>
-              <a:t>数据结构和查询引擎</a:t>
+              <a:t>设计原则</a:t>
             </a:r>
           </a:p>
         </p:txBody>
@@ -6050,7 +5916,7 @@
     </p:spTree>
     <p:extLst>
       <p:ext uri="{BB962C8B-B14F-4D97-AF65-F5344CB8AC3E}">
-        <p14:creationId xmlns:p14="http://schemas.microsoft.com/office/powerpoint/2010/main" val="1132869682"/>
+        <p14:creationId xmlns:p14="http://schemas.microsoft.com/office/powerpoint/2010/main" val="1768820770"/>
       </p:ext>
     </p:extLst>
   </p:cSld>
@@ -6079,10 +5945,10 @@
       </p:grpSpPr>
       <p:sp>
         <p:nvSpPr>
-          <p:cNvPr id="3" name="内容占位符 2">
-            <a:extLst>
-              <a:ext uri="{FF2B5EF4-FFF2-40B4-BE49-F238E27FC236}">
-                <a16:creationId xmlns:a16="http://schemas.microsoft.com/office/drawing/2014/main" id="{8A5D5773-4AD7-444C-91E1-3DA21593F7FE}"/>
+          <p:cNvPr id="4" name="内容占位符 4">
+            <a:extLst>
+              <a:ext uri="{FF2B5EF4-FFF2-40B4-BE49-F238E27FC236}">
+                <a16:creationId xmlns:a16="http://schemas.microsoft.com/office/drawing/2014/main" id="{C64AA67C-FB99-4DBA-86F1-0B6785EA3DFE}"/>
               </a:ext>
             </a:extLst>
           </p:cNvPr>
@@ -6095,65 +5961,42 @@
         </p:nvSpPr>
         <p:spPr>
           <a:xfrm>
-            <a:off x="483268" y="2190750"/>
-            <a:ext cx="10515600" cy="2476500"/>
+            <a:off x="483268" y="2066510"/>
+            <a:ext cx="10515600" cy="2724980"/>
           </a:xfrm>
         </p:spPr>
         <p:txBody>
           <a:bodyPr>
-            <a:normAutofit/>
+            <a:noAutofit/>
           </a:bodyPr>
           <a:lstStyle/>
           <a:p>
-            <a:pPr marL="0" indent="0" algn="just">
-              <a:lnSpc>
-                <a:spcPct val="110000"/>
-              </a:lnSpc>
-              <a:spcBef>
-                <a:spcPts val="0"/>
-              </a:spcBef>
-            </a:pPr>
+            <a:r>
+              <a:rPr lang="zh-CN" altLang="zh-CN" kern="100" dirty="0">
+                <a:solidFill>
+                  <a:srgbClr val="000000"/>
+                </a:solidFill>
+                <a:latin typeface="宋体" panose="02010600030101010101" pitchFamily="2" charset="-122"/>
+                <a:ea typeface="宋体" panose="02010600030101010101" pitchFamily="2" charset="-122"/>
+                <a:cs typeface="宋体" panose="02010600030101010101" pitchFamily="2" charset="-122"/>
+              </a:rPr>
+              <a:t>并发性</a:t>
+            </a:r>
             <a:r>
               <a:rPr lang="zh-CN" altLang="en-US" kern="100" dirty="0">
                 <a:solidFill>
                   <a:srgbClr val="000000"/>
                 </a:solidFill>
-                <a:effectLst/>
                 <a:latin typeface="宋体" panose="02010600030101010101" pitchFamily="2" charset="-122"/>
                 <a:ea typeface="宋体" panose="02010600030101010101" pitchFamily="2" charset="-122"/>
                 <a:cs typeface="宋体" panose="02010600030101010101" pitchFamily="2" charset="-122"/>
               </a:rPr>
-              <a:t>所有数据以键值对的方式异步存储到</a:t>
-            </a:r>
-            <a:r>
-              <a:rPr lang="en-US" altLang="zh-CN" kern="100" dirty="0">
-                <a:solidFill>
-                  <a:srgbClr val="000000"/>
-                </a:solidFill>
-                <a:effectLst/>
-                <a:latin typeface="宋体" panose="02010600030101010101" pitchFamily="2" charset="-122"/>
-                <a:ea typeface="宋体" panose="02010600030101010101" pitchFamily="2" charset="-122"/>
-                <a:cs typeface="宋体" panose="02010600030101010101" pitchFamily="2" charset="-122"/>
-              </a:rPr>
-              <a:t>ObjectStore</a:t>
-            </a:r>
-            <a:r>
-              <a:rPr lang="zh-CN" altLang="en-US" kern="100" dirty="0">
-                <a:solidFill>
-                  <a:srgbClr val="000000"/>
-                </a:solidFill>
-                <a:effectLst/>
-                <a:latin typeface="宋体" panose="02010600030101010101" pitchFamily="2" charset="-122"/>
-                <a:ea typeface="宋体" panose="02010600030101010101" pitchFamily="2" charset="-122"/>
-                <a:cs typeface="宋体" panose="02010600030101010101" pitchFamily="2" charset="-122"/>
-              </a:rPr>
-              <a:t>。</a:t>
+              <a:t>优化</a:t>
             </a:r>
             <a:endParaRPr lang="en-US" altLang="zh-CN" kern="100" dirty="0">
               <a:solidFill>
                 <a:srgbClr val="000000"/>
               </a:solidFill>
-              <a:effectLst/>
               <a:latin typeface="宋体" panose="02010600030101010101" pitchFamily="2" charset="-122"/>
               <a:ea typeface="宋体" panose="02010600030101010101" pitchFamily="2" charset="-122"/>
               <a:cs typeface="宋体" panose="02010600030101010101" pitchFamily="2" charset="-122"/>
@@ -6161,73 +6004,94 @@
           </a:p>
           <a:p>
             <a:pPr marL="0" indent="0" algn="just">
-              <a:lnSpc>
-                <a:spcPct val="110000"/>
-              </a:lnSpc>
-              <a:spcBef>
-                <a:spcPts val="0"/>
-              </a:spcBef>
+              <a:buNone/>
             </a:pPr>
+            <a:r>
+              <a:rPr lang="zh-CN" altLang="en-US" kern="100" dirty="0">
+                <a:latin typeface="宋体" panose="02010600030101010101" pitchFamily="2" charset="-122"/>
+                <a:ea typeface="宋体" panose="02010600030101010101" pitchFamily="2" charset="-122"/>
+                <a:cs typeface="Times New Roman" panose="02020603050405020304" pitchFamily="18" charset="0"/>
+              </a:rPr>
+              <a:t>对于只读查询，每一次查询都提取一个快照</a:t>
+            </a:r>
             <a:endParaRPr lang="en-US" altLang="zh-CN" kern="100" dirty="0">
+              <a:latin typeface="宋体" panose="02010600030101010101" pitchFamily="2" charset="-122"/>
+              <a:ea typeface="宋体" panose="02010600030101010101" pitchFamily="2" charset="-122"/>
+              <a:cs typeface="Times New Roman" panose="02020603050405020304" pitchFamily="18" charset="0"/>
+            </a:endParaRPr>
+          </a:p>
+          <a:p>
+            <a:pPr marL="0" indent="0" algn="just">
+              <a:buNone/>
+            </a:pPr>
+            <a:endParaRPr lang="zh-CN" altLang="zh-CN" kern="100" dirty="0">
+              <a:latin typeface="宋体" panose="02010600030101010101" pitchFamily="2" charset="-122"/>
+              <a:ea typeface="宋体" panose="02010600030101010101" pitchFamily="2" charset="-122"/>
+              <a:cs typeface="Times New Roman" panose="02020603050405020304" pitchFamily="18" charset="0"/>
+            </a:endParaRPr>
+          </a:p>
+          <a:p>
+            <a:r>
+              <a:rPr lang="zh-CN" altLang="zh-CN" dirty="0">
+                <a:solidFill>
+                  <a:srgbClr val="000000"/>
+                </a:solidFill>
+                <a:latin typeface="宋体" panose="02010600030101010101" pitchFamily="2" charset="-122"/>
+                <a:ea typeface="宋体" panose="02010600030101010101" pitchFamily="2" charset="-122"/>
+                <a:cs typeface="宋体" panose="02010600030101010101" pitchFamily="2" charset="-122"/>
+              </a:rPr>
+              <a:t>协作多线程</a:t>
+            </a:r>
+            <a:r>
+              <a:rPr lang="zh-CN" altLang="en-US" dirty="0">
+                <a:solidFill>
+                  <a:srgbClr val="000000"/>
+                </a:solidFill>
+                <a:latin typeface="宋体" panose="02010600030101010101" pitchFamily="2" charset="-122"/>
+                <a:ea typeface="宋体" panose="02010600030101010101" pitchFamily="2" charset="-122"/>
+                <a:cs typeface="宋体" panose="02010600030101010101" pitchFamily="2" charset="-122"/>
+              </a:rPr>
+              <a:t>优化</a:t>
+            </a:r>
+            <a:endParaRPr lang="en-US" altLang="zh-CN" dirty="0">
               <a:solidFill>
                 <a:srgbClr val="000000"/>
               </a:solidFill>
-              <a:effectLst/>
               <a:latin typeface="宋体" panose="02010600030101010101" pitchFamily="2" charset="-122"/>
               <a:ea typeface="宋体" panose="02010600030101010101" pitchFamily="2" charset="-122"/>
               <a:cs typeface="宋体" panose="02010600030101010101" pitchFamily="2" charset="-122"/>
             </a:endParaRPr>
           </a:p>
           <a:p>
-            <a:pPr marL="0" indent="0" algn="just">
-              <a:lnSpc>
-                <a:spcPct val="110000"/>
-              </a:lnSpc>
-              <a:spcBef>
-                <a:spcPts val="0"/>
-              </a:spcBef>
+            <a:pPr marL="0" indent="0">
+              <a:buNone/>
             </a:pPr>
             <a:r>
-              <a:rPr lang="zh-CN" altLang="zh-CN" kern="100" dirty="0">
+              <a:rPr lang="en-US" altLang="zh-CN" dirty="0" err="1">
                 <a:solidFill>
                   <a:srgbClr val="000000"/>
                 </a:solidFill>
-                <a:effectLst/>
                 <a:latin typeface="宋体" panose="02010600030101010101" pitchFamily="2" charset="-122"/>
                 <a:ea typeface="宋体" panose="02010600030101010101" pitchFamily="2" charset="-122"/>
                 <a:cs typeface="宋体" panose="02010600030101010101" pitchFamily="2" charset="-122"/>
               </a:rPr>
-              <a:t>将数据库恢复为</a:t>
-            </a:r>
-            <a:r>
-              <a:rPr lang="en-US" altLang="zh-CN" kern="100" dirty="0">
+              <a:t>FaRM</a:t>
+            </a:r>
+            <a:r>
+              <a:rPr lang="zh-CN" altLang="en-US" dirty="0">
                 <a:solidFill>
                   <a:srgbClr val="000000"/>
                 </a:solidFill>
-                <a:effectLst/>
                 <a:latin typeface="宋体" panose="02010600030101010101" pitchFamily="2" charset="-122"/>
                 <a:ea typeface="宋体" panose="02010600030101010101" pitchFamily="2" charset="-122"/>
                 <a:cs typeface="宋体" panose="02010600030101010101" pitchFamily="2" charset="-122"/>
               </a:rPr>
-              <a:t>ObjectStore</a:t>
-            </a:r>
-            <a:r>
-              <a:rPr lang="zh-CN" altLang="zh-CN" kern="100" dirty="0">
-                <a:solidFill>
-                  <a:srgbClr val="000000"/>
-                </a:solidFill>
-                <a:effectLst/>
-                <a:latin typeface="宋体" panose="02010600030101010101" pitchFamily="2" charset="-122"/>
-                <a:ea typeface="宋体" panose="02010600030101010101" pitchFamily="2" charset="-122"/>
-                <a:cs typeface="宋体" panose="02010600030101010101" pitchFamily="2" charset="-122"/>
-              </a:rPr>
-              <a:t>中存在的最新的事务一致性快照。</a:t>
-            </a:r>
-            <a:endParaRPr lang="en-US" altLang="zh-CN" kern="100" dirty="0">
+              <a:t>进程内部的协处理器使用多线程运行，共享资源</a:t>
+            </a:r>
+            <a:endParaRPr lang="en-US" altLang="zh-CN" dirty="0">
               <a:solidFill>
                 <a:srgbClr val="000000"/>
               </a:solidFill>
-              <a:effectLst/>
               <a:latin typeface="宋体" panose="02010600030101010101" pitchFamily="2" charset="-122"/>
               <a:ea typeface="宋体" panose="02010600030101010101" pitchFamily="2" charset="-122"/>
               <a:cs typeface="宋体" panose="02010600030101010101" pitchFamily="2" charset="-122"/>
@@ -6235,53 +6099,8 @@
           </a:p>
           <a:p>
             <a:pPr marL="0" indent="0" algn="just">
-              <a:lnSpc>
-                <a:spcPct val="110000"/>
-              </a:lnSpc>
-              <a:spcBef>
-                <a:spcPts val="0"/>
-              </a:spcBef>
+              <a:buNone/>
             </a:pPr>
-            <a:endParaRPr lang="en-US" altLang="zh-CN" kern="100" dirty="0">
-              <a:effectLst/>
-              <a:latin typeface="宋体" panose="02010600030101010101" pitchFamily="2" charset="-122"/>
-              <a:ea typeface="宋体" panose="02010600030101010101" pitchFamily="2" charset="-122"/>
-              <a:cs typeface="Times New Roman" panose="02020603050405020304" pitchFamily="18" charset="0"/>
-            </a:endParaRPr>
-          </a:p>
-          <a:p>
-            <a:pPr marL="0" indent="0" algn="just">
-              <a:lnSpc>
-                <a:spcPct val="110000"/>
-              </a:lnSpc>
-              <a:spcBef>
-                <a:spcPts val="0"/>
-              </a:spcBef>
-            </a:pPr>
-            <a:r>
-              <a:rPr lang="zh-CN" altLang="en-US" kern="100" dirty="0">
-                <a:latin typeface="宋体" panose="02010600030101010101" pitchFamily="2" charset="-122"/>
-                <a:ea typeface="宋体" panose="02010600030101010101" pitchFamily="2" charset="-122"/>
-                <a:cs typeface="Times New Roman" panose="02020603050405020304" pitchFamily="18" charset="0"/>
-              </a:rPr>
-              <a:t>持续监视复制日志，复制日志采用</a:t>
-            </a:r>
-            <a:r>
-              <a:rPr lang="en-US" altLang="zh-CN" kern="100" dirty="0">
-                <a:latin typeface="宋体" panose="02010600030101010101" pitchFamily="2" charset="-122"/>
-                <a:ea typeface="宋体" panose="02010600030101010101" pitchFamily="2" charset="-122"/>
-                <a:cs typeface="Times New Roman" panose="02020603050405020304" pitchFamily="18" charset="0"/>
-              </a:rPr>
-              <a:t>FIFO</a:t>
-            </a:r>
-            <a:r>
-              <a:rPr lang="zh-CN" altLang="en-US" kern="100" dirty="0">
-                <a:latin typeface="宋体" panose="02010600030101010101" pitchFamily="2" charset="-122"/>
-                <a:ea typeface="宋体" panose="02010600030101010101" pitchFamily="2" charset="-122"/>
-                <a:cs typeface="Times New Roman" panose="02020603050405020304" pitchFamily="18" charset="0"/>
-              </a:rPr>
-              <a:t>的方式对复制进行确认。</a:t>
-            </a:r>
             <a:endParaRPr lang="zh-CN" altLang="zh-CN" kern="100" dirty="0">
               <a:effectLst/>
               <a:latin typeface="宋体" panose="02010600030101010101" pitchFamily="2" charset="-122"/>
@@ -6293,10 +6112,10 @@
       </p:sp>
       <p:sp>
         <p:nvSpPr>
-          <p:cNvPr id="4" name="文本框 3">
-            <a:extLst>
-              <a:ext uri="{FF2B5EF4-FFF2-40B4-BE49-F238E27FC236}">
-                <a16:creationId xmlns:a16="http://schemas.microsoft.com/office/drawing/2014/main" id="{FF7F4C0C-B4B8-42DE-8188-837E5539BA18}"/>
+          <p:cNvPr id="5" name="文本框 4">
+            <a:extLst>
+              <a:ext uri="{FF2B5EF4-FFF2-40B4-BE49-F238E27FC236}">
+                <a16:creationId xmlns:a16="http://schemas.microsoft.com/office/drawing/2014/main" id="{EFA25DCF-D766-4626-B4F9-66181E2B84B5}"/>
               </a:ext>
             </a:extLst>
           </p:cNvPr>
@@ -6306,7 +6125,7 @@
         <p:spPr>
           <a:xfrm>
             <a:off x="483268" y="224589"/>
-            <a:ext cx="3318711" cy="830997"/>
+            <a:ext cx="3463090" cy="830997"/>
           </a:xfrm>
           <a:prstGeom prst="rect">
             <a:avLst/>
@@ -6331,7 +6150,7 @@
                 <a:latin typeface="宋体" panose="02010600030101010101" pitchFamily="2" charset="-122"/>
                 <a:ea typeface="宋体" panose="02010600030101010101" pitchFamily="2" charset="-122"/>
               </a:rPr>
-              <a:t>灾难恢复</a:t>
+              <a:t>设计原则</a:t>
             </a:r>
           </a:p>
         </p:txBody>
@@ -6339,7 +6158,7 @@
     </p:spTree>
     <p:extLst>
       <p:ext uri="{BB962C8B-B14F-4D97-AF65-F5344CB8AC3E}">
-        <p14:creationId xmlns:p14="http://schemas.microsoft.com/office/powerpoint/2010/main" val="2663160272"/>
+        <p14:creationId xmlns:p14="http://schemas.microsoft.com/office/powerpoint/2010/main" val="1738124710"/>
       </p:ext>
     </p:extLst>
   </p:cSld>
@@ -6371,7 +6190,7 @@
           <p:cNvPr id="3" name="内容占位符 2">
             <a:extLst>
               <a:ext uri="{FF2B5EF4-FFF2-40B4-BE49-F238E27FC236}">
-                <a16:creationId xmlns:a16="http://schemas.microsoft.com/office/drawing/2014/main" id="{9C484350-B904-4D1E-86A9-A84300E41DC5}"/>
+                <a16:creationId xmlns:a16="http://schemas.microsoft.com/office/drawing/2014/main" id="{803EFB58-D10D-4923-B13D-348380912515}"/>
               </a:ext>
             </a:extLst>
           </p:cNvPr>
@@ -6384,8 +6203,8 @@
         </p:nvSpPr>
         <p:spPr>
           <a:xfrm>
-            <a:off x="483268" y="2090507"/>
-            <a:ext cx="10515600" cy="2676985"/>
+            <a:off x="483268" y="2617082"/>
+            <a:ext cx="11869154" cy="1623836"/>
           </a:xfrm>
         </p:spPr>
         <p:txBody>
@@ -6395,51 +6214,68 @@
           <a:lstStyle/>
           <a:p>
             <a:r>
-              <a:rPr lang="zh-CN" altLang="en-US" dirty="0">
-                <a:latin typeface="宋体" panose="02010600030101010101" pitchFamily="2" charset="-122"/>
-                <a:ea typeface="宋体" panose="02010600030101010101" pitchFamily="2" charset="-122"/>
-              </a:rPr>
-              <a:t>解决了原有知识图谱不能实时更新的问题。</a:t>
-            </a:r>
-            <a:endParaRPr lang="en-US" altLang="zh-CN" dirty="0">
+              <a:rPr lang="zh-CN" altLang="en-US" kern="100" dirty="0">
+                <a:solidFill>
+                  <a:srgbClr val="000000"/>
+                </a:solidFill>
+                <a:effectLst/>
+                <a:latin typeface="宋体" panose="02010600030101010101" pitchFamily="2" charset="-122"/>
+                <a:ea typeface="宋体" panose="02010600030101010101" pitchFamily="2" charset="-122"/>
+                <a:cs typeface="宋体" panose="02010600030101010101" pitchFamily="2" charset="-122"/>
+              </a:rPr>
+              <a:t>目录结构：</a:t>
+            </a:r>
+            <a:r>
+              <a:rPr lang="zh-CN" altLang="en-US" kern="100" dirty="0">
+                <a:solidFill>
+                  <a:srgbClr val="000000"/>
+                </a:solidFill>
+                <a:latin typeface="宋体" panose="02010600030101010101" pitchFamily="2" charset="-122"/>
+                <a:ea typeface="宋体" panose="02010600030101010101" pitchFamily="2" charset="-122"/>
+                <a:cs typeface="宋体" panose="02010600030101010101" pitchFamily="2" charset="-122"/>
+              </a:rPr>
+              <a:t>键值对，键表示对象，值为指向对象所有数据的指针</a:t>
+            </a:r>
+            <a:endParaRPr lang="en-US" altLang="zh-CN" kern="100" dirty="0">
+              <a:solidFill>
+                <a:srgbClr val="000000"/>
+              </a:solidFill>
               <a:latin typeface="宋体" panose="02010600030101010101" pitchFamily="2" charset="-122"/>
               <a:ea typeface="宋体" panose="02010600030101010101" pitchFamily="2" charset="-122"/>
+              <a:cs typeface="宋体" panose="02010600030101010101" pitchFamily="2" charset="-122"/>
             </a:endParaRPr>
           </a:p>
           <a:p>
-            <a:endParaRPr lang="en-US" altLang="zh-CN" dirty="0">
+            <a:endParaRPr lang="en-US" altLang="zh-CN" kern="100" dirty="0">
+              <a:solidFill>
+                <a:srgbClr val="000000"/>
+              </a:solidFill>
               <a:latin typeface="宋体" panose="02010600030101010101" pitchFamily="2" charset="-122"/>
               <a:ea typeface="宋体" panose="02010600030101010101" pitchFamily="2" charset="-122"/>
+              <a:cs typeface="宋体" panose="02010600030101010101" pitchFamily="2" charset="-122"/>
             </a:endParaRPr>
           </a:p>
           <a:p>
             <a:r>
-              <a:rPr lang="zh-CN" altLang="en-US" dirty="0">
-                <a:latin typeface="宋体" panose="02010600030101010101" pitchFamily="2" charset="-122"/>
-                <a:ea typeface="宋体" panose="02010600030101010101" pitchFamily="2" charset="-122"/>
-              </a:rPr>
-              <a:t>只存储可查询数据。</a:t>
-            </a:r>
-            <a:endParaRPr lang="en-US" altLang="zh-CN" dirty="0">
+              <a:rPr lang="zh-CN" altLang="en-US" kern="100" dirty="0">
+                <a:solidFill>
+                  <a:srgbClr val="000000"/>
+                </a:solidFill>
+                <a:latin typeface="宋体" panose="02010600030101010101" pitchFamily="2" charset="-122"/>
+                <a:ea typeface="宋体" panose="02010600030101010101" pitchFamily="2" charset="-122"/>
+                <a:cs typeface="宋体" panose="02010600030101010101" pitchFamily="2" charset="-122"/>
+              </a:rPr>
+              <a:t>顶点和边：头对象和头数据对象，边链表对象和边数据对象</a:t>
+            </a:r>
+            <a:endParaRPr lang="en-US" altLang="zh-CN" kern="100" dirty="0">
+              <a:solidFill>
+                <a:srgbClr val="000000"/>
+              </a:solidFill>
               <a:latin typeface="宋体" panose="02010600030101010101" pitchFamily="2" charset="-122"/>
               <a:ea typeface="宋体" panose="02010600030101010101" pitchFamily="2" charset="-122"/>
+              <a:cs typeface="宋体" panose="02010600030101010101" pitchFamily="2" charset="-122"/>
             </a:endParaRPr>
           </a:p>
-          <a:p>
-            <a:endParaRPr lang="en-US" altLang="zh-CN" dirty="0">
-              <a:latin typeface="宋体" panose="02010600030101010101" pitchFamily="2" charset="-122"/>
-              <a:ea typeface="宋体" panose="02010600030101010101" pitchFamily="2" charset="-122"/>
-            </a:endParaRPr>
-          </a:p>
-          <a:p>
-            <a:r>
-              <a:rPr lang="zh-CN" altLang="en-US" dirty="0">
-                <a:latin typeface="宋体" panose="02010600030101010101" pitchFamily="2" charset="-122"/>
-                <a:ea typeface="宋体" panose="02010600030101010101" pitchFamily="2" charset="-122"/>
-              </a:rPr>
-              <a:t>降低了知识服务系统的平均延迟，支持更复杂的查询。</a:t>
-            </a:r>
-          </a:p>
         </p:txBody>
       </p:sp>
       <p:sp>
@@ -6447,7 +6283,7 @@
           <p:cNvPr id="4" name="文本框 3">
             <a:extLst>
               <a:ext uri="{FF2B5EF4-FFF2-40B4-BE49-F238E27FC236}">
-                <a16:creationId xmlns:a16="http://schemas.microsoft.com/office/drawing/2014/main" id="{3E8EE397-408E-4DCB-AB67-83BB8D062962}"/>
+                <a16:creationId xmlns:a16="http://schemas.microsoft.com/office/drawing/2014/main" id="{734B72C3-913B-47C8-B79C-246BC5CB37CA}"/>
               </a:ext>
             </a:extLst>
           </p:cNvPr>
@@ -6457,7 +6293,7 @@
         <p:spPr>
           <a:xfrm>
             <a:off x="483268" y="224589"/>
-            <a:ext cx="3318711" cy="830997"/>
+            <a:ext cx="6527132" cy="830997"/>
           </a:xfrm>
           <a:prstGeom prst="rect">
             <a:avLst/>
@@ -6482,26 +6318,15 @@
                 <a:latin typeface="宋体" panose="02010600030101010101" pitchFamily="2" charset="-122"/>
                 <a:ea typeface="宋体" panose="02010600030101010101" pitchFamily="2" charset="-122"/>
               </a:rPr>
-              <a:t> </a:t>
-            </a:r>
-            <a:r>
-              <a:rPr lang="en-US" altLang="zh-CN" sz="4800" dirty="0">
-                <a:latin typeface="宋体" panose="02010600030101010101" pitchFamily="2" charset="-122"/>
-                <a:ea typeface="宋体" panose="02010600030101010101" pitchFamily="2" charset="-122"/>
-              </a:rPr>
-              <a:t>in Bing</a:t>
-            </a:r>
-            <a:endParaRPr lang="zh-CN" altLang="en-US" sz="4800" dirty="0">
-              <a:latin typeface="宋体" panose="02010600030101010101" pitchFamily="2" charset="-122"/>
-              <a:ea typeface="宋体" panose="02010600030101010101" pitchFamily="2" charset="-122"/>
-            </a:endParaRPr>
+              <a:t>数据结构</a:t>
+            </a:r>
           </a:p>
         </p:txBody>
       </p:sp>
     </p:spTree>
     <p:extLst>
       <p:ext uri="{BB962C8B-B14F-4D97-AF65-F5344CB8AC3E}">
-        <p14:creationId xmlns:p14="http://schemas.microsoft.com/office/powerpoint/2010/main" val="2753099913"/>
+        <p14:creationId xmlns:p14="http://schemas.microsoft.com/office/powerpoint/2010/main" val="1132869682"/>
       </p:ext>
     </p:extLst>
   </p:cSld>
@@ -6530,10 +6355,10 @@
       </p:grpSpPr>
       <p:sp>
         <p:nvSpPr>
-          <p:cNvPr id="3" name="内容占位符 2">
-            <a:extLst>
-              <a:ext uri="{FF2B5EF4-FFF2-40B4-BE49-F238E27FC236}">
-                <a16:creationId xmlns:a16="http://schemas.microsoft.com/office/drawing/2014/main" id="{C3201DDF-595D-456E-8A55-BAB4719B0A6C}"/>
+          <p:cNvPr id="4" name="内容占位符 2">
+            <a:extLst>
+              <a:ext uri="{FF2B5EF4-FFF2-40B4-BE49-F238E27FC236}">
+                <a16:creationId xmlns:a16="http://schemas.microsoft.com/office/drawing/2014/main" id="{87C197AF-C827-4C39-9238-952C97A859AB}"/>
               </a:ext>
             </a:extLst>
           </p:cNvPr>
@@ -6546,8 +6371,8 @@
         </p:nvSpPr>
         <p:spPr>
           <a:xfrm>
-            <a:off x="483268" y="2083904"/>
-            <a:ext cx="10515600" cy="2690191"/>
+            <a:off x="483268" y="2601495"/>
+            <a:ext cx="11869154" cy="1655009"/>
           </a:xfrm>
         </p:spPr>
         <p:txBody>
@@ -6556,9 +6381,8 @@
           </a:bodyPr>
           <a:lstStyle/>
           <a:p>
-            <a:pPr algn="just"/>
-            <a:r>
-              <a:rPr lang="zh-CN" altLang="en-US" dirty="0">
+            <a:r>
+              <a:rPr lang="zh-CN" altLang="en-US" kern="100" dirty="0">
                 <a:solidFill>
                   <a:srgbClr val="000000"/>
                 </a:solidFill>
@@ -6566,9 +6390,9 @@
                 <a:ea typeface="宋体" panose="02010600030101010101" pitchFamily="2" charset="-122"/>
                 <a:cs typeface="宋体" panose="02010600030101010101" pitchFamily="2" charset="-122"/>
               </a:rPr>
-              <a:t>从任何主机或网络故障中快速恢复</a:t>
-            </a:r>
-            <a:endParaRPr lang="en-US" altLang="zh-CN" dirty="0">
+              <a:t>异步流工作：删除操作，先删除相关的资源，低优先级</a:t>
+            </a:r>
+            <a:endParaRPr lang="en-US" altLang="zh-CN" kern="100" dirty="0">
               <a:solidFill>
                 <a:srgbClr val="000000"/>
               </a:solidFill>
@@ -6578,78 +6402,44 @@
             </a:endParaRPr>
           </a:p>
           <a:p>
-            <a:pPr algn="just"/>
-            <a:endParaRPr lang="en-US" altLang="zh-CN" dirty="0">
+            <a:endParaRPr lang="en-US" altLang="zh-CN" kern="100" dirty="0">
               <a:solidFill>
                 <a:srgbClr val="000000"/>
               </a:solidFill>
-              <a:effectLst/>
               <a:latin typeface="宋体" panose="02010600030101010101" pitchFamily="2" charset="-122"/>
               <a:ea typeface="宋体" panose="02010600030101010101" pitchFamily="2" charset="-122"/>
               <a:cs typeface="宋体" panose="02010600030101010101" pitchFamily="2" charset="-122"/>
             </a:endParaRPr>
           </a:p>
           <a:p>
-            <a:pPr algn="just"/>
-            <a:r>
-              <a:rPr lang="zh-CN" altLang="en-US" dirty="0">
+            <a:r>
+              <a:rPr lang="zh-CN" altLang="en-US" kern="100" dirty="0">
                 <a:solidFill>
                   <a:srgbClr val="000000"/>
                 </a:solidFill>
-                <a:effectLst/>
                 <a:latin typeface="宋体" panose="02010600030101010101" pitchFamily="2" charset="-122"/>
                 <a:ea typeface="宋体" panose="02010600030101010101" pitchFamily="2" charset="-122"/>
                 <a:cs typeface="宋体" panose="02010600030101010101" pitchFamily="2" charset="-122"/>
               </a:rPr>
-              <a:t>不透明性和多版本化</a:t>
-            </a:r>
-            <a:endParaRPr lang="en-US" altLang="zh-CN" dirty="0">
+              <a:t>查询执行：查询操作传入后端作为协调器，分发查询任务并整合回传数据</a:t>
+            </a:r>
+            <a:endParaRPr lang="en-US" altLang="zh-CN" kern="100" dirty="0">
               <a:solidFill>
                 <a:srgbClr val="000000"/>
               </a:solidFill>
-              <a:effectLst/>
               <a:latin typeface="宋体" panose="02010600030101010101" pitchFamily="2" charset="-122"/>
               <a:ea typeface="宋体" panose="02010600030101010101" pitchFamily="2" charset="-122"/>
               <a:cs typeface="宋体" panose="02010600030101010101" pitchFamily="2" charset="-122"/>
             </a:endParaRPr>
           </a:p>
-          <a:p>
-            <a:endParaRPr lang="en-US" altLang="zh-CN" dirty="0">
-              <a:latin typeface="宋体" panose="02010600030101010101" pitchFamily="2" charset="-122"/>
-              <a:ea typeface="宋体" panose="02010600030101010101" pitchFamily="2" charset="-122"/>
-            </a:endParaRPr>
-          </a:p>
-          <a:p>
-            <a:r>
-              <a:rPr lang="zh-CN" altLang="en-US" dirty="0">
-                <a:latin typeface="宋体" panose="02010600030101010101" pitchFamily="2" charset="-122"/>
-                <a:ea typeface="宋体" panose="02010600030101010101" pitchFamily="2" charset="-122"/>
-              </a:rPr>
-              <a:t>快速重启防止所有备份</a:t>
-            </a:r>
-            <a:r>
-              <a:rPr lang="en-US" altLang="zh-CN" dirty="0">
-                <a:latin typeface="宋体" panose="02010600030101010101" pitchFamily="2" charset="-122"/>
-                <a:ea typeface="宋体" panose="02010600030101010101" pitchFamily="2" charset="-122"/>
-              </a:rPr>
-              <a:t>FaRM</a:t>
-            </a:r>
-            <a:r>
-              <a:rPr lang="zh-CN" altLang="en-US" dirty="0">
-                <a:latin typeface="宋体" panose="02010600030101010101" pitchFamily="2" charset="-122"/>
-                <a:ea typeface="宋体" panose="02010600030101010101" pitchFamily="2" charset="-122"/>
-              </a:rPr>
-              <a:t>同时故障</a:t>
-            </a:r>
-          </a:p>
-        </p:txBody>
-      </p:sp>
-      <p:sp>
-        <p:nvSpPr>
-          <p:cNvPr id="4" name="文本框 3">
-            <a:extLst>
-              <a:ext uri="{FF2B5EF4-FFF2-40B4-BE49-F238E27FC236}">
-                <a16:creationId xmlns:a16="http://schemas.microsoft.com/office/drawing/2014/main" id="{658C3FAB-87B8-47FB-A011-CFEF8FDE051F}"/>
+        </p:txBody>
+      </p:sp>
+      <p:sp>
+        <p:nvSpPr>
+          <p:cNvPr id="5" name="文本框 4">
+            <a:extLst>
+              <a:ext uri="{FF2B5EF4-FFF2-40B4-BE49-F238E27FC236}">
+                <a16:creationId xmlns:a16="http://schemas.microsoft.com/office/drawing/2014/main" id="{FD7D4069-24A2-4EA2-BF6B-D89B4FBFC368}"/>
               </a:ext>
             </a:extLst>
           </p:cNvPr>
@@ -6659,7 +6449,7 @@
         <p:spPr>
           <a:xfrm>
             <a:off x="483268" y="224589"/>
-            <a:ext cx="3318711" cy="830997"/>
+            <a:ext cx="6527132" cy="830997"/>
           </a:xfrm>
           <a:prstGeom prst="rect">
             <a:avLst/>
@@ -6684,26 +6474,15 @@
                 <a:latin typeface="宋体" panose="02010600030101010101" pitchFamily="2" charset="-122"/>
                 <a:ea typeface="宋体" panose="02010600030101010101" pitchFamily="2" charset="-122"/>
               </a:rPr>
-              <a:t> </a:t>
-            </a:r>
-            <a:r>
-              <a:rPr lang="en-US" altLang="zh-CN" sz="4800" dirty="0">
-                <a:latin typeface="宋体" panose="02010600030101010101" pitchFamily="2" charset="-122"/>
-                <a:ea typeface="宋体" panose="02010600030101010101" pitchFamily="2" charset="-122"/>
-              </a:rPr>
-              <a:t>in Bing</a:t>
-            </a:r>
-            <a:endParaRPr lang="zh-CN" altLang="en-US" sz="4800" dirty="0">
-              <a:latin typeface="宋体" panose="02010600030101010101" pitchFamily="2" charset="-122"/>
-              <a:ea typeface="宋体" panose="02010600030101010101" pitchFamily="2" charset="-122"/>
-            </a:endParaRPr>
+              <a:t>查询引擎</a:t>
+            </a:r>
           </a:p>
         </p:txBody>
       </p:sp>
     </p:spTree>
     <p:extLst>
       <p:ext uri="{BB962C8B-B14F-4D97-AF65-F5344CB8AC3E}">
-        <p14:creationId xmlns:p14="http://schemas.microsoft.com/office/powerpoint/2010/main" val="1487376697"/>
+        <p14:creationId xmlns:p14="http://schemas.microsoft.com/office/powerpoint/2010/main" val="1322855052"/>
       </p:ext>
     </p:extLst>
   </p:cSld>

--- a/S320067135赵博文.pptx
+++ b/S320067135赵博文.pptx
@@ -3899,78 +3899,23 @@
       </p:grpSpPr>
       <p:sp>
         <p:nvSpPr>
-          <p:cNvPr id="2" name="标题 1">
-            <a:extLst>
-              <a:ext uri="{FF2B5EF4-FFF2-40B4-BE49-F238E27FC236}">
-                <a16:creationId xmlns:a16="http://schemas.microsoft.com/office/drawing/2014/main" id="{95F33692-A785-4DC5-BD92-7BED77B90E97}"/>
-              </a:ext>
-            </a:extLst>
-          </p:cNvPr>
-          <p:cNvSpPr>
-            <a:spLocks noGrp="1"/>
-          </p:cNvSpPr>
-          <p:nvPr>
-            <p:ph type="ctrTitle"/>
+          <p:cNvPr id="3" name="副标题 2">
+            <a:extLst>
+              <a:ext uri="{FF2B5EF4-FFF2-40B4-BE49-F238E27FC236}">
+                <a16:creationId xmlns:a16="http://schemas.microsoft.com/office/drawing/2014/main" id="{2483F776-DEC3-4AD4-8318-AEEB9590C4C2}"/>
+              </a:ext>
+            </a:extLst>
+          </p:cNvPr>
+          <p:cNvSpPr>
+            <a:spLocks noGrp="1"/>
+          </p:cNvSpPr>
+          <p:nvPr>
+            <p:ph type="subTitle" idx="1"/>
           </p:nvPr>
         </p:nvSpPr>
         <p:spPr>
           <a:xfrm>
-            <a:off x="1524000" y="1122363"/>
-            <a:ext cx="9144000" cy="1439236"/>
-          </a:xfrm>
-        </p:spPr>
-        <p:txBody>
-          <a:bodyPr>
-            <a:normAutofit/>
-          </a:bodyPr>
-          <a:lstStyle/>
-          <a:p>
-            <a:r>
-              <a:rPr lang="en-US" altLang="zh-CN" sz="4800" dirty="0">
-                <a:latin typeface="宋体" panose="02010600030101010101" pitchFamily="2" charset="-122"/>
-                <a:ea typeface="宋体" panose="02010600030101010101" pitchFamily="2" charset="-122"/>
-              </a:rPr>
-              <a:t>A1: A Distributed </a:t>
-            </a:r>
-            <a:br>
-              <a:rPr lang="en-US" altLang="zh-CN" sz="4800" dirty="0">
-                <a:latin typeface="宋体" panose="02010600030101010101" pitchFamily="2" charset="-122"/>
-                <a:ea typeface="宋体" panose="02010600030101010101" pitchFamily="2" charset="-122"/>
-              </a:rPr>
-            </a:br>
-            <a:r>
-              <a:rPr lang="en-US" altLang="zh-CN" sz="4800" dirty="0">
-                <a:latin typeface="宋体" panose="02010600030101010101" pitchFamily="2" charset="-122"/>
-                <a:ea typeface="宋体" panose="02010600030101010101" pitchFamily="2" charset="-122"/>
-              </a:rPr>
-              <a:t>In-Memory Graph Database</a:t>
-            </a:r>
-            <a:endParaRPr lang="zh-CN" altLang="en-US" sz="4800" dirty="0">
-              <a:latin typeface="宋体" panose="02010600030101010101" pitchFamily="2" charset="-122"/>
-              <a:ea typeface="宋体" panose="02010600030101010101" pitchFamily="2" charset="-122"/>
-            </a:endParaRPr>
-          </a:p>
-        </p:txBody>
-      </p:sp>
-      <p:sp>
-        <p:nvSpPr>
-          <p:cNvPr id="3" name="副标题 2">
-            <a:extLst>
-              <a:ext uri="{FF2B5EF4-FFF2-40B4-BE49-F238E27FC236}">
-                <a16:creationId xmlns:a16="http://schemas.microsoft.com/office/drawing/2014/main" id="{2483F776-DEC3-4AD4-8318-AEEB9590C4C2}"/>
-              </a:ext>
-            </a:extLst>
-          </p:cNvPr>
-          <p:cNvSpPr>
-            <a:spLocks noGrp="1"/>
-          </p:cNvSpPr>
-          <p:nvPr>
-            <p:ph type="subTitle" idx="1"/>
-          </p:nvPr>
-        </p:nvSpPr>
-        <p:spPr>
-          <a:xfrm>
-            <a:off x="1242645" y="2997527"/>
+            <a:off x="1236784" y="2997527"/>
             <a:ext cx="9718431" cy="862945"/>
           </a:xfrm>
         </p:spPr>

--- a/S320067135赵博文.pptx
+++ b/S320067135赵博文.pptx
@@ -208,7 +208,7 @@
           <a:p>
             <a:fld id="{706337D4-FC10-45D0-9EE1-D507C16D2351}" type="datetimeFigureOut">
               <a:rPr lang="zh-CN" altLang="en-US" smtClean="0"/>
-              <a:t>2020/12/8</a:t>
+              <a:t>2020/12/13</a:t>
             </a:fld>
             <a:endParaRPr lang="zh-CN" altLang="en-US"/>
           </a:p>
@@ -807,7 +807,7 @@
           <a:p>
             <a:fld id="{774E367D-5AB4-492E-B702-F549CA70CC8A}" type="datetimeFigureOut">
               <a:rPr lang="zh-CN" altLang="en-US" smtClean="0"/>
-              <a:t>2020/12/8</a:t>
+              <a:t>2020/12/13</a:t>
             </a:fld>
             <a:endParaRPr lang="zh-CN" altLang="en-US"/>
           </a:p>
@@ -1005,7 +1005,7 @@
           <a:p>
             <a:fld id="{774E367D-5AB4-492E-B702-F549CA70CC8A}" type="datetimeFigureOut">
               <a:rPr lang="zh-CN" altLang="en-US" smtClean="0"/>
-              <a:t>2020/12/8</a:t>
+              <a:t>2020/12/13</a:t>
             </a:fld>
             <a:endParaRPr lang="zh-CN" altLang="en-US"/>
           </a:p>
@@ -1213,7 +1213,7 @@
           <a:p>
             <a:fld id="{774E367D-5AB4-492E-B702-F549CA70CC8A}" type="datetimeFigureOut">
               <a:rPr lang="zh-CN" altLang="en-US" smtClean="0"/>
-              <a:t>2020/12/8</a:t>
+              <a:t>2020/12/13</a:t>
             </a:fld>
             <a:endParaRPr lang="zh-CN" altLang="en-US"/>
           </a:p>
@@ -1411,7 +1411,7 @@
           <a:p>
             <a:fld id="{774E367D-5AB4-492E-B702-F549CA70CC8A}" type="datetimeFigureOut">
               <a:rPr lang="zh-CN" altLang="en-US" smtClean="0"/>
-              <a:t>2020/12/8</a:t>
+              <a:t>2020/12/13</a:t>
             </a:fld>
             <a:endParaRPr lang="zh-CN" altLang="en-US"/>
           </a:p>
@@ -1686,7 +1686,7 @@
           <a:p>
             <a:fld id="{774E367D-5AB4-492E-B702-F549CA70CC8A}" type="datetimeFigureOut">
               <a:rPr lang="zh-CN" altLang="en-US" smtClean="0"/>
-              <a:t>2020/12/8</a:t>
+              <a:t>2020/12/13</a:t>
             </a:fld>
             <a:endParaRPr lang="zh-CN" altLang="en-US"/>
           </a:p>
@@ -1951,7 +1951,7 @@
           <a:p>
             <a:fld id="{774E367D-5AB4-492E-B702-F549CA70CC8A}" type="datetimeFigureOut">
               <a:rPr lang="zh-CN" altLang="en-US" smtClean="0"/>
-              <a:t>2020/12/8</a:t>
+              <a:t>2020/12/13</a:t>
             </a:fld>
             <a:endParaRPr lang="zh-CN" altLang="en-US"/>
           </a:p>
@@ -2363,7 +2363,7 @@
           <a:p>
             <a:fld id="{774E367D-5AB4-492E-B702-F549CA70CC8A}" type="datetimeFigureOut">
               <a:rPr lang="zh-CN" altLang="en-US" smtClean="0"/>
-              <a:t>2020/12/8</a:t>
+              <a:t>2020/12/13</a:t>
             </a:fld>
             <a:endParaRPr lang="zh-CN" altLang="en-US"/>
           </a:p>
@@ -2504,7 +2504,7 @@
           <a:p>
             <a:fld id="{774E367D-5AB4-492E-B702-F549CA70CC8A}" type="datetimeFigureOut">
               <a:rPr lang="zh-CN" altLang="en-US" smtClean="0"/>
-              <a:t>2020/12/8</a:t>
+              <a:t>2020/12/13</a:t>
             </a:fld>
             <a:endParaRPr lang="zh-CN" altLang="en-US"/>
           </a:p>
@@ -2617,7 +2617,7 @@
           <a:p>
             <a:fld id="{774E367D-5AB4-492E-B702-F549CA70CC8A}" type="datetimeFigureOut">
               <a:rPr lang="zh-CN" altLang="en-US" smtClean="0"/>
-              <a:t>2020/12/8</a:t>
+              <a:t>2020/12/13</a:t>
             </a:fld>
             <a:endParaRPr lang="zh-CN" altLang="en-US"/>
           </a:p>
@@ -2928,7 +2928,7 @@
           <a:p>
             <a:fld id="{774E367D-5AB4-492E-B702-F549CA70CC8A}" type="datetimeFigureOut">
               <a:rPr lang="zh-CN" altLang="en-US" smtClean="0"/>
-              <a:t>2020/12/8</a:t>
+              <a:t>2020/12/13</a:t>
             </a:fld>
             <a:endParaRPr lang="zh-CN" altLang="en-US"/>
           </a:p>
@@ -3216,7 +3216,7 @@
           <a:p>
             <a:fld id="{774E367D-5AB4-492E-B702-F549CA70CC8A}" type="datetimeFigureOut">
               <a:rPr lang="zh-CN" altLang="en-US" smtClean="0"/>
-              <a:t>2020/12/8</a:t>
+              <a:t>2020/12/13</a:t>
             </a:fld>
             <a:endParaRPr lang="zh-CN" altLang="en-US"/>
           </a:p>
@@ -3480,7 +3480,7 @@
           <a:p>
             <a:fld id="{774E367D-5AB4-492E-B702-F549CA70CC8A}" type="datetimeFigureOut">
               <a:rPr lang="zh-CN" altLang="en-US" smtClean="0"/>
-              <a:t>2020/12/8</a:t>
+              <a:t>2020/12/13</a:t>
             </a:fld>
             <a:endParaRPr lang="zh-CN" altLang="en-US"/>
           </a:p>
@@ -3915,7 +3915,7 @@
         </p:nvSpPr>
         <p:spPr>
           <a:xfrm>
-            <a:off x="1236784" y="2997527"/>
+            <a:off x="1201349" y="2124690"/>
             <a:ext cx="9718431" cy="862945"/>
           </a:xfrm>
         </p:spPr>
@@ -4014,6 +4014,85 @@
               <a:rPr lang="zh-CN" altLang="en-US" sz="2800" dirty="0"/>
               <a:t>赵博文</a:t>
             </a:r>
+          </a:p>
+        </p:txBody>
+      </p:sp>
+      <p:sp>
+        <p:nvSpPr>
+          <p:cNvPr id="2" name="文本框 1">
+            <a:extLst>
+              <a:ext uri="{FF2B5EF4-FFF2-40B4-BE49-F238E27FC236}">
+                <a16:creationId xmlns:a16="http://schemas.microsoft.com/office/drawing/2014/main" id="{6AB2F46C-2042-46D2-A1B4-AF151E61B963}"/>
+              </a:ext>
+            </a:extLst>
+          </p:cNvPr>
+          <p:cNvSpPr txBox="1"/>
+          <p:nvPr/>
+        </p:nvSpPr>
+        <p:spPr>
+          <a:xfrm>
+            <a:off x="714574" y="3340442"/>
+            <a:ext cx="10691980" cy="646331"/>
+          </a:xfrm>
+          <a:prstGeom prst="rect">
+            <a:avLst/>
+          </a:prstGeom>
+          <a:noFill/>
+        </p:spPr>
+        <p:txBody>
+          <a:bodyPr wrap="square" rtlCol="0">
+            <a:spAutoFit/>
+          </a:bodyPr>
+          <a:lstStyle/>
+          <a:p>
+            <a:pPr algn="ctr"/>
+            <a:r>
+              <a:rPr lang="en-US" altLang="zh-CN" sz="3600" dirty="0">
+                <a:latin typeface="宋体" panose="02010600030101010101" pitchFamily="2" charset="-122"/>
+                <a:ea typeface="宋体" panose="02010600030101010101" pitchFamily="2" charset="-122"/>
+              </a:rPr>
+              <a:t>A1: A Distributed In-Memory Graph Database</a:t>
+            </a:r>
+            <a:endParaRPr lang="zh-CN" altLang="en-US" sz="3600" dirty="0">
+              <a:latin typeface="宋体" panose="02010600030101010101" pitchFamily="2" charset="-122"/>
+              <a:ea typeface="宋体" panose="02010600030101010101" pitchFamily="2" charset="-122"/>
+            </a:endParaRPr>
+          </a:p>
+        </p:txBody>
+      </p:sp>
+      <p:sp>
+        <p:nvSpPr>
+          <p:cNvPr id="5" name="文本框 4">
+            <a:extLst>
+              <a:ext uri="{FF2B5EF4-FFF2-40B4-BE49-F238E27FC236}">
+                <a16:creationId xmlns:a16="http://schemas.microsoft.com/office/drawing/2014/main" id="{576647B5-1762-4B8A-AF51-1D16D046A9E1}"/>
+              </a:ext>
+            </a:extLst>
+          </p:cNvPr>
+          <p:cNvSpPr txBox="1"/>
+          <p:nvPr/>
+        </p:nvSpPr>
+        <p:spPr>
+          <a:xfrm>
+            <a:off x="6359237" y="4414929"/>
+            <a:ext cx="5621482" cy="369332"/>
+          </a:xfrm>
+          <a:prstGeom prst="rect">
+            <a:avLst/>
+          </a:prstGeom>
+          <a:noFill/>
+        </p:spPr>
+        <p:txBody>
+          <a:bodyPr wrap="square" rtlCol="0">
+            <a:spAutoFit/>
+          </a:bodyPr>
+          <a:lstStyle/>
+          <a:p>
+            <a:r>
+              <a:rPr lang="en-US" altLang="zh-CN" dirty="0"/>
+              <a:t>SIGMOD ’20, June 14–19, 2020, Portland, OR, USA</a:t>
+            </a:r>
+            <a:endParaRPr lang="zh-CN" altLang="en-US" dirty="0"/>
           </a:p>
         </p:txBody>
       </p:sp>
@@ -4608,7 +4687,7 @@
                   <a:srgbClr val="000000"/>
                 </a:solidFill>
                 <a:effectLst/>
-                <a:latin typeface="Times New Roman" panose="02020603050405020304" pitchFamily="18" charset="0"/>
+                <a:latin typeface="宋体" panose="02010600030101010101" pitchFamily="2" charset="-122"/>
                 <a:ea typeface="宋体" panose="02010600030101010101" pitchFamily="2" charset="-122"/>
                 <a:cs typeface="宋体" panose="02010600030101010101" pitchFamily="2" charset="-122"/>
               </a:rPr>
@@ -4620,7 +4699,7 @@
                   <a:srgbClr val="000000"/>
                 </a:solidFill>
                 <a:effectLst/>
-                <a:latin typeface="Times New Roman" panose="02020603050405020304" pitchFamily="18" charset="0"/>
+                <a:latin typeface="宋体" panose="02010600030101010101" pitchFamily="2" charset="-122"/>
                 <a:ea typeface="宋体" panose="02010600030101010101" pitchFamily="2" charset="-122"/>
                 <a:cs typeface="宋体" panose="02010600030101010101" pitchFamily="2" charset="-122"/>
               </a:rPr>
@@ -4632,7 +4711,7 @@
                   <a:srgbClr val="000000"/>
                 </a:solidFill>
                 <a:effectLst/>
-                <a:latin typeface="Times New Roman" panose="02020603050405020304" pitchFamily="18" charset="0"/>
+                <a:latin typeface="宋体" panose="02010600030101010101" pitchFamily="2" charset="-122"/>
                 <a:ea typeface="宋体" panose="02010600030101010101" pitchFamily="2" charset="-122"/>
                 <a:cs typeface="宋体" panose="02010600030101010101" pitchFamily="2" charset="-122"/>
               </a:rPr>
@@ -4644,7 +4723,7 @@
                   <a:srgbClr val="000000"/>
                 </a:solidFill>
                 <a:effectLst/>
-                <a:latin typeface="Times New Roman" panose="02020603050405020304" pitchFamily="18" charset="0"/>
+                <a:latin typeface="宋体" panose="02010600030101010101" pitchFamily="2" charset="-122"/>
                 <a:ea typeface="宋体" panose="02010600030101010101" pitchFamily="2" charset="-122"/>
                 <a:cs typeface="宋体" panose="02010600030101010101" pitchFamily="2" charset="-122"/>
               </a:rPr>
@@ -4663,7 +4742,7 @@
                   <a:srgbClr val="000000"/>
                 </a:solidFill>
                 <a:effectLst/>
-                <a:latin typeface="Times New Roman" panose="02020603050405020304" pitchFamily="18" charset="0"/>
+                <a:latin typeface="宋体" panose="02010600030101010101" pitchFamily="2" charset="-122"/>
                 <a:ea typeface="宋体" panose="02010600030101010101" pitchFamily="2" charset="-122"/>
                 <a:cs typeface="宋体" panose="02010600030101010101" pitchFamily="2" charset="-122"/>
               </a:rPr>
@@ -4675,7 +4754,7 @@
                   <a:srgbClr val="000000"/>
                 </a:solidFill>
                 <a:effectLst/>
-                <a:latin typeface="Times New Roman" panose="02020603050405020304" pitchFamily="18" charset="0"/>
+                <a:latin typeface="宋体" panose="02010600030101010101" pitchFamily="2" charset="-122"/>
                 <a:ea typeface="宋体" panose="02010600030101010101" pitchFamily="2" charset="-122"/>
                 <a:cs typeface="宋体" panose="02010600030101010101" pitchFamily="2" charset="-122"/>
               </a:rPr>
@@ -4687,7 +4766,7 @@
                   <a:srgbClr val="000000"/>
                 </a:solidFill>
                 <a:effectLst/>
-                <a:latin typeface="Times New Roman" panose="02020603050405020304" pitchFamily="18" charset="0"/>
+                <a:latin typeface="宋体" panose="02010600030101010101" pitchFamily="2" charset="-122"/>
                 <a:ea typeface="宋体" panose="02010600030101010101" pitchFamily="2" charset="-122"/>
                 <a:cs typeface="宋体" panose="02010600030101010101" pitchFamily="2" charset="-122"/>
               </a:rPr>
@@ -4699,7 +4778,7 @@
                   <a:srgbClr val="000000"/>
                 </a:solidFill>
                 <a:effectLst/>
-                <a:latin typeface="Times New Roman" panose="02020603050405020304" pitchFamily="18" charset="0"/>
+                <a:latin typeface="宋体" panose="02010600030101010101" pitchFamily="2" charset="-122"/>
                 <a:ea typeface="宋体" panose="02010600030101010101" pitchFamily="2" charset="-122"/>
                 <a:cs typeface="宋体" panose="02010600030101010101" pitchFamily="2" charset="-122"/>
               </a:rPr>
@@ -4710,7 +4789,7 @@
                 <a:srgbClr val="000000"/>
               </a:solidFill>
               <a:effectLst/>
-              <a:latin typeface="Times New Roman" panose="02020603050405020304" pitchFamily="18" charset="0"/>
+              <a:latin typeface="宋体" panose="02010600030101010101" pitchFamily="2" charset="-122"/>
               <a:ea typeface="宋体" panose="02010600030101010101" pitchFamily="2" charset="-122"/>
               <a:cs typeface="宋体" panose="02010600030101010101" pitchFamily="2" charset="-122"/>
             </a:endParaRPr>
@@ -4725,7 +4804,7 @@
                   <a:srgbClr val="000000"/>
                 </a:solidFill>
                 <a:effectLst/>
-                <a:latin typeface="Times New Roman" panose="02020603050405020304" pitchFamily="18" charset="0"/>
+                <a:latin typeface="宋体" panose="02010600030101010101" pitchFamily="2" charset="-122"/>
                 <a:ea typeface="宋体" panose="02010600030101010101" pitchFamily="2" charset="-122"/>
                 <a:cs typeface="宋体" panose="02010600030101010101" pitchFamily="2" charset="-122"/>
               </a:rPr>
@@ -4736,7 +4815,7 @@
                 <a:srgbClr val="000000"/>
               </a:solidFill>
               <a:effectLst/>
-              <a:latin typeface="Times New Roman" panose="02020603050405020304" pitchFamily="18" charset="0"/>
+              <a:latin typeface="宋体" panose="02010600030101010101" pitchFamily="2" charset="-122"/>
               <a:ea typeface="宋体" panose="02010600030101010101" pitchFamily="2" charset="-122"/>
               <a:cs typeface="宋体" panose="02010600030101010101" pitchFamily="2" charset="-122"/>
             </a:endParaRPr>
@@ -4747,7 +4826,7 @@
                 <a:srgbClr val="000000"/>
               </a:solidFill>
               <a:effectLst/>
-              <a:latin typeface="Times New Roman" panose="02020603050405020304" pitchFamily="18" charset="0"/>
+              <a:latin typeface="宋体" panose="02010600030101010101" pitchFamily="2" charset="-122"/>
               <a:ea typeface="宋体" panose="02010600030101010101" pitchFamily="2" charset="-122"/>
               <a:cs typeface="宋体" panose="02010600030101010101" pitchFamily="2" charset="-122"/>
             </a:endParaRPr>
@@ -4759,7 +4838,7 @@
                   <a:srgbClr val="000000"/>
                 </a:solidFill>
                 <a:effectLst/>
-                <a:latin typeface="Times New Roman" panose="02020603050405020304" pitchFamily="18" charset="0"/>
+                <a:latin typeface="宋体" panose="02010600030101010101" pitchFamily="2" charset="-122"/>
                 <a:ea typeface="宋体" panose="02010600030101010101" pitchFamily="2" charset="-122"/>
                 <a:cs typeface="宋体" panose="02010600030101010101" pitchFamily="2" charset="-122"/>
               </a:rPr>
@@ -4771,7 +4850,7 @@
                   <a:srgbClr val="000000"/>
                 </a:solidFill>
                 <a:effectLst/>
-                <a:latin typeface="Times New Roman" panose="02020603050405020304" pitchFamily="18" charset="0"/>
+                <a:latin typeface="宋体" panose="02010600030101010101" pitchFamily="2" charset="-122"/>
                 <a:ea typeface="宋体" panose="02010600030101010101" pitchFamily="2" charset="-122"/>
                 <a:cs typeface="宋体" panose="02010600030101010101" pitchFamily="2" charset="-122"/>
               </a:rPr>
@@ -4782,7 +4861,7 @@
                 <a:solidFill>
                   <a:srgbClr val="000000"/>
                 </a:solidFill>
-                <a:latin typeface="Times New Roman" panose="02020603050405020304" pitchFamily="18" charset="0"/>
+                <a:latin typeface="宋体" panose="02010600030101010101" pitchFamily="2" charset="-122"/>
                 <a:ea typeface="宋体" panose="02010600030101010101" pitchFamily="2" charset="-122"/>
                 <a:cs typeface="宋体" panose="02010600030101010101" pitchFamily="2" charset="-122"/>
               </a:rPr>
@@ -4794,7 +4873,7 @@
                   <a:srgbClr val="000000"/>
                 </a:solidFill>
                 <a:effectLst/>
-                <a:latin typeface="Times New Roman" panose="02020603050405020304" pitchFamily="18" charset="0"/>
+                <a:latin typeface="宋体" panose="02010600030101010101" pitchFamily="2" charset="-122"/>
                 <a:ea typeface="宋体" panose="02010600030101010101" pitchFamily="2" charset="-122"/>
                 <a:cs typeface="宋体" panose="02010600030101010101" pitchFamily="2" charset="-122"/>
               </a:rPr>
@@ -4806,7 +4885,7 @@
                   <a:srgbClr val="000000"/>
                 </a:solidFill>
                 <a:effectLst/>
-                <a:latin typeface="Times New Roman" panose="02020603050405020304" pitchFamily="18" charset="0"/>
+                <a:latin typeface="宋体" panose="02010600030101010101" pitchFamily="2" charset="-122"/>
                 <a:ea typeface="宋体" panose="02010600030101010101" pitchFamily="2" charset="-122"/>
                 <a:cs typeface="宋体" panose="02010600030101010101" pitchFamily="2" charset="-122"/>
               </a:rPr>
@@ -4818,7 +4897,7 @@
                   <a:srgbClr val="000000"/>
                 </a:solidFill>
                 <a:effectLst/>
-                <a:latin typeface="Times New Roman" panose="02020603050405020304" pitchFamily="18" charset="0"/>
+                <a:latin typeface="宋体" panose="02010600030101010101" pitchFamily="2" charset="-122"/>
                 <a:ea typeface="宋体" panose="02010600030101010101" pitchFamily="2" charset="-122"/>
                 <a:cs typeface="宋体" panose="02010600030101010101" pitchFamily="2" charset="-122"/>
               </a:rPr>
@@ -4830,7 +4909,7 @@
                   <a:srgbClr val="000000"/>
                 </a:solidFill>
                 <a:effectLst/>
-                <a:latin typeface="Times New Roman" panose="02020603050405020304" pitchFamily="18" charset="0"/>
+                <a:latin typeface="宋体" panose="02010600030101010101" pitchFamily="2" charset="-122"/>
                 <a:ea typeface="宋体" panose="02010600030101010101" pitchFamily="2" charset="-122"/>
                 <a:cs typeface="宋体" panose="02010600030101010101" pitchFamily="2" charset="-122"/>
               </a:rPr>
@@ -4842,7 +4921,7 @@
                   <a:srgbClr val="000000"/>
                 </a:solidFill>
                 <a:effectLst/>
-                <a:latin typeface="Times New Roman" panose="02020603050405020304" pitchFamily="18" charset="0"/>
+                <a:latin typeface="宋体" panose="02010600030101010101" pitchFamily="2" charset="-122"/>
                 <a:ea typeface="宋体" panose="02010600030101010101" pitchFamily="2" charset="-122"/>
                 <a:cs typeface="宋体" panose="02010600030101010101" pitchFamily="2" charset="-122"/>
               </a:rPr>
@@ -4854,7 +4933,7 @@
                   <a:srgbClr val="000000"/>
                 </a:solidFill>
                 <a:effectLst/>
-                <a:latin typeface="Times New Roman" panose="02020603050405020304" pitchFamily="18" charset="0"/>
+                <a:latin typeface="宋体" panose="02010600030101010101" pitchFamily="2" charset="-122"/>
                 <a:ea typeface="宋体" panose="02010600030101010101" pitchFamily="2" charset="-122"/>
                 <a:cs typeface="宋体" panose="02010600030101010101" pitchFamily="2" charset="-122"/>
               </a:rPr>
@@ -4866,7 +4945,7 @@
                   <a:srgbClr val="000000"/>
                 </a:solidFill>
                 <a:effectLst/>
-                <a:latin typeface="Times New Roman" panose="02020603050405020304" pitchFamily="18" charset="0"/>
+                <a:latin typeface="宋体" panose="02010600030101010101" pitchFamily="2" charset="-122"/>
                 <a:ea typeface="宋体" panose="02010600030101010101" pitchFamily="2" charset="-122"/>
                 <a:cs typeface="宋体" panose="02010600030101010101" pitchFamily="2" charset="-122"/>
               </a:rPr>
@@ -4877,7 +4956,7 @@
                 <a:srgbClr val="000000"/>
               </a:solidFill>
               <a:effectLst/>
-              <a:latin typeface="Times New Roman" panose="02020603050405020304" pitchFamily="18" charset="0"/>
+              <a:latin typeface="宋体" panose="02010600030101010101" pitchFamily="2" charset="-122"/>
               <a:ea typeface="宋体" panose="02010600030101010101" pitchFamily="2" charset="-122"/>
               <a:cs typeface="宋体" panose="02010600030101010101" pitchFamily="2" charset="-122"/>
             </a:endParaRPr>
@@ -4891,7 +4970,7 @@
                 <a:solidFill>
                   <a:srgbClr val="000000"/>
                 </a:solidFill>
-                <a:latin typeface="Times New Roman" panose="02020603050405020304" pitchFamily="18" charset="0"/>
+                <a:latin typeface="宋体" panose="02010600030101010101" pitchFamily="2" charset="-122"/>
                 <a:ea typeface="宋体" panose="02010600030101010101" pitchFamily="2" charset="-122"/>
                 <a:cs typeface="宋体" panose="02010600030101010101" pitchFamily="2" charset="-122"/>
               </a:rPr>
@@ -4901,7 +4980,7 @@
               <a:solidFill>
                 <a:srgbClr val="000000"/>
               </a:solidFill>
-              <a:latin typeface="Times New Roman" panose="02020603050405020304" pitchFamily="18" charset="0"/>
+              <a:latin typeface="宋体" panose="02010600030101010101" pitchFamily="2" charset="-122"/>
               <a:ea typeface="宋体" panose="02010600030101010101" pitchFamily="2" charset="-122"/>
               <a:cs typeface="宋体" panose="02010600030101010101" pitchFamily="2" charset="-122"/>
             </a:endParaRPr>
